--- a/Fase 3/Evidencias Grupales/Presentación final (1.0).pptx
+++ b/Fase 3/Evidencias Grupales/Presentación final (1.0).pptx
@@ -8,17 +8,18 @@
     <p:sldId id="256" r:id="rId2"/>
     <p:sldId id="257" r:id="rId3"/>
     <p:sldId id="258" r:id="rId4"/>
-    <p:sldId id="259" r:id="rId5"/>
-    <p:sldId id="264" r:id="rId6"/>
-    <p:sldId id="260" r:id="rId7"/>
-    <p:sldId id="262" r:id="rId8"/>
-    <p:sldId id="263" r:id="rId9"/>
-    <p:sldId id="269" r:id="rId10"/>
-    <p:sldId id="270" r:id="rId11"/>
-    <p:sldId id="265" r:id="rId12"/>
-    <p:sldId id="267" r:id="rId13"/>
-    <p:sldId id="268" r:id="rId14"/>
-    <p:sldId id="266" r:id="rId15"/>
+    <p:sldId id="271" r:id="rId5"/>
+    <p:sldId id="259" r:id="rId6"/>
+    <p:sldId id="264" r:id="rId7"/>
+    <p:sldId id="260" r:id="rId8"/>
+    <p:sldId id="262" r:id="rId9"/>
+    <p:sldId id="263" r:id="rId10"/>
+    <p:sldId id="269" r:id="rId11"/>
+    <p:sldId id="270" r:id="rId12"/>
+    <p:sldId id="265" r:id="rId13"/>
+    <p:sldId id="267" r:id="rId14"/>
+    <p:sldId id="268" r:id="rId15"/>
+    <p:sldId id="266" r:id="rId16"/>
   </p:sldIdLst>
   <p:sldSz cx="12192000" cy="6858000"/>
   <p:notesSz cx="6858000" cy="9144000"/>
@@ -932,7 +933,7 @@
         <a:p>
           <a:r>
             <a:rPr lang="es-MX" dirty="0"/>
-            <a:t>Cargo</a:t>
+            <a:t>Estudiante Ingeniería Informática</a:t>
           </a:r>
           <a:endParaRPr lang="es-CL" dirty="0"/>
         </a:p>
@@ -1043,7 +1044,11 @@
         <a:p>
           <a:r>
             <a:rPr lang="es-MX" dirty="0"/>
-            <a:t>Funciones desempeñadas</a:t>
+            <a:t>Proyecto </a:t>
+          </a:r>
+          <a:r>
+            <a:rPr lang="es-MX" dirty="0" err="1"/>
+            <a:t>Capstone</a:t>
           </a:r>
           <a:endParaRPr lang="es-CL" dirty="0"/>
         </a:p>
@@ -1080,7 +1085,7 @@
         <a:p>
           <a:r>
             <a:rPr lang="es-MX" dirty="0"/>
-            <a:t>Cargo</a:t>
+            <a:t>Estudiante Ingeniería Informática</a:t>
           </a:r>
           <a:endParaRPr lang="es-CL" dirty="0"/>
         </a:p>
@@ -1117,7 +1122,11 @@
         <a:p>
           <a:r>
             <a:rPr lang="es-MX" dirty="0"/>
-            <a:t>Funciones desempeñadas</a:t>
+            <a:t>Proyecto </a:t>
+          </a:r>
+          <a:r>
+            <a:rPr lang="es-MX" dirty="0" err="1"/>
+            <a:t>Capstone</a:t>
           </a:r>
           <a:endParaRPr lang="es-CL" dirty="0"/>
         </a:p>
@@ -1154,7 +1163,7 @@
         <a:p>
           <a:r>
             <a:rPr lang="es-MX" dirty="0"/>
-            <a:t>Cargo</a:t>
+            <a:t>Estudiante Ingeniería Informática</a:t>
           </a:r>
           <a:endParaRPr lang="es-CL" dirty="0"/>
         </a:p>
@@ -1191,7 +1200,11 @@
         <a:p>
           <a:r>
             <a:rPr lang="es-MX" dirty="0"/>
-            <a:t>Funciones desempeñadas</a:t>
+            <a:t>Proyecto </a:t>
+          </a:r>
+          <a:r>
+            <a:rPr lang="es-MX" dirty="0" err="1"/>
+            <a:t>Capstone</a:t>
           </a:r>
           <a:endParaRPr lang="es-CL" dirty="0"/>
         </a:p>
@@ -1476,7 +1489,7 @@
           </a:pPr>
           <a:r>
             <a:rPr lang="es-MX" sz="2000" kern="1200" dirty="0"/>
-            <a:t>Cargo</a:t>
+            <a:t>Estudiante Ingeniería Informática</a:t>
           </a:r>
           <a:endParaRPr lang="es-CL" sz="2000" kern="1200" dirty="0"/>
         </a:p>
@@ -1495,7 +1508,11 @@
           </a:pPr>
           <a:r>
             <a:rPr lang="es-MX" sz="2000" kern="1200" dirty="0"/>
-            <a:t>Funciones desempeñadas</a:t>
+            <a:t>Proyecto </a:t>
+          </a:r>
+          <a:r>
+            <a:rPr lang="es-MX" sz="2000" kern="1200" dirty="0" err="1"/>
+            <a:t>Capstone</a:t>
           </a:r>
           <a:endParaRPr lang="es-CL" sz="2000" kern="1200" dirty="0"/>
         </a:p>
@@ -1670,7 +1687,7 @@
           </a:pPr>
           <a:r>
             <a:rPr lang="es-MX" sz="2000" kern="1200" dirty="0"/>
-            <a:t>Cargo</a:t>
+            <a:t>Estudiante Ingeniería Informática</a:t>
           </a:r>
           <a:endParaRPr lang="es-CL" sz="2000" kern="1200" dirty="0"/>
         </a:p>
@@ -1689,7 +1706,11 @@
           </a:pPr>
           <a:r>
             <a:rPr lang="es-MX" sz="2000" kern="1200" dirty="0"/>
-            <a:t>Funciones desempeñadas</a:t>
+            <a:t>Proyecto </a:t>
+          </a:r>
+          <a:r>
+            <a:rPr lang="es-MX" sz="2000" kern="1200" dirty="0" err="1"/>
+            <a:t>Capstone</a:t>
           </a:r>
           <a:endParaRPr lang="es-CL" sz="2000" kern="1200" dirty="0"/>
         </a:p>
@@ -1864,7 +1885,7 @@
           </a:pPr>
           <a:r>
             <a:rPr lang="es-MX" sz="2000" kern="1200" dirty="0"/>
-            <a:t>Cargo</a:t>
+            <a:t>Estudiante Ingeniería Informática</a:t>
           </a:r>
           <a:endParaRPr lang="es-CL" sz="2000" kern="1200" dirty="0"/>
         </a:p>
@@ -1883,7 +1904,11 @@
           </a:pPr>
           <a:r>
             <a:rPr lang="es-MX" sz="2000" kern="1200" dirty="0"/>
-            <a:t>Funciones desempeñadas</a:t>
+            <a:t>Proyecto </a:t>
+          </a:r>
+          <a:r>
+            <a:rPr lang="es-MX" sz="2000" kern="1200" dirty="0" err="1"/>
+            <a:t>Capstone</a:t>
           </a:r>
           <a:endParaRPr lang="es-CL" sz="2000" kern="1200" dirty="0"/>
         </a:p>
@@ -3335,7 +3360,7 @@
           <a:p>
             <a:fld id="{6E1704C8-43E3-4F4F-BE90-356A640D5754}" type="datetimeFigureOut">
               <a:rPr lang="es-CL" smtClean="0"/>
-              <a:t>03-12-2024</a:t>
+              <a:t>08-12-2024</a:t>
             </a:fld>
             <a:endParaRPr lang="es-CL"/>
           </a:p>
@@ -3538,7 +3563,7 @@
           <a:p>
             <a:fld id="{6E1704C8-43E3-4F4F-BE90-356A640D5754}" type="datetimeFigureOut">
               <a:rPr lang="es-CL" smtClean="0"/>
-              <a:t>03-12-2024</a:t>
+              <a:t>08-12-2024</a:t>
             </a:fld>
             <a:endParaRPr lang="es-CL"/>
           </a:p>
@@ -3751,7 +3776,7 @@
           <a:p>
             <a:fld id="{6E1704C8-43E3-4F4F-BE90-356A640D5754}" type="datetimeFigureOut">
               <a:rPr lang="es-CL" smtClean="0"/>
-              <a:t>03-12-2024</a:t>
+              <a:t>08-12-2024</a:t>
             </a:fld>
             <a:endParaRPr lang="es-CL"/>
           </a:p>
@@ -3954,7 +3979,7 @@
           <a:p>
             <a:fld id="{6E1704C8-43E3-4F4F-BE90-356A640D5754}" type="datetimeFigureOut">
               <a:rPr lang="es-CL" smtClean="0"/>
-              <a:t>03-12-2024</a:t>
+              <a:t>08-12-2024</a:t>
             </a:fld>
             <a:endParaRPr lang="es-CL"/>
           </a:p>
@@ -4233,7 +4258,7 @@
           <a:p>
             <a:fld id="{6E1704C8-43E3-4F4F-BE90-356A640D5754}" type="datetimeFigureOut">
               <a:rPr lang="es-CL" smtClean="0"/>
-              <a:t>03-12-2024</a:t>
+              <a:t>08-12-2024</a:t>
             </a:fld>
             <a:endParaRPr lang="es-CL"/>
           </a:p>
@@ -4504,7 +4529,7 @@
           <a:p>
             <a:fld id="{6E1704C8-43E3-4F4F-BE90-356A640D5754}" type="datetimeFigureOut">
               <a:rPr lang="es-CL" smtClean="0"/>
-              <a:t>03-12-2024</a:t>
+              <a:t>08-12-2024</a:t>
             </a:fld>
             <a:endParaRPr lang="es-CL"/>
           </a:p>
@@ -4922,7 +4947,7 @@
           <a:p>
             <a:fld id="{6E1704C8-43E3-4F4F-BE90-356A640D5754}" type="datetimeFigureOut">
               <a:rPr lang="es-CL" smtClean="0"/>
-              <a:t>03-12-2024</a:t>
+              <a:t>08-12-2024</a:t>
             </a:fld>
             <a:endParaRPr lang="es-CL"/>
           </a:p>
@@ -5067,7 +5092,7 @@
           <a:p>
             <a:fld id="{6E1704C8-43E3-4F4F-BE90-356A640D5754}" type="datetimeFigureOut">
               <a:rPr lang="es-CL" smtClean="0"/>
-              <a:t>03-12-2024</a:t>
+              <a:t>08-12-2024</a:t>
             </a:fld>
             <a:endParaRPr lang="es-CL"/>
           </a:p>
@@ -5183,7 +5208,7 @@
           <a:p>
             <a:fld id="{6E1704C8-43E3-4F4F-BE90-356A640D5754}" type="datetimeFigureOut">
               <a:rPr lang="es-CL" smtClean="0"/>
-              <a:t>03-12-2024</a:t>
+              <a:t>08-12-2024</a:t>
             </a:fld>
             <a:endParaRPr lang="es-CL"/>
           </a:p>
@@ -5499,7 +5524,7 @@
           <a:p>
             <a:fld id="{6E1704C8-43E3-4F4F-BE90-356A640D5754}" type="datetimeFigureOut">
               <a:rPr lang="es-CL" smtClean="0"/>
-              <a:t>03-12-2024</a:t>
+              <a:t>08-12-2024</a:t>
             </a:fld>
             <a:endParaRPr lang="es-CL"/>
           </a:p>
@@ -5791,7 +5816,7 @@
           <a:p>
             <a:fld id="{6E1704C8-43E3-4F4F-BE90-356A640D5754}" type="datetimeFigureOut">
               <a:rPr lang="es-CL" smtClean="0"/>
-              <a:t>03-12-2024</a:t>
+              <a:t>08-12-2024</a:t>
             </a:fld>
             <a:endParaRPr lang="es-CL"/>
           </a:p>
@@ -6037,7 +6062,7 @@
           <a:p>
             <a:fld id="{6E1704C8-43E3-4F4F-BE90-356A640D5754}" type="datetimeFigureOut">
               <a:rPr lang="es-CL" smtClean="0"/>
-              <a:t>03-12-2024</a:t>
+              <a:t>08-12-2024</a:t>
             </a:fld>
             <a:endParaRPr lang="es-CL"/>
           </a:p>
@@ -6683,6 +6708,677 @@
         </p:nvSpPr>
         <p:spPr>
           <a:xfrm>
+            <a:off x="0" y="1432655"/>
+            <a:ext cx="12191999" cy="646331"/>
+          </a:xfrm>
+          <a:prstGeom prst="rect">
+            <a:avLst/>
+          </a:prstGeom>
+          <a:noFill/>
+        </p:spPr>
+        <p:txBody>
+          <a:bodyPr wrap="square" rtlCol="0">
+            <a:spAutoFit/>
+          </a:bodyPr>
+          <a:lstStyle/>
+          <a:p>
+            <a:pPr algn="ctr"/>
+            <a:r>
+              <a:rPr lang="es-MX" sz="3600" dirty="0"/>
+              <a:t>Modelo de datos</a:t>
+            </a:r>
+          </a:p>
+        </p:txBody>
+      </p:sp>
+      <p:cxnSp>
+        <p:nvCxnSpPr>
+          <p:cNvPr id="9" name="Conector recto 8">
+            <a:extLst>
+              <a:ext uri="{FF2B5EF4-FFF2-40B4-BE49-F238E27FC236}">
+                <a16:creationId xmlns:a16="http://schemas.microsoft.com/office/drawing/2014/main" id="{8768D7F4-D478-E252-1441-D950598597DE}"/>
+              </a:ext>
+            </a:extLst>
+          </p:cNvPr>
+          <p:cNvCxnSpPr/>
+          <p:nvPr/>
+        </p:nvCxnSpPr>
+        <p:spPr>
+          <a:xfrm>
+            <a:off x="0" y="758027"/>
+            <a:ext cx="4085617" cy="0"/>
+          </a:xfrm>
+          <a:prstGeom prst="line">
+            <a:avLst/>
+          </a:prstGeom>
+          <a:ln w="15875">
+            <a:gradFill flip="none" rotWithShape="1">
+              <a:gsLst>
+                <a:gs pos="0">
+                  <a:schemeClr val="accent1">
+                    <a:lumMod val="5000"/>
+                    <a:lumOff val="95000"/>
+                  </a:schemeClr>
+                </a:gs>
+                <a:gs pos="74000">
+                  <a:schemeClr val="accent1">
+                    <a:lumMod val="45000"/>
+                    <a:lumOff val="55000"/>
+                  </a:schemeClr>
+                </a:gs>
+                <a:gs pos="83000">
+                  <a:schemeClr val="accent1">
+                    <a:lumMod val="45000"/>
+                    <a:lumOff val="55000"/>
+                  </a:schemeClr>
+                </a:gs>
+                <a:gs pos="100000">
+                  <a:schemeClr val="accent1">
+                    <a:lumMod val="30000"/>
+                    <a:lumOff val="70000"/>
+                  </a:schemeClr>
+                </a:gs>
+              </a:gsLst>
+              <a:lin ang="10800000" scaled="1"/>
+              <a:tileRect/>
+            </a:gradFill>
+          </a:ln>
+        </p:spPr>
+        <p:style>
+          <a:lnRef idx="1">
+            <a:schemeClr val="accent1"/>
+          </a:lnRef>
+          <a:fillRef idx="0">
+            <a:schemeClr val="accent1"/>
+          </a:fillRef>
+          <a:effectRef idx="0">
+            <a:schemeClr val="accent1"/>
+          </a:effectRef>
+          <a:fontRef idx="minor">
+            <a:schemeClr val="tx1"/>
+          </a:fontRef>
+        </p:style>
+      </p:cxnSp>
+      <p:sp>
+        <p:nvSpPr>
+          <p:cNvPr id="3" name="Rectangle 2">
+            <a:extLst>
+              <a:ext uri="{FF2B5EF4-FFF2-40B4-BE49-F238E27FC236}">
+                <a16:creationId xmlns:a16="http://schemas.microsoft.com/office/drawing/2014/main" id="{8F72CA06-EACC-E3F2-1339-69467BDAEAE0}"/>
+              </a:ext>
+            </a:extLst>
+          </p:cNvPr>
+          <p:cNvSpPr>
+            <a:spLocks noChangeArrowheads="1"/>
+          </p:cNvSpPr>
+          <p:nvPr/>
+        </p:nvSpPr>
+        <p:spPr bwMode="auto">
+          <a:xfrm>
+            <a:off x="887169" y="1714158"/>
+            <a:ext cx="9975903" cy="4801314"/>
+          </a:xfrm>
+          <a:prstGeom prst="rect">
+            <a:avLst/>
+          </a:prstGeom>
+          <a:noFill/>
+          <a:ln>
+            <a:noFill/>
+          </a:ln>
+          <a:effectLst/>
+          <a:extLst>
+            <a:ext uri="{909E8E84-426E-40DD-AFC4-6F175D3DCCD1}">
+              <a14:hiddenFill xmlns:a14="http://schemas.microsoft.com/office/drawing/2010/main">
+                <a:solidFill>
+                  <a:schemeClr val="accent1"/>
+                </a:solidFill>
+              </a14:hiddenFill>
+            </a:ext>
+            <a:ext uri="{91240B29-F687-4F45-9708-019B960494DF}">
+              <a14:hiddenLine xmlns:a14="http://schemas.microsoft.com/office/drawing/2010/main" w="9525">
+                <a:solidFill>
+                  <a:schemeClr val="tx1"/>
+                </a:solidFill>
+                <a:miter lim="800000"/>
+                <a:headEnd/>
+                <a:tailEnd/>
+              </a14:hiddenLine>
+            </a:ext>
+            <a:ext uri="{AF507438-7753-43E0-B8FC-AC1667EBCBE1}">
+              <a14:hiddenEffects xmlns:a14="http://schemas.microsoft.com/office/drawing/2010/main">
+                <a:effectLst>
+                  <a:outerShdw dist="35921" dir="2700000" algn="ctr" rotWithShape="0">
+                    <a:schemeClr val="bg2"/>
+                  </a:outerShdw>
+                </a:effectLst>
+              </a14:hiddenEffects>
+            </a:ext>
+          </a:extLst>
+        </p:spPr>
+        <p:txBody>
+          <a:bodyPr vert="horz" wrap="square" lIns="91440" tIns="45720" rIns="91440" bIns="45720" numCol="1" anchor="ctr" anchorCtr="0" compatLnSpc="1">
+            <a:prstTxWarp prst="textNoShape">
+              <a:avLst/>
+            </a:prstTxWarp>
+            <a:spAutoFit/>
+          </a:bodyPr>
+          <a:lstStyle/>
+          <a:p>
+            <a:pPr marL="285750" marR="0" lvl="0" indent="-285750" defTabSz="914400" rtl="0" eaLnBrk="0" fontAlgn="base" latinLnBrk="0" hangingPunct="0">
+              <a:lnSpc>
+                <a:spcPct val="100000"/>
+              </a:lnSpc>
+              <a:spcBef>
+                <a:spcPct val="0"/>
+              </a:spcBef>
+              <a:spcAft>
+                <a:spcPct val="0"/>
+              </a:spcAft>
+              <a:buClrTx/>
+              <a:buSzTx/>
+              <a:buFont typeface="Arial" panose="020B0604020202020204" pitchFamily="34" charset="0"/>
+              <a:buChar char="•"/>
+              <a:tabLst/>
+            </a:pPr>
+            <a:r>
+              <a:rPr kumimoji="0" lang="es-CL" altLang="es-CL" sz="1800" b="1" i="0" u="none" strike="noStrike" cap="none" normalizeH="0" baseline="0" dirty="0">
+                <a:ln>
+                  <a:noFill/>
+                </a:ln>
+                <a:solidFill>
+                  <a:schemeClr val="tx1"/>
+                </a:solidFill>
+                <a:effectLst/>
+                <a:latin typeface="Arial" panose="020B0604020202020204" pitchFamily="34" charset="0"/>
+              </a:rPr>
+              <a:t>Normalización:</a:t>
+            </a:r>
+            <a:br>
+              <a:rPr kumimoji="0" lang="es-CL" altLang="es-CL" sz="1800" b="0" i="0" u="none" strike="noStrike" cap="none" normalizeH="0" baseline="0" dirty="0">
+                <a:ln>
+                  <a:noFill/>
+                </a:ln>
+                <a:solidFill>
+                  <a:schemeClr val="tx1"/>
+                </a:solidFill>
+                <a:effectLst/>
+                <a:latin typeface="Arial" panose="020B0604020202020204" pitchFamily="34" charset="0"/>
+              </a:rPr>
+            </a:br>
+            <a:r>
+              <a:rPr kumimoji="0" lang="es-CL" altLang="es-CL" sz="1800" b="0" i="0" u="none" strike="noStrike" cap="none" normalizeH="0" baseline="0" dirty="0">
+                <a:ln>
+                  <a:noFill/>
+                </a:ln>
+                <a:solidFill>
+                  <a:schemeClr val="tx1"/>
+                </a:solidFill>
+                <a:effectLst/>
+                <a:latin typeface="Arial" panose="020B0604020202020204" pitchFamily="34" charset="0"/>
+              </a:rPr>
+              <a:t>El modelo está diseñado siguiendo principios de normalización, reduciendo redundancia y garantizando la integridad de los datos.</a:t>
+            </a:r>
+          </a:p>
+          <a:p>
+            <a:pPr marR="0" lvl="0" defTabSz="914400" rtl="0" eaLnBrk="0" fontAlgn="base" latinLnBrk="0" hangingPunct="0">
+              <a:lnSpc>
+                <a:spcPct val="100000"/>
+              </a:lnSpc>
+              <a:spcBef>
+                <a:spcPct val="0"/>
+              </a:spcBef>
+              <a:spcAft>
+                <a:spcPct val="0"/>
+              </a:spcAft>
+              <a:buClrTx/>
+              <a:buSzTx/>
+              <a:tabLst/>
+            </a:pPr>
+            <a:endParaRPr kumimoji="0" lang="es-CL" altLang="es-CL" sz="1800" b="0" i="0" u="none" strike="noStrike" cap="none" normalizeH="0" baseline="0" dirty="0">
+              <a:ln>
+                <a:noFill/>
+              </a:ln>
+              <a:solidFill>
+                <a:schemeClr val="tx1"/>
+              </a:solidFill>
+              <a:effectLst/>
+              <a:latin typeface="Arial" panose="020B0604020202020204" pitchFamily="34" charset="0"/>
+            </a:endParaRPr>
+          </a:p>
+          <a:p>
+            <a:pPr marL="285750" marR="0" lvl="0" indent="-285750" defTabSz="914400" rtl="0" eaLnBrk="0" fontAlgn="base" latinLnBrk="0" hangingPunct="0">
+              <a:lnSpc>
+                <a:spcPct val="100000"/>
+              </a:lnSpc>
+              <a:spcBef>
+                <a:spcPct val="0"/>
+              </a:spcBef>
+              <a:spcAft>
+                <a:spcPct val="0"/>
+              </a:spcAft>
+              <a:buClrTx/>
+              <a:buSzTx/>
+              <a:buFont typeface="Arial" panose="020B0604020202020204" pitchFamily="34" charset="0"/>
+              <a:buChar char="•"/>
+              <a:tabLst/>
+            </a:pPr>
+            <a:r>
+              <a:rPr kumimoji="0" lang="es-CL" altLang="es-CL" sz="1800" b="1" i="0" u="none" strike="noStrike" cap="none" normalizeH="0" baseline="0" dirty="0">
+                <a:ln>
+                  <a:noFill/>
+                </a:ln>
+                <a:solidFill>
+                  <a:schemeClr val="tx1"/>
+                </a:solidFill>
+                <a:effectLst/>
+                <a:latin typeface="Arial" panose="020B0604020202020204" pitchFamily="34" charset="0"/>
+              </a:rPr>
+              <a:t>Escalabilidad:</a:t>
+            </a:r>
+            <a:br>
+              <a:rPr kumimoji="0" lang="es-CL" altLang="es-CL" sz="1800" b="0" i="0" u="none" strike="noStrike" cap="none" normalizeH="0" baseline="0" dirty="0">
+                <a:ln>
+                  <a:noFill/>
+                </a:ln>
+                <a:solidFill>
+                  <a:schemeClr val="tx1"/>
+                </a:solidFill>
+                <a:effectLst/>
+                <a:latin typeface="Arial" panose="020B0604020202020204" pitchFamily="34" charset="0"/>
+              </a:rPr>
+            </a:br>
+            <a:r>
+              <a:rPr kumimoji="0" lang="es-CL" altLang="es-CL" sz="1800" b="0" i="0" u="none" strike="noStrike" cap="none" normalizeH="0" baseline="0" dirty="0">
+                <a:ln>
+                  <a:noFill/>
+                </a:ln>
+                <a:solidFill>
+                  <a:schemeClr val="tx1"/>
+                </a:solidFill>
+                <a:effectLst/>
+                <a:latin typeface="Arial" panose="020B0604020202020204" pitchFamily="34" charset="0"/>
+              </a:rPr>
+              <a:t>Permite incorporar nuevas tablas o campos, como proveedores o lotes específicos, sin afectar el funcionamiento actual.</a:t>
+            </a:r>
+          </a:p>
+          <a:p>
+            <a:pPr marR="0" lvl="0" defTabSz="914400" rtl="0" eaLnBrk="0" fontAlgn="base" latinLnBrk="0" hangingPunct="0">
+              <a:lnSpc>
+                <a:spcPct val="100000"/>
+              </a:lnSpc>
+              <a:spcBef>
+                <a:spcPct val="0"/>
+              </a:spcBef>
+              <a:spcAft>
+                <a:spcPct val="0"/>
+              </a:spcAft>
+              <a:buClrTx/>
+              <a:buSzTx/>
+              <a:tabLst/>
+            </a:pPr>
+            <a:endParaRPr kumimoji="0" lang="es-CL" altLang="es-CL" sz="1800" b="0" i="0" u="none" strike="noStrike" cap="none" normalizeH="0" baseline="0" dirty="0">
+              <a:ln>
+                <a:noFill/>
+              </a:ln>
+              <a:solidFill>
+                <a:schemeClr val="tx1"/>
+              </a:solidFill>
+              <a:effectLst/>
+              <a:latin typeface="Arial" panose="020B0604020202020204" pitchFamily="34" charset="0"/>
+            </a:endParaRPr>
+          </a:p>
+          <a:p>
+            <a:pPr marL="285750" marR="0" lvl="0" indent="-285750" defTabSz="914400" rtl="0" eaLnBrk="0" fontAlgn="base" latinLnBrk="0" hangingPunct="0">
+              <a:lnSpc>
+                <a:spcPct val="100000"/>
+              </a:lnSpc>
+              <a:spcBef>
+                <a:spcPct val="0"/>
+              </a:spcBef>
+              <a:spcAft>
+                <a:spcPct val="0"/>
+              </a:spcAft>
+              <a:buClrTx/>
+              <a:buSzTx/>
+              <a:buFont typeface="Arial" panose="020B0604020202020204" pitchFamily="34" charset="0"/>
+              <a:buChar char="•"/>
+              <a:tabLst/>
+            </a:pPr>
+            <a:r>
+              <a:rPr kumimoji="0" lang="es-CL" altLang="es-CL" sz="1800" b="1" i="0" u="none" strike="noStrike" cap="none" normalizeH="0" baseline="0" dirty="0">
+                <a:ln>
+                  <a:noFill/>
+                </a:ln>
+                <a:solidFill>
+                  <a:schemeClr val="tx1"/>
+                </a:solidFill>
+                <a:effectLst/>
+                <a:latin typeface="Arial" panose="020B0604020202020204" pitchFamily="34" charset="0"/>
+              </a:rPr>
+              <a:t>Integridad Referencial:</a:t>
+            </a:r>
+          </a:p>
+          <a:p>
+            <a:pPr marL="285750" indent="-285750" eaLnBrk="0" fontAlgn="base" hangingPunct="0">
+              <a:spcBef>
+                <a:spcPct val="0"/>
+              </a:spcBef>
+              <a:spcAft>
+                <a:spcPct val="0"/>
+              </a:spcAft>
+              <a:buFont typeface="Courier New" panose="02070309020205020404" pitchFamily="49" charset="0"/>
+              <a:buChar char="o"/>
+            </a:pPr>
+            <a:r>
+              <a:rPr kumimoji="0" lang="es-CL" altLang="es-CL" sz="1800" b="0" i="0" u="none" strike="noStrike" cap="none" normalizeH="0" baseline="0" dirty="0">
+                <a:ln>
+                  <a:noFill/>
+                </a:ln>
+                <a:solidFill>
+                  <a:schemeClr val="tx1"/>
+                </a:solidFill>
+                <a:effectLst/>
+                <a:latin typeface="Arial" panose="020B0604020202020204" pitchFamily="34" charset="0"/>
+              </a:rPr>
+              <a:t>Se utilizan claves foráneas para asegurar la relación entre tablas.</a:t>
+            </a:r>
+          </a:p>
+          <a:p>
+            <a:pPr marL="285750" marR="0" lvl="0" indent="-285750" defTabSz="914400" rtl="0" eaLnBrk="0" fontAlgn="base" latinLnBrk="0" hangingPunct="0">
+              <a:lnSpc>
+                <a:spcPct val="100000"/>
+              </a:lnSpc>
+              <a:spcBef>
+                <a:spcPct val="0"/>
+              </a:spcBef>
+              <a:spcAft>
+                <a:spcPct val="0"/>
+              </a:spcAft>
+              <a:buClrTx/>
+              <a:buSzTx/>
+              <a:buFont typeface="Courier New" panose="02070309020205020404" pitchFamily="49" charset="0"/>
+              <a:buChar char="o"/>
+              <a:tabLst/>
+            </a:pPr>
+            <a:r>
+              <a:rPr kumimoji="0" lang="es-CL" altLang="es-CL" sz="1800" b="0" i="0" u="none" strike="noStrike" cap="none" normalizeH="0" baseline="0" dirty="0">
+                <a:ln>
+                  <a:noFill/>
+                </a:ln>
+                <a:solidFill>
+                  <a:schemeClr val="tx1"/>
+                </a:solidFill>
+                <a:effectLst/>
+                <a:latin typeface="Arial" panose="020B0604020202020204" pitchFamily="34" charset="0"/>
+              </a:rPr>
+              <a:t>Ejemplo: Cada registro en la tabla de movimientos está vinculado a un medicamento específico y a un usuario responsable.</a:t>
+            </a:r>
+            <a:endParaRPr lang="es-CL" altLang="es-CL" dirty="0">
+              <a:latin typeface="Arial" panose="020B0604020202020204" pitchFamily="34" charset="0"/>
+            </a:endParaRPr>
+          </a:p>
+          <a:p>
+            <a:pPr marR="0" lvl="0" defTabSz="914400" rtl="0" eaLnBrk="0" fontAlgn="base" latinLnBrk="0" hangingPunct="0">
+              <a:lnSpc>
+                <a:spcPct val="100000"/>
+              </a:lnSpc>
+              <a:spcBef>
+                <a:spcPct val="0"/>
+              </a:spcBef>
+              <a:spcAft>
+                <a:spcPct val="0"/>
+              </a:spcAft>
+              <a:buClrTx/>
+              <a:buSzTx/>
+              <a:tabLst/>
+            </a:pPr>
+            <a:endParaRPr kumimoji="0" lang="es-CL" altLang="es-CL" sz="1800" b="0" i="0" u="none" strike="noStrike" cap="none" normalizeH="0" baseline="0" dirty="0">
+              <a:ln>
+                <a:noFill/>
+              </a:ln>
+              <a:solidFill>
+                <a:schemeClr val="tx1"/>
+              </a:solidFill>
+              <a:effectLst/>
+              <a:latin typeface="Arial" panose="020B0604020202020204" pitchFamily="34" charset="0"/>
+            </a:endParaRPr>
+          </a:p>
+          <a:p>
+            <a:pPr marL="285750" marR="0" lvl="0" indent="-285750" defTabSz="914400" rtl="0" eaLnBrk="0" fontAlgn="base" latinLnBrk="0" hangingPunct="0">
+              <a:lnSpc>
+                <a:spcPct val="100000"/>
+              </a:lnSpc>
+              <a:spcBef>
+                <a:spcPct val="0"/>
+              </a:spcBef>
+              <a:spcAft>
+                <a:spcPct val="0"/>
+              </a:spcAft>
+              <a:buClrTx/>
+              <a:buSzTx/>
+              <a:buFont typeface="Arial" panose="020B0604020202020204" pitchFamily="34" charset="0"/>
+              <a:buChar char="•"/>
+              <a:tabLst/>
+            </a:pPr>
+            <a:r>
+              <a:rPr kumimoji="0" lang="es-CL" altLang="es-CL" sz="1800" b="1" i="0" u="none" strike="noStrike" cap="none" normalizeH="0" baseline="0" dirty="0">
+                <a:ln>
+                  <a:noFill/>
+                </a:ln>
+                <a:solidFill>
+                  <a:schemeClr val="tx1"/>
+                </a:solidFill>
+                <a:effectLst/>
+                <a:latin typeface="Arial" panose="020B0604020202020204" pitchFamily="34" charset="0"/>
+              </a:rPr>
+              <a:t>Optimización para Consultas:</a:t>
+            </a:r>
+            <a:endParaRPr kumimoji="0" lang="es-CL" altLang="es-CL" sz="1800" b="0" i="0" u="none" strike="noStrike" cap="none" normalizeH="0" baseline="0" dirty="0">
+              <a:ln>
+                <a:noFill/>
+              </a:ln>
+              <a:solidFill>
+                <a:schemeClr val="tx1"/>
+              </a:solidFill>
+              <a:effectLst/>
+              <a:latin typeface="Arial" panose="020B0604020202020204" pitchFamily="34" charset="0"/>
+            </a:endParaRPr>
+          </a:p>
+          <a:p>
+            <a:pPr marL="285750" marR="0" lvl="0" indent="-285750" defTabSz="914400" rtl="0" eaLnBrk="0" fontAlgn="base" latinLnBrk="0" hangingPunct="0">
+              <a:lnSpc>
+                <a:spcPct val="100000"/>
+              </a:lnSpc>
+              <a:spcBef>
+                <a:spcPct val="0"/>
+              </a:spcBef>
+              <a:spcAft>
+                <a:spcPct val="0"/>
+              </a:spcAft>
+              <a:buClrTx/>
+              <a:buSzTx/>
+              <a:buFont typeface="Courier New" panose="02070309020205020404" pitchFamily="49" charset="0"/>
+              <a:buChar char="o"/>
+              <a:tabLst/>
+            </a:pPr>
+            <a:r>
+              <a:rPr kumimoji="0" lang="es-CL" altLang="es-CL" sz="1800" b="0" i="0" u="none" strike="noStrike" cap="none" normalizeH="0" baseline="0" dirty="0">
+                <a:ln>
+                  <a:noFill/>
+                </a:ln>
+                <a:solidFill>
+                  <a:schemeClr val="tx1"/>
+                </a:solidFill>
+                <a:effectLst/>
+                <a:latin typeface="Arial" panose="020B0604020202020204" pitchFamily="34" charset="0"/>
+              </a:rPr>
+              <a:t>Índices en campos clave como ID, Fecha de Vencimiento y Código de Barras, lo que agiliza las consultas y reportes frecuentes.</a:t>
+            </a:r>
+          </a:p>
+          <a:p>
+            <a:pPr marL="0" marR="0" lvl="0" indent="0" defTabSz="914400" rtl="0" eaLnBrk="0" fontAlgn="base" latinLnBrk="0" hangingPunct="0">
+              <a:lnSpc>
+                <a:spcPct val="100000"/>
+              </a:lnSpc>
+              <a:spcBef>
+                <a:spcPct val="0"/>
+              </a:spcBef>
+              <a:spcAft>
+                <a:spcPct val="0"/>
+              </a:spcAft>
+              <a:buClrTx/>
+              <a:buSzTx/>
+              <a:buFontTx/>
+              <a:buNone/>
+              <a:tabLst/>
+            </a:pPr>
+            <a:endParaRPr kumimoji="0" lang="es-CL" altLang="es-CL" sz="1800" b="0" i="0" u="none" strike="noStrike" cap="none" normalizeH="0" baseline="0" dirty="0">
+              <a:ln>
+                <a:noFill/>
+              </a:ln>
+              <a:solidFill>
+                <a:schemeClr val="tx1"/>
+              </a:solidFill>
+              <a:effectLst/>
+              <a:latin typeface="Arial" panose="020B0604020202020204" pitchFamily="34" charset="0"/>
+            </a:endParaRPr>
+          </a:p>
+        </p:txBody>
+      </p:sp>
+    </p:spTree>
+    <p:extLst>
+      <p:ext uri="{BB962C8B-B14F-4D97-AF65-F5344CB8AC3E}">
+        <p14:creationId xmlns:p14="http://schemas.microsoft.com/office/powerpoint/2010/main" val="2752457618"/>
+      </p:ext>
+    </p:extLst>
+  </p:cSld>
+  <p:clrMapOvr>
+    <a:masterClrMapping/>
+  </p:clrMapOvr>
+  <p:transition spd="slow">
+    <p:wipe/>
+  </p:transition>
+</p:sld>
+</file>
+
+<file path=ppt/slides/slide11.xml><?xml version="1.0" encoding="utf-8"?>
+<p:sld xmlns:a="http://schemas.openxmlformats.org/drawingml/2006/main" xmlns:r="http://schemas.openxmlformats.org/officeDocument/2006/relationships" xmlns:p="http://schemas.openxmlformats.org/presentationml/2006/main">
+  <p:cSld>
+    <p:spTree>
+      <p:nvGrpSpPr>
+        <p:cNvPr id="1" name=""/>
+        <p:cNvGrpSpPr/>
+        <p:nvPr/>
+      </p:nvGrpSpPr>
+      <p:grpSpPr>
+        <a:xfrm>
+          <a:off x="0" y="0"/>
+          <a:ext cx="0" cy="0"/>
+          <a:chOff x="0" y="0"/>
+          <a:chExt cx="0" cy="0"/>
+        </a:xfrm>
+      </p:grpSpPr>
+      <p:pic>
+        <p:nvPicPr>
+          <p:cNvPr id="1026" name="Picture 2" descr="EscuelaIT Duoc UC - Escuela de Informática y Telecomunicaciones Duoc UC - Duoc  UC | LinkedIn">
+            <a:extLst>
+              <a:ext uri="{FF2B5EF4-FFF2-40B4-BE49-F238E27FC236}">
+                <a16:creationId xmlns:a16="http://schemas.microsoft.com/office/drawing/2014/main" id="{DBCE0F62-5978-5D25-A8E3-872B6D0A9912}"/>
+              </a:ext>
+            </a:extLst>
+          </p:cNvPr>
+          <p:cNvPicPr>
+            <a:picLocks noChangeAspect="1" noChangeArrowheads="1"/>
+          </p:cNvPicPr>
+          <p:nvPr/>
+        </p:nvPicPr>
+        <p:blipFill>
+          <a:blip r:embed="rId2">
+            <a:extLst>
+              <a:ext uri="{28A0092B-C50C-407E-A947-70E740481C1C}">
+                <a14:useLocalDpi xmlns:a14="http://schemas.microsoft.com/office/drawing/2010/main" val="0"/>
+              </a:ext>
+            </a:extLst>
+          </a:blip>
+          <a:srcRect/>
+          <a:stretch>
+            <a:fillRect/>
+          </a:stretch>
+        </p:blipFill>
+        <p:spPr bwMode="auto">
+          <a:xfrm>
+            <a:off x="8772152" y="207550"/>
+            <a:ext cx="3141406" cy="785352"/>
+          </a:xfrm>
+          <a:prstGeom prst="rect">
+            <a:avLst/>
+          </a:prstGeom>
+          <a:noFill/>
+          <a:extLst>
+            <a:ext uri="{909E8E84-426E-40DD-AFC4-6F175D3DCCD1}">
+              <a14:hiddenFill xmlns:a14="http://schemas.microsoft.com/office/drawing/2010/main">
+                <a:solidFill>
+                  <a:srgbClr val="FFFFFF"/>
+                </a:solidFill>
+              </a14:hiddenFill>
+            </a:ext>
+          </a:extLst>
+        </p:spPr>
+      </p:pic>
+      <p:sp>
+        <p:nvSpPr>
+          <p:cNvPr id="6" name="CuadroTexto 5">
+            <a:extLst>
+              <a:ext uri="{FF2B5EF4-FFF2-40B4-BE49-F238E27FC236}">
+                <a16:creationId xmlns:a16="http://schemas.microsoft.com/office/drawing/2014/main" id="{54D38248-5D31-85F9-1E0F-4A607BCD5F6A}"/>
+              </a:ext>
+            </a:extLst>
+          </p:cNvPr>
+          <p:cNvSpPr txBox="1"/>
+          <p:nvPr/>
+        </p:nvSpPr>
+        <p:spPr>
+          <a:xfrm>
+            <a:off x="136188" y="368928"/>
+            <a:ext cx="12191999" cy="369332"/>
+          </a:xfrm>
+          <a:prstGeom prst="rect">
+            <a:avLst/>
+          </a:prstGeom>
+          <a:noFill/>
+        </p:spPr>
+        <p:txBody>
+          <a:bodyPr wrap="square" rtlCol="0">
+            <a:spAutoFit/>
+          </a:bodyPr>
+          <a:lstStyle/>
+          <a:p>
+            <a:r>
+              <a:rPr lang="es-MX" dirty="0">
+                <a:solidFill>
+                  <a:schemeClr val="bg2">
+                    <a:lumMod val="50000"/>
+                  </a:schemeClr>
+                </a:solidFill>
+              </a:rPr>
+              <a:t>PROYECTO “NOMBRE DEL PROYECTO”</a:t>
+            </a:r>
+          </a:p>
+        </p:txBody>
+      </p:sp>
+      <p:sp>
+        <p:nvSpPr>
+          <p:cNvPr id="7" name="CuadroTexto 6">
+            <a:extLst>
+              <a:ext uri="{FF2B5EF4-FFF2-40B4-BE49-F238E27FC236}">
+                <a16:creationId xmlns:a16="http://schemas.microsoft.com/office/drawing/2014/main" id="{3A739E92-330D-944C-ED3E-C7F02FA216B3}"/>
+              </a:ext>
+            </a:extLst>
+          </p:cNvPr>
+          <p:cNvSpPr txBox="1"/>
+          <p:nvPr/>
+        </p:nvSpPr>
+        <p:spPr>
+          <a:xfrm>
             <a:off x="-15121" y="1050501"/>
             <a:ext cx="12191999" cy="646331"/>
           </a:xfrm>
@@ -7434,7 +8130,7 @@
 </p:sld>
 </file>
 
-<file path=ppt/slides/slide11.xml><?xml version="1.0" encoding="utf-8"?>
+<file path=ppt/slides/slide12.xml><?xml version="1.0" encoding="utf-8"?>
 <p:sld xmlns:a="http://schemas.openxmlformats.org/drawingml/2006/main" xmlns:r="http://schemas.openxmlformats.org/officeDocument/2006/relationships" xmlns:p="http://schemas.openxmlformats.org/presentationml/2006/main">
   <p:cSld>
     <p:spTree>
@@ -7570,7 +8266,7 @@
 </p:sld>
 </file>
 
-<file path=ppt/slides/slide12.xml><?xml version="1.0" encoding="utf-8"?>
+<file path=ppt/slides/slide13.xml><?xml version="1.0" encoding="utf-8"?>
 <p:sld xmlns:a="http://schemas.openxmlformats.org/drawingml/2006/main" xmlns:r="http://schemas.openxmlformats.org/officeDocument/2006/relationships" xmlns:p="http://schemas.openxmlformats.org/presentationml/2006/main">
   <p:cSld>
     <p:spTree>
@@ -7648,7 +8344,7 @@
         </p:nvSpPr>
         <p:spPr>
           <a:xfrm>
-            <a:off x="1" y="409308"/>
+            <a:off x="1" y="351975"/>
             <a:ext cx="12191999" cy="769441"/>
           </a:xfrm>
           <a:prstGeom prst="rect">
@@ -7686,8 +8382,8 @@
         </p:nvSpPr>
         <p:spPr bwMode="auto">
           <a:xfrm>
-            <a:off x="763674" y="1012212"/>
-            <a:ext cx="10962752" cy="5355312"/>
+            <a:off x="763674" y="1150712"/>
+            <a:ext cx="10962752" cy="5078313"/>
           </a:xfrm>
           <a:prstGeom prst="rect">
             <a:avLst/>
@@ -7844,33 +8540,24 @@
                 <a:effectLst/>
                 <a:latin typeface="Arial" panose="020B0604020202020204" pitchFamily="34" charset="0"/>
               </a:rPr>
-              <a:t>Ahorro Estimado:</a:t>
-            </a:r>
-            <a:br>
-              <a:rPr kumimoji="0" lang="es-CL" altLang="es-CL" sz="1800" b="0" i="0" u="none" strike="noStrike" cap="none" normalizeH="0" baseline="0" dirty="0">
-                <a:ln>
-                  <a:noFill/>
-                </a:ln>
-                <a:solidFill>
-                  <a:schemeClr val="tx1"/>
-                </a:solidFill>
-                <a:effectLst/>
-                <a:latin typeface="Arial" panose="020B0604020202020204" pitchFamily="34" charset="0"/>
-              </a:rPr>
-            </a:br>
-            <a:r>
-              <a:rPr kumimoji="0" lang="es-CL" altLang="es-CL" sz="1800" b="0" i="0" u="none" strike="noStrike" cap="none" normalizeH="0" baseline="0" dirty="0">
-                <a:ln>
-                  <a:noFill/>
-                </a:ln>
-                <a:solidFill>
-                  <a:schemeClr val="tx1"/>
-                </a:solidFill>
-                <a:effectLst/>
-                <a:latin typeface="Arial" panose="020B0604020202020204" pitchFamily="34" charset="0"/>
-              </a:rPr>
-              <a:t>Se calcula un ahorro de </a:t>
-            </a:r>
+              <a:t>Análisis de datos:</a:t>
+            </a:r>
+          </a:p>
+          <a:p>
+            <a:pPr marR="0" lvl="0" algn="l" defTabSz="914400" rtl="0" eaLnBrk="0" fontAlgn="base" latinLnBrk="0" hangingPunct="0">
+              <a:lnSpc>
+                <a:spcPct val="100000"/>
+              </a:lnSpc>
+              <a:spcBef>
+                <a:spcPct val="0"/>
+              </a:spcBef>
+              <a:spcAft>
+                <a:spcPct val="0"/>
+              </a:spcAft>
+              <a:buClrTx/>
+              <a:buSzTx/>
+              <a:tabLst/>
+            </a:pPr>
             <a:r>
               <a:rPr kumimoji="0" lang="es-CL" altLang="es-CL" sz="1800" b="1" i="0" u="none" strike="noStrike" cap="none" normalizeH="0" baseline="0" dirty="0">
                 <a:ln>
@@ -7882,10 +8569,10 @@
                 <a:effectLst/>
                 <a:latin typeface="Arial" panose="020B0604020202020204" pitchFamily="34" charset="0"/>
               </a:rPr>
-              <a:t>$11.5 millones anuales</a:t>
-            </a:r>
-            <a:r>
-              <a:rPr kumimoji="0" lang="es-CL" altLang="es-CL" sz="1800" b="0" i="0" u="none" strike="noStrike" cap="none" normalizeH="0" baseline="0" dirty="0">
+              <a:t>     </a:t>
+            </a:r>
+            <a:r>
+              <a:rPr kumimoji="0" lang="es-CL" altLang="es-CL" sz="1800" i="0" u="none" strike="noStrike" cap="none" normalizeH="0" baseline="0" dirty="0">
                 <a:ln>
                   <a:noFill/>
                 </a:ln>
@@ -7895,8 +8582,18 @@
                 <a:effectLst/>
                 <a:latin typeface="Arial" panose="020B0604020202020204" pitchFamily="34" charset="0"/>
               </a:rPr>
-              <a:t> por CESFAM debido a la reducción de desperdicios de medicamentos vencidos.</a:t>
-            </a:r>
+              <a:t>Almacenamiento de movimientos históricos de datos para su posterior análisis y modelo predictivo.</a:t>
+            </a:r>
+            <a:endParaRPr kumimoji="0" lang="es-CL" altLang="es-CL" sz="1800" b="0" i="0" u="none" strike="noStrike" cap="none" normalizeH="0" baseline="0" dirty="0">
+              <a:ln>
+                <a:noFill/>
+              </a:ln>
+              <a:solidFill>
+                <a:schemeClr val="tx1"/>
+              </a:solidFill>
+              <a:effectLst/>
+              <a:latin typeface="Arial" panose="020B0604020202020204" pitchFamily="34" charset="0"/>
+            </a:endParaRPr>
           </a:p>
           <a:p>
             <a:pPr marR="0" lvl="0" algn="l" defTabSz="914400" rtl="0" eaLnBrk="0" fontAlgn="base" latinLnBrk="0" hangingPunct="0">
@@ -8034,7 +8731,7 @@
                 <a:effectLst/>
                 <a:latin typeface="Arial" panose="020B0604020202020204" pitchFamily="34" charset="0"/>
               </a:rPr>
-              <a:t>Rentabilidad:</a:t>
+              <a:t>Rentabilidad por CESFAM:</a:t>
             </a:r>
             <a:br>
               <a:rPr kumimoji="0" lang="es-CL" altLang="es-CL" sz="1800" b="0" i="0" u="none" strike="noStrike" cap="none" normalizeH="0" baseline="0" dirty="0">
@@ -8072,7 +8769,26 @@
                 <a:effectLst/>
                 <a:latin typeface="Arial" panose="020B0604020202020204" pitchFamily="34" charset="0"/>
               </a:rPr>
-              <a:t>VAN de $18.2 millones</a:t>
+              <a:t>VAN de $</a:t>
+            </a:r>
+            <a:r>
+              <a:rPr lang="es-CL" altLang="es-CL" b="1" dirty="0">
+                <a:latin typeface="Arial" panose="020B0604020202020204" pitchFamily="34" charset="0"/>
+              </a:rPr>
+              <a:t>5.918.251</a:t>
+            </a:r>
+            <a:r>
+              <a:rPr kumimoji="0" lang="es-CL" altLang="es-CL" sz="1800" b="1" i="0" u="none" strike="noStrike" cap="none" normalizeH="0" baseline="0" dirty="0">
+                <a:ln>
+                  <a:noFill/>
+                </a:ln>
+                <a:solidFill>
+                  <a:schemeClr val="tx1"/>
+                </a:solidFill>
+                <a:effectLst/>
+                <a:latin typeface="Arial" panose="020B0604020202020204" pitchFamily="34" charset="0"/>
+              </a:rPr>
+              <a:t> millones</a:t>
             </a:r>
             <a:r>
               <a:rPr kumimoji="0" lang="es-CL" altLang="es-CL" sz="1800" b="0" i="0" u="none" strike="noStrike" cap="none" normalizeH="0" baseline="0" dirty="0">
@@ -8098,7 +8814,41 @@
                 <a:effectLst/>
                 <a:latin typeface="Arial" panose="020B0604020202020204" pitchFamily="34" charset="0"/>
               </a:rPr>
-              <a:t>TIR de $5.6 millones</a:t>
+              <a:t>TIR de </a:t>
+            </a:r>
+            <a:r>
+              <a:rPr kumimoji="0" lang="es-CL" altLang="es-CL" sz="1800" b="1" i="0" u="none" strike="noStrike" cap="none" normalizeH="0" baseline="0">
+                <a:ln>
+                  <a:noFill/>
+                </a:ln>
+                <a:solidFill>
+                  <a:schemeClr val="tx1"/>
+                </a:solidFill>
+                <a:effectLst/>
+                <a:latin typeface="Arial" panose="020B0604020202020204" pitchFamily="34" charset="0"/>
+              </a:rPr>
+              <a:t>$</a:t>
+            </a:r>
+            <a:r>
+              <a:rPr lang="es-CL" sz="1800">
+                <a:effectLst/>
+                <a:latin typeface="Arial" panose="020B0604020202020204" pitchFamily="34" charset="0"/>
+                <a:ea typeface="Times New Roman" panose="02020603050405020304" pitchFamily="18" charset="0"/>
+              </a:rPr>
+              <a:t>6.5 </a:t>
+            </a:r>
+            <a:r>
+              <a:rPr kumimoji="0" lang="es-CL" altLang="es-CL" sz="1800" b="1" i="0" u="none" strike="noStrike" cap="none" normalizeH="0" baseline="0">
+                <a:ln>
+                  <a:noFill/>
+                </a:ln>
+                <a:solidFill>
+                  <a:schemeClr val="tx1"/>
+                </a:solidFill>
+                <a:effectLst/>
+                <a:latin typeface="Arial" panose="020B0604020202020204" pitchFamily="34" charset="0"/>
+              </a:rPr>
+              <a:t>millones</a:t>
             </a:r>
             <a:r>
               <a:rPr kumimoji="0" lang="es-CL" altLang="es-CL" sz="1800" b="0" i="0" u="none" strike="noStrike" cap="none" normalizeH="0" baseline="0" dirty="0">
@@ -8137,7 +8887,7 @@
                 <a:effectLst/>
                 <a:latin typeface="Arial" panose="020B0604020202020204" pitchFamily="34" charset="0"/>
               </a:rPr>
-              <a:t> de 1 año</a:t>
+              <a:t> de 1.3 años</a:t>
             </a:r>
             <a:r>
               <a:rPr kumimoji="0" lang="es-CL" altLang="es-CL" sz="1800" b="0" i="0" u="none" strike="noStrike" cap="none" normalizeH="0" baseline="0" dirty="0">
@@ -8253,7 +9003,7 @@
 </p:sld>
 </file>
 
-<file path=ppt/slides/slide13.xml><?xml version="1.0" encoding="utf-8"?>
+<file path=ppt/slides/slide14.xml><?xml version="1.0" encoding="utf-8"?>
 <p:sld xmlns:a="http://schemas.openxmlformats.org/drawingml/2006/main" xmlns:r="http://schemas.openxmlformats.org/officeDocument/2006/relationships" xmlns:p="http://schemas.openxmlformats.org/presentationml/2006/main">
   <p:cSld>
     <p:spTree>
@@ -8369,8 +9119,8 @@
         </p:nvSpPr>
         <p:spPr bwMode="auto">
           <a:xfrm>
-            <a:off x="180870" y="2054602"/>
-            <a:ext cx="11344589" cy="4247317"/>
+            <a:off x="180870" y="2608599"/>
+            <a:ext cx="11344589" cy="3139321"/>
           </a:xfrm>
           <a:prstGeom prst="rect">
             <a:avLst/>
@@ -8613,90 +9363,6 @@
                 <a:effectLst/>
                 <a:latin typeface="Arial" panose="020B0604020202020204" pitchFamily="34" charset="0"/>
               </a:rPr>
-              <a:t>Limitaciones del Tiempo:</a:t>
-            </a:r>
-            <a:br>
-              <a:rPr kumimoji="0" lang="es-CL" altLang="es-CL" sz="1800" b="0" i="0" u="none" strike="noStrike" cap="none" normalizeH="0" baseline="0" dirty="0">
-                <a:ln>
-                  <a:noFill/>
-                </a:ln>
-                <a:solidFill>
-                  <a:schemeClr val="tx1"/>
-                </a:solidFill>
-                <a:effectLst/>
-                <a:latin typeface="Arial" panose="020B0604020202020204" pitchFamily="34" charset="0"/>
-              </a:rPr>
-            </a:br>
-            <a:r>
-              <a:rPr kumimoji="0" lang="es-CL" altLang="es-CL" sz="1800" b="0" i="0" u="none" strike="noStrike" cap="none" normalizeH="0" baseline="0" dirty="0">
-                <a:ln>
-                  <a:noFill/>
-                </a:ln>
-                <a:solidFill>
-                  <a:schemeClr val="tx1"/>
-                </a:solidFill>
-                <a:effectLst/>
-                <a:latin typeface="Arial" panose="020B0604020202020204" pitchFamily="34" charset="0"/>
-              </a:rPr>
-              <a:t>El tiempo disponible fue limitado para completar todas las funcionalidades planificadas, lo que llevó a posponer algunas características, como la automatización completa del flujo FIFO.</a:t>
-            </a:r>
-          </a:p>
-          <a:p>
-            <a:pPr marL="285750" marR="0" lvl="0" indent="-285750" defTabSz="914400" rtl="0" eaLnBrk="0" fontAlgn="base" latinLnBrk="0" hangingPunct="0">
-              <a:lnSpc>
-                <a:spcPct val="100000"/>
-              </a:lnSpc>
-              <a:spcBef>
-                <a:spcPct val="0"/>
-              </a:spcBef>
-              <a:spcAft>
-                <a:spcPct val="0"/>
-              </a:spcAft>
-              <a:buClrTx/>
-              <a:buSzTx/>
-              <a:buFont typeface="Wingdings" panose="05000000000000000000" pitchFamily="2" charset="2"/>
-              <a:buChar char="q"/>
-              <a:tabLst/>
-            </a:pPr>
-            <a:endParaRPr kumimoji="0" lang="es-CL" altLang="es-CL" sz="1800" b="0" i="0" u="none" strike="noStrike" cap="none" normalizeH="0" baseline="0" dirty="0">
-              <a:ln>
-                <a:noFill/>
-              </a:ln>
-              <a:solidFill>
-                <a:schemeClr val="tx1"/>
-              </a:solidFill>
-              <a:effectLst/>
-              <a:latin typeface="Arial" panose="020B0604020202020204" pitchFamily="34" charset="0"/>
-            </a:endParaRPr>
-          </a:p>
-          <a:p>
-            <a:pPr marL="285750" marR="0" lvl="0" indent="-285750" defTabSz="914400" rtl="0" eaLnBrk="0" fontAlgn="base" latinLnBrk="0" hangingPunct="0">
-              <a:lnSpc>
-                <a:spcPct val="100000"/>
-              </a:lnSpc>
-              <a:spcBef>
-                <a:spcPct val="0"/>
-              </a:spcBef>
-              <a:spcAft>
-                <a:spcPct val="0"/>
-              </a:spcAft>
-              <a:buClrTx/>
-              <a:buSzTx/>
-              <a:buFont typeface="Wingdings" panose="05000000000000000000" pitchFamily="2" charset="2"/>
-              <a:buChar char="q"/>
-              <a:tabLst/>
-            </a:pPr>
-            <a:r>
-              <a:rPr kumimoji="0" lang="es-CL" altLang="es-CL" sz="1800" b="1" i="0" u="none" strike="noStrike" cap="none" normalizeH="0" baseline="0" dirty="0">
-                <a:ln>
-                  <a:noFill/>
-                </a:ln>
-                <a:solidFill>
-                  <a:schemeClr val="tx1"/>
-                </a:solidFill>
-                <a:effectLst/>
-                <a:latin typeface="Arial" panose="020B0604020202020204" pitchFamily="34" charset="0"/>
-              </a:rPr>
               <a:t>Escalabilidad y Optimización:</a:t>
             </a:r>
             <a:br>
@@ -8743,7 +9409,7 @@
 </p:sld>
 </file>
 
-<file path=ppt/slides/slide14.xml><?xml version="1.0" encoding="utf-8"?>
+<file path=ppt/slides/slide15.xml><?xml version="1.0" encoding="utf-8"?>
 <p:sld xmlns:a="http://schemas.openxmlformats.org/drawingml/2006/main" xmlns:r="http://schemas.openxmlformats.org/officeDocument/2006/relationships" xmlns:p="http://schemas.openxmlformats.org/presentationml/2006/main">
   <p:cSld>
     <p:spTree>
@@ -8936,7 +9602,7 @@
           <p:nvPr>
             <p:extLst>
               <p:ext uri="{D42A27DB-BD31-4B8C-83A1-F6EECF244321}">
-                <p14:modId xmlns:p14="http://schemas.microsoft.com/office/powerpoint/2010/main" val="3533341240"/>
+                <p14:modId xmlns:p14="http://schemas.microsoft.com/office/powerpoint/2010/main" val="1214982885"/>
               </p:ext>
             </p:extLst>
           </p:nvPr>
@@ -9727,6 +10393,496 @@
 <file path=ppt/slides/slide4.xml><?xml version="1.0" encoding="utf-8"?>
 <p:sld xmlns:a="http://schemas.openxmlformats.org/drawingml/2006/main" xmlns:r="http://schemas.openxmlformats.org/officeDocument/2006/relationships" xmlns:p="http://schemas.openxmlformats.org/presentationml/2006/main">
   <p:cSld>
+    <p:bg>
+      <p:bgPr>
+        <a:solidFill>
+          <a:schemeClr val="bg1"/>
+        </a:solidFill>
+        <a:effectLst/>
+      </p:bgPr>
+    </p:bg>
+    <p:spTree>
+      <p:nvGrpSpPr>
+        <p:cNvPr id="1" name=""/>
+        <p:cNvGrpSpPr/>
+        <p:nvPr/>
+      </p:nvGrpSpPr>
+      <p:grpSpPr>
+        <a:xfrm>
+          <a:off x="0" y="0"/>
+          <a:ext cx="0" cy="0"/>
+          <a:chOff x="0" y="0"/>
+          <a:chExt cx="0" cy="0"/>
+        </a:xfrm>
+      </p:grpSpPr>
+      <p:sp useBgFill="1">
+        <p:nvSpPr>
+          <p:cNvPr id="78" name="Rectangle 69">
+            <a:extLst>
+              <a:ext uri="{FF2B5EF4-FFF2-40B4-BE49-F238E27FC236}">
+                <a16:creationId xmlns:a16="http://schemas.microsoft.com/office/drawing/2014/main" id="{B0500737-D8A9-4F85-BE97-80D4C83DD5CF}"/>
+              </a:ext>
+              <a:ext uri="{C183D7F6-B498-43B3-948B-1728B52AA6E4}">
+                <adec:decorative xmlns:adec="http://schemas.microsoft.com/office/drawing/2017/decorative" val="1"/>
+              </a:ext>
+            </a:extLst>
+          </p:cNvPr>
+          <p:cNvSpPr>
+            <a:spLocks noGrp="1" noRot="1" noChangeAspect="1" noMove="1" noResize="1" noEditPoints="1" noAdjustHandles="1" noChangeArrowheads="1" noChangeShapeType="1" noTextEdit="1"/>
+          </p:cNvSpPr>
+          <p:nvPr>
+            <p:extLst>
+              <p:ext uri="{386F3935-93C4-4BCD-93E2-E3B085C9AB24}">
+                <p16:designElem xmlns:p16="http://schemas.microsoft.com/office/powerpoint/2015/main" val="1"/>
+              </p:ext>
+            </p:extLst>
+          </p:nvPr>
+        </p:nvSpPr>
+        <p:spPr>
+          <a:xfrm>
+            <a:off x="0" y="0"/>
+            <a:ext cx="12192000" cy="6858000"/>
+          </a:xfrm>
+          <a:prstGeom prst="rect">
+            <a:avLst/>
+          </a:prstGeom>
+          <a:ln>
+            <a:noFill/>
+          </a:ln>
+        </p:spPr>
+        <p:style>
+          <a:lnRef idx="2">
+            <a:schemeClr val="accent1">
+              <a:shade val="50000"/>
+            </a:schemeClr>
+          </a:lnRef>
+          <a:fillRef idx="1">
+            <a:schemeClr val="accent1"/>
+          </a:fillRef>
+          <a:effectRef idx="0">
+            <a:schemeClr val="accent1"/>
+          </a:effectRef>
+          <a:fontRef idx="minor">
+            <a:schemeClr val="lt1"/>
+          </a:fontRef>
+        </p:style>
+        <p:txBody>
+          <a:bodyPr rtlCol="0" anchor="ctr"/>
+          <a:lstStyle/>
+          <a:p>
+            <a:pPr algn="ctr"/>
+            <a:endParaRPr lang="en-US"/>
+          </a:p>
+        </p:txBody>
+      </p:sp>
+      <p:sp useBgFill="1">
+        <p:nvSpPr>
+          <p:cNvPr id="79" name="Rectangle 71">
+            <a:extLst>
+              <a:ext uri="{FF2B5EF4-FFF2-40B4-BE49-F238E27FC236}">
+                <a16:creationId xmlns:a16="http://schemas.microsoft.com/office/drawing/2014/main" id="{1C938212-FA12-4FF1-87C8-ACDE99D06F69}"/>
+              </a:ext>
+              <a:ext uri="{C183D7F6-B498-43B3-948B-1728B52AA6E4}">
+                <adec:decorative xmlns:adec="http://schemas.microsoft.com/office/drawing/2017/decorative" val="1"/>
+              </a:ext>
+            </a:extLst>
+          </p:cNvPr>
+          <p:cNvSpPr>
+            <a:spLocks noGrp="1" noRot="1" noChangeAspect="1" noMove="1" noResize="1" noEditPoints="1" noAdjustHandles="1" noChangeArrowheads="1" noChangeShapeType="1" noTextEdit="1"/>
+          </p:cNvSpPr>
+          <p:nvPr>
+            <p:extLst>
+              <p:ext uri="{386F3935-93C4-4BCD-93E2-E3B085C9AB24}">
+                <p16:designElem xmlns:p16="http://schemas.microsoft.com/office/powerpoint/2015/main" val="1"/>
+              </p:ext>
+            </p:extLst>
+          </p:nvPr>
+        </p:nvSpPr>
+        <p:spPr>
+          <a:xfrm>
+            <a:off x="554416" y="4218905"/>
+            <a:ext cx="11167447" cy="2089317"/>
+          </a:xfrm>
+          <a:prstGeom prst="rect">
+            <a:avLst/>
+          </a:prstGeom>
+          <a:ln w="12700">
+            <a:solidFill>
+              <a:srgbClr val="DEDEDE"/>
+            </a:solidFill>
+          </a:ln>
+          <a:effectLst>
+            <a:outerShdw blurRad="50800" dist="38100" dir="2700000" algn="tl" rotWithShape="0">
+              <a:schemeClr val="bg2">
+                <a:lumMod val="85000"/>
+                <a:alpha val="50000"/>
+              </a:schemeClr>
+            </a:outerShdw>
+          </a:effectLst>
+        </p:spPr>
+        <p:style>
+          <a:lnRef idx="2">
+            <a:schemeClr val="accent1">
+              <a:shade val="50000"/>
+            </a:schemeClr>
+          </a:lnRef>
+          <a:fillRef idx="1">
+            <a:schemeClr val="accent1"/>
+          </a:fillRef>
+          <a:effectRef idx="0">
+            <a:schemeClr val="accent1"/>
+          </a:effectRef>
+          <a:fontRef idx="minor">
+            <a:schemeClr val="lt1"/>
+          </a:fontRef>
+        </p:style>
+        <p:txBody>
+          <a:bodyPr rtlCol="0" anchor="ctr"/>
+          <a:lstStyle/>
+          <a:p>
+            <a:pPr marL="0" marR="0" lvl="0" indent="0" algn="ctr" defTabSz="914400" rtl="0" eaLnBrk="1" fontAlgn="auto" latinLnBrk="0" hangingPunct="1">
+              <a:lnSpc>
+                <a:spcPct val="100000"/>
+              </a:lnSpc>
+              <a:spcBef>
+                <a:spcPts val="0"/>
+              </a:spcBef>
+              <a:spcAft>
+                <a:spcPts val="0"/>
+              </a:spcAft>
+              <a:buClrTx/>
+              <a:buSzTx/>
+              <a:buFontTx/>
+              <a:buNone/>
+              <a:tabLst/>
+              <a:defRPr/>
+            </a:pPr>
+            <a:endParaRPr kumimoji="0" lang="en-US" sz="1800" b="0" i="0" u="none" strike="noStrike" kern="1200" cap="none" spc="0" normalizeH="0" baseline="0" noProof="0">
+              <a:ln>
+                <a:noFill/>
+              </a:ln>
+              <a:solidFill>
+                <a:prstClr val="white"/>
+              </a:solidFill>
+              <a:effectLst/>
+              <a:uLnTx/>
+              <a:uFillTx/>
+              <a:latin typeface="Calibri" panose="020F0502020204030204"/>
+              <a:ea typeface="+mn-ea"/>
+              <a:cs typeface="+mn-cs"/>
+            </a:endParaRPr>
+          </a:p>
+        </p:txBody>
+      </p:sp>
+      <p:pic>
+        <p:nvPicPr>
+          <p:cNvPr id="7" name="Imagen 6" descr="Una tienda de libros&#10;&#10;Descripción generada automáticamente con confianza media">
+            <a:extLst>
+              <a:ext uri="{FF2B5EF4-FFF2-40B4-BE49-F238E27FC236}">
+                <a16:creationId xmlns:a16="http://schemas.microsoft.com/office/drawing/2014/main" id="{F5183487-D553-9D82-1E85-BA07C3F912BE}"/>
+              </a:ext>
+            </a:extLst>
+          </p:cNvPr>
+          <p:cNvPicPr>
+            <a:picLocks noChangeAspect="1"/>
+          </p:cNvPicPr>
+          <p:nvPr/>
+        </p:nvPicPr>
+        <p:blipFill>
+          <a:blip r:embed="rId2">
+            <a:extLst>
+              <a:ext uri="{28A0092B-C50C-407E-A947-70E740481C1C}">
+                <a14:useLocalDpi xmlns:a14="http://schemas.microsoft.com/office/drawing/2010/main" val="0"/>
+              </a:ext>
+            </a:extLst>
+          </a:blip>
+          <a:srcRect t="362" r="2" b="3350"/>
+          <a:stretch/>
+        </p:blipFill>
+        <p:spPr>
+          <a:xfrm>
+            <a:off x="490408" y="357892"/>
+            <a:ext cx="2834640" cy="5950329"/>
+          </a:xfrm>
+          <a:prstGeom prst="rect">
+            <a:avLst/>
+          </a:prstGeom>
+        </p:spPr>
+      </p:pic>
+      <p:pic>
+        <p:nvPicPr>
+          <p:cNvPr id="11" name="Marcador de contenido 10" descr="Una tienda de libros&#10;&#10;Descripción generada automáticamente con confianza media">
+            <a:extLst>
+              <a:ext uri="{FF2B5EF4-FFF2-40B4-BE49-F238E27FC236}">
+                <a16:creationId xmlns:a16="http://schemas.microsoft.com/office/drawing/2014/main" id="{6FB23BC9-14CC-237D-471F-F1EF56F75763}"/>
+              </a:ext>
+            </a:extLst>
+          </p:cNvPr>
+          <p:cNvPicPr>
+            <a:picLocks noChangeAspect="1"/>
+          </p:cNvPicPr>
+          <p:nvPr/>
+        </p:nvPicPr>
+        <p:blipFill>
+          <a:blip r:embed="rId2">
+            <a:extLst>
+              <a:ext uri="{28A0092B-C50C-407E-A947-70E740481C1C}">
+                <a14:useLocalDpi xmlns:a14="http://schemas.microsoft.com/office/drawing/2010/main" val="0"/>
+              </a:ext>
+            </a:extLst>
+          </a:blip>
+          <a:srcRect t="362" r="2" b="3350"/>
+          <a:stretch/>
+        </p:blipFill>
+        <p:spPr>
+          <a:xfrm>
+            <a:off x="8802944" y="515589"/>
+            <a:ext cx="2834640" cy="5942462"/>
+          </a:xfrm>
+          <a:prstGeom prst="rect">
+            <a:avLst/>
+          </a:prstGeom>
+        </p:spPr>
+      </p:pic>
+      <p:pic>
+        <p:nvPicPr>
+          <p:cNvPr id="14" name="Imagen 13" descr="Estante de tienda&#10;&#10;Descripción generada automáticamente con confianza media">
+            <a:extLst>
+              <a:ext uri="{FF2B5EF4-FFF2-40B4-BE49-F238E27FC236}">
+                <a16:creationId xmlns:a16="http://schemas.microsoft.com/office/drawing/2014/main" id="{5CFE3E88-152E-67DC-D5FE-A62529F7AD52}"/>
+              </a:ext>
+            </a:extLst>
+          </p:cNvPr>
+          <p:cNvPicPr>
+            <a:picLocks noChangeAspect="1"/>
+          </p:cNvPicPr>
+          <p:nvPr/>
+        </p:nvPicPr>
+        <p:blipFill>
+          <a:blip r:embed="rId3">
+            <a:extLst>
+              <a:ext uri="{28A0092B-C50C-407E-A947-70E740481C1C}">
+                <a14:useLocalDpi xmlns:a14="http://schemas.microsoft.com/office/drawing/2010/main" val="0"/>
+              </a:ext>
+            </a:extLst>
+          </a:blip>
+          <a:srcRect t="3710" r="2" b="2"/>
+          <a:stretch/>
+        </p:blipFill>
+        <p:spPr>
+          <a:xfrm>
+            <a:off x="4343618" y="357892"/>
+            <a:ext cx="2834640" cy="5942462"/>
+          </a:xfrm>
+          <a:prstGeom prst="rect">
+            <a:avLst/>
+          </a:prstGeom>
+        </p:spPr>
+      </p:pic>
+      <p:sp>
+        <p:nvSpPr>
+          <p:cNvPr id="80" name="Rectangle 73">
+            <a:extLst>
+              <a:ext uri="{FF2B5EF4-FFF2-40B4-BE49-F238E27FC236}">
+                <a16:creationId xmlns:a16="http://schemas.microsoft.com/office/drawing/2014/main" id="{369F152D-E540-4B48-BA11-2ADF043C6111}"/>
+              </a:ext>
+              <a:ext uri="{C183D7F6-B498-43B3-948B-1728B52AA6E4}">
+                <adec:decorative xmlns:adec="http://schemas.microsoft.com/office/drawing/2017/decorative" val="1"/>
+              </a:ext>
+            </a:extLst>
+          </p:cNvPr>
+          <p:cNvSpPr>
+            <a:spLocks noGrp="1" noRot="1" noChangeAspect="1" noMove="1" noResize="1" noEditPoints="1" noAdjustHandles="1" noChangeArrowheads="1" noChangeShapeType="1" noTextEdit="1"/>
+          </p:cNvSpPr>
+          <p:nvPr>
+            <p:extLst>
+              <p:ext uri="{386F3935-93C4-4BCD-93E2-E3B085C9AB24}">
+                <p16:designElem xmlns:p16="http://schemas.microsoft.com/office/powerpoint/2015/main" val="1"/>
+              </p:ext>
+            </p:extLst>
+          </p:nvPr>
+        </p:nvSpPr>
+        <p:spPr>
+          <a:xfrm>
+            <a:off x="490408" y="4911519"/>
+            <a:ext cx="128016" cy="704088"/>
+          </a:xfrm>
+          <a:prstGeom prst="rect">
+            <a:avLst/>
+          </a:prstGeom>
+          <a:solidFill>
+            <a:schemeClr val="accent2"/>
+          </a:solidFill>
+          <a:ln>
+            <a:noFill/>
+          </a:ln>
+        </p:spPr>
+        <p:style>
+          <a:lnRef idx="2">
+            <a:schemeClr val="accent1">
+              <a:shade val="50000"/>
+            </a:schemeClr>
+          </a:lnRef>
+          <a:fillRef idx="1">
+            <a:schemeClr val="accent1"/>
+          </a:fillRef>
+          <a:effectRef idx="0">
+            <a:schemeClr val="accent1"/>
+          </a:effectRef>
+          <a:fontRef idx="minor">
+            <a:schemeClr val="lt1"/>
+          </a:fontRef>
+        </p:style>
+        <p:txBody>
+          <a:bodyPr rtlCol="0" anchor="ctr"/>
+          <a:lstStyle/>
+          <a:p>
+            <a:pPr marL="0" marR="0" lvl="0" indent="0" algn="ctr" defTabSz="914400" rtl="0" eaLnBrk="1" fontAlgn="auto" latinLnBrk="0" hangingPunct="1">
+              <a:lnSpc>
+                <a:spcPct val="100000"/>
+              </a:lnSpc>
+              <a:spcBef>
+                <a:spcPts val="0"/>
+              </a:spcBef>
+              <a:spcAft>
+                <a:spcPts val="0"/>
+              </a:spcAft>
+              <a:buClrTx/>
+              <a:buSzTx/>
+              <a:buFontTx/>
+              <a:buNone/>
+              <a:tabLst/>
+              <a:defRPr/>
+            </a:pPr>
+            <a:endParaRPr kumimoji="0" lang="en-US" sz="1800" b="0" i="0" u="none" strike="noStrike" kern="1200" cap="none" spc="0" normalizeH="0" baseline="0" noProof="0" dirty="0">
+              <a:ln>
+                <a:noFill/>
+              </a:ln>
+              <a:solidFill>
+                <a:prstClr val="white"/>
+              </a:solidFill>
+              <a:effectLst/>
+              <a:uLnTx/>
+              <a:uFillTx/>
+              <a:latin typeface="Calibri" panose="020F0502020204030204"/>
+              <a:ea typeface="+mn-ea"/>
+              <a:cs typeface="+mn-cs"/>
+            </a:endParaRPr>
+          </a:p>
+        </p:txBody>
+      </p:sp>
+      <p:sp>
+        <p:nvSpPr>
+          <p:cNvPr id="81" name="Rectangle 75">
+            <a:extLst>
+              <a:ext uri="{FF2B5EF4-FFF2-40B4-BE49-F238E27FC236}">
+                <a16:creationId xmlns:a16="http://schemas.microsoft.com/office/drawing/2014/main" id="{0C059F7E-04C4-4C46-9B3E-E5CE267E347D}"/>
+              </a:ext>
+              <a:ext uri="{C183D7F6-B498-43B3-948B-1728B52AA6E4}">
+                <adec:decorative xmlns:adec="http://schemas.microsoft.com/office/drawing/2017/decorative" val="1"/>
+              </a:ext>
+            </a:extLst>
+          </p:cNvPr>
+          <p:cNvSpPr>
+            <a:spLocks noGrp="1" noRot="1" noChangeAspect="1" noMove="1" noResize="1" noEditPoints="1" noAdjustHandles="1" noChangeArrowheads="1" noChangeShapeType="1" noTextEdit="1"/>
+          </p:cNvSpPr>
+          <p:nvPr>
+            <p:extLst>
+              <p:ext uri="{386F3935-93C4-4BCD-93E2-E3B085C9AB24}">
+                <p16:designElem xmlns:p16="http://schemas.microsoft.com/office/powerpoint/2015/main" val="1"/>
+              </p:ext>
+            </p:extLst>
+          </p:nvPr>
+        </p:nvSpPr>
+        <p:spPr>
+          <a:xfrm rot="5400000">
+            <a:off x="3612098" y="5254418"/>
+            <a:ext cx="1463040" cy="18288"/>
+          </a:xfrm>
+          <a:prstGeom prst="rect">
+            <a:avLst/>
+          </a:prstGeom>
+          <a:solidFill>
+            <a:srgbClr val="D5D5D5"/>
+          </a:solidFill>
+          <a:ln w="3175">
+            <a:noFill/>
+          </a:ln>
+          <a:effectLst/>
+        </p:spPr>
+        <p:style>
+          <a:lnRef idx="2">
+            <a:schemeClr val="accent1">
+              <a:shade val="50000"/>
+            </a:schemeClr>
+          </a:lnRef>
+          <a:fillRef idx="1">
+            <a:schemeClr val="accent1"/>
+          </a:fillRef>
+          <a:effectRef idx="0">
+            <a:schemeClr val="accent1"/>
+          </a:effectRef>
+          <a:fontRef idx="minor">
+            <a:schemeClr val="lt1"/>
+          </a:fontRef>
+        </p:style>
+        <p:txBody>
+          <a:bodyPr rtlCol="0" anchor="ctr"/>
+          <a:lstStyle/>
+          <a:p>
+            <a:pPr marL="0" marR="0" lvl="0" indent="0" algn="ctr" defTabSz="914400" rtl="0" eaLnBrk="1" fontAlgn="auto" latinLnBrk="0" hangingPunct="1">
+              <a:lnSpc>
+                <a:spcPct val="100000"/>
+              </a:lnSpc>
+              <a:spcBef>
+                <a:spcPts val="0"/>
+              </a:spcBef>
+              <a:spcAft>
+                <a:spcPts val="0"/>
+              </a:spcAft>
+              <a:buClrTx/>
+              <a:buSzTx/>
+              <a:buFontTx/>
+              <a:buNone/>
+              <a:tabLst/>
+              <a:defRPr/>
+            </a:pPr>
+            <a:endParaRPr kumimoji="0" lang="en-US" sz="1800" b="0" i="0" u="none" strike="noStrike" kern="1200" cap="none" spc="0" normalizeH="0" baseline="0" noProof="0">
+              <a:ln>
+                <a:noFill/>
+              </a:ln>
+              <a:solidFill>
+                <a:prstClr val="white"/>
+              </a:solidFill>
+              <a:effectLst/>
+              <a:uLnTx/>
+              <a:uFillTx/>
+              <a:latin typeface="Calibri" panose="020F0502020204030204"/>
+              <a:ea typeface="+mn-ea"/>
+              <a:cs typeface="+mn-cs"/>
+            </a:endParaRPr>
+          </a:p>
+        </p:txBody>
+      </p:sp>
+    </p:spTree>
+    <p:extLst>
+      <p:ext uri="{BB962C8B-B14F-4D97-AF65-F5344CB8AC3E}">
+        <p14:creationId xmlns:p14="http://schemas.microsoft.com/office/powerpoint/2010/main" val="4110160317"/>
+      </p:ext>
+    </p:extLst>
+  </p:cSld>
+  <p:clrMapOvr>
+    <a:masterClrMapping/>
+  </p:clrMapOvr>
+  <p:transition spd="slow">
+    <p:wipe/>
+  </p:transition>
+</p:sld>
+</file>
+
+<file path=ppt/slides/slide5.xml><?xml version="1.0" encoding="utf-8"?>
+<p:sld xmlns:a="http://schemas.openxmlformats.org/drawingml/2006/main" xmlns:r="http://schemas.openxmlformats.org/officeDocument/2006/relationships" xmlns:p="http://schemas.openxmlformats.org/presentationml/2006/main">
+  <p:cSld>
     <p:spTree>
       <p:nvGrpSpPr>
         <p:cNvPr id="1" name=""/>
@@ -10233,7 +11389,7 @@
 </p:sld>
 </file>
 
-<file path=ppt/slides/slide5.xml><?xml version="1.0" encoding="utf-8"?>
+<file path=ppt/slides/slide6.xml><?xml version="1.0" encoding="utf-8"?>
 <p:sld xmlns:a="http://schemas.openxmlformats.org/drawingml/2006/main" xmlns:r="http://schemas.openxmlformats.org/officeDocument/2006/relationships" xmlns:p="http://schemas.openxmlformats.org/presentationml/2006/main">
   <p:cSld>
     <p:spTree>
@@ -10611,7 +11767,7 @@
 </p:sld>
 </file>
 
-<file path=ppt/slides/slide6.xml><?xml version="1.0" encoding="utf-8"?>
+<file path=ppt/slides/slide7.xml><?xml version="1.0" encoding="utf-8"?>
 <p:sld xmlns:a="http://schemas.openxmlformats.org/drawingml/2006/main" xmlns:r="http://schemas.openxmlformats.org/officeDocument/2006/relationships" xmlns:p="http://schemas.openxmlformats.org/presentationml/2006/main">
   <p:cSld>
     <p:spTree>
@@ -10989,7 +12145,7 @@
 </p:sld>
 </file>
 
-<file path=ppt/slides/slide7.xml><?xml version="1.0" encoding="utf-8"?>
+<file path=ppt/slides/slide8.xml><?xml version="1.0" encoding="utf-8"?>
 <p:sld xmlns:a="http://schemas.openxmlformats.org/drawingml/2006/main" xmlns:r="http://schemas.openxmlformats.org/officeDocument/2006/relationships" xmlns:p="http://schemas.openxmlformats.org/presentationml/2006/main">
   <p:cSld>
     <p:spTree>
@@ -11109,7 +12265,7 @@
         <p:spPr>
           <a:xfrm>
             <a:off x="1" y="1155656"/>
-            <a:ext cx="12191999" cy="892552"/>
+            <a:ext cx="12191999" cy="646331"/>
           </a:xfrm>
           <a:prstGeom prst="rect">
             <a:avLst/>
@@ -11127,6355 +12283,6 @@
               <a:rPr lang="es-MX" sz="3600" dirty="0"/>
               <a:t>Cronograma para el desarrollo del proyecto</a:t>
             </a:r>
-          </a:p>
-          <a:p>
-            <a:pPr algn="ctr"/>
-            <a:r>
-              <a:rPr lang="es-MX" sz="1600" dirty="0">
-                <a:solidFill>
-                  <a:schemeClr val="bg2">
-                    <a:lumMod val="50000"/>
-                  </a:schemeClr>
-                </a:solidFill>
-              </a:rPr>
-              <a:t>* Utilizar cronograma de inicio, indicando el cumplimiento al término del proyecto </a:t>
-            </a:r>
-            <a:endParaRPr lang="es-CL" sz="1000" dirty="0">
-              <a:solidFill>
-                <a:schemeClr val="bg2">
-                  <a:lumMod val="50000"/>
-                </a:schemeClr>
-              </a:solidFill>
-            </a:endParaRPr>
-          </a:p>
-        </p:txBody>
-      </p:sp>
-      <p:cxnSp>
-        <p:nvCxnSpPr>
-          <p:cNvPr id="9" name="Conector recto 8">
-            <a:extLst>
-              <a:ext uri="{FF2B5EF4-FFF2-40B4-BE49-F238E27FC236}">
-                <a16:creationId xmlns:a16="http://schemas.microsoft.com/office/drawing/2014/main" id="{8768D7F4-D478-E252-1441-D950598597DE}"/>
-              </a:ext>
-            </a:extLst>
-          </p:cNvPr>
-          <p:cNvCxnSpPr/>
-          <p:nvPr/>
-        </p:nvCxnSpPr>
-        <p:spPr>
-          <a:xfrm>
-            <a:off x="0" y="758027"/>
-            <a:ext cx="4085617" cy="0"/>
-          </a:xfrm>
-          <a:prstGeom prst="line">
-            <a:avLst/>
-          </a:prstGeom>
-          <a:ln w="15875">
-            <a:gradFill flip="none" rotWithShape="1">
-              <a:gsLst>
-                <a:gs pos="0">
-                  <a:schemeClr val="accent1">
-                    <a:lumMod val="5000"/>
-                    <a:lumOff val="95000"/>
-                  </a:schemeClr>
-                </a:gs>
-                <a:gs pos="74000">
-                  <a:schemeClr val="accent1">
-                    <a:lumMod val="45000"/>
-                    <a:lumOff val="55000"/>
-                  </a:schemeClr>
-                </a:gs>
-                <a:gs pos="83000">
-                  <a:schemeClr val="accent1">
-                    <a:lumMod val="45000"/>
-                    <a:lumOff val="55000"/>
-                  </a:schemeClr>
-                </a:gs>
-                <a:gs pos="100000">
-                  <a:schemeClr val="accent1">
-                    <a:lumMod val="30000"/>
-                    <a:lumOff val="70000"/>
-                  </a:schemeClr>
-                </a:gs>
-              </a:gsLst>
-              <a:lin ang="10800000" scaled="1"/>
-              <a:tileRect/>
-            </a:gradFill>
-          </a:ln>
-        </p:spPr>
-        <p:style>
-          <a:lnRef idx="1">
-            <a:schemeClr val="accent1"/>
-          </a:lnRef>
-          <a:fillRef idx="0">
-            <a:schemeClr val="accent1"/>
-          </a:fillRef>
-          <a:effectRef idx="0">
-            <a:schemeClr val="accent1"/>
-          </a:effectRef>
-          <a:fontRef idx="minor">
-            <a:schemeClr val="tx1"/>
-          </a:fontRef>
-        </p:style>
-      </p:cxnSp>
-      <p:graphicFrame>
-        <p:nvGraphicFramePr>
-          <p:cNvPr id="4" name="Tabla 3">
-            <a:extLst>
-              <a:ext uri="{FF2B5EF4-FFF2-40B4-BE49-F238E27FC236}">
-                <a16:creationId xmlns:a16="http://schemas.microsoft.com/office/drawing/2014/main" id="{7BB5CADE-DDA2-A4F7-629E-7AEEB49F57D7}"/>
-              </a:ext>
-            </a:extLst>
-          </p:cNvPr>
-          <p:cNvGraphicFramePr>
-            <a:graphicFrameLocks noGrp="1"/>
-          </p:cNvGraphicFramePr>
-          <p:nvPr>
-            <p:extLst>
-              <p:ext uri="{D42A27DB-BD31-4B8C-83A1-F6EECF244321}">
-                <p14:modId xmlns:p14="http://schemas.microsoft.com/office/powerpoint/2010/main" val="3560750566"/>
-              </p:ext>
-            </p:extLst>
-          </p:nvPr>
-        </p:nvGraphicFramePr>
-        <p:xfrm>
-          <a:off x="1248696" y="2595717"/>
-          <a:ext cx="10235372" cy="3618273"/>
-        </p:xfrm>
-        <a:graphic>
-          <a:graphicData uri="http://schemas.openxmlformats.org/drawingml/2006/table">
-            <a:tbl>
-              <a:tblPr firstRow="1" firstCol="1" bandRow="1"/>
-              <a:tblGrid>
-                <a:gridCol w="1245540">
-                  <a:extLst>
-                    <a:ext uri="{9D8B030D-6E8A-4147-A177-3AD203B41FA5}">
-                      <a16:colId xmlns:a16="http://schemas.microsoft.com/office/drawing/2014/main" val="1385875515"/>
-                    </a:ext>
-                  </a:extLst>
-                </a:gridCol>
-                <a:gridCol w="494161">
-                  <a:extLst>
-                    <a:ext uri="{9D8B030D-6E8A-4147-A177-3AD203B41FA5}">
-                      <a16:colId xmlns:a16="http://schemas.microsoft.com/office/drawing/2014/main" val="3026825544"/>
-                    </a:ext>
-                  </a:extLst>
-                </a:gridCol>
-                <a:gridCol w="482175">
-                  <a:extLst>
-                    <a:ext uri="{9D8B030D-6E8A-4147-A177-3AD203B41FA5}">
-                      <a16:colId xmlns:a16="http://schemas.microsoft.com/office/drawing/2014/main" val="3982458150"/>
-                    </a:ext>
-                  </a:extLst>
-                </a:gridCol>
-                <a:gridCol w="484940">
-                  <a:extLst>
-                    <a:ext uri="{9D8B030D-6E8A-4147-A177-3AD203B41FA5}">
-                      <a16:colId xmlns:a16="http://schemas.microsoft.com/office/drawing/2014/main" val="2813336322"/>
-                    </a:ext>
-                  </a:extLst>
-                </a:gridCol>
-                <a:gridCol w="484940">
-                  <a:extLst>
-                    <a:ext uri="{9D8B030D-6E8A-4147-A177-3AD203B41FA5}">
-                      <a16:colId xmlns:a16="http://schemas.microsoft.com/office/drawing/2014/main" val="666810208"/>
-                    </a:ext>
-                  </a:extLst>
-                </a:gridCol>
-                <a:gridCol w="482175">
-                  <a:extLst>
-                    <a:ext uri="{9D8B030D-6E8A-4147-A177-3AD203B41FA5}">
-                      <a16:colId xmlns:a16="http://schemas.microsoft.com/office/drawing/2014/main" val="441682826"/>
-                    </a:ext>
-                  </a:extLst>
-                </a:gridCol>
-                <a:gridCol w="482175">
-                  <a:extLst>
-                    <a:ext uri="{9D8B030D-6E8A-4147-A177-3AD203B41FA5}">
-                      <a16:colId xmlns:a16="http://schemas.microsoft.com/office/drawing/2014/main" val="1853034618"/>
-                    </a:ext>
-                  </a:extLst>
-                </a:gridCol>
-                <a:gridCol w="482175">
-                  <a:extLst>
-                    <a:ext uri="{9D8B030D-6E8A-4147-A177-3AD203B41FA5}">
-                      <a16:colId xmlns:a16="http://schemas.microsoft.com/office/drawing/2014/main" val="161666760"/>
-                    </a:ext>
-                  </a:extLst>
-                </a:gridCol>
-                <a:gridCol w="482175">
-                  <a:extLst>
-                    <a:ext uri="{9D8B030D-6E8A-4147-A177-3AD203B41FA5}">
-                      <a16:colId xmlns:a16="http://schemas.microsoft.com/office/drawing/2014/main" val="2597728732"/>
-                    </a:ext>
-                  </a:extLst>
-                </a:gridCol>
-                <a:gridCol w="482175">
-                  <a:extLst>
-                    <a:ext uri="{9D8B030D-6E8A-4147-A177-3AD203B41FA5}">
-                      <a16:colId xmlns:a16="http://schemas.microsoft.com/office/drawing/2014/main" val="3367593723"/>
-                    </a:ext>
-                  </a:extLst>
-                </a:gridCol>
-                <a:gridCol w="482175">
-                  <a:extLst>
-                    <a:ext uri="{9D8B030D-6E8A-4147-A177-3AD203B41FA5}">
-                      <a16:colId xmlns:a16="http://schemas.microsoft.com/office/drawing/2014/main" val="1610561930"/>
-                    </a:ext>
-                  </a:extLst>
-                </a:gridCol>
-                <a:gridCol w="482175">
-                  <a:extLst>
-                    <a:ext uri="{9D8B030D-6E8A-4147-A177-3AD203B41FA5}">
-                      <a16:colId xmlns:a16="http://schemas.microsoft.com/office/drawing/2014/main" val="4078685469"/>
-                    </a:ext>
-                  </a:extLst>
-                </a:gridCol>
-                <a:gridCol w="484017">
-                  <a:extLst>
-                    <a:ext uri="{9D8B030D-6E8A-4147-A177-3AD203B41FA5}">
-                      <a16:colId xmlns:a16="http://schemas.microsoft.com/office/drawing/2014/main" val="1033199576"/>
-                    </a:ext>
-                  </a:extLst>
-                </a:gridCol>
-                <a:gridCol w="484017">
-                  <a:extLst>
-                    <a:ext uri="{9D8B030D-6E8A-4147-A177-3AD203B41FA5}">
-                      <a16:colId xmlns:a16="http://schemas.microsoft.com/office/drawing/2014/main" val="3244852290"/>
-                    </a:ext>
-                  </a:extLst>
-                </a:gridCol>
-                <a:gridCol w="484017">
-                  <a:extLst>
-                    <a:ext uri="{9D8B030D-6E8A-4147-A177-3AD203B41FA5}">
-                      <a16:colId xmlns:a16="http://schemas.microsoft.com/office/drawing/2014/main" val="2661357519"/>
-                    </a:ext>
-                  </a:extLst>
-                </a:gridCol>
-                <a:gridCol w="484017">
-                  <a:extLst>
-                    <a:ext uri="{9D8B030D-6E8A-4147-A177-3AD203B41FA5}">
-                      <a16:colId xmlns:a16="http://schemas.microsoft.com/office/drawing/2014/main" val="1629908258"/>
-                    </a:ext>
-                  </a:extLst>
-                </a:gridCol>
-                <a:gridCol w="484017">
-                  <a:extLst>
-                    <a:ext uri="{9D8B030D-6E8A-4147-A177-3AD203B41FA5}">
-                      <a16:colId xmlns:a16="http://schemas.microsoft.com/office/drawing/2014/main" val="2147780406"/>
-                    </a:ext>
-                  </a:extLst>
-                </a:gridCol>
-                <a:gridCol w="140136">
-                  <a:extLst>
-                    <a:ext uri="{9D8B030D-6E8A-4147-A177-3AD203B41FA5}">
-                      <a16:colId xmlns:a16="http://schemas.microsoft.com/office/drawing/2014/main" val="2368806540"/>
-                    </a:ext>
-                  </a:extLst>
-                </a:gridCol>
-                <a:gridCol w="484017">
-                  <a:extLst>
-                    <a:ext uri="{9D8B030D-6E8A-4147-A177-3AD203B41FA5}">
-                      <a16:colId xmlns:a16="http://schemas.microsoft.com/office/drawing/2014/main" val="3867265020"/>
-                    </a:ext>
-                  </a:extLst>
-                </a:gridCol>
-                <a:gridCol w="484017">
-                  <a:extLst>
-                    <a:ext uri="{9D8B030D-6E8A-4147-A177-3AD203B41FA5}">
-                      <a16:colId xmlns:a16="http://schemas.microsoft.com/office/drawing/2014/main" val="3959863927"/>
-                    </a:ext>
-                  </a:extLst>
-                </a:gridCol>
-                <a:gridCol w="140136">
-                  <a:extLst>
-                    <a:ext uri="{9D8B030D-6E8A-4147-A177-3AD203B41FA5}">
-                      <a16:colId xmlns:a16="http://schemas.microsoft.com/office/drawing/2014/main" val="366369285"/>
-                    </a:ext>
-                  </a:extLst>
-                </a:gridCol>
-              </a:tblGrid>
-              <a:tr h="524466">
-                <a:tc rowSpan="2">
-                  <a:txBody>
-                    <a:bodyPr/>
-                    <a:lstStyle/>
-                    <a:p>
-                      <a:pPr algn="just">
-                        <a:lnSpc>
-                          <a:spcPct val="150000"/>
-                        </a:lnSpc>
-                        <a:spcAft>
-                          <a:spcPts val="800"/>
-                        </a:spcAft>
-                      </a:pPr>
-                      <a:r>
-                        <a:rPr lang="es-CL" sz="800" b="1">
-                          <a:effectLst/>
-                          <a:latin typeface="Calibri" panose="020F0502020204030204" pitchFamily="34" charset="0"/>
-                          <a:ea typeface="Calibri" panose="020F0502020204030204" pitchFamily="34" charset="0"/>
-                          <a:cs typeface="Times New Roman" panose="02020603050405020304" pitchFamily="18" charset="0"/>
-                        </a:rPr>
-                        <a:t>Actividad</a:t>
-                      </a:r>
-                      <a:endParaRPr lang="es-CL" sz="1100">
-                        <a:effectLst/>
-                        <a:latin typeface="Calibri" panose="020F0502020204030204" pitchFamily="34" charset="0"/>
-                        <a:ea typeface="Calibri" panose="020F0502020204030204" pitchFamily="34" charset="0"/>
-                        <a:cs typeface="Times New Roman" panose="02020603050405020304" pitchFamily="18" charset="0"/>
-                      </a:endParaRPr>
-                    </a:p>
-                  </a:txBody>
-                  <a:tcPr marL="68580" marR="68580" marT="0" marB="0">
-                    <a:lnL w="12700" cap="flat" cmpd="sng" algn="ctr">
-                      <a:solidFill>
-                        <a:srgbClr val="BFBFBF"/>
-                      </a:solidFill>
-                      <a:prstDash val="solid"/>
-                      <a:round/>
-                      <a:headEnd type="none" w="med" len="med"/>
-                      <a:tailEnd type="none" w="med" len="med"/>
-                    </a:lnL>
-                    <a:lnR w="12700" cap="flat" cmpd="sng" algn="ctr">
-                      <a:solidFill>
-                        <a:srgbClr val="BFBFBF"/>
-                      </a:solidFill>
-                      <a:prstDash val="solid"/>
-                      <a:round/>
-                      <a:headEnd type="none" w="med" len="med"/>
-                      <a:tailEnd type="none" w="med" len="med"/>
-                    </a:lnR>
-                    <a:lnT w="12700" cap="flat" cmpd="sng" algn="ctr">
-                      <a:solidFill>
-                        <a:srgbClr val="BFBFBF"/>
-                      </a:solidFill>
-                      <a:prstDash val="solid"/>
-                      <a:round/>
-                      <a:headEnd type="none" w="med" len="med"/>
-                      <a:tailEnd type="none" w="med" len="med"/>
-                    </a:lnT>
-                    <a:lnB w="12700" cap="flat" cmpd="sng" algn="ctr">
-                      <a:solidFill>
-                        <a:srgbClr val="BFBFBF"/>
-                      </a:solidFill>
-                      <a:prstDash val="solid"/>
-                      <a:round/>
-                      <a:headEnd type="none" w="med" len="med"/>
-                      <a:tailEnd type="none" w="med" len="med"/>
-                    </a:lnB>
-                  </a:tcPr>
-                </a:tc>
-                <a:tc gridSpan="4">
-                  <a:txBody>
-                    <a:bodyPr/>
-                    <a:lstStyle/>
-                    <a:p>
-                      <a:pPr algn="ctr">
-                        <a:lnSpc>
-                          <a:spcPct val="150000"/>
-                        </a:lnSpc>
-                        <a:spcAft>
-                          <a:spcPts val="800"/>
-                        </a:spcAft>
-                      </a:pPr>
-                      <a:r>
-                        <a:rPr lang="es-CL" sz="800" b="1">
-                          <a:solidFill>
-                            <a:srgbClr val="000000"/>
-                          </a:solidFill>
-                          <a:effectLst/>
-                          <a:latin typeface="Calibri" panose="020F0502020204030204" pitchFamily="34" charset="0"/>
-                          <a:ea typeface="Calibri" panose="020F0502020204030204" pitchFamily="34" charset="0"/>
-                          <a:cs typeface="Times New Roman" panose="02020603050405020304" pitchFamily="18" charset="0"/>
-                        </a:rPr>
-                        <a:t>Fase 1</a:t>
-                      </a:r>
-                      <a:endParaRPr lang="es-CL" sz="1100">
-                        <a:effectLst/>
-                        <a:latin typeface="Calibri" panose="020F0502020204030204" pitchFamily="34" charset="0"/>
-                        <a:ea typeface="Calibri" panose="020F0502020204030204" pitchFamily="34" charset="0"/>
-                        <a:cs typeface="Times New Roman" panose="02020603050405020304" pitchFamily="18" charset="0"/>
-                      </a:endParaRPr>
-                    </a:p>
-                  </a:txBody>
-                  <a:tcPr marL="68580" marR="68580" marT="0" marB="0">
-                    <a:lnL w="12700" cap="flat" cmpd="sng" algn="ctr">
-                      <a:solidFill>
-                        <a:srgbClr val="BFBFBF"/>
-                      </a:solidFill>
-                      <a:prstDash val="solid"/>
-                      <a:round/>
-                      <a:headEnd type="none" w="med" len="med"/>
-                      <a:tailEnd type="none" w="med" len="med"/>
-                    </a:lnL>
-                    <a:lnR w="12700" cap="flat" cmpd="sng" algn="ctr">
-                      <a:solidFill>
-                        <a:srgbClr val="BFBFBF"/>
-                      </a:solidFill>
-                      <a:prstDash val="solid"/>
-                      <a:round/>
-                      <a:headEnd type="none" w="med" len="med"/>
-                      <a:tailEnd type="none" w="med" len="med"/>
-                    </a:lnR>
-                    <a:lnT w="12700" cap="flat" cmpd="sng" algn="ctr">
-                      <a:solidFill>
-                        <a:srgbClr val="BFBFBF"/>
-                      </a:solidFill>
-                      <a:prstDash val="solid"/>
-                      <a:round/>
-                      <a:headEnd type="none" w="med" len="med"/>
-                      <a:tailEnd type="none" w="med" len="med"/>
-                    </a:lnT>
-                    <a:lnB w="12700" cap="flat" cmpd="sng" algn="ctr">
-                      <a:solidFill>
-                        <a:srgbClr val="BFBFBF"/>
-                      </a:solidFill>
-                      <a:prstDash val="solid"/>
-                      <a:round/>
-                      <a:headEnd type="none" w="med" len="med"/>
-                      <a:tailEnd type="none" w="med" len="med"/>
-                    </a:lnB>
-                    <a:solidFill>
-                      <a:srgbClr val="E2EFD9"/>
-                    </a:solidFill>
-                  </a:tcPr>
-                </a:tc>
-                <a:tc hMerge="1">
-                  <a:txBody>
-                    <a:bodyPr/>
-                    <a:lstStyle/>
-                    <a:p>
-                      <a:endParaRPr lang="es-CL"/>
-                    </a:p>
-                  </a:txBody>
-                  <a:tcPr/>
-                </a:tc>
-                <a:tc hMerge="1">
-                  <a:txBody>
-                    <a:bodyPr/>
-                    <a:lstStyle/>
-                    <a:p>
-                      <a:endParaRPr lang="es-CL"/>
-                    </a:p>
-                  </a:txBody>
-                  <a:tcPr/>
-                </a:tc>
-                <a:tc hMerge="1">
-                  <a:txBody>
-                    <a:bodyPr/>
-                    <a:lstStyle/>
-                    <a:p>
-                      <a:endParaRPr lang="es-CL"/>
-                    </a:p>
-                  </a:txBody>
-                  <a:tcPr/>
-                </a:tc>
-                <a:tc gridSpan="12">
-                  <a:txBody>
-                    <a:bodyPr/>
-                    <a:lstStyle/>
-                    <a:p>
-                      <a:pPr algn="ctr">
-                        <a:lnSpc>
-                          <a:spcPct val="150000"/>
-                        </a:lnSpc>
-                        <a:spcAft>
-                          <a:spcPts val="800"/>
-                        </a:spcAft>
-                      </a:pPr>
-                      <a:r>
-                        <a:rPr lang="es-CL" sz="800" b="1">
-                          <a:solidFill>
-                            <a:srgbClr val="000000"/>
-                          </a:solidFill>
-                          <a:effectLst/>
-                          <a:latin typeface="Calibri" panose="020F0502020204030204" pitchFamily="34" charset="0"/>
-                          <a:ea typeface="Calibri" panose="020F0502020204030204" pitchFamily="34" charset="0"/>
-                          <a:cs typeface="Times New Roman" panose="02020603050405020304" pitchFamily="18" charset="0"/>
-                        </a:rPr>
-                        <a:t>Fase 2</a:t>
-                      </a:r>
-                      <a:endParaRPr lang="es-CL" sz="1100">
-                        <a:effectLst/>
-                        <a:latin typeface="Calibri" panose="020F0502020204030204" pitchFamily="34" charset="0"/>
-                        <a:ea typeface="Calibri" panose="020F0502020204030204" pitchFamily="34" charset="0"/>
-                        <a:cs typeface="Times New Roman" panose="02020603050405020304" pitchFamily="18" charset="0"/>
-                      </a:endParaRPr>
-                    </a:p>
-                  </a:txBody>
-                  <a:tcPr marL="68580" marR="68580" marT="0" marB="0">
-                    <a:lnL w="12700" cap="flat" cmpd="sng" algn="ctr">
-                      <a:solidFill>
-                        <a:srgbClr val="BFBFBF"/>
-                      </a:solidFill>
-                      <a:prstDash val="solid"/>
-                      <a:round/>
-                      <a:headEnd type="none" w="med" len="med"/>
-                      <a:tailEnd type="none" w="med" len="med"/>
-                    </a:lnL>
-                    <a:lnR w="12700" cap="flat" cmpd="sng" algn="ctr">
-                      <a:solidFill>
-                        <a:srgbClr val="BFBFBF"/>
-                      </a:solidFill>
-                      <a:prstDash val="solid"/>
-                      <a:round/>
-                      <a:headEnd type="none" w="med" len="med"/>
-                      <a:tailEnd type="none" w="med" len="med"/>
-                    </a:lnR>
-                    <a:lnT w="12700" cap="flat" cmpd="sng" algn="ctr">
-                      <a:solidFill>
-                        <a:srgbClr val="BFBFBF"/>
-                      </a:solidFill>
-                      <a:prstDash val="solid"/>
-                      <a:round/>
-                      <a:headEnd type="none" w="med" len="med"/>
-                      <a:tailEnd type="none" w="med" len="med"/>
-                    </a:lnT>
-                    <a:lnB w="12700" cap="flat" cmpd="sng" algn="ctr">
-                      <a:solidFill>
-                        <a:srgbClr val="BFBFBF"/>
-                      </a:solidFill>
-                      <a:prstDash val="solid"/>
-                      <a:round/>
-                      <a:headEnd type="none" w="med" len="med"/>
-                      <a:tailEnd type="none" w="med" len="med"/>
-                    </a:lnB>
-                    <a:solidFill>
-                      <a:srgbClr val="FFF2CC"/>
-                    </a:solidFill>
-                  </a:tcPr>
-                </a:tc>
-                <a:tc hMerge="1">
-                  <a:txBody>
-                    <a:bodyPr/>
-                    <a:lstStyle/>
-                    <a:p>
-                      <a:endParaRPr lang="es-CL"/>
-                    </a:p>
-                  </a:txBody>
-                  <a:tcPr/>
-                </a:tc>
-                <a:tc hMerge="1">
-                  <a:txBody>
-                    <a:bodyPr/>
-                    <a:lstStyle/>
-                    <a:p>
-                      <a:endParaRPr lang="es-CL"/>
-                    </a:p>
-                  </a:txBody>
-                  <a:tcPr/>
-                </a:tc>
-                <a:tc hMerge="1">
-                  <a:txBody>
-                    <a:bodyPr/>
-                    <a:lstStyle/>
-                    <a:p>
-                      <a:endParaRPr lang="es-CL"/>
-                    </a:p>
-                  </a:txBody>
-                  <a:tcPr/>
-                </a:tc>
-                <a:tc hMerge="1">
-                  <a:txBody>
-                    <a:bodyPr/>
-                    <a:lstStyle/>
-                    <a:p>
-                      <a:endParaRPr lang="es-CL"/>
-                    </a:p>
-                  </a:txBody>
-                  <a:tcPr/>
-                </a:tc>
-                <a:tc hMerge="1">
-                  <a:txBody>
-                    <a:bodyPr/>
-                    <a:lstStyle/>
-                    <a:p>
-                      <a:endParaRPr lang="es-CL"/>
-                    </a:p>
-                  </a:txBody>
-                  <a:tcPr/>
-                </a:tc>
-                <a:tc hMerge="1">
-                  <a:txBody>
-                    <a:bodyPr/>
-                    <a:lstStyle/>
-                    <a:p>
-                      <a:endParaRPr lang="es-CL"/>
-                    </a:p>
-                  </a:txBody>
-                  <a:tcPr/>
-                </a:tc>
-                <a:tc hMerge="1">
-                  <a:txBody>
-                    <a:bodyPr/>
-                    <a:lstStyle/>
-                    <a:p>
-                      <a:endParaRPr lang="es-CL"/>
-                    </a:p>
-                  </a:txBody>
-                  <a:tcPr/>
-                </a:tc>
-                <a:tc hMerge="1">
-                  <a:txBody>
-                    <a:bodyPr/>
-                    <a:lstStyle/>
-                    <a:p>
-                      <a:endParaRPr lang="es-CL"/>
-                    </a:p>
-                  </a:txBody>
-                  <a:tcPr/>
-                </a:tc>
-                <a:tc hMerge="1">
-                  <a:txBody>
-                    <a:bodyPr/>
-                    <a:lstStyle/>
-                    <a:p>
-                      <a:endParaRPr lang="es-CL"/>
-                    </a:p>
-                  </a:txBody>
-                  <a:tcPr/>
-                </a:tc>
-                <a:tc hMerge="1">
-                  <a:txBody>
-                    <a:bodyPr/>
-                    <a:lstStyle/>
-                    <a:p>
-                      <a:endParaRPr lang="es-CL"/>
-                    </a:p>
-                  </a:txBody>
-                  <a:tcPr/>
-                </a:tc>
-                <a:tc hMerge="1">
-                  <a:txBody>
-                    <a:bodyPr/>
-                    <a:lstStyle/>
-                    <a:p>
-                      <a:endParaRPr lang="es-CL"/>
-                    </a:p>
-                  </a:txBody>
-                  <a:tcPr/>
-                </a:tc>
-                <a:tc gridSpan="4">
-                  <a:txBody>
-                    <a:bodyPr/>
-                    <a:lstStyle/>
-                    <a:p>
-                      <a:pPr algn="ctr">
-                        <a:lnSpc>
-                          <a:spcPct val="150000"/>
-                        </a:lnSpc>
-                        <a:spcAft>
-                          <a:spcPts val="800"/>
-                        </a:spcAft>
-                      </a:pPr>
-                      <a:r>
-                        <a:rPr lang="es-CL" sz="800" b="1">
-                          <a:solidFill>
-                            <a:srgbClr val="000000"/>
-                          </a:solidFill>
-                          <a:effectLst/>
-                          <a:latin typeface="Calibri" panose="020F0502020204030204" pitchFamily="34" charset="0"/>
-                          <a:ea typeface="Calibri" panose="020F0502020204030204" pitchFamily="34" charset="0"/>
-                          <a:cs typeface="Times New Roman" panose="02020603050405020304" pitchFamily="18" charset="0"/>
-                        </a:rPr>
-                        <a:t>Fase 3</a:t>
-                      </a:r>
-                      <a:endParaRPr lang="es-CL" sz="1100">
-                        <a:effectLst/>
-                        <a:latin typeface="Calibri" panose="020F0502020204030204" pitchFamily="34" charset="0"/>
-                        <a:ea typeface="Calibri" panose="020F0502020204030204" pitchFamily="34" charset="0"/>
-                        <a:cs typeface="Times New Roman" panose="02020603050405020304" pitchFamily="18" charset="0"/>
-                      </a:endParaRPr>
-                    </a:p>
-                  </a:txBody>
-                  <a:tcPr marL="68580" marR="68580" marT="0" marB="0">
-                    <a:lnL w="12700" cap="flat" cmpd="sng" algn="ctr">
-                      <a:solidFill>
-                        <a:srgbClr val="BFBFBF"/>
-                      </a:solidFill>
-                      <a:prstDash val="solid"/>
-                      <a:round/>
-                      <a:headEnd type="none" w="med" len="med"/>
-                      <a:tailEnd type="none" w="med" len="med"/>
-                    </a:lnL>
-                    <a:lnR w="12700" cap="flat" cmpd="sng" algn="ctr">
-                      <a:solidFill>
-                        <a:srgbClr val="BFBFBF"/>
-                      </a:solidFill>
-                      <a:prstDash val="solid"/>
-                      <a:round/>
-                      <a:headEnd type="none" w="med" len="med"/>
-                      <a:tailEnd type="none" w="med" len="med"/>
-                    </a:lnR>
-                    <a:lnT w="12700" cap="flat" cmpd="sng" algn="ctr">
-                      <a:solidFill>
-                        <a:srgbClr val="BFBFBF"/>
-                      </a:solidFill>
-                      <a:prstDash val="solid"/>
-                      <a:round/>
-                      <a:headEnd type="none" w="med" len="med"/>
-                      <a:tailEnd type="none" w="med" len="med"/>
-                    </a:lnT>
-                    <a:lnB w="12700" cap="flat" cmpd="sng" algn="ctr">
-                      <a:solidFill>
-                        <a:srgbClr val="BFBFBF"/>
-                      </a:solidFill>
-                      <a:prstDash val="solid"/>
-                      <a:round/>
-                      <a:headEnd type="none" w="med" len="med"/>
-                      <a:tailEnd type="none" w="med" len="med"/>
-                    </a:lnB>
-                    <a:solidFill>
-                      <a:srgbClr val="FBE4D5"/>
-                    </a:solidFill>
-                  </a:tcPr>
-                </a:tc>
-                <a:tc hMerge="1">
-                  <a:txBody>
-                    <a:bodyPr/>
-                    <a:lstStyle/>
-                    <a:p>
-                      <a:endParaRPr lang="es-CL"/>
-                    </a:p>
-                  </a:txBody>
-                  <a:tcPr/>
-                </a:tc>
-                <a:tc hMerge="1">
-                  <a:txBody>
-                    <a:bodyPr/>
-                    <a:lstStyle/>
-                    <a:p>
-                      <a:endParaRPr lang="es-CL"/>
-                    </a:p>
-                  </a:txBody>
-                  <a:tcPr/>
-                </a:tc>
-                <a:tc hMerge="1">
-                  <a:txBody>
-                    <a:bodyPr/>
-                    <a:lstStyle/>
-                    <a:p>
-                      <a:endParaRPr lang="es-CL"/>
-                    </a:p>
-                  </a:txBody>
-                  <a:tcPr/>
-                </a:tc>
-                <a:extLst>
-                  <a:ext uri="{0D108BD9-81ED-4DB2-BD59-A6C34878D82A}">
-                    <a16:rowId xmlns:a16="http://schemas.microsoft.com/office/drawing/2014/main" val="1653283734"/>
-                  </a:ext>
-                </a:extLst>
-              </a:tr>
-              <a:tr h="540519">
-                <a:tc vMerge="1">
-                  <a:txBody>
-                    <a:bodyPr/>
-                    <a:lstStyle/>
-                    <a:p>
-                      <a:endParaRPr lang="es-CL"/>
-                    </a:p>
-                  </a:txBody>
-                  <a:tcPr/>
-                </a:tc>
-                <a:tc>
-                  <a:txBody>
-                    <a:bodyPr/>
-                    <a:lstStyle/>
-                    <a:p>
-                      <a:pPr algn="ctr">
-                        <a:lnSpc>
-                          <a:spcPct val="150000"/>
-                        </a:lnSpc>
-                        <a:spcAft>
-                          <a:spcPts val="800"/>
-                        </a:spcAft>
-                      </a:pPr>
-                      <a:r>
-                        <a:rPr lang="es-CL" sz="800" b="1">
-                          <a:effectLst/>
-                          <a:latin typeface="Calibri" panose="020F0502020204030204" pitchFamily="34" charset="0"/>
-                          <a:ea typeface="Calibri" panose="020F0502020204030204" pitchFamily="34" charset="0"/>
-                          <a:cs typeface="Times New Roman" panose="02020603050405020304" pitchFamily="18" charset="0"/>
-                        </a:rPr>
-                        <a:t>S 1</a:t>
-                      </a:r>
-                      <a:endParaRPr lang="es-CL" sz="1100">
-                        <a:effectLst/>
-                        <a:latin typeface="Calibri" panose="020F0502020204030204" pitchFamily="34" charset="0"/>
-                        <a:ea typeface="Calibri" panose="020F0502020204030204" pitchFamily="34" charset="0"/>
-                        <a:cs typeface="Times New Roman" panose="02020603050405020304" pitchFamily="18" charset="0"/>
-                      </a:endParaRPr>
-                    </a:p>
-                  </a:txBody>
-                  <a:tcPr marL="68580" marR="68580" marT="0" marB="0">
-                    <a:lnL w="12700" cap="flat" cmpd="sng" algn="ctr">
-                      <a:solidFill>
-                        <a:srgbClr val="BFBFBF"/>
-                      </a:solidFill>
-                      <a:prstDash val="solid"/>
-                      <a:round/>
-                      <a:headEnd type="none" w="med" len="med"/>
-                      <a:tailEnd type="none" w="med" len="med"/>
-                    </a:lnL>
-                    <a:lnR w="12700" cap="flat" cmpd="sng" algn="ctr">
-                      <a:solidFill>
-                        <a:srgbClr val="BFBFBF"/>
-                      </a:solidFill>
-                      <a:prstDash val="solid"/>
-                      <a:round/>
-                      <a:headEnd type="none" w="med" len="med"/>
-                      <a:tailEnd type="none" w="med" len="med"/>
-                    </a:lnR>
-                    <a:lnT w="12700" cap="flat" cmpd="sng" algn="ctr">
-                      <a:solidFill>
-                        <a:srgbClr val="BFBFBF"/>
-                      </a:solidFill>
-                      <a:prstDash val="solid"/>
-                      <a:round/>
-                      <a:headEnd type="none" w="med" len="med"/>
-                      <a:tailEnd type="none" w="med" len="med"/>
-                    </a:lnT>
-                    <a:lnB w="12700" cap="flat" cmpd="sng" algn="ctr">
-                      <a:solidFill>
-                        <a:srgbClr val="BFBFBF"/>
-                      </a:solidFill>
-                      <a:prstDash val="solid"/>
-                      <a:round/>
-                      <a:headEnd type="none" w="med" len="med"/>
-                      <a:tailEnd type="none" w="med" len="med"/>
-                    </a:lnB>
-                  </a:tcPr>
-                </a:tc>
-                <a:tc>
-                  <a:txBody>
-                    <a:bodyPr/>
-                    <a:lstStyle/>
-                    <a:p>
-                      <a:pPr algn="ctr">
-                        <a:lnSpc>
-                          <a:spcPct val="150000"/>
-                        </a:lnSpc>
-                        <a:spcAft>
-                          <a:spcPts val="800"/>
-                        </a:spcAft>
-                      </a:pPr>
-                      <a:r>
-                        <a:rPr lang="es-CL" sz="800" b="1">
-                          <a:effectLst/>
-                          <a:latin typeface="Calibri" panose="020F0502020204030204" pitchFamily="34" charset="0"/>
-                          <a:ea typeface="Calibri" panose="020F0502020204030204" pitchFamily="34" charset="0"/>
-                          <a:cs typeface="Times New Roman" panose="02020603050405020304" pitchFamily="18" charset="0"/>
-                        </a:rPr>
-                        <a:t>S 2</a:t>
-                      </a:r>
-                      <a:endParaRPr lang="es-CL" sz="1100">
-                        <a:effectLst/>
-                        <a:latin typeface="Calibri" panose="020F0502020204030204" pitchFamily="34" charset="0"/>
-                        <a:ea typeface="Calibri" panose="020F0502020204030204" pitchFamily="34" charset="0"/>
-                        <a:cs typeface="Times New Roman" panose="02020603050405020304" pitchFamily="18" charset="0"/>
-                      </a:endParaRPr>
-                    </a:p>
-                  </a:txBody>
-                  <a:tcPr marL="68580" marR="68580" marT="0" marB="0">
-                    <a:lnL w="12700" cap="flat" cmpd="sng" algn="ctr">
-                      <a:solidFill>
-                        <a:srgbClr val="BFBFBF"/>
-                      </a:solidFill>
-                      <a:prstDash val="solid"/>
-                      <a:round/>
-                      <a:headEnd type="none" w="med" len="med"/>
-                      <a:tailEnd type="none" w="med" len="med"/>
-                    </a:lnL>
-                    <a:lnR w="12700" cap="flat" cmpd="sng" algn="ctr">
-                      <a:solidFill>
-                        <a:srgbClr val="BFBFBF"/>
-                      </a:solidFill>
-                      <a:prstDash val="solid"/>
-                      <a:round/>
-                      <a:headEnd type="none" w="med" len="med"/>
-                      <a:tailEnd type="none" w="med" len="med"/>
-                    </a:lnR>
-                    <a:lnT w="12700" cap="flat" cmpd="sng" algn="ctr">
-                      <a:solidFill>
-                        <a:srgbClr val="BFBFBF"/>
-                      </a:solidFill>
-                      <a:prstDash val="solid"/>
-                      <a:round/>
-                      <a:headEnd type="none" w="med" len="med"/>
-                      <a:tailEnd type="none" w="med" len="med"/>
-                    </a:lnT>
-                    <a:lnB w="12700" cap="flat" cmpd="sng" algn="ctr">
-                      <a:solidFill>
-                        <a:srgbClr val="BFBFBF"/>
-                      </a:solidFill>
-                      <a:prstDash val="solid"/>
-                      <a:round/>
-                      <a:headEnd type="none" w="med" len="med"/>
-                      <a:tailEnd type="none" w="med" len="med"/>
-                    </a:lnB>
-                  </a:tcPr>
-                </a:tc>
-                <a:tc>
-                  <a:txBody>
-                    <a:bodyPr/>
-                    <a:lstStyle/>
-                    <a:p>
-                      <a:pPr algn="ctr">
-                        <a:lnSpc>
-                          <a:spcPct val="150000"/>
-                        </a:lnSpc>
-                        <a:spcAft>
-                          <a:spcPts val="800"/>
-                        </a:spcAft>
-                      </a:pPr>
-                      <a:r>
-                        <a:rPr lang="es-CL" sz="800" b="1">
-                          <a:effectLst/>
-                          <a:latin typeface="Calibri" panose="020F0502020204030204" pitchFamily="34" charset="0"/>
-                          <a:ea typeface="Calibri" panose="020F0502020204030204" pitchFamily="34" charset="0"/>
-                          <a:cs typeface="Times New Roman" panose="02020603050405020304" pitchFamily="18" charset="0"/>
-                        </a:rPr>
-                        <a:t>S 3</a:t>
-                      </a:r>
-                      <a:endParaRPr lang="es-CL" sz="1100">
-                        <a:effectLst/>
-                        <a:latin typeface="Calibri" panose="020F0502020204030204" pitchFamily="34" charset="0"/>
-                        <a:ea typeface="Calibri" panose="020F0502020204030204" pitchFamily="34" charset="0"/>
-                        <a:cs typeface="Times New Roman" panose="02020603050405020304" pitchFamily="18" charset="0"/>
-                      </a:endParaRPr>
-                    </a:p>
-                  </a:txBody>
-                  <a:tcPr marL="68580" marR="68580" marT="0" marB="0">
-                    <a:lnL w="12700" cap="flat" cmpd="sng" algn="ctr">
-                      <a:solidFill>
-                        <a:srgbClr val="BFBFBF"/>
-                      </a:solidFill>
-                      <a:prstDash val="solid"/>
-                      <a:round/>
-                      <a:headEnd type="none" w="med" len="med"/>
-                      <a:tailEnd type="none" w="med" len="med"/>
-                    </a:lnL>
-                    <a:lnR w="12700" cap="flat" cmpd="sng" algn="ctr">
-                      <a:solidFill>
-                        <a:srgbClr val="BFBFBF"/>
-                      </a:solidFill>
-                      <a:prstDash val="solid"/>
-                      <a:round/>
-                      <a:headEnd type="none" w="med" len="med"/>
-                      <a:tailEnd type="none" w="med" len="med"/>
-                    </a:lnR>
-                    <a:lnT w="12700" cap="flat" cmpd="sng" algn="ctr">
-                      <a:solidFill>
-                        <a:srgbClr val="BFBFBF"/>
-                      </a:solidFill>
-                      <a:prstDash val="solid"/>
-                      <a:round/>
-                      <a:headEnd type="none" w="med" len="med"/>
-                      <a:tailEnd type="none" w="med" len="med"/>
-                    </a:lnT>
-                    <a:lnB w="12700" cap="flat" cmpd="sng" algn="ctr">
-                      <a:solidFill>
-                        <a:srgbClr val="BFBFBF"/>
-                      </a:solidFill>
-                      <a:prstDash val="solid"/>
-                      <a:round/>
-                      <a:headEnd type="none" w="med" len="med"/>
-                      <a:tailEnd type="none" w="med" len="med"/>
-                    </a:lnB>
-                  </a:tcPr>
-                </a:tc>
-                <a:tc>
-                  <a:txBody>
-                    <a:bodyPr/>
-                    <a:lstStyle/>
-                    <a:p>
-                      <a:pPr algn="ctr">
-                        <a:lnSpc>
-                          <a:spcPct val="150000"/>
-                        </a:lnSpc>
-                        <a:spcAft>
-                          <a:spcPts val="800"/>
-                        </a:spcAft>
-                      </a:pPr>
-                      <a:r>
-                        <a:rPr lang="es-CL" sz="800" b="1">
-                          <a:effectLst/>
-                          <a:latin typeface="Calibri" panose="020F0502020204030204" pitchFamily="34" charset="0"/>
-                          <a:ea typeface="Calibri" panose="020F0502020204030204" pitchFamily="34" charset="0"/>
-                          <a:cs typeface="Times New Roman" panose="02020603050405020304" pitchFamily="18" charset="0"/>
-                        </a:rPr>
-                        <a:t>S 4</a:t>
-                      </a:r>
-                      <a:endParaRPr lang="es-CL" sz="1100">
-                        <a:effectLst/>
-                        <a:latin typeface="Calibri" panose="020F0502020204030204" pitchFamily="34" charset="0"/>
-                        <a:ea typeface="Calibri" panose="020F0502020204030204" pitchFamily="34" charset="0"/>
-                        <a:cs typeface="Times New Roman" panose="02020603050405020304" pitchFamily="18" charset="0"/>
-                      </a:endParaRPr>
-                    </a:p>
-                  </a:txBody>
-                  <a:tcPr marL="68580" marR="68580" marT="0" marB="0">
-                    <a:lnL w="12700" cap="flat" cmpd="sng" algn="ctr">
-                      <a:solidFill>
-                        <a:srgbClr val="BFBFBF"/>
-                      </a:solidFill>
-                      <a:prstDash val="solid"/>
-                      <a:round/>
-                      <a:headEnd type="none" w="med" len="med"/>
-                      <a:tailEnd type="none" w="med" len="med"/>
-                    </a:lnL>
-                    <a:lnR w="12700" cap="flat" cmpd="sng" algn="ctr">
-                      <a:solidFill>
-                        <a:srgbClr val="BFBFBF"/>
-                      </a:solidFill>
-                      <a:prstDash val="solid"/>
-                      <a:round/>
-                      <a:headEnd type="none" w="med" len="med"/>
-                      <a:tailEnd type="none" w="med" len="med"/>
-                    </a:lnR>
-                    <a:lnT w="12700" cap="flat" cmpd="sng" algn="ctr">
-                      <a:solidFill>
-                        <a:srgbClr val="BFBFBF"/>
-                      </a:solidFill>
-                      <a:prstDash val="solid"/>
-                      <a:round/>
-                      <a:headEnd type="none" w="med" len="med"/>
-                      <a:tailEnd type="none" w="med" len="med"/>
-                    </a:lnT>
-                    <a:lnB w="12700" cap="flat" cmpd="sng" algn="ctr">
-                      <a:solidFill>
-                        <a:srgbClr val="BFBFBF"/>
-                      </a:solidFill>
-                      <a:prstDash val="solid"/>
-                      <a:round/>
-                      <a:headEnd type="none" w="med" len="med"/>
-                      <a:tailEnd type="none" w="med" len="med"/>
-                    </a:lnB>
-                  </a:tcPr>
-                </a:tc>
-                <a:tc>
-                  <a:txBody>
-                    <a:bodyPr/>
-                    <a:lstStyle/>
-                    <a:p>
-                      <a:pPr algn="ctr">
-                        <a:lnSpc>
-                          <a:spcPct val="150000"/>
-                        </a:lnSpc>
-                        <a:spcAft>
-                          <a:spcPts val="800"/>
-                        </a:spcAft>
-                      </a:pPr>
-                      <a:r>
-                        <a:rPr lang="es-CL" sz="800" b="1">
-                          <a:effectLst/>
-                          <a:latin typeface="Calibri" panose="020F0502020204030204" pitchFamily="34" charset="0"/>
-                          <a:ea typeface="Calibri" panose="020F0502020204030204" pitchFamily="34" charset="0"/>
-                          <a:cs typeface="Times New Roman" panose="02020603050405020304" pitchFamily="18" charset="0"/>
-                        </a:rPr>
-                        <a:t>S 5</a:t>
-                      </a:r>
-                      <a:endParaRPr lang="es-CL" sz="1100">
-                        <a:effectLst/>
-                        <a:latin typeface="Calibri" panose="020F0502020204030204" pitchFamily="34" charset="0"/>
-                        <a:ea typeface="Calibri" panose="020F0502020204030204" pitchFamily="34" charset="0"/>
-                        <a:cs typeface="Times New Roman" panose="02020603050405020304" pitchFamily="18" charset="0"/>
-                      </a:endParaRPr>
-                    </a:p>
-                  </a:txBody>
-                  <a:tcPr marL="68580" marR="68580" marT="0" marB="0">
-                    <a:lnL w="12700" cap="flat" cmpd="sng" algn="ctr">
-                      <a:solidFill>
-                        <a:srgbClr val="BFBFBF"/>
-                      </a:solidFill>
-                      <a:prstDash val="solid"/>
-                      <a:round/>
-                      <a:headEnd type="none" w="med" len="med"/>
-                      <a:tailEnd type="none" w="med" len="med"/>
-                    </a:lnL>
-                    <a:lnR w="12700" cap="flat" cmpd="sng" algn="ctr">
-                      <a:solidFill>
-                        <a:srgbClr val="BFBFBF"/>
-                      </a:solidFill>
-                      <a:prstDash val="solid"/>
-                      <a:round/>
-                      <a:headEnd type="none" w="med" len="med"/>
-                      <a:tailEnd type="none" w="med" len="med"/>
-                    </a:lnR>
-                    <a:lnT w="12700" cap="flat" cmpd="sng" algn="ctr">
-                      <a:solidFill>
-                        <a:srgbClr val="BFBFBF"/>
-                      </a:solidFill>
-                      <a:prstDash val="solid"/>
-                      <a:round/>
-                      <a:headEnd type="none" w="med" len="med"/>
-                      <a:tailEnd type="none" w="med" len="med"/>
-                    </a:lnT>
-                    <a:lnB w="12700" cap="flat" cmpd="sng" algn="ctr">
-                      <a:solidFill>
-                        <a:srgbClr val="BFBFBF"/>
-                      </a:solidFill>
-                      <a:prstDash val="solid"/>
-                      <a:round/>
-                      <a:headEnd type="none" w="med" len="med"/>
-                      <a:tailEnd type="none" w="med" len="med"/>
-                    </a:lnB>
-                  </a:tcPr>
-                </a:tc>
-                <a:tc>
-                  <a:txBody>
-                    <a:bodyPr/>
-                    <a:lstStyle/>
-                    <a:p>
-                      <a:pPr algn="ctr">
-                        <a:lnSpc>
-                          <a:spcPct val="150000"/>
-                        </a:lnSpc>
-                        <a:spcAft>
-                          <a:spcPts val="800"/>
-                        </a:spcAft>
-                      </a:pPr>
-                      <a:r>
-                        <a:rPr lang="es-CL" sz="800" b="1">
-                          <a:effectLst/>
-                          <a:latin typeface="Calibri" panose="020F0502020204030204" pitchFamily="34" charset="0"/>
-                          <a:ea typeface="Calibri" panose="020F0502020204030204" pitchFamily="34" charset="0"/>
-                          <a:cs typeface="Times New Roman" panose="02020603050405020304" pitchFamily="18" charset="0"/>
-                        </a:rPr>
-                        <a:t>S 6</a:t>
-                      </a:r>
-                      <a:endParaRPr lang="es-CL" sz="1100">
-                        <a:effectLst/>
-                        <a:latin typeface="Calibri" panose="020F0502020204030204" pitchFamily="34" charset="0"/>
-                        <a:ea typeface="Calibri" panose="020F0502020204030204" pitchFamily="34" charset="0"/>
-                        <a:cs typeface="Times New Roman" panose="02020603050405020304" pitchFamily="18" charset="0"/>
-                      </a:endParaRPr>
-                    </a:p>
-                  </a:txBody>
-                  <a:tcPr marL="68580" marR="68580" marT="0" marB="0">
-                    <a:lnL w="12700" cap="flat" cmpd="sng" algn="ctr">
-                      <a:solidFill>
-                        <a:srgbClr val="BFBFBF"/>
-                      </a:solidFill>
-                      <a:prstDash val="solid"/>
-                      <a:round/>
-                      <a:headEnd type="none" w="med" len="med"/>
-                      <a:tailEnd type="none" w="med" len="med"/>
-                    </a:lnL>
-                    <a:lnR w="12700" cap="flat" cmpd="sng" algn="ctr">
-                      <a:solidFill>
-                        <a:srgbClr val="BFBFBF"/>
-                      </a:solidFill>
-                      <a:prstDash val="solid"/>
-                      <a:round/>
-                      <a:headEnd type="none" w="med" len="med"/>
-                      <a:tailEnd type="none" w="med" len="med"/>
-                    </a:lnR>
-                    <a:lnT w="12700" cap="flat" cmpd="sng" algn="ctr">
-                      <a:solidFill>
-                        <a:srgbClr val="BFBFBF"/>
-                      </a:solidFill>
-                      <a:prstDash val="solid"/>
-                      <a:round/>
-                      <a:headEnd type="none" w="med" len="med"/>
-                      <a:tailEnd type="none" w="med" len="med"/>
-                    </a:lnT>
-                    <a:lnB w="12700" cap="flat" cmpd="sng" algn="ctr">
-                      <a:solidFill>
-                        <a:srgbClr val="BFBFBF"/>
-                      </a:solidFill>
-                      <a:prstDash val="solid"/>
-                      <a:round/>
-                      <a:headEnd type="none" w="med" len="med"/>
-                      <a:tailEnd type="none" w="med" len="med"/>
-                    </a:lnB>
-                  </a:tcPr>
-                </a:tc>
-                <a:tc>
-                  <a:txBody>
-                    <a:bodyPr/>
-                    <a:lstStyle/>
-                    <a:p>
-                      <a:pPr algn="ctr">
-                        <a:lnSpc>
-                          <a:spcPct val="150000"/>
-                        </a:lnSpc>
-                        <a:spcAft>
-                          <a:spcPts val="800"/>
-                        </a:spcAft>
-                      </a:pPr>
-                      <a:r>
-                        <a:rPr lang="es-CL" sz="800" b="1">
-                          <a:effectLst/>
-                          <a:latin typeface="Calibri" panose="020F0502020204030204" pitchFamily="34" charset="0"/>
-                          <a:ea typeface="Calibri" panose="020F0502020204030204" pitchFamily="34" charset="0"/>
-                          <a:cs typeface="Times New Roman" panose="02020603050405020304" pitchFamily="18" charset="0"/>
-                        </a:rPr>
-                        <a:t>S 7</a:t>
-                      </a:r>
-                      <a:endParaRPr lang="es-CL" sz="1100">
-                        <a:effectLst/>
-                        <a:latin typeface="Calibri" panose="020F0502020204030204" pitchFamily="34" charset="0"/>
-                        <a:ea typeface="Calibri" panose="020F0502020204030204" pitchFamily="34" charset="0"/>
-                        <a:cs typeface="Times New Roman" panose="02020603050405020304" pitchFamily="18" charset="0"/>
-                      </a:endParaRPr>
-                    </a:p>
-                  </a:txBody>
-                  <a:tcPr marL="68580" marR="68580" marT="0" marB="0">
-                    <a:lnL w="12700" cap="flat" cmpd="sng" algn="ctr">
-                      <a:solidFill>
-                        <a:srgbClr val="BFBFBF"/>
-                      </a:solidFill>
-                      <a:prstDash val="solid"/>
-                      <a:round/>
-                      <a:headEnd type="none" w="med" len="med"/>
-                      <a:tailEnd type="none" w="med" len="med"/>
-                    </a:lnL>
-                    <a:lnR w="12700" cap="flat" cmpd="sng" algn="ctr">
-                      <a:solidFill>
-                        <a:srgbClr val="BFBFBF"/>
-                      </a:solidFill>
-                      <a:prstDash val="solid"/>
-                      <a:round/>
-                      <a:headEnd type="none" w="med" len="med"/>
-                      <a:tailEnd type="none" w="med" len="med"/>
-                    </a:lnR>
-                    <a:lnT w="12700" cap="flat" cmpd="sng" algn="ctr">
-                      <a:solidFill>
-                        <a:srgbClr val="BFBFBF"/>
-                      </a:solidFill>
-                      <a:prstDash val="solid"/>
-                      <a:round/>
-                      <a:headEnd type="none" w="med" len="med"/>
-                      <a:tailEnd type="none" w="med" len="med"/>
-                    </a:lnT>
-                    <a:lnB w="12700" cap="flat" cmpd="sng" algn="ctr">
-                      <a:solidFill>
-                        <a:srgbClr val="BFBFBF"/>
-                      </a:solidFill>
-                      <a:prstDash val="solid"/>
-                      <a:round/>
-                      <a:headEnd type="none" w="med" len="med"/>
-                      <a:tailEnd type="none" w="med" len="med"/>
-                    </a:lnB>
-                  </a:tcPr>
-                </a:tc>
-                <a:tc>
-                  <a:txBody>
-                    <a:bodyPr/>
-                    <a:lstStyle/>
-                    <a:p>
-                      <a:pPr algn="ctr">
-                        <a:lnSpc>
-                          <a:spcPct val="150000"/>
-                        </a:lnSpc>
-                        <a:spcAft>
-                          <a:spcPts val="800"/>
-                        </a:spcAft>
-                      </a:pPr>
-                      <a:r>
-                        <a:rPr lang="es-CL" sz="800" b="1">
-                          <a:effectLst/>
-                          <a:latin typeface="Calibri" panose="020F0502020204030204" pitchFamily="34" charset="0"/>
-                          <a:ea typeface="Calibri" panose="020F0502020204030204" pitchFamily="34" charset="0"/>
-                          <a:cs typeface="Times New Roman" panose="02020603050405020304" pitchFamily="18" charset="0"/>
-                        </a:rPr>
-                        <a:t>S 8</a:t>
-                      </a:r>
-                      <a:endParaRPr lang="es-CL" sz="1100">
-                        <a:effectLst/>
-                        <a:latin typeface="Calibri" panose="020F0502020204030204" pitchFamily="34" charset="0"/>
-                        <a:ea typeface="Calibri" panose="020F0502020204030204" pitchFamily="34" charset="0"/>
-                        <a:cs typeface="Times New Roman" panose="02020603050405020304" pitchFamily="18" charset="0"/>
-                      </a:endParaRPr>
-                    </a:p>
-                  </a:txBody>
-                  <a:tcPr marL="68580" marR="68580" marT="0" marB="0">
-                    <a:lnL w="12700" cap="flat" cmpd="sng" algn="ctr">
-                      <a:solidFill>
-                        <a:srgbClr val="BFBFBF"/>
-                      </a:solidFill>
-                      <a:prstDash val="solid"/>
-                      <a:round/>
-                      <a:headEnd type="none" w="med" len="med"/>
-                      <a:tailEnd type="none" w="med" len="med"/>
-                    </a:lnL>
-                    <a:lnR w="12700" cap="flat" cmpd="sng" algn="ctr">
-                      <a:solidFill>
-                        <a:srgbClr val="BFBFBF"/>
-                      </a:solidFill>
-                      <a:prstDash val="solid"/>
-                      <a:round/>
-                      <a:headEnd type="none" w="med" len="med"/>
-                      <a:tailEnd type="none" w="med" len="med"/>
-                    </a:lnR>
-                    <a:lnT w="12700" cap="flat" cmpd="sng" algn="ctr">
-                      <a:solidFill>
-                        <a:srgbClr val="BFBFBF"/>
-                      </a:solidFill>
-                      <a:prstDash val="solid"/>
-                      <a:round/>
-                      <a:headEnd type="none" w="med" len="med"/>
-                      <a:tailEnd type="none" w="med" len="med"/>
-                    </a:lnT>
-                    <a:lnB w="12700" cap="flat" cmpd="sng" algn="ctr">
-                      <a:solidFill>
-                        <a:srgbClr val="BFBFBF"/>
-                      </a:solidFill>
-                      <a:prstDash val="solid"/>
-                      <a:round/>
-                      <a:headEnd type="none" w="med" len="med"/>
-                      <a:tailEnd type="none" w="med" len="med"/>
-                    </a:lnB>
-                  </a:tcPr>
-                </a:tc>
-                <a:tc>
-                  <a:txBody>
-                    <a:bodyPr/>
-                    <a:lstStyle/>
-                    <a:p>
-                      <a:pPr algn="ctr">
-                        <a:lnSpc>
-                          <a:spcPct val="150000"/>
-                        </a:lnSpc>
-                        <a:spcAft>
-                          <a:spcPts val="800"/>
-                        </a:spcAft>
-                      </a:pPr>
-                      <a:r>
-                        <a:rPr lang="es-CL" sz="800" b="1">
-                          <a:effectLst/>
-                          <a:latin typeface="Calibri" panose="020F0502020204030204" pitchFamily="34" charset="0"/>
-                          <a:ea typeface="Calibri" panose="020F0502020204030204" pitchFamily="34" charset="0"/>
-                          <a:cs typeface="Times New Roman" panose="02020603050405020304" pitchFamily="18" charset="0"/>
-                        </a:rPr>
-                        <a:t>S 9</a:t>
-                      </a:r>
-                      <a:endParaRPr lang="es-CL" sz="1100">
-                        <a:effectLst/>
-                        <a:latin typeface="Calibri" panose="020F0502020204030204" pitchFamily="34" charset="0"/>
-                        <a:ea typeface="Calibri" panose="020F0502020204030204" pitchFamily="34" charset="0"/>
-                        <a:cs typeface="Times New Roman" panose="02020603050405020304" pitchFamily="18" charset="0"/>
-                      </a:endParaRPr>
-                    </a:p>
-                  </a:txBody>
-                  <a:tcPr marL="68580" marR="68580" marT="0" marB="0">
-                    <a:lnL w="12700" cap="flat" cmpd="sng" algn="ctr">
-                      <a:solidFill>
-                        <a:srgbClr val="BFBFBF"/>
-                      </a:solidFill>
-                      <a:prstDash val="solid"/>
-                      <a:round/>
-                      <a:headEnd type="none" w="med" len="med"/>
-                      <a:tailEnd type="none" w="med" len="med"/>
-                    </a:lnL>
-                    <a:lnR w="12700" cap="flat" cmpd="sng" algn="ctr">
-                      <a:solidFill>
-                        <a:srgbClr val="BFBFBF"/>
-                      </a:solidFill>
-                      <a:prstDash val="solid"/>
-                      <a:round/>
-                      <a:headEnd type="none" w="med" len="med"/>
-                      <a:tailEnd type="none" w="med" len="med"/>
-                    </a:lnR>
-                    <a:lnT w="12700" cap="flat" cmpd="sng" algn="ctr">
-                      <a:solidFill>
-                        <a:srgbClr val="BFBFBF"/>
-                      </a:solidFill>
-                      <a:prstDash val="solid"/>
-                      <a:round/>
-                      <a:headEnd type="none" w="med" len="med"/>
-                      <a:tailEnd type="none" w="med" len="med"/>
-                    </a:lnT>
-                    <a:lnB w="12700" cap="flat" cmpd="sng" algn="ctr">
-                      <a:solidFill>
-                        <a:srgbClr val="BFBFBF"/>
-                      </a:solidFill>
-                      <a:prstDash val="solid"/>
-                      <a:round/>
-                      <a:headEnd type="none" w="med" len="med"/>
-                      <a:tailEnd type="none" w="med" len="med"/>
-                    </a:lnB>
-                  </a:tcPr>
-                </a:tc>
-                <a:tc>
-                  <a:txBody>
-                    <a:bodyPr/>
-                    <a:lstStyle/>
-                    <a:p>
-                      <a:pPr algn="ctr">
-                        <a:lnSpc>
-                          <a:spcPct val="150000"/>
-                        </a:lnSpc>
-                        <a:spcAft>
-                          <a:spcPts val="800"/>
-                        </a:spcAft>
-                      </a:pPr>
-                      <a:r>
-                        <a:rPr lang="es-CL" sz="800" b="1">
-                          <a:effectLst/>
-                          <a:latin typeface="Calibri" panose="020F0502020204030204" pitchFamily="34" charset="0"/>
-                          <a:ea typeface="Calibri" panose="020F0502020204030204" pitchFamily="34" charset="0"/>
-                          <a:cs typeface="Times New Roman" panose="02020603050405020304" pitchFamily="18" charset="0"/>
-                        </a:rPr>
-                        <a:t>S 10</a:t>
-                      </a:r>
-                      <a:endParaRPr lang="es-CL" sz="1100">
-                        <a:effectLst/>
-                        <a:latin typeface="Calibri" panose="020F0502020204030204" pitchFamily="34" charset="0"/>
-                        <a:ea typeface="Calibri" panose="020F0502020204030204" pitchFamily="34" charset="0"/>
-                        <a:cs typeface="Times New Roman" panose="02020603050405020304" pitchFamily="18" charset="0"/>
-                      </a:endParaRPr>
-                    </a:p>
-                  </a:txBody>
-                  <a:tcPr marL="68580" marR="68580" marT="0" marB="0">
-                    <a:lnL w="12700" cap="flat" cmpd="sng" algn="ctr">
-                      <a:solidFill>
-                        <a:srgbClr val="BFBFBF"/>
-                      </a:solidFill>
-                      <a:prstDash val="solid"/>
-                      <a:round/>
-                      <a:headEnd type="none" w="med" len="med"/>
-                      <a:tailEnd type="none" w="med" len="med"/>
-                    </a:lnL>
-                    <a:lnR w="12700" cap="flat" cmpd="sng" algn="ctr">
-                      <a:solidFill>
-                        <a:srgbClr val="BFBFBF"/>
-                      </a:solidFill>
-                      <a:prstDash val="solid"/>
-                      <a:round/>
-                      <a:headEnd type="none" w="med" len="med"/>
-                      <a:tailEnd type="none" w="med" len="med"/>
-                    </a:lnR>
-                    <a:lnT w="12700" cap="flat" cmpd="sng" algn="ctr">
-                      <a:solidFill>
-                        <a:srgbClr val="BFBFBF"/>
-                      </a:solidFill>
-                      <a:prstDash val="solid"/>
-                      <a:round/>
-                      <a:headEnd type="none" w="med" len="med"/>
-                      <a:tailEnd type="none" w="med" len="med"/>
-                    </a:lnT>
-                    <a:lnB w="12700" cap="flat" cmpd="sng" algn="ctr">
-                      <a:solidFill>
-                        <a:srgbClr val="BFBFBF"/>
-                      </a:solidFill>
-                      <a:prstDash val="solid"/>
-                      <a:round/>
-                      <a:headEnd type="none" w="med" len="med"/>
-                      <a:tailEnd type="none" w="med" len="med"/>
-                    </a:lnB>
-                  </a:tcPr>
-                </a:tc>
-                <a:tc>
-                  <a:txBody>
-                    <a:bodyPr/>
-                    <a:lstStyle/>
-                    <a:p>
-                      <a:pPr algn="ctr">
-                        <a:lnSpc>
-                          <a:spcPct val="150000"/>
-                        </a:lnSpc>
-                        <a:spcAft>
-                          <a:spcPts val="800"/>
-                        </a:spcAft>
-                      </a:pPr>
-                      <a:r>
-                        <a:rPr lang="es-CL" sz="800" b="1">
-                          <a:effectLst/>
-                          <a:latin typeface="Calibri" panose="020F0502020204030204" pitchFamily="34" charset="0"/>
-                          <a:ea typeface="Calibri" panose="020F0502020204030204" pitchFamily="34" charset="0"/>
-                          <a:cs typeface="Times New Roman" panose="02020603050405020304" pitchFamily="18" charset="0"/>
-                        </a:rPr>
-                        <a:t>S 11</a:t>
-                      </a:r>
-                      <a:endParaRPr lang="es-CL" sz="1100">
-                        <a:effectLst/>
-                        <a:latin typeface="Calibri" panose="020F0502020204030204" pitchFamily="34" charset="0"/>
-                        <a:ea typeface="Calibri" panose="020F0502020204030204" pitchFamily="34" charset="0"/>
-                        <a:cs typeface="Times New Roman" panose="02020603050405020304" pitchFamily="18" charset="0"/>
-                      </a:endParaRPr>
-                    </a:p>
-                  </a:txBody>
-                  <a:tcPr marL="68580" marR="68580" marT="0" marB="0">
-                    <a:lnL w="12700" cap="flat" cmpd="sng" algn="ctr">
-                      <a:solidFill>
-                        <a:srgbClr val="BFBFBF"/>
-                      </a:solidFill>
-                      <a:prstDash val="solid"/>
-                      <a:round/>
-                      <a:headEnd type="none" w="med" len="med"/>
-                      <a:tailEnd type="none" w="med" len="med"/>
-                    </a:lnL>
-                    <a:lnR w="12700" cap="flat" cmpd="sng" algn="ctr">
-                      <a:solidFill>
-                        <a:srgbClr val="BFBFBF"/>
-                      </a:solidFill>
-                      <a:prstDash val="solid"/>
-                      <a:round/>
-                      <a:headEnd type="none" w="med" len="med"/>
-                      <a:tailEnd type="none" w="med" len="med"/>
-                    </a:lnR>
-                    <a:lnT w="12700" cap="flat" cmpd="sng" algn="ctr">
-                      <a:solidFill>
-                        <a:srgbClr val="BFBFBF"/>
-                      </a:solidFill>
-                      <a:prstDash val="solid"/>
-                      <a:round/>
-                      <a:headEnd type="none" w="med" len="med"/>
-                      <a:tailEnd type="none" w="med" len="med"/>
-                    </a:lnT>
-                    <a:lnB w="12700" cap="flat" cmpd="sng" algn="ctr">
-                      <a:solidFill>
-                        <a:srgbClr val="BFBFBF"/>
-                      </a:solidFill>
-                      <a:prstDash val="solid"/>
-                      <a:round/>
-                      <a:headEnd type="none" w="med" len="med"/>
-                      <a:tailEnd type="none" w="med" len="med"/>
-                    </a:lnB>
-                  </a:tcPr>
-                </a:tc>
-                <a:tc>
-                  <a:txBody>
-                    <a:bodyPr/>
-                    <a:lstStyle/>
-                    <a:p>
-                      <a:pPr algn="ctr">
-                        <a:lnSpc>
-                          <a:spcPct val="150000"/>
-                        </a:lnSpc>
-                        <a:spcAft>
-                          <a:spcPts val="800"/>
-                        </a:spcAft>
-                      </a:pPr>
-                      <a:r>
-                        <a:rPr lang="es-CL" sz="800" b="1">
-                          <a:effectLst/>
-                          <a:latin typeface="Calibri" panose="020F0502020204030204" pitchFamily="34" charset="0"/>
-                          <a:ea typeface="Calibri" panose="020F0502020204030204" pitchFamily="34" charset="0"/>
-                          <a:cs typeface="Times New Roman" panose="02020603050405020304" pitchFamily="18" charset="0"/>
-                        </a:rPr>
-                        <a:t>S 12</a:t>
-                      </a:r>
-                      <a:endParaRPr lang="es-CL" sz="1100">
-                        <a:effectLst/>
-                        <a:latin typeface="Calibri" panose="020F0502020204030204" pitchFamily="34" charset="0"/>
-                        <a:ea typeface="Calibri" panose="020F0502020204030204" pitchFamily="34" charset="0"/>
-                        <a:cs typeface="Times New Roman" panose="02020603050405020304" pitchFamily="18" charset="0"/>
-                      </a:endParaRPr>
-                    </a:p>
-                  </a:txBody>
-                  <a:tcPr marL="68580" marR="68580" marT="0" marB="0">
-                    <a:lnL w="12700" cap="flat" cmpd="sng" algn="ctr">
-                      <a:solidFill>
-                        <a:srgbClr val="BFBFBF"/>
-                      </a:solidFill>
-                      <a:prstDash val="solid"/>
-                      <a:round/>
-                      <a:headEnd type="none" w="med" len="med"/>
-                      <a:tailEnd type="none" w="med" len="med"/>
-                    </a:lnL>
-                    <a:lnR w="12700" cap="flat" cmpd="sng" algn="ctr">
-                      <a:solidFill>
-                        <a:srgbClr val="BFBFBF"/>
-                      </a:solidFill>
-                      <a:prstDash val="solid"/>
-                      <a:round/>
-                      <a:headEnd type="none" w="med" len="med"/>
-                      <a:tailEnd type="none" w="med" len="med"/>
-                    </a:lnR>
-                    <a:lnT w="12700" cap="flat" cmpd="sng" algn="ctr">
-                      <a:solidFill>
-                        <a:srgbClr val="BFBFBF"/>
-                      </a:solidFill>
-                      <a:prstDash val="solid"/>
-                      <a:round/>
-                      <a:headEnd type="none" w="med" len="med"/>
-                      <a:tailEnd type="none" w="med" len="med"/>
-                    </a:lnT>
-                    <a:lnB w="12700" cap="flat" cmpd="sng" algn="ctr">
-                      <a:solidFill>
-                        <a:srgbClr val="BFBFBF"/>
-                      </a:solidFill>
-                      <a:prstDash val="solid"/>
-                      <a:round/>
-                      <a:headEnd type="none" w="med" len="med"/>
-                      <a:tailEnd type="none" w="med" len="med"/>
-                    </a:lnB>
-                  </a:tcPr>
-                </a:tc>
-                <a:tc>
-                  <a:txBody>
-                    <a:bodyPr/>
-                    <a:lstStyle/>
-                    <a:p>
-                      <a:pPr algn="ctr">
-                        <a:lnSpc>
-                          <a:spcPct val="150000"/>
-                        </a:lnSpc>
-                        <a:spcAft>
-                          <a:spcPts val="800"/>
-                        </a:spcAft>
-                      </a:pPr>
-                      <a:r>
-                        <a:rPr lang="es-CL" sz="800" b="1">
-                          <a:effectLst/>
-                          <a:latin typeface="Calibri" panose="020F0502020204030204" pitchFamily="34" charset="0"/>
-                          <a:ea typeface="Calibri" panose="020F0502020204030204" pitchFamily="34" charset="0"/>
-                          <a:cs typeface="Times New Roman" panose="02020603050405020304" pitchFamily="18" charset="0"/>
-                        </a:rPr>
-                        <a:t>S 13</a:t>
-                      </a:r>
-                      <a:endParaRPr lang="es-CL" sz="1100">
-                        <a:effectLst/>
-                        <a:latin typeface="Calibri" panose="020F0502020204030204" pitchFamily="34" charset="0"/>
-                        <a:ea typeface="Calibri" panose="020F0502020204030204" pitchFamily="34" charset="0"/>
-                        <a:cs typeface="Times New Roman" panose="02020603050405020304" pitchFamily="18" charset="0"/>
-                      </a:endParaRPr>
-                    </a:p>
-                  </a:txBody>
-                  <a:tcPr marL="68580" marR="68580" marT="0" marB="0">
-                    <a:lnL w="12700" cap="flat" cmpd="sng" algn="ctr">
-                      <a:solidFill>
-                        <a:srgbClr val="BFBFBF"/>
-                      </a:solidFill>
-                      <a:prstDash val="solid"/>
-                      <a:round/>
-                      <a:headEnd type="none" w="med" len="med"/>
-                      <a:tailEnd type="none" w="med" len="med"/>
-                    </a:lnL>
-                    <a:lnR w="12700" cap="flat" cmpd="sng" algn="ctr">
-                      <a:solidFill>
-                        <a:srgbClr val="BFBFBF"/>
-                      </a:solidFill>
-                      <a:prstDash val="solid"/>
-                      <a:round/>
-                      <a:headEnd type="none" w="med" len="med"/>
-                      <a:tailEnd type="none" w="med" len="med"/>
-                    </a:lnR>
-                    <a:lnT w="12700" cap="flat" cmpd="sng" algn="ctr">
-                      <a:solidFill>
-                        <a:srgbClr val="BFBFBF"/>
-                      </a:solidFill>
-                      <a:prstDash val="solid"/>
-                      <a:round/>
-                      <a:headEnd type="none" w="med" len="med"/>
-                      <a:tailEnd type="none" w="med" len="med"/>
-                    </a:lnT>
-                    <a:lnB w="12700" cap="flat" cmpd="sng" algn="ctr">
-                      <a:solidFill>
-                        <a:srgbClr val="BFBFBF"/>
-                      </a:solidFill>
-                      <a:prstDash val="solid"/>
-                      <a:round/>
-                      <a:headEnd type="none" w="med" len="med"/>
-                      <a:tailEnd type="none" w="med" len="med"/>
-                    </a:lnB>
-                  </a:tcPr>
-                </a:tc>
-                <a:tc>
-                  <a:txBody>
-                    <a:bodyPr/>
-                    <a:lstStyle/>
-                    <a:p>
-                      <a:pPr algn="ctr">
-                        <a:lnSpc>
-                          <a:spcPct val="150000"/>
-                        </a:lnSpc>
-                        <a:spcAft>
-                          <a:spcPts val="800"/>
-                        </a:spcAft>
-                      </a:pPr>
-                      <a:r>
-                        <a:rPr lang="es-CL" sz="800" b="1">
-                          <a:effectLst/>
-                          <a:latin typeface="Calibri" panose="020F0502020204030204" pitchFamily="34" charset="0"/>
-                          <a:ea typeface="Calibri" panose="020F0502020204030204" pitchFamily="34" charset="0"/>
-                          <a:cs typeface="Times New Roman" panose="02020603050405020304" pitchFamily="18" charset="0"/>
-                        </a:rPr>
-                        <a:t>S 14</a:t>
-                      </a:r>
-                      <a:endParaRPr lang="es-CL" sz="1100">
-                        <a:effectLst/>
-                        <a:latin typeface="Calibri" panose="020F0502020204030204" pitchFamily="34" charset="0"/>
-                        <a:ea typeface="Calibri" panose="020F0502020204030204" pitchFamily="34" charset="0"/>
-                        <a:cs typeface="Times New Roman" panose="02020603050405020304" pitchFamily="18" charset="0"/>
-                      </a:endParaRPr>
-                    </a:p>
-                  </a:txBody>
-                  <a:tcPr marL="68580" marR="68580" marT="0" marB="0">
-                    <a:lnL w="12700" cap="flat" cmpd="sng" algn="ctr">
-                      <a:solidFill>
-                        <a:srgbClr val="BFBFBF"/>
-                      </a:solidFill>
-                      <a:prstDash val="solid"/>
-                      <a:round/>
-                      <a:headEnd type="none" w="med" len="med"/>
-                      <a:tailEnd type="none" w="med" len="med"/>
-                    </a:lnL>
-                    <a:lnR w="12700" cap="flat" cmpd="sng" algn="ctr">
-                      <a:solidFill>
-                        <a:srgbClr val="BFBFBF"/>
-                      </a:solidFill>
-                      <a:prstDash val="solid"/>
-                      <a:round/>
-                      <a:headEnd type="none" w="med" len="med"/>
-                      <a:tailEnd type="none" w="med" len="med"/>
-                    </a:lnR>
-                    <a:lnT w="12700" cap="flat" cmpd="sng" algn="ctr">
-                      <a:solidFill>
-                        <a:srgbClr val="BFBFBF"/>
-                      </a:solidFill>
-                      <a:prstDash val="solid"/>
-                      <a:round/>
-                      <a:headEnd type="none" w="med" len="med"/>
-                      <a:tailEnd type="none" w="med" len="med"/>
-                    </a:lnT>
-                    <a:lnB w="12700" cap="flat" cmpd="sng" algn="ctr">
-                      <a:solidFill>
-                        <a:srgbClr val="BFBFBF"/>
-                      </a:solidFill>
-                      <a:prstDash val="solid"/>
-                      <a:round/>
-                      <a:headEnd type="none" w="med" len="med"/>
-                      <a:tailEnd type="none" w="med" len="med"/>
-                    </a:lnB>
-                  </a:tcPr>
-                </a:tc>
-                <a:tc>
-                  <a:txBody>
-                    <a:bodyPr/>
-                    <a:lstStyle/>
-                    <a:p>
-                      <a:pPr algn="ctr">
-                        <a:lnSpc>
-                          <a:spcPct val="150000"/>
-                        </a:lnSpc>
-                        <a:spcAft>
-                          <a:spcPts val="800"/>
-                        </a:spcAft>
-                      </a:pPr>
-                      <a:r>
-                        <a:rPr lang="es-CL" sz="800" b="1">
-                          <a:effectLst/>
-                          <a:latin typeface="Calibri" panose="020F0502020204030204" pitchFamily="34" charset="0"/>
-                          <a:ea typeface="Calibri" panose="020F0502020204030204" pitchFamily="34" charset="0"/>
-                          <a:cs typeface="Times New Roman" panose="02020603050405020304" pitchFamily="18" charset="0"/>
-                        </a:rPr>
-                        <a:t>S 15</a:t>
-                      </a:r>
-                      <a:endParaRPr lang="es-CL" sz="1100">
-                        <a:effectLst/>
-                        <a:latin typeface="Calibri" panose="020F0502020204030204" pitchFamily="34" charset="0"/>
-                        <a:ea typeface="Calibri" panose="020F0502020204030204" pitchFamily="34" charset="0"/>
-                        <a:cs typeface="Times New Roman" panose="02020603050405020304" pitchFamily="18" charset="0"/>
-                      </a:endParaRPr>
-                    </a:p>
-                  </a:txBody>
-                  <a:tcPr marL="68580" marR="68580" marT="0" marB="0">
-                    <a:lnL w="12700" cap="flat" cmpd="sng" algn="ctr">
-                      <a:solidFill>
-                        <a:srgbClr val="BFBFBF"/>
-                      </a:solidFill>
-                      <a:prstDash val="solid"/>
-                      <a:round/>
-                      <a:headEnd type="none" w="med" len="med"/>
-                      <a:tailEnd type="none" w="med" len="med"/>
-                    </a:lnL>
-                    <a:lnR w="12700" cap="flat" cmpd="sng" algn="ctr">
-                      <a:solidFill>
-                        <a:srgbClr val="BFBFBF"/>
-                      </a:solidFill>
-                      <a:prstDash val="solid"/>
-                      <a:round/>
-                      <a:headEnd type="none" w="med" len="med"/>
-                      <a:tailEnd type="none" w="med" len="med"/>
-                    </a:lnR>
-                    <a:lnT w="12700" cap="flat" cmpd="sng" algn="ctr">
-                      <a:solidFill>
-                        <a:srgbClr val="BFBFBF"/>
-                      </a:solidFill>
-                      <a:prstDash val="solid"/>
-                      <a:round/>
-                      <a:headEnd type="none" w="med" len="med"/>
-                      <a:tailEnd type="none" w="med" len="med"/>
-                    </a:lnT>
-                    <a:lnB w="12700" cap="flat" cmpd="sng" algn="ctr">
-                      <a:solidFill>
-                        <a:srgbClr val="BFBFBF"/>
-                      </a:solidFill>
-                      <a:prstDash val="solid"/>
-                      <a:round/>
-                      <a:headEnd type="none" w="med" len="med"/>
-                      <a:tailEnd type="none" w="med" len="med"/>
-                    </a:lnB>
-                  </a:tcPr>
-                </a:tc>
-                <a:tc gridSpan="2">
-                  <a:txBody>
-                    <a:bodyPr/>
-                    <a:lstStyle/>
-                    <a:p>
-                      <a:pPr algn="ctr">
-                        <a:lnSpc>
-                          <a:spcPct val="150000"/>
-                        </a:lnSpc>
-                        <a:spcAft>
-                          <a:spcPts val="800"/>
-                        </a:spcAft>
-                      </a:pPr>
-                      <a:r>
-                        <a:rPr lang="es-CL" sz="800" b="1">
-                          <a:effectLst/>
-                          <a:latin typeface="Calibri" panose="020F0502020204030204" pitchFamily="34" charset="0"/>
-                          <a:ea typeface="Calibri" panose="020F0502020204030204" pitchFamily="34" charset="0"/>
-                          <a:cs typeface="Times New Roman" panose="02020603050405020304" pitchFamily="18" charset="0"/>
-                        </a:rPr>
-                        <a:t>S 16</a:t>
-                      </a:r>
-                      <a:endParaRPr lang="es-CL" sz="1100">
-                        <a:effectLst/>
-                        <a:latin typeface="Calibri" panose="020F0502020204030204" pitchFamily="34" charset="0"/>
-                        <a:ea typeface="Calibri" panose="020F0502020204030204" pitchFamily="34" charset="0"/>
-                        <a:cs typeface="Times New Roman" panose="02020603050405020304" pitchFamily="18" charset="0"/>
-                      </a:endParaRPr>
-                    </a:p>
-                  </a:txBody>
-                  <a:tcPr marL="68580" marR="68580" marT="0" marB="0">
-                    <a:lnL w="12700" cap="flat" cmpd="sng" algn="ctr">
-                      <a:solidFill>
-                        <a:srgbClr val="BFBFBF"/>
-                      </a:solidFill>
-                      <a:prstDash val="solid"/>
-                      <a:round/>
-                      <a:headEnd type="none" w="med" len="med"/>
-                      <a:tailEnd type="none" w="med" len="med"/>
-                    </a:lnL>
-                    <a:lnR w="12700" cap="flat" cmpd="sng" algn="ctr">
-                      <a:solidFill>
-                        <a:srgbClr val="BFBFBF"/>
-                      </a:solidFill>
-                      <a:prstDash val="solid"/>
-                      <a:round/>
-                      <a:headEnd type="none" w="med" len="med"/>
-                      <a:tailEnd type="none" w="med" len="med"/>
-                    </a:lnR>
-                    <a:lnT w="12700" cap="flat" cmpd="sng" algn="ctr">
-                      <a:solidFill>
-                        <a:srgbClr val="BFBFBF"/>
-                      </a:solidFill>
-                      <a:prstDash val="solid"/>
-                      <a:round/>
-                      <a:headEnd type="none" w="med" len="med"/>
-                      <a:tailEnd type="none" w="med" len="med"/>
-                    </a:lnT>
-                    <a:lnB w="12700" cap="flat" cmpd="sng" algn="ctr">
-                      <a:solidFill>
-                        <a:srgbClr val="BFBFBF"/>
-                      </a:solidFill>
-                      <a:prstDash val="solid"/>
-                      <a:round/>
-                      <a:headEnd type="none" w="med" len="med"/>
-                      <a:tailEnd type="none" w="med" len="med"/>
-                    </a:lnB>
-                  </a:tcPr>
-                </a:tc>
-                <a:tc hMerge="1">
-                  <a:txBody>
-                    <a:bodyPr/>
-                    <a:lstStyle/>
-                    <a:p>
-                      <a:endParaRPr lang="es-CL"/>
-                    </a:p>
-                  </a:txBody>
-                  <a:tcPr/>
-                </a:tc>
-                <a:tc>
-                  <a:txBody>
-                    <a:bodyPr/>
-                    <a:lstStyle/>
-                    <a:p>
-                      <a:pPr algn="ctr">
-                        <a:lnSpc>
-                          <a:spcPct val="150000"/>
-                        </a:lnSpc>
-                        <a:spcAft>
-                          <a:spcPts val="800"/>
-                        </a:spcAft>
-                      </a:pPr>
-                      <a:r>
-                        <a:rPr lang="es-CL" sz="800" b="1">
-                          <a:effectLst/>
-                          <a:latin typeface="Calibri" panose="020F0502020204030204" pitchFamily="34" charset="0"/>
-                          <a:ea typeface="Calibri" panose="020F0502020204030204" pitchFamily="34" charset="0"/>
-                          <a:cs typeface="Times New Roman" panose="02020603050405020304" pitchFamily="18" charset="0"/>
-                        </a:rPr>
-                        <a:t>S 17</a:t>
-                      </a:r>
-                      <a:endParaRPr lang="es-CL" sz="1100">
-                        <a:effectLst/>
-                        <a:latin typeface="Calibri" panose="020F0502020204030204" pitchFamily="34" charset="0"/>
-                        <a:ea typeface="Calibri" panose="020F0502020204030204" pitchFamily="34" charset="0"/>
-                        <a:cs typeface="Times New Roman" panose="02020603050405020304" pitchFamily="18" charset="0"/>
-                      </a:endParaRPr>
-                    </a:p>
-                  </a:txBody>
-                  <a:tcPr marL="68580" marR="68580" marT="0" marB="0">
-                    <a:lnL w="12700" cap="flat" cmpd="sng" algn="ctr">
-                      <a:solidFill>
-                        <a:srgbClr val="BFBFBF"/>
-                      </a:solidFill>
-                      <a:prstDash val="solid"/>
-                      <a:round/>
-                      <a:headEnd type="none" w="med" len="med"/>
-                      <a:tailEnd type="none" w="med" len="med"/>
-                    </a:lnL>
-                    <a:lnR w="12700" cap="flat" cmpd="sng" algn="ctr">
-                      <a:solidFill>
-                        <a:srgbClr val="BFBFBF"/>
-                      </a:solidFill>
-                      <a:prstDash val="solid"/>
-                      <a:round/>
-                      <a:headEnd type="none" w="med" len="med"/>
-                      <a:tailEnd type="none" w="med" len="med"/>
-                    </a:lnR>
-                    <a:lnT w="12700" cap="flat" cmpd="sng" algn="ctr">
-                      <a:solidFill>
-                        <a:srgbClr val="BFBFBF"/>
-                      </a:solidFill>
-                      <a:prstDash val="solid"/>
-                      <a:round/>
-                      <a:headEnd type="none" w="med" len="med"/>
-                      <a:tailEnd type="none" w="med" len="med"/>
-                    </a:lnT>
-                    <a:lnB w="12700" cap="flat" cmpd="sng" algn="ctr">
-                      <a:solidFill>
-                        <a:srgbClr val="BFBFBF"/>
-                      </a:solidFill>
-                      <a:prstDash val="solid"/>
-                      <a:round/>
-                      <a:headEnd type="none" w="med" len="med"/>
-                      <a:tailEnd type="none" w="med" len="med"/>
-                    </a:lnB>
-                  </a:tcPr>
-                </a:tc>
-                <a:tc>
-                  <a:txBody>
-                    <a:bodyPr/>
-                    <a:lstStyle/>
-                    <a:p>
-                      <a:pPr algn="ctr">
-                        <a:lnSpc>
-                          <a:spcPct val="150000"/>
-                        </a:lnSpc>
-                        <a:spcAft>
-                          <a:spcPts val="800"/>
-                        </a:spcAft>
-                      </a:pPr>
-                      <a:r>
-                        <a:rPr lang="es-CL" sz="800" b="1">
-                          <a:effectLst/>
-                          <a:latin typeface="Calibri" panose="020F0502020204030204" pitchFamily="34" charset="0"/>
-                          <a:ea typeface="Calibri" panose="020F0502020204030204" pitchFamily="34" charset="0"/>
-                          <a:cs typeface="Times New Roman" panose="02020603050405020304" pitchFamily="18" charset="0"/>
-                        </a:rPr>
-                        <a:t>S 18</a:t>
-                      </a:r>
-                      <a:endParaRPr lang="es-CL" sz="1100">
-                        <a:effectLst/>
-                        <a:latin typeface="Calibri" panose="020F0502020204030204" pitchFamily="34" charset="0"/>
-                        <a:ea typeface="Calibri" panose="020F0502020204030204" pitchFamily="34" charset="0"/>
-                        <a:cs typeface="Times New Roman" panose="02020603050405020304" pitchFamily="18" charset="0"/>
-                      </a:endParaRPr>
-                    </a:p>
-                  </a:txBody>
-                  <a:tcPr marL="68580" marR="68580" marT="0" marB="0">
-                    <a:lnL w="12700" cap="flat" cmpd="sng" algn="ctr">
-                      <a:solidFill>
-                        <a:srgbClr val="BFBFBF"/>
-                      </a:solidFill>
-                      <a:prstDash val="solid"/>
-                      <a:round/>
-                      <a:headEnd type="none" w="med" len="med"/>
-                      <a:tailEnd type="none" w="med" len="med"/>
-                    </a:lnL>
-                    <a:lnR w="12700" cap="flat" cmpd="sng" algn="ctr">
-                      <a:solidFill>
-                        <a:srgbClr val="BFBFBF"/>
-                      </a:solidFill>
-                      <a:prstDash val="solid"/>
-                      <a:round/>
-                      <a:headEnd type="none" w="med" len="med"/>
-                      <a:tailEnd type="none" w="med" len="med"/>
-                    </a:lnR>
-                    <a:lnT w="12700" cap="flat" cmpd="sng" algn="ctr">
-                      <a:solidFill>
-                        <a:srgbClr val="BFBFBF"/>
-                      </a:solidFill>
-                      <a:prstDash val="solid"/>
-                      <a:round/>
-                      <a:headEnd type="none" w="med" len="med"/>
-                      <a:tailEnd type="none" w="med" len="med"/>
-                    </a:lnT>
-                    <a:lnB w="12700" cap="flat" cmpd="sng" algn="ctr">
-                      <a:solidFill>
-                        <a:srgbClr val="BFBFBF"/>
-                      </a:solidFill>
-                      <a:prstDash val="solid"/>
-                      <a:round/>
-                      <a:headEnd type="none" w="med" len="med"/>
-                      <a:tailEnd type="none" w="med" len="med"/>
-                    </a:lnB>
-                  </a:tcPr>
-                </a:tc>
-                <a:tc>
-                  <a:txBody>
-                    <a:bodyPr/>
-                    <a:lstStyle/>
-                    <a:p>
-                      <a:pPr>
-                        <a:lnSpc>
-                          <a:spcPct val="107000"/>
-                        </a:lnSpc>
-                        <a:spcAft>
-                          <a:spcPts val="800"/>
-                        </a:spcAft>
-                      </a:pPr>
-                      <a:r>
-                        <a:rPr lang="es-CL" sz="1100">
-                          <a:effectLst/>
-                          <a:latin typeface="Calibri" panose="020F0502020204030204" pitchFamily="34" charset="0"/>
-                          <a:ea typeface="Calibri" panose="020F0502020204030204" pitchFamily="34" charset="0"/>
-                          <a:cs typeface="Times New Roman" panose="02020603050405020304" pitchFamily="18" charset="0"/>
-                        </a:rPr>
-                        <a:t> </a:t>
-                      </a:r>
-                    </a:p>
-                  </a:txBody>
-                  <a:tcPr marL="0" marR="0" marT="0" marB="0" anchor="ctr">
-                    <a:lnL w="12700" cap="flat" cmpd="sng" algn="ctr">
-                      <a:solidFill>
-                        <a:srgbClr val="BFBFBF"/>
-                      </a:solidFill>
-                      <a:prstDash val="solid"/>
-                      <a:round/>
-                      <a:headEnd type="none" w="med" len="med"/>
-                      <a:tailEnd type="none" w="med" len="med"/>
-                    </a:lnL>
-                    <a:lnR>
-                      <a:noFill/>
-                    </a:lnR>
-                    <a:lnT w="12700" cap="flat" cmpd="sng" algn="ctr">
-                      <a:solidFill>
-                        <a:srgbClr val="BFBFBF"/>
-                      </a:solidFill>
-                      <a:prstDash val="solid"/>
-                      <a:round/>
-                      <a:headEnd type="none" w="med" len="med"/>
-                      <a:tailEnd type="none" w="med" len="med"/>
-                    </a:lnT>
-                    <a:lnB>
-                      <a:noFill/>
-                    </a:lnB>
-                  </a:tcPr>
-                </a:tc>
-                <a:extLst>
-                  <a:ext uri="{0D108BD9-81ED-4DB2-BD59-A6C34878D82A}">
-                    <a16:rowId xmlns:a16="http://schemas.microsoft.com/office/drawing/2014/main" val="3420616602"/>
-                  </a:ext>
-                </a:extLst>
-              </a:tr>
-              <a:tr h="1488303">
-                <a:tc>
-                  <a:txBody>
-                    <a:bodyPr/>
-                    <a:lstStyle/>
-                    <a:p>
-                      <a:pPr algn="just">
-                        <a:lnSpc>
-                          <a:spcPct val="150000"/>
-                        </a:lnSpc>
-                        <a:spcAft>
-                          <a:spcPts val="800"/>
-                        </a:spcAft>
-                      </a:pPr>
-                      <a:r>
-                        <a:rPr lang="es-CL" sz="800" i="1">
-                          <a:solidFill>
-                            <a:srgbClr val="548DD4"/>
-                          </a:solidFill>
-                          <a:effectLst/>
-                          <a:latin typeface="Calibri" panose="020F0502020204030204" pitchFamily="34" charset="0"/>
-                          <a:ea typeface="Calibri" panose="020F0502020204030204" pitchFamily="34" charset="0"/>
-                          <a:cs typeface="Arial" panose="020B0604020202020204" pitchFamily="34" charset="0"/>
-                        </a:rPr>
-                        <a:t>Describe actividades del punto anterior</a:t>
-                      </a:r>
-                      <a:endParaRPr lang="es-CL" sz="1100">
-                        <a:effectLst/>
-                        <a:latin typeface="Calibri" panose="020F0502020204030204" pitchFamily="34" charset="0"/>
-                        <a:ea typeface="Calibri" panose="020F0502020204030204" pitchFamily="34" charset="0"/>
-                        <a:cs typeface="Times New Roman" panose="02020603050405020304" pitchFamily="18" charset="0"/>
-                      </a:endParaRPr>
-                    </a:p>
-                  </a:txBody>
-                  <a:tcPr marL="68580" marR="68580" marT="0" marB="0">
-                    <a:lnL w="12700" cap="flat" cmpd="sng" algn="ctr">
-                      <a:solidFill>
-                        <a:srgbClr val="BFBFBF"/>
-                      </a:solidFill>
-                      <a:prstDash val="solid"/>
-                      <a:round/>
-                      <a:headEnd type="none" w="med" len="med"/>
-                      <a:tailEnd type="none" w="med" len="med"/>
-                    </a:lnL>
-                    <a:lnR w="12700" cap="flat" cmpd="sng" algn="ctr">
-                      <a:solidFill>
-                        <a:srgbClr val="BFBFBF"/>
-                      </a:solidFill>
-                      <a:prstDash val="solid"/>
-                      <a:round/>
-                      <a:headEnd type="none" w="med" len="med"/>
-                      <a:tailEnd type="none" w="med" len="med"/>
-                    </a:lnR>
-                    <a:lnT w="12700" cap="flat" cmpd="sng" algn="ctr">
-                      <a:solidFill>
-                        <a:srgbClr val="BFBFBF"/>
-                      </a:solidFill>
-                      <a:prstDash val="solid"/>
-                      <a:round/>
-                      <a:headEnd type="none" w="med" len="med"/>
-                      <a:tailEnd type="none" w="med" len="med"/>
-                    </a:lnT>
-                    <a:lnB w="12700" cap="flat" cmpd="sng" algn="ctr">
-                      <a:solidFill>
-                        <a:srgbClr val="BFBFBF"/>
-                      </a:solidFill>
-                      <a:prstDash val="solid"/>
-                      <a:round/>
-                      <a:headEnd type="none" w="med" len="med"/>
-                      <a:tailEnd type="none" w="med" len="med"/>
-                    </a:lnB>
-                  </a:tcPr>
-                </a:tc>
-                <a:tc>
-                  <a:txBody>
-                    <a:bodyPr/>
-                    <a:lstStyle/>
-                    <a:p>
-                      <a:pPr algn="just">
-                        <a:lnSpc>
-                          <a:spcPct val="150000"/>
-                        </a:lnSpc>
-                        <a:spcAft>
-                          <a:spcPts val="800"/>
-                        </a:spcAft>
-                      </a:pPr>
-                      <a:r>
-                        <a:rPr lang="es-CL" sz="800" b="1">
-                          <a:effectLst/>
-                          <a:latin typeface="Calibri" panose="020F0502020204030204" pitchFamily="34" charset="0"/>
-                          <a:ea typeface="Calibri" panose="020F0502020204030204" pitchFamily="34" charset="0"/>
-                          <a:cs typeface="Times New Roman" panose="02020603050405020304" pitchFamily="18" charset="0"/>
-                        </a:rPr>
-                        <a:t> </a:t>
-                      </a:r>
-                      <a:endParaRPr lang="es-CL" sz="1100">
-                        <a:effectLst/>
-                        <a:latin typeface="Calibri" panose="020F0502020204030204" pitchFamily="34" charset="0"/>
-                        <a:ea typeface="Calibri" panose="020F0502020204030204" pitchFamily="34" charset="0"/>
-                        <a:cs typeface="Times New Roman" panose="02020603050405020304" pitchFamily="18" charset="0"/>
-                      </a:endParaRPr>
-                    </a:p>
-                  </a:txBody>
-                  <a:tcPr marL="68580" marR="68580" marT="0" marB="0">
-                    <a:lnL w="12700" cap="flat" cmpd="sng" algn="ctr">
-                      <a:solidFill>
-                        <a:srgbClr val="BFBFBF"/>
-                      </a:solidFill>
-                      <a:prstDash val="solid"/>
-                      <a:round/>
-                      <a:headEnd type="none" w="med" len="med"/>
-                      <a:tailEnd type="none" w="med" len="med"/>
-                    </a:lnL>
-                    <a:lnR w="12700" cap="flat" cmpd="sng" algn="ctr">
-                      <a:solidFill>
-                        <a:srgbClr val="BFBFBF"/>
-                      </a:solidFill>
-                      <a:prstDash val="solid"/>
-                      <a:round/>
-                      <a:headEnd type="none" w="med" len="med"/>
-                      <a:tailEnd type="none" w="med" len="med"/>
-                    </a:lnR>
-                    <a:lnT w="12700" cap="flat" cmpd="sng" algn="ctr">
-                      <a:solidFill>
-                        <a:srgbClr val="BFBFBF"/>
-                      </a:solidFill>
-                      <a:prstDash val="solid"/>
-                      <a:round/>
-                      <a:headEnd type="none" w="med" len="med"/>
-                      <a:tailEnd type="none" w="med" len="med"/>
-                    </a:lnT>
-                    <a:lnB w="12700" cap="flat" cmpd="sng" algn="ctr">
-                      <a:solidFill>
-                        <a:srgbClr val="BFBFBF"/>
-                      </a:solidFill>
-                      <a:prstDash val="solid"/>
-                      <a:round/>
-                      <a:headEnd type="none" w="med" len="med"/>
-                      <a:tailEnd type="none" w="med" len="med"/>
-                    </a:lnB>
-                  </a:tcPr>
-                </a:tc>
-                <a:tc>
-                  <a:txBody>
-                    <a:bodyPr/>
-                    <a:lstStyle/>
-                    <a:p>
-                      <a:pPr algn="just">
-                        <a:lnSpc>
-                          <a:spcPct val="150000"/>
-                        </a:lnSpc>
-                        <a:spcAft>
-                          <a:spcPts val="800"/>
-                        </a:spcAft>
-                      </a:pPr>
-                      <a:r>
-                        <a:rPr lang="es-CL" sz="800" b="1">
-                          <a:effectLst/>
-                          <a:latin typeface="Calibri" panose="020F0502020204030204" pitchFamily="34" charset="0"/>
-                          <a:ea typeface="Calibri" panose="020F0502020204030204" pitchFamily="34" charset="0"/>
-                          <a:cs typeface="Times New Roman" panose="02020603050405020304" pitchFamily="18" charset="0"/>
-                        </a:rPr>
-                        <a:t> </a:t>
-                      </a:r>
-                      <a:endParaRPr lang="es-CL" sz="1100">
-                        <a:effectLst/>
-                        <a:latin typeface="Calibri" panose="020F0502020204030204" pitchFamily="34" charset="0"/>
-                        <a:ea typeface="Calibri" panose="020F0502020204030204" pitchFamily="34" charset="0"/>
-                        <a:cs typeface="Times New Roman" panose="02020603050405020304" pitchFamily="18" charset="0"/>
-                      </a:endParaRPr>
-                    </a:p>
-                  </a:txBody>
-                  <a:tcPr marL="68580" marR="68580" marT="0" marB="0">
-                    <a:lnL w="12700" cap="flat" cmpd="sng" algn="ctr">
-                      <a:solidFill>
-                        <a:srgbClr val="BFBFBF"/>
-                      </a:solidFill>
-                      <a:prstDash val="solid"/>
-                      <a:round/>
-                      <a:headEnd type="none" w="med" len="med"/>
-                      <a:tailEnd type="none" w="med" len="med"/>
-                    </a:lnL>
-                    <a:lnR w="12700" cap="flat" cmpd="sng" algn="ctr">
-                      <a:solidFill>
-                        <a:srgbClr val="BFBFBF"/>
-                      </a:solidFill>
-                      <a:prstDash val="solid"/>
-                      <a:round/>
-                      <a:headEnd type="none" w="med" len="med"/>
-                      <a:tailEnd type="none" w="med" len="med"/>
-                    </a:lnR>
-                    <a:lnT w="12700" cap="flat" cmpd="sng" algn="ctr">
-                      <a:solidFill>
-                        <a:srgbClr val="BFBFBF"/>
-                      </a:solidFill>
-                      <a:prstDash val="solid"/>
-                      <a:round/>
-                      <a:headEnd type="none" w="med" len="med"/>
-                      <a:tailEnd type="none" w="med" len="med"/>
-                    </a:lnT>
-                    <a:lnB w="12700" cap="flat" cmpd="sng" algn="ctr">
-                      <a:solidFill>
-                        <a:srgbClr val="BFBFBF"/>
-                      </a:solidFill>
-                      <a:prstDash val="solid"/>
-                      <a:round/>
-                      <a:headEnd type="none" w="med" len="med"/>
-                      <a:tailEnd type="none" w="med" len="med"/>
-                    </a:lnB>
-                  </a:tcPr>
-                </a:tc>
-                <a:tc>
-                  <a:txBody>
-                    <a:bodyPr/>
-                    <a:lstStyle/>
-                    <a:p>
-                      <a:pPr algn="just">
-                        <a:lnSpc>
-                          <a:spcPct val="150000"/>
-                        </a:lnSpc>
-                        <a:spcAft>
-                          <a:spcPts val="800"/>
-                        </a:spcAft>
-                      </a:pPr>
-                      <a:r>
-                        <a:rPr lang="es-CL" sz="800" b="1">
-                          <a:effectLst/>
-                          <a:latin typeface="Calibri" panose="020F0502020204030204" pitchFamily="34" charset="0"/>
-                          <a:ea typeface="Calibri" panose="020F0502020204030204" pitchFamily="34" charset="0"/>
-                          <a:cs typeface="Times New Roman" panose="02020603050405020304" pitchFamily="18" charset="0"/>
-                        </a:rPr>
-                        <a:t> </a:t>
-                      </a:r>
-                      <a:endParaRPr lang="es-CL" sz="1100">
-                        <a:effectLst/>
-                        <a:latin typeface="Calibri" panose="020F0502020204030204" pitchFamily="34" charset="0"/>
-                        <a:ea typeface="Calibri" panose="020F0502020204030204" pitchFamily="34" charset="0"/>
-                        <a:cs typeface="Times New Roman" panose="02020603050405020304" pitchFamily="18" charset="0"/>
-                      </a:endParaRPr>
-                    </a:p>
-                  </a:txBody>
-                  <a:tcPr marL="68580" marR="68580" marT="0" marB="0">
-                    <a:lnL w="12700" cap="flat" cmpd="sng" algn="ctr">
-                      <a:solidFill>
-                        <a:srgbClr val="BFBFBF"/>
-                      </a:solidFill>
-                      <a:prstDash val="solid"/>
-                      <a:round/>
-                      <a:headEnd type="none" w="med" len="med"/>
-                      <a:tailEnd type="none" w="med" len="med"/>
-                    </a:lnL>
-                    <a:lnR w="12700" cap="flat" cmpd="sng" algn="ctr">
-                      <a:solidFill>
-                        <a:srgbClr val="BFBFBF"/>
-                      </a:solidFill>
-                      <a:prstDash val="solid"/>
-                      <a:round/>
-                      <a:headEnd type="none" w="med" len="med"/>
-                      <a:tailEnd type="none" w="med" len="med"/>
-                    </a:lnR>
-                    <a:lnT w="12700" cap="flat" cmpd="sng" algn="ctr">
-                      <a:solidFill>
-                        <a:srgbClr val="BFBFBF"/>
-                      </a:solidFill>
-                      <a:prstDash val="solid"/>
-                      <a:round/>
-                      <a:headEnd type="none" w="med" len="med"/>
-                      <a:tailEnd type="none" w="med" len="med"/>
-                    </a:lnT>
-                    <a:lnB w="12700" cap="flat" cmpd="sng" algn="ctr">
-                      <a:solidFill>
-                        <a:srgbClr val="BFBFBF"/>
-                      </a:solidFill>
-                      <a:prstDash val="solid"/>
-                      <a:round/>
-                      <a:headEnd type="none" w="med" len="med"/>
-                      <a:tailEnd type="none" w="med" len="med"/>
-                    </a:lnB>
-                  </a:tcPr>
-                </a:tc>
-                <a:tc>
-                  <a:txBody>
-                    <a:bodyPr/>
-                    <a:lstStyle/>
-                    <a:p>
-                      <a:pPr algn="just">
-                        <a:lnSpc>
-                          <a:spcPct val="150000"/>
-                        </a:lnSpc>
-                        <a:spcAft>
-                          <a:spcPts val="800"/>
-                        </a:spcAft>
-                      </a:pPr>
-                      <a:r>
-                        <a:rPr lang="es-CL" sz="800" b="1">
-                          <a:effectLst/>
-                          <a:latin typeface="Calibri" panose="020F0502020204030204" pitchFamily="34" charset="0"/>
-                          <a:ea typeface="Calibri" panose="020F0502020204030204" pitchFamily="34" charset="0"/>
-                          <a:cs typeface="Times New Roman" panose="02020603050405020304" pitchFamily="18" charset="0"/>
-                        </a:rPr>
-                        <a:t> </a:t>
-                      </a:r>
-                      <a:endParaRPr lang="es-CL" sz="1100">
-                        <a:effectLst/>
-                        <a:latin typeface="Calibri" panose="020F0502020204030204" pitchFamily="34" charset="0"/>
-                        <a:ea typeface="Calibri" panose="020F0502020204030204" pitchFamily="34" charset="0"/>
-                        <a:cs typeface="Times New Roman" panose="02020603050405020304" pitchFamily="18" charset="0"/>
-                      </a:endParaRPr>
-                    </a:p>
-                  </a:txBody>
-                  <a:tcPr marL="68580" marR="68580" marT="0" marB="0">
-                    <a:lnL w="12700" cap="flat" cmpd="sng" algn="ctr">
-                      <a:solidFill>
-                        <a:srgbClr val="BFBFBF"/>
-                      </a:solidFill>
-                      <a:prstDash val="solid"/>
-                      <a:round/>
-                      <a:headEnd type="none" w="med" len="med"/>
-                      <a:tailEnd type="none" w="med" len="med"/>
-                    </a:lnL>
-                    <a:lnR w="12700" cap="flat" cmpd="sng" algn="ctr">
-                      <a:solidFill>
-                        <a:srgbClr val="BFBFBF"/>
-                      </a:solidFill>
-                      <a:prstDash val="solid"/>
-                      <a:round/>
-                      <a:headEnd type="none" w="med" len="med"/>
-                      <a:tailEnd type="none" w="med" len="med"/>
-                    </a:lnR>
-                    <a:lnT w="12700" cap="flat" cmpd="sng" algn="ctr">
-                      <a:solidFill>
-                        <a:srgbClr val="BFBFBF"/>
-                      </a:solidFill>
-                      <a:prstDash val="solid"/>
-                      <a:round/>
-                      <a:headEnd type="none" w="med" len="med"/>
-                      <a:tailEnd type="none" w="med" len="med"/>
-                    </a:lnT>
-                    <a:lnB w="12700" cap="flat" cmpd="sng" algn="ctr">
-                      <a:solidFill>
-                        <a:srgbClr val="BFBFBF"/>
-                      </a:solidFill>
-                      <a:prstDash val="solid"/>
-                      <a:round/>
-                      <a:headEnd type="none" w="med" len="med"/>
-                      <a:tailEnd type="none" w="med" len="med"/>
-                    </a:lnB>
-                  </a:tcPr>
-                </a:tc>
-                <a:tc>
-                  <a:txBody>
-                    <a:bodyPr/>
-                    <a:lstStyle/>
-                    <a:p>
-                      <a:pPr algn="just">
-                        <a:lnSpc>
-                          <a:spcPct val="150000"/>
-                        </a:lnSpc>
-                        <a:spcAft>
-                          <a:spcPts val="800"/>
-                        </a:spcAft>
-                      </a:pPr>
-                      <a:r>
-                        <a:rPr lang="es-CL" sz="800" b="1">
-                          <a:effectLst/>
-                          <a:latin typeface="Calibri" panose="020F0502020204030204" pitchFamily="34" charset="0"/>
-                          <a:ea typeface="Calibri" panose="020F0502020204030204" pitchFamily="34" charset="0"/>
-                          <a:cs typeface="Times New Roman" panose="02020603050405020304" pitchFamily="18" charset="0"/>
-                        </a:rPr>
-                        <a:t> </a:t>
-                      </a:r>
-                      <a:endParaRPr lang="es-CL" sz="1100">
-                        <a:effectLst/>
-                        <a:latin typeface="Calibri" panose="020F0502020204030204" pitchFamily="34" charset="0"/>
-                        <a:ea typeface="Calibri" panose="020F0502020204030204" pitchFamily="34" charset="0"/>
-                        <a:cs typeface="Times New Roman" panose="02020603050405020304" pitchFamily="18" charset="0"/>
-                      </a:endParaRPr>
-                    </a:p>
-                  </a:txBody>
-                  <a:tcPr marL="68580" marR="68580" marT="0" marB="0">
-                    <a:lnL w="12700" cap="flat" cmpd="sng" algn="ctr">
-                      <a:solidFill>
-                        <a:srgbClr val="BFBFBF"/>
-                      </a:solidFill>
-                      <a:prstDash val="solid"/>
-                      <a:round/>
-                      <a:headEnd type="none" w="med" len="med"/>
-                      <a:tailEnd type="none" w="med" len="med"/>
-                    </a:lnL>
-                    <a:lnR w="12700" cap="flat" cmpd="sng" algn="ctr">
-                      <a:solidFill>
-                        <a:srgbClr val="BFBFBF"/>
-                      </a:solidFill>
-                      <a:prstDash val="solid"/>
-                      <a:round/>
-                      <a:headEnd type="none" w="med" len="med"/>
-                      <a:tailEnd type="none" w="med" len="med"/>
-                    </a:lnR>
-                    <a:lnT w="12700" cap="flat" cmpd="sng" algn="ctr">
-                      <a:solidFill>
-                        <a:srgbClr val="BFBFBF"/>
-                      </a:solidFill>
-                      <a:prstDash val="solid"/>
-                      <a:round/>
-                      <a:headEnd type="none" w="med" len="med"/>
-                      <a:tailEnd type="none" w="med" len="med"/>
-                    </a:lnT>
-                    <a:lnB w="12700" cap="flat" cmpd="sng" algn="ctr">
-                      <a:solidFill>
-                        <a:srgbClr val="BFBFBF"/>
-                      </a:solidFill>
-                      <a:prstDash val="solid"/>
-                      <a:round/>
-                      <a:headEnd type="none" w="med" len="med"/>
-                      <a:tailEnd type="none" w="med" len="med"/>
-                    </a:lnB>
-                  </a:tcPr>
-                </a:tc>
-                <a:tc>
-                  <a:txBody>
-                    <a:bodyPr/>
-                    <a:lstStyle/>
-                    <a:p>
-                      <a:pPr algn="just">
-                        <a:lnSpc>
-                          <a:spcPct val="150000"/>
-                        </a:lnSpc>
-                        <a:spcAft>
-                          <a:spcPts val="800"/>
-                        </a:spcAft>
-                      </a:pPr>
-                      <a:r>
-                        <a:rPr lang="es-CL" sz="800" b="1">
-                          <a:effectLst/>
-                          <a:latin typeface="Calibri" panose="020F0502020204030204" pitchFamily="34" charset="0"/>
-                          <a:ea typeface="Calibri" panose="020F0502020204030204" pitchFamily="34" charset="0"/>
-                          <a:cs typeface="Times New Roman" panose="02020603050405020304" pitchFamily="18" charset="0"/>
-                        </a:rPr>
-                        <a:t> </a:t>
-                      </a:r>
-                      <a:endParaRPr lang="es-CL" sz="1100">
-                        <a:effectLst/>
-                        <a:latin typeface="Calibri" panose="020F0502020204030204" pitchFamily="34" charset="0"/>
-                        <a:ea typeface="Calibri" panose="020F0502020204030204" pitchFamily="34" charset="0"/>
-                        <a:cs typeface="Times New Roman" panose="02020603050405020304" pitchFamily="18" charset="0"/>
-                      </a:endParaRPr>
-                    </a:p>
-                  </a:txBody>
-                  <a:tcPr marL="68580" marR="68580" marT="0" marB="0">
-                    <a:lnL w="12700" cap="flat" cmpd="sng" algn="ctr">
-                      <a:solidFill>
-                        <a:srgbClr val="BFBFBF"/>
-                      </a:solidFill>
-                      <a:prstDash val="solid"/>
-                      <a:round/>
-                      <a:headEnd type="none" w="med" len="med"/>
-                      <a:tailEnd type="none" w="med" len="med"/>
-                    </a:lnL>
-                    <a:lnR w="12700" cap="flat" cmpd="sng" algn="ctr">
-                      <a:solidFill>
-                        <a:srgbClr val="BFBFBF"/>
-                      </a:solidFill>
-                      <a:prstDash val="solid"/>
-                      <a:round/>
-                      <a:headEnd type="none" w="med" len="med"/>
-                      <a:tailEnd type="none" w="med" len="med"/>
-                    </a:lnR>
-                    <a:lnT w="12700" cap="flat" cmpd="sng" algn="ctr">
-                      <a:solidFill>
-                        <a:srgbClr val="BFBFBF"/>
-                      </a:solidFill>
-                      <a:prstDash val="solid"/>
-                      <a:round/>
-                      <a:headEnd type="none" w="med" len="med"/>
-                      <a:tailEnd type="none" w="med" len="med"/>
-                    </a:lnT>
-                    <a:lnB w="12700" cap="flat" cmpd="sng" algn="ctr">
-                      <a:solidFill>
-                        <a:srgbClr val="BFBFBF"/>
-                      </a:solidFill>
-                      <a:prstDash val="solid"/>
-                      <a:round/>
-                      <a:headEnd type="none" w="med" len="med"/>
-                      <a:tailEnd type="none" w="med" len="med"/>
-                    </a:lnB>
-                  </a:tcPr>
-                </a:tc>
-                <a:tc>
-                  <a:txBody>
-                    <a:bodyPr/>
-                    <a:lstStyle/>
-                    <a:p>
-                      <a:pPr algn="just">
-                        <a:lnSpc>
-                          <a:spcPct val="150000"/>
-                        </a:lnSpc>
-                        <a:spcAft>
-                          <a:spcPts val="800"/>
-                        </a:spcAft>
-                      </a:pPr>
-                      <a:r>
-                        <a:rPr lang="es-CL" sz="800" b="1">
-                          <a:effectLst/>
-                          <a:latin typeface="Calibri" panose="020F0502020204030204" pitchFamily="34" charset="0"/>
-                          <a:ea typeface="Calibri" panose="020F0502020204030204" pitchFamily="34" charset="0"/>
-                          <a:cs typeface="Times New Roman" panose="02020603050405020304" pitchFamily="18" charset="0"/>
-                        </a:rPr>
-                        <a:t> </a:t>
-                      </a:r>
-                      <a:endParaRPr lang="es-CL" sz="1100">
-                        <a:effectLst/>
-                        <a:latin typeface="Calibri" panose="020F0502020204030204" pitchFamily="34" charset="0"/>
-                        <a:ea typeface="Calibri" panose="020F0502020204030204" pitchFamily="34" charset="0"/>
-                        <a:cs typeface="Times New Roman" panose="02020603050405020304" pitchFamily="18" charset="0"/>
-                      </a:endParaRPr>
-                    </a:p>
-                  </a:txBody>
-                  <a:tcPr marL="68580" marR="68580" marT="0" marB="0">
-                    <a:lnL w="12700" cap="flat" cmpd="sng" algn="ctr">
-                      <a:solidFill>
-                        <a:srgbClr val="BFBFBF"/>
-                      </a:solidFill>
-                      <a:prstDash val="solid"/>
-                      <a:round/>
-                      <a:headEnd type="none" w="med" len="med"/>
-                      <a:tailEnd type="none" w="med" len="med"/>
-                    </a:lnL>
-                    <a:lnR w="12700" cap="flat" cmpd="sng" algn="ctr">
-                      <a:solidFill>
-                        <a:srgbClr val="BFBFBF"/>
-                      </a:solidFill>
-                      <a:prstDash val="solid"/>
-                      <a:round/>
-                      <a:headEnd type="none" w="med" len="med"/>
-                      <a:tailEnd type="none" w="med" len="med"/>
-                    </a:lnR>
-                    <a:lnT w="12700" cap="flat" cmpd="sng" algn="ctr">
-                      <a:solidFill>
-                        <a:srgbClr val="BFBFBF"/>
-                      </a:solidFill>
-                      <a:prstDash val="solid"/>
-                      <a:round/>
-                      <a:headEnd type="none" w="med" len="med"/>
-                      <a:tailEnd type="none" w="med" len="med"/>
-                    </a:lnT>
-                    <a:lnB w="12700" cap="flat" cmpd="sng" algn="ctr">
-                      <a:solidFill>
-                        <a:srgbClr val="BFBFBF"/>
-                      </a:solidFill>
-                      <a:prstDash val="solid"/>
-                      <a:round/>
-                      <a:headEnd type="none" w="med" len="med"/>
-                      <a:tailEnd type="none" w="med" len="med"/>
-                    </a:lnB>
-                  </a:tcPr>
-                </a:tc>
-                <a:tc>
-                  <a:txBody>
-                    <a:bodyPr/>
-                    <a:lstStyle/>
-                    <a:p>
-                      <a:pPr algn="just">
-                        <a:lnSpc>
-                          <a:spcPct val="150000"/>
-                        </a:lnSpc>
-                        <a:spcAft>
-                          <a:spcPts val="800"/>
-                        </a:spcAft>
-                      </a:pPr>
-                      <a:r>
-                        <a:rPr lang="es-CL" sz="800" b="1">
-                          <a:effectLst/>
-                          <a:latin typeface="Calibri" panose="020F0502020204030204" pitchFamily="34" charset="0"/>
-                          <a:ea typeface="Calibri" panose="020F0502020204030204" pitchFamily="34" charset="0"/>
-                          <a:cs typeface="Times New Roman" panose="02020603050405020304" pitchFamily="18" charset="0"/>
-                        </a:rPr>
-                        <a:t> </a:t>
-                      </a:r>
-                      <a:endParaRPr lang="es-CL" sz="1100">
-                        <a:effectLst/>
-                        <a:latin typeface="Calibri" panose="020F0502020204030204" pitchFamily="34" charset="0"/>
-                        <a:ea typeface="Calibri" panose="020F0502020204030204" pitchFamily="34" charset="0"/>
-                        <a:cs typeface="Times New Roman" panose="02020603050405020304" pitchFamily="18" charset="0"/>
-                      </a:endParaRPr>
-                    </a:p>
-                  </a:txBody>
-                  <a:tcPr marL="68580" marR="68580" marT="0" marB="0">
-                    <a:lnL w="12700" cap="flat" cmpd="sng" algn="ctr">
-                      <a:solidFill>
-                        <a:srgbClr val="BFBFBF"/>
-                      </a:solidFill>
-                      <a:prstDash val="solid"/>
-                      <a:round/>
-                      <a:headEnd type="none" w="med" len="med"/>
-                      <a:tailEnd type="none" w="med" len="med"/>
-                    </a:lnL>
-                    <a:lnR w="12700" cap="flat" cmpd="sng" algn="ctr">
-                      <a:solidFill>
-                        <a:srgbClr val="BFBFBF"/>
-                      </a:solidFill>
-                      <a:prstDash val="solid"/>
-                      <a:round/>
-                      <a:headEnd type="none" w="med" len="med"/>
-                      <a:tailEnd type="none" w="med" len="med"/>
-                    </a:lnR>
-                    <a:lnT w="12700" cap="flat" cmpd="sng" algn="ctr">
-                      <a:solidFill>
-                        <a:srgbClr val="BFBFBF"/>
-                      </a:solidFill>
-                      <a:prstDash val="solid"/>
-                      <a:round/>
-                      <a:headEnd type="none" w="med" len="med"/>
-                      <a:tailEnd type="none" w="med" len="med"/>
-                    </a:lnT>
-                    <a:lnB w="12700" cap="flat" cmpd="sng" algn="ctr">
-                      <a:solidFill>
-                        <a:srgbClr val="BFBFBF"/>
-                      </a:solidFill>
-                      <a:prstDash val="solid"/>
-                      <a:round/>
-                      <a:headEnd type="none" w="med" len="med"/>
-                      <a:tailEnd type="none" w="med" len="med"/>
-                    </a:lnB>
-                  </a:tcPr>
-                </a:tc>
-                <a:tc>
-                  <a:txBody>
-                    <a:bodyPr/>
-                    <a:lstStyle/>
-                    <a:p>
-                      <a:pPr algn="just">
-                        <a:lnSpc>
-                          <a:spcPct val="150000"/>
-                        </a:lnSpc>
-                        <a:spcAft>
-                          <a:spcPts val="800"/>
-                        </a:spcAft>
-                      </a:pPr>
-                      <a:r>
-                        <a:rPr lang="es-CL" sz="800" b="1">
-                          <a:effectLst/>
-                          <a:latin typeface="Calibri" panose="020F0502020204030204" pitchFamily="34" charset="0"/>
-                          <a:ea typeface="Calibri" panose="020F0502020204030204" pitchFamily="34" charset="0"/>
-                          <a:cs typeface="Times New Roman" panose="02020603050405020304" pitchFamily="18" charset="0"/>
-                        </a:rPr>
-                        <a:t> </a:t>
-                      </a:r>
-                      <a:endParaRPr lang="es-CL" sz="1100">
-                        <a:effectLst/>
-                        <a:latin typeface="Calibri" panose="020F0502020204030204" pitchFamily="34" charset="0"/>
-                        <a:ea typeface="Calibri" panose="020F0502020204030204" pitchFamily="34" charset="0"/>
-                        <a:cs typeface="Times New Roman" panose="02020603050405020304" pitchFamily="18" charset="0"/>
-                      </a:endParaRPr>
-                    </a:p>
-                  </a:txBody>
-                  <a:tcPr marL="68580" marR="68580" marT="0" marB="0">
-                    <a:lnL w="12700" cap="flat" cmpd="sng" algn="ctr">
-                      <a:solidFill>
-                        <a:srgbClr val="BFBFBF"/>
-                      </a:solidFill>
-                      <a:prstDash val="solid"/>
-                      <a:round/>
-                      <a:headEnd type="none" w="med" len="med"/>
-                      <a:tailEnd type="none" w="med" len="med"/>
-                    </a:lnL>
-                    <a:lnR w="12700" cap="flat" cmpd="sng" algn="ctr">
-                      <a:solidFill>
-                        <a:srgbClr val="BFBFBF"/>
-                      </a:solidFill>
-                      <a:prstDash val="solid"/>
-                      <a:round/>
-                      <a:headEnd type="none" w="med" len="med"/>
-                      <a:tailEnd type="none" w="med" len="med"/>
-                    </a:lnR>
-                    <a:lnT w="12700" cap="flat" cmpd="sng" algn="ctr">
-                      <a:solidFill>
-                        <a:srgbClr val="BFBFBF"/>
-                      </a:solidFill>
-                      <a:prstDash val="solid"/>
-                      <a:round/>
-                      <a:headEnd type="none" w="med" len="med"/>
-                      <a:tailEnd type="none" w="med" len="med"/>
-                    </a:lnT>
-                    <a:lnB w="12700" cap="flat" cmpd="sng" algn="ctr">
-                      <a:solidFill>
-                        <a:srgbClr val="BFBFBF"/>
-                      </a:solidFill>
-                      <a:prstDash val="solid"/>
-                      <a:round/>
-                      <a:headEnd type="none" w="med" len="med"/>
-                      <a:tailEnd type="none" w="med" len="med"/>
-                    </a:lnB>
-                  </a:tcPr>
-                </a:tc>
-                <a:tc>
-                  <a:txBody>
-                    <a:bodyPr/>
-                    <a:lstStyle/>
-                    <a:p>
-                      <a:pPr algn="just">
-                        <a:lnSpc>
-                          <a:spcPct val="150000"/>
-                        </a:lnSpc>
-                        <a:spcAft>
-                          <a:spcPts val="800"/>
-                        </a:spcAft>
-                      </a:pPr>
-                      <a:r>
-                        <a:rPr lang="es-CL" sz="800" b="1" dirty="0">
-                          <a:effectLst/>
-                          <a:latin typeface="Calibri" panose="020F0502020204030204" pitchFamily="34" charset="0"/>
-                          <a:ea typeface="Calibri" panose="020F0502020204030204" pitchFamily="34" charset="0"/>
-                          <a:cs typeface="Times New Roman" panose="02020603050405020304" pitchFamily="18" charset="0"/>
-                        </a:rPr>
-                        <a:t> </a:t>
-                      </a:r>
-                      <a:endParaRPr lang="es-CL" sz="1100" dirty="0">
-                        <a:effectLst/>
-                        <a:latin typeface="Calibri" panose="020F0502020204030204" pitchFamily="34" charset="0"/>
-                        <a:ea typeface="Calibri" panose="020F0502020204030204" pitchFamily="34" charset="0"/>
-                        <a:cs typeface="Times New Roman" panose="02020603050405020304" pitchFamily="18" charset="0"/>
-                      </a:endParaRPr>
-                    </a:p>
-                  </a:txBody>
-                  <a:tcPr marL="68580" marR="68580" marT="0" marB="0">
-                    <a:lnL w="12700" cap="flat" cmpd="sng" algn="ctr">
-                      <a:solidFill>
-                        <a:srgbClr val="BFBFBF"/>
-                      </a:solidFill>
-                      <a:prstDash val="solid"/>
-                      <a:round/>
-                      <a:headEnd type="none" w="med" len="med"/>
-                      <a:tailEnd type="none" w="med" len="med"/>
-                    </a:lnL>
-                    <a:lnR w="12700" cap="flat" cmpd="sng" algn="ctr">
-                      <a:solidFill>
-                        <a:srgbClr val="BFBFBF"/>
-                      </a:solidFill>
-                      <a:prstDash val="solid"/>
-                      <a:round/>
-                      <a:headEnd type="none" w="med" len="med"/>
-                      <a:tailEnd type="none" w="med" len="med"/>
-                    </a:lnR>
-                    <a:lnT w="12700" cap="flat" cmpd="sng" algn="ctr">
-                      <a:solidFill>
-                        <a:srgbClr val="BFBFBF"/>
-                      </a:solidFill>
-                      <a:prstDash val="solid"/>
-                      <a:round/>
-                      <a:headEnd type="none" w="med" len="med"/>
-                      <a:tailEnd type="none" w="med" len="med"/>
-                    </a:lnT>
-                    <a:lnB w="12700" cap="flat" cmpd="sng" algn="ctr">
-                      <a:solidFill>
-                        <a:srgbClr val="BFBFBF"/>
-                      </a:solidFill>
-                      <a:prstDash val="solid"/>
-                      <a:round/>
-                      <a:headEnd type="none" w="med" len="med"/>
-                      <a:tailEnd type="none" w="med" len="med"/>
-                    </a:lnB>
-                  </a:tcPr>
-                </a:tc>
-                <a:tc>
-                  <a:txBody>
-                    <a:bodyPr/>
-                    <a:lstStyle/>
-                    <a:p>
-                      <a:pPr algn="just">
-                        <a:lnSpc>
-                          <a:spcPct val="150000"/>
-                        </a:lnSpc>
-                        <a:spcAft>
-                          <a:spcPts val="800"/>
-                        </a:spcAft>
-                      </a:pPr>
-                      <a:r>
-                        <a:rPr lang="es-CL" sz="800" b="1">
-                          <a:effectLst/>
-                          <a:latin typeface="Calibri" panose="020F0502020204030204" pitchFamily="34" charset="0"/>
-                          <a:ea typeface="Calibri" panose="020F0502020204030204" pitchFamily="34" charset="0"/>
-                          <a:cs typeface="Times New Roman" panose="02020603050405020304" pitchFamily="18" charset="0"/>
-                        </a:rPr>
-                        <a:t> </a:t>
-                      </a:r>
-                      <a:endParaRPr lang="es-CL" sz="1100">
-                        <a:effectLst/>
-                        <a:latin typeface="Calibri" panose="020F0502020204030204" pitchFamily="34" charset="0"/>
-                        <a:ea typeface="Calibri" panose="020F0502020204030204" pitchFamily="34" charset="0"/>
-                        <a:cs typeface="Times New Roman" panose="02020603050405020304" pitchFamily="18" charset="0"/>
-                      </a:endParaRPr>
-                    </a:p>
-                  </a:txBody>
-                  <a:tcPr marL="68580" marR="68580" marT="0" marB="0">
-                    <a:lnL w="12700" cap="flat" cmpd="sng" algn="ctr">
-                      <a:solidFill>
-                        <a:srgbClr val="BFBFBF"/>
-                      </a:solidFill>
-                      <a:prstDash val="solid"/>
-                      <a:round/>
-                      <a:headEnd type="none" w="med" len="med"/>
-                      <a:tailEnd type="none" w="med" len="med"/>
-                    </a:lnL>
-                    <a:lnR w="12700" cap="flat" cmpd="sng" algn="ctr">
-                      <a:solidFill>
-                        <a:srgbClr val="BFBFBF"/>
-                      </a:solidFill>
-                      <a:prstDash val="solid"/>
-                      <a:round/>
-                      <a:headEnd type="none" w="med" len="med"/>
-                      <a:tailEnd type="none" w="med" len="med"/>
-                    </a:lnR>
-                    <a:lnT w="12700" cap="flat" cmpd="sng" algn="ctr">
-                      <a:solidFill>
-                        <a:srgbClr val="BFBFBF"/>
-                      </a:solidFill>
-                      <a:prstDash val="solid"/>
-                      <a:round/>
-                      <a:headEnd type="none" w="med" len="med"/>
-                      <a:tailEnd type="none" w="med" len="med"/>
-                    </a:lnT>
-                    <a:lnB w="12700" cap="flat" cmpd="sng" algn="ctr">
-                      <a:solidFill>
-                        <a:srgbClr val="BFBFBF"/>
-                      </a:solidFill>
-                      <a:prstDash val="solid"/>
-                      <a:round/>
-                      <a:headEnd type="none" w="med" len="med"/>
-                      <a:tailEnd type="none" w="med" len="med"/>
-                    </a:lnB>
-                  </a:tcPr>
-                </a:tc>
-                <a:tc>
-                  <a:txBody>
-                    <a:bodyPr/>
-                    <a:lstStyle/>
-                    <a:p>
-                      <a:pPr algn="just">
-                        <a:lnSpc>
-                          <a:spcPct val="150000"/>
-                        </a:lnSpc>
-                        <a:spcAft>
-                          <a:spcPts val="800"/>
-                        </a:spcAft>
-                      </a:pPr>
-                      <a:r>
-                        <a:rPr lang="es-CL" sz="800" b="1">
-                          <a:effectLst/>
-                          <a:latin typeface="Calibri" panose="020F0502020204030204" pitchFamily="34" charset="0"/>
-                          <a:ea typeface="Calibri" panose="020F0502020204030204" pitchFamily="34" charset="0"/>
-                          <a:cs typeface="Times New Roman" panose="02020603050405020304" pitchFamily="18" charset="0"/>
-                        </a:rPr>
-                        <a:t> </a:t>
-                      </a:r>
-                      <a:endParaRPr lang="es-CL" sz="1100">
-                        <a:effectLst/>
-                        <a:latin typeface="Calibri" panose="020F0502020204030204" pitchFamily="34" charset="0"/>
-                        <a:ea typeface="Calibri" panose="020F0502020204030204" pitchFamily="34" charset="0"/>
-                        <a:cs typeface="Times New Roman" panose="02020603050405020304" pitchFamily="18" charset="0"/>
-                      </a:endParaRPr>
-                    </a:p>
-                  </a:txBody>
-                  <a:tcPr marL="68580" marR="68580" marT="0" marB="0">
-                    <a:lnL w="12700" cap="flat" cmpd="sng" algn="ctr">
-                      <a:solidFill>
-                        <a:srgbClr val="BFBFBF"/>
-                      </a:solidFill>
-                      <a:prstDash val="solid"/>
-                      <a:round/>
-                      <a:headEnd type="none" w="med" len="med"/>
-                      <a:tailEnd type="none" w="med" len="med"/>
-                    </a:lnL>
-                    <a:lnR w="12700" cap="flat" cmpd="sng" algn="ctr">
-                      <a:solidFill>
-                        <a:srgbClr val="BFBFBF"/>
-                      </a:solidFill>
-                      <a:prstDash val="solid"/>
-                      <a:round/>
-                      <a:headEnd type="none" w="med" len="med"/>
-                      <a:tailEnd type="none" w="med" len="med"/>
-                    </a:lnR>
-                    <a:lnT w="12700" cap="flat" cmpd="sng" algn="ctr">
-                      <a:solidFill>
-                        <a:srgbClr val="BFBFBF"/>
-                      </a:solidFill>
-                      <a:prstDash val="solid"/>
-                      <a:round/>
-                      <a:headEnd type="none" w="med" len="med"/>
-                      <a:tailEnd type="none" w="med" len="med"/>
-                    </a:lnT>
-                    <a:lnB w="12700" cap="flat" cmpd="sng" algn="ctr">
-                      <a:solidFill>
-                        <a:srgbClr val="BFBFBF"/>
-                      </a:solidFill>
-                      <a:prstDash val="solid"/>
-                      <a:round/>
-                      <a:headEnd type="none" w="med" len="med"/>
-                      <a:tailEnd type="none" w="med" len="med"/>
-                    </a:lnB>
-                  </a:tcPr>
-                </a:tc>
-                <a:tc>
-                  <a:txBody>
-                    <a:bodyPr/>
-                    <a:lstStyle/>
-                    <a:p>
-                      <a:pPr algn="just">
-                        <a:lnSpc>
-                          <a:spcPct val="150000"/>
-                        </a:lnSpc>
-                        <a:spcAft>
-                          <a:spcPts val="800"/>
-                        </a:spcAft>
-                      </a:pPr>
-                      <a:r>
-                        <a:rPr lang="es-CL" sz="800" b="1">
-                          <a:effectLst/>
-                          <a:latin typeface="Calibri" panose="020F0502020204030204" pitchFamily="34" charset="0"/>
-                          <a:ea typeface="Calibri" panose="020F0502020204030204" pitchFamily="34" charset="0"/>
-                          <a:cs typeface="Times New Roman" panose="02020603050405020304" pitchFamily="18" charset="0"/>
-                        </a:rPr>
-                        <a:t> </a:t>
-                      </a:r>
-                      <a:endParaRPr lang="es-CL" sz="1100">
-                        <a:effectLst/>
-                        <a:latin typeface="Calibri" panose="020F0502020204030204" pitchFamily="34" charset="0"/>
-                        <a:ea typeface="Calibri" panose="020F0502020204030204" pitchFamily="34" charset="0"/>
-                        <a:cs typeface="Times New Roman" panose="02020603050405020304" pitchFamily="18" charset="0"/>
-                      </a:endParaRPr>
-                    </a:p>
-                  </a:txBody>
-                  <a:tcPr marL="68580" marR="68580" marT="0" marB="0">
-                    <a:lnL w="12700" cap="flat" cmpd="sng" algn="ctr">
-                      <a:solidFill>
-                        <a:srgbClr val="BFBFBF"/>
-                      </a:solidFill>
-                      <a:prstDash val="solid"/>
-                      <a:round/>
-                      <a:headEnd type="none" w="med" len="med"/>
-                      <a:tailEnd type="none" w="med" len="med"/>
-                    </a:lnL>
-                    <a:lnR w="12700" cap="flat" cmpd="sng" algn="ctr">
-                      <a:solidFill>
-                        <a:srgbClr val="BFBFBF"/>
-                      </a:solidFill>
-                      <a:prstDash val="solid"/>
-                      <a:round/>
-                      <a:headEnd type="none" w="med" len="med"/>
-                      <a:tailEnd type="none" w="med" len="med"/>
-                    </a:lnR>
-                    <a:lnT w="12700" cap="flat" cmpd="sng" algn="ctr">
-                      <a:solidFill>
-                        <a:srgbClr val="BFBFBF"/>
-                      </a:solidFill>
-                      <a:prstDash val="solid"/>
-                      <a:round/>
-                      <a:headEnd type="none" w="med" len="med"/>
-                      <a:tailEnd type="none" w="med" len="med"/>
-                    </a:lnT>
-                    <a:lnB w="12700" cap="flat" cmpd="sng" algn="ctr">
-                      <a:solidFill>
-                        <a:srgbClr val="BFBFBF"/>
-                      </a:solidFill>
-                      <a:prstDash val="solid"/>
-                      <a:round/>
-                      <a:headEnd type="none" w="med" len="med"/>
-                      <a:tailEnd type="none" w="med" len="med"/>
-                    </a:lnB>
-                  </a:tcPr>
-                </a:tc>
-                <a:tc>
-                  <a:txBody>
-                    <a:bodyPr/>
-                    <a:lstStyle/>
-                    <a:p>
-                      <a:pPr algn="just">
-                        <a:lnSpc>
-                          <a:spcPct val="150000"/>
-                        </a:lnSpc>
-                        <a:spcAft>
-                          <a:spcPts val="800"/>
-                        </a:spcAft>
-                      </a:pPr>
-                      <a:r>
-                        <a:rPr lang="es-CL" sz="800" b="1">
-                          <a:effectLst/>
-                          <a:latin typeface="Calibri" panose="020F0502020204030204" pitchFamily="34" charset="0"/>
-                          <a:ea typeface="Calibri" panose="020F0502020204030204" pitchFamily="34" charset="0"/>
-                          <a:cs typeface="Times New Roman" panose="02020603050405020304" pitchFamily="18" charset="0"/>
-                        </a:rPr>
-                        <a:t> </a:t>
-                      </a:r>
-                      <a:endParaRPr lang="es-CL" sz="1100">
-                        <a:effectLst/>
-                        <a:latin typeface="Calibri" panose="020F0502020204030204" pitchFamily="34" charset="0"/>
-                        <a:ea typeface="Calibri" panose="020F0502020204030204" pitchFamily="34" charset="0"/>
-                        <a:cs typeface="Times New Roman" panose="02020603050405020304" pitchFamily="18" charset="0"/>
-                      </a:endParaRPr>
-                    </a:p>
-                  </a:txBody>
-                  <a:tcPr marL="68580" marR="68580" marT="0" marB="0">
-                    <a:lnL w="12700" cap="flat" cmpd="sng" algn="ctr">
-                      <a:solidFill>
-                        <a:srgbClr val="BFBFBF"/>
-                      </a:solidFill>
-                      <a:prstDash val="solid"/>
-                      <a:round/>
-                      <a:headEnd type="none" w="med" len="med"/>
-                      <a:tailEnd type="none" w="med" len="med"/>
-                    </a:lnL>
-                    <a:lnR w="12700" cap="flat" cmpd="sng" algn="ctr">
-                      <a:solidFill>
-                        <a:srgbClr val="BFBFBF"/>
-                      </a:solidFill>
-                      <a:prstDash val="solid"/>
-                      <a:round/>
-                      <a:headEnd type="none" w="med" len="med"/>
-                      <a:tailEnd type="none" w="med" len="med"/>
-                    </a:lnR>
-                    <a:lnT w="12700" cap="flat" cmpd="sng" algn="ctr">
-                      <a:solidFill>
-                        <a:srgbClr val="BFBFBF"/>
-                      </a:solidFill>
-                      <a:prstDash val="solid"/>
-                      <a:round/>
-                      <a:headEnd type="none" w="med" len="med"/>
-                      <a:tailEnd type="none" w="med" len="med"/>
-                    </a:lnT>
-                    <a:lnB w="12700" cap="flat" cmpd="sng" algn="ctr">
-                      <a:solidFill>
-                        <a:srgbClr val="BFBFBF"/>
-                      </a:solidFill>
-                      <a:prstDash val="solid"/>
-                      <a:round/>
-                      <a:headEnd type="none" w="med" len="med"/>
-                      <a:tailEnd type="none" w="med" len="med"/>
-                    </a:lnB>
-                  </a:tcPr>
-                </a:tc>
-                <a:tc>
-                  <a:txBody>
-                    <a:bodyPr/>
-                    <a:lstStyle/>
-                    <a:p>
-                      <a:pPr algn="just">
-                        <a:lnSpc>
-                          <a:spcPct val="150000"/>
-                        </a:lnSpc>
-                        <a:spcAft>
-                          <a:spcPts val="800"/>
-                        </a:spcAft>
-                      </a:pPr>
-                      <a:r>
-                        <a:rPr lang="es-CL" sz="800" b="1">
-                          <a:effectLst/>
-                          <a:latin typeface="Calibri" panose="020F0502020204030204" pitchFamily="34" charset="0"/>
-                          <a:ea typeface="Calibri" panose="020F0502020204030204" pitchFamily="34" charset="0"/>
-                          <a:cs typeface="Times New Roman" panose="02020603050405020304" pitchFamily="18" charset="0"/>
-                        </a:rPr>
-                        <a:t> </a:t>
-                      </a:r>
-                      <a:endParaRPr lang="es-CL" sz="1100">
-                        <a:effectLst/>
-                        <a:latin typeface="Calibri" panose="020F0502020204030204" pitchFamily="34" charset="0"/>
-                        <a:ea typeface="Calibri" panose="020F0502020204030204" pitchFamily="34" charset="0"/>
-                        <a:cs typeface="Times New Roman" panose="02020603050405020304" pitchFamily="18" charset="0"/>
-                      </a:endParaRPr>
-                    </a:p>
-                  </a:txBody>
-                  <a:tcPr marL="68580" marR="68580" marT="0" marB="0">
-                    <a:lnL w="12700" cap="flat" cmpd="sng" algn="ctr">
-                      <a:solidFill>
-                        <a:srgbClr val="BFBFBF"/>
-                      </a:solidFill>
-                      <a:prstDash val="solid"/>
-                      <a:round/>
-                      <a:headEnd type="none" w="med" len="med"/>
-                      <a:tailEnd type="none" w="med" len="med"/>
-                    </a:lnL>
-                    <a:lnR w="12700" cap="flat" cmpd="sng" algn="ctr">
-                      <a:solidFill>
-                        <a:srgbClr val="BFBFBF"/>
-                      </a:solidFill>
-                      <a:prstDash val="solid"/>
-                      <a:round/>
-                      <a:headEnd type="none" w="med" len="med"/>
-                      <a:tailEnd type="none" w="med" len="med"/>
-                    </a:lnR>
-                    <a:lnT w="12700" cap="flat" cmpd="sng" algn="ctr">
-                      <a:solidFill>
-                        <a:srgbClr val="BFBFBF"/>
-                      </a:solidFill>
-                      <a:prstDash val="solid"/>
-                      <a:round/>
-                      <a:headEnd type="none" w="med" len="med"/>
-                      <a:tailEnd type="none" w="med" len="med"/>
-                    </a:lnT>
-                    <a:lnB w="12700" cap="flat" cmpd="sng" algn="ctr">
-                      <a:solidFill>
-                        <a:srgbClr val="BFBFBF"/>
-                      </a:solidFill>
-                      <a:prstDash val="solid"/>
-                      <a:round/>
-                      <a:headEnd type="none" w="med" len="med"/>
-                      <a:tailEnd type="none" w="med" len="med"/>
-                    </a:lnB>
-                  </a:tcPr>
-                </a:tc>
-                <a:tc gridSpan="2">
-                  <a:txBody>
-                    <a:bodyPr/>
-                    <a:lstStyle/>
-                    <a:p>
-                      <a:pPr algn="just">
-                        <a:lnSpc>
-                          <a:spcPct val="150000"/>
-                        </a:lnSpc>
-                        <a:spcAft>
-                          <a:spcPts val="800"/>
-                        </a:spcAft>
-                      </a:pPr>
-                      <a:r>
-                        <a:rPr lang="es-CL" sz="800" b="1">
-                          <a:effectLst/>
-                          <a:latin typeface="Calibri" panose="020F0502020204030204" pitchFamily="34" charset="0"/>
-                          <a:ea typeface="Calibri" panose="020F0502020204030204" pitchFamily="34" charset="0"/>
-                          <a:cs typeface="Times New Roman" panose="02020603050405020304" pitchFamily="18" charset="0"/>
-                        </a:rPr>
-                        <a:t> </a:t>
-                      </a:r>
-                      <a:endParaRPr lang="es-CL" sz="1100">
-                        <a:effectLst/>
-                        <a:latin typeface="Calibri" panose="020F0502020204030204" pitchFamily="34" charset="0"/>
-                        <a:ea typeface="Calibri" panose="020F0502020204030204" pitchFamily="34" charset="0"/>
-                        <a:cs typeface="Times New Roman" panose="02020603050405020304" pitchFamily="18" charset="0"/>
-                      </a:endParaRPr>
-                    </a:p>
-                  </a:txBody>
-                  <a:tcPr marL="68580" marR="68580" marT="0" marB="0">
-                    <a:lnL w="12700" cap="flat" cmpd="sng" algn="ctr">
-                      <a:solidFill>
-                        <a:srgbClr val="BFBFBF"/>
-                      </a:solidFill>
-                      <a:prstDash val="solid"/>
-                      <a:round/>
-                      <a:headEnd type="none" w="med" len="med"/>
-                      <a:tailEnd type="none" w="med" len="med"/>
-                    </a:lnL>
-                    <a:lnR w="12700" cap="flat" cmpd="sng" algn="ctr">
-                      <a:solidFill>
-                        <a:srgbClr val="BFBFBF"/>
-                      </a:solidFill>
-                      <a:prstDash val="solid"/>
-                      <a:round/>
-                      <a:headEnd type="none" w="med" len="med"/>
-                      <a:tailEnd type="none" w="med" len="med"/>
-                    </a:lnR>
-                    <a:lnT w="12700" cap="flat" cmpd="sng" algn="ctr">
-                      <a:solidFill>
-                        <a:srgbClr val="BFBFBF"/>
-                      </a:solidFill>
-                      <a:prstDash val="solid"/>
-                      <a:round/>
-                      <a:headEnd type="none" w="med" len="med"/>
-                      <a:tailEnd type="none" w="med" len="med"/>
-                    </a:lnT>
-                    <a:lnB w="12700" cap="flat" cmpd="sng" algn="ctr">
-                      <a:solidFill>
-                        <a:srgbClr val="BFBFBF"/>
-                      </a:solidFill>
-                      <a:prstDash val="solid"/>
-                      <a:round/>
-                      <a:headEnd type="none" w="med" len="med"/>
-                      <a:tailEnd type="none" w="med" len="med"/>
-                    </a:lnB>
-                  </a:tcPr>
-                </a:tc>
-                <a:tc hMerge="1">
-                  <a:txBody>
-                    <a:bodyPr/>
-                    <a:lstStyle/>
-                    <a:p>
-                      <a:endParaRPr lang="es-CL"/>
-                    </a:p>
-                  </a:txBody>
-                  <a:tcPr/>
-                </a:tc>
-                <a:tc>
-                  <a:txBody>
-                    <a:bodyPr/>
-                    <a:lstStyle/>
-                    <a:p>
-                      <a:pPr algn="just">
-                        <a:lnSpc>
-                          <a:spcPct val="150000"/>
-                        </a:lnSpc>
-                        <a:spcAft>
-                          <a:spcPts val="800"/>
-                        </a:spcAft>
-                      </a:pPr>
-                      <a:r>
-                        <a:rPr lang="es-CL" sz="800" b="1">
-                          <a:effectLst/>
-                          <a:latin typeface="Calibri" panose="020F0502020204030204" pitchFamily="34" charset="0"/>
-                          <a:ea typeface="Calibri" panose="020F0502020204030204" pitchFamily="34" charset="0"/>
-                          <a:cs typeface="Times New Roman" panose="02020603050405020304" pitchFamily="18" charset="0"/>
-                        </a:rPr>
-                        <a:t> </a:t>
-                      </a:r>
-                      <a:endParaRPr lang="es-CL" sz="1100">
-                        <a:effectLst/>
-                        <a:latin typeface="Calibri" panose="020F0502020204030204" pitchFamily="34" charset="0"/>
-                        <a:ea typeface="Calibri" panose="020F0502020204030204" pitchFamily="34" charset="0"/>
-                        <a:cs typeface="Times New Roman" panose="02020603050405020304" pitchFamily="18" charset="0"/>
-                      </a:endParaRPr>
-                    </a:p>
-                  </a:txBody>
-                  <a:tcPr marL="68580" marR="68580" marT="0" marB="0">
-                    <a:lnL w="12700" cap="flat" cmpd="sng" algn="ctr">
-                      <a:solidFill>
-                        <a:srgbClr val="BFBFBF"/>
-                      </a:solidFill>
-                      <a:prstDash val="solid"/>
-                      <a:round/>
-                      <a:headEnd type="none" w="med" len="med"/>
-                      <a:tailEnd type="none" w="med" len="med"/>
-                    </a:lnL>
-                    <a:lnR w="12700" cap="flat" cmpd="sng" algn="ctr">
-                      <a:solidFill>
-                        <a:srgbClr val="BFBFBF"/>
-                      </a:solidFill>
-                      <a:prstDash val="solid"/>
-                      <a:round/>
-                      <a:headEnd type="none" w="med" len="med"/>
-                      <a:tailEnd type="none" w="med" len="med"/>
-                    </a:lnR>
-                    <a:lnT w="12700" cap="flat" cmpd="sng" algn="ctr">
-                      <a:solidFill>
-                        <a:srgbClr val="BFBFBF"/>
-                      </a:solidFill>
-                      <a:prstDash val="solid"/>
-                      <a:round/>
-                      <a:headEnd type="none" w="med" len="med"/>
-                      <a:tailEnd type="none" w="med" len="med"/>
-                    </a:lnT>
-                    <a:lnB w="12700" cap="flat" cmpd="sng" algn="ctr">
-                      <a:solidFill>
-                        <a:srgbClr val="BFBFBF"/>
-                      </a:solidFill>
-                      <a:prstDash val="solid"/>
-                      <a:round/>
-                      <a:headEnd type="none" w="med" len="med"/>
-                      <a:tailEnd type="none" w="med" len="med"/>
-                    </a:lnB>
-                  </a:tcPr>
-                </a:tc>
-                <a:tc>
-                  <a:txBody>
-                    <a:bodyPr/>
-                    <a:lstStyle/>
-                    <a:p>
-                      <a:pPr algn="just">
-                        <a:lnSpc>
-                          <a:spcPct val="150000"/>
-                        </a:lnSpc>
-                        <a:spcAft>
-                          <a:spcPts val="800"/>
-                        </a:spcAft>
-                      </a:pPr>
-                      <a:r>
-                        <a:rPr lang="es-CL" sz="800" b="1">
-                          <a:effectLst/>
-                          <a:latin typeface="Calibri" panose="020F0502020204030204" pitchFamily="34" charset="0"/>
-                          <a:ea typeface="Calibri" panose="020F0502020204030204" pitchFamily="34" charset="0"/>
-                          <a:cs typeface="Times New Roman" panose="02020603050405020304" pitchFamily="18" charset="0"/>
-                        </a:rPr>
-                        <a:t> </a:t>
-                      </a:r>
-                      <a:endParaRPr lang="es-CL" sz="1100">
-                        <a:effectLst/>
-                        <a:latin typeface="Calibri" panose="020F0502020204030204" pitchFamily="34" charset="0"/>
-                        <a:ea typeface="Calibri" panose="020F0502020204030204" pitchFamily="34" charset="0"/>
-                        <a:cs typeface="Times New Roman" panose="02020603050405020304" pitchFamily="18" charset="0"/>
-                      </a:endParaRPr>
-                    </a:p>
-                  </a:txBody>
-                  <a:tcPr marL="68580" marR="68580" marT="0" marB="0">
-                    <a:lnL w="12700" cap="flat" cmpd="sng" algn="ctr">
-                      <a:solidFill>
-                        <a:srgbClr val="BFBFBF"/>
-                      </a:solidFill>
-                      <a:prstDash val="solid"/>
-                      <a:round/>
-                      <a:headEnd type="none" w="med" len="med"/>
-                      <a:tailEnd type="none" w="med" len="med"/>
-                    </a:lnL>
-                    <a:lnR w="12700" cap="flat" cmpd="sng" algn="ctr">
-                      <a:solidFill>
-                        <a:srgbClr val="BFBFBF"/>
-                      </a:solidFill>
-                      <a:prstDash val="solid"/>
-                      <a:round/>
-                      <a:headEnd type="none" w="med" len="med"/>
-                      <a:tailEnd type="none" w="med" len="med"/>
-                    </a:lnR>
-                    <a:lnT w="12700" cap="flat" cmpd="sng" algn="ctr">
-                      <a:solidFill>
-                        <a:srgbClr val="BFBFBF"/>
-                      </a:solidFill>
-                      <a:prstDash val="solid"/>
-                      <a:round/>
-                      <a:headEnd type="none" w="med" len="med"/>
-                      <a:tailEnd type="none" w="med" len="med"/>
-                    </a:lnT>
-                    <a:lnB w="12700" cap="flat" cmpd="sng" algn="ctr">
-                      <a:solidFill>
-                        <a:srgbClr val="BFBFBF"/>
-                      </a:solidFill>
-                      <a:prstDash val="solid"/>
-                      <a:round/>
-                      <a:headEnd type="none" w="med" len="med"/>
-                      <a:tailEnd type="none" w="med" len="med"/>
-                    </a:lnB>
-                  </a:tcPr>
-                </a:tc>
-                <a:tc>
-                  <a:txBody>
-                    <a:bodyPr/>
-                    <a:lstStyle/>
-                    <a:p>
-                      <a:pPr>
-                        <a:lnSpc>
-                          <a:spcPct val="107000"/>
-                        </a:lnSpc>
-                        <a:spcAft>
-                          <a:spcPts val="800"/>
-                        </a:spcAft>
-                      </a:pPr>
-                      <a:r>
-                        <a:rPr lang="es-CL" sz="1100">
-                          <a:effectLst/>
-                          <a:latin typeface="Calibri" panose="020F0502020204030204" pitchFamily="34" charset="0"/>
-                          <a:ea typeface="Calibri" panose="020F0502020204030204" pitchFamily="34" charset="0"/>
-                          <a:cs typeface="Times New Roman" panose="02020603050405020304" pitchFamily="18" charset="0"/>
-                        </a:rPr>
-                        <a:t> </a:t>
-                      </a:r>
-                    </a:p>
-                  </a:txBody>
-                  <a:tcPr marL="0" marR="0" marT="0" marB="0" anchor="ctr">
-                    <a:lnL w="12700" cap="flat" cmpd="sng" algn="ctr">
-                      <a:solidFill>
-                        <a:srgbClr val="BFBFBF"/>
-                      </a:solidFill>
-                      <a:prstDash val="solid"/>
-                      <a:round/>
-                      <a:headEnd type="none" w="med" len="med"/>
-                      <a:tailEnd type="none" w="med" len="med"/>
-                    </a:lnL>
-                    <a:lnR>
-                      <a:noFill/>
-                    </a:lnR>
-                    <a:lnT>
-                      <a:noFill/>
-                    </a:lnT>
-                    <a:lnB>
-                      <a:noFill/>
-                    </a:lnB>
-                  </a:tcPr>
-                </a:tc>
-                <a:extLst>
-                  <a:ext uri="{0D108BD9-81ED-4DB2-BD59-A6C34878D82A}">
-                    <a16:rowId xmlns:a16="http://schemas.microsoft.com/office/drawing/2014/main" val="2457018220"/>
-                  </a:ext>
-                </a:extLst>
-              </a:tr>
-              <a:tr h="540519">
-                <a:tc>
-                  <a:txBody>
-                    <a:bodyPr/>
-                    <a:lstStyle/>
-                    <a:p>
-                      <a:pPr algn="just">
-                        <a:lnSpc>
-                          <a:spcPct val="150000"/>
-                        </a:lnSpc>
-                        <a:spcAft>
-                          <a:spcPts val="800"/>
-                        </a:spcAft>
-                      </a:pPr>
-                      <a:r>
-                        <a:rPr lang="es-CL" sz="800" b="1">
-                          <a:effectLst/>
-                          <a:latin typeface="Calibri" panose="020F0502020204030204" pitchFamily="34" charset="0"/>
-                          <a:ea typeface="Calibri" panose="020F0502020204030204" pitchFamily="34" charset="0"/>
-                          <a:cs typeface="Times New Roman" panose="02020603050405020304" pitchFamily="18" charset="0"/>
-                        </a:rPr>
-                        <a:t> </a:t>
-                      </a:r>
-                      <a:endParaRPr lang="es-CL" sz="1100">
-                        <a:effectLst/>
-                        <a:latin typeface="Calibri" panose="020F0502020204030204" pitchFamily="34" charset="0"/>
-                        <a:ea typeface="Calibri" panose="020F0502020204030204" pitchFamily="34" charset="0"/>
-                        <a:cs typeface="Times New Roman" panose="02020603050405020304" pitchFamily="18" charset="0"/>
-                      </a:endParaRPr>
-                    </a:p>
-                  </a:txBody>
-                  <a:tcPr marL="68580" marR="68580" marT="0" marB="0">
-                    <a:lnL w="12700" cap="flat" cmpd="sng" algn="ctr">
-                      <a:solidFill>
-                        <a:srgbClr val="BFBFBF"/>
-                      </a:solidFill>
-                      <a:prstDash val="solid"/>
-                      <a:round/>
-                      <a:headEnd type="none" w="med" len="med"/>
-                      <a:tailEnd type="none" w="med" len="med"/>
-                    </a:lnL>
-                    <a:lnR w="12700" cap="flat" cmpd="sng" algn="ctr">
-                      <a:solidFill>
-                        <a:srgbClr val="BFBFBF"/>
-                      </a:solidFill>
-                      <a:prstDash val="solid"/>
-                      <a:round/>
-                      <a:headEnd type="none" w="med" len="med"/>
-                      <a:tailEnd type="none" w="med" len="med"/>
-                    </a:lnR>
-                    <a:lnT w="12700" cap="flat" cmpd="sng" algn="ctr">
-                      <a:solidFill>
-                        <a:srgbClr val="BFBFBF"/>
-                      </a:solidFill>
-                      <a:prstDash val="solid"/>
-                      <a:round/>
-                      <a:headEnd type="none" w="med" len="med"/>
-                      <a:tailEnd type="none" w="med" len="med"/>
-                    </a:lnT>
-                    <a:lnB w="12700" cap="flat" cmpd="sng" algn="ctr">
-                      <a:solidFill>
-                        <a:srgbClr val="BFBFBF"/>
-                      </a:solidFill>
-                      <a:prstDash val="solid"/>
-                      <a:round/>
-                      <a:headEnd type="none" w="med" len="med"/>
-                      <a:tailEnd type="none" w="med" len="med"/>
-                    </a:lnB>
-                  </a:tcPr>
-                </a:tc>
-                <a:tc>
-                  <a:txBody>
-                    <a:bodyPr/>
-                    <a:lstStyle/>
-                    <a:p>
-                      <a:pPr algn="just">
-                        <a:lnSpc>
-                          <a:spcPct val="150000"/>
-                        </a:lnSpc>
-                        <a:spcAft>
-                          <a:spcPts val="800"/>
-                        </a:spcAft>
-                      </a:pPr>
-                      <a:r>
-                        <a:rPr lang="es-CL" sz="800" b="1">
-                          <a:effectLst/>
-                          <a:latin typeface="Calibri" panose="020F0502020204030204" pitchFamily="34" charset="0"/>
-                          <a:ea typeface="Calibri" panose="020F0502020204030204" pitchFamily="34" charset="0"/>
-                          <a:cs typeface="Times New Roman" panose="02020603050405020304" pitchFamily="18" charset="0"/>
-                        </a:rPr>
-                        <a:t> </a:t>
-                      </a:r>
-                      <a:endParaRPr lang="es-CL" sz="1100">
-                        <a:effectLst/>
-                        <a:latin typeface="Calibri" panose="020F0502020204030204" pitchFamily="34" charset="0"/>
-                        <a:ea typeface="Calibri" panose="020F0502020204030204" pitchFamily="34" charset="0"/>
-                        <a:cs typeface="Times New Roman" panose="02020603050405020304" pitchFamily="18" charset="0"/>
-                      </a:endParaRPr>
-                    </a:p>
-                  </a:txBody>
-                  <a:tcPr marL="68580" marR="68580" marT="0" marB="0">
-                    <a:lnL w="12700" cap="flat" cmpd="sng" algn="ctr">
-                      <a:solidFill>
-                        <a:srgbClr val="BFBFBF"/>
-                      </a:solidFill>
-                      <a:prstDash val="solid"/>
-                      <a:round/>
-                      <a:headEnd type="none" w="med" len="med"/>
-                      <a:tailEnd type="none" w="med" len="med"/>
-                    </a:lnL>
-                    <a:lnR w="12700" cap="flat" cmpd="sng" algn="ctr">
-                      <a:solidFill>
-                        <a:srgbClr val="BFBFBF"/>
-                      </a:solidFill>
-                      <a:prstDash val="solid"/>
-                      <a:round/>
-                      <a:headEnd type="none" w="med" len="med"/>
-                      <a:tailEnd type="none" w="med" len="med"/>
-                    </a:lnR>
-                    <a:lnT w="12700" cap="flat" cmpd="sng" algn="ctr">
-                      <a:solidFill>
-                        <a:srgbClr val="BFBFBF"/>
-                      </a:solidFill>
-                      <a:prstDash val="solid"/>
-                      <a:round/>
-                      <a:headEnd type="none" w="med" len="med"/>
-                      <a:tailEnd type="none" w="med" len="med"/>
-                    </a:lnT>
-                    <a:lnB w="12700" cap="flat" cmpd="sng" algn="ctr">
-                      <a:solidFill>
-                        <a:srgbClr val="BFBFBF"/>
-                      </a:solidFill>
-                      <a:prstDash val="solid"/>
-                      <a:round/>
-                      <a:headEnd type="none" w="med" len="med"/>
-                      <a:tailEnd type="none" w="med" len="med"/>
-                    </a:lnB>
-                  </a:tcPr>
-                </a:tc>
-                <a:tc>
-                  <a:txBody>
-                    <a:bodyPr/>
-                    <a:lstStyle/>
-                    <a:p>
-                      <a:pPr algn="just">
-                        <a:lnSpc>
-                          <a:spcPct val="150000"/>
-                        </a:lnSpc>
-                        <a:spcAft>
-                          <a:spcPts val="800"/>
-                        </a:spcAft>
-                      </a:pPr>
-                      <a:r>
-                        <a:rPr lang="es-CL" sz="800" b="1">
-                          <a:effectLst/>
-                          <a:latin typeface="Calibri" panose="020F0502020204030204" pitchFamily="34" charset="0"/>
-                          <a:ea typeface="Calibri" panose="020F0502020204030204" pitchFamily="34" charset="0"/>
-                          <a:cs typeface="Times New Roman" panose="02020603050405020304" pitchFamily="18" charset="0"/>
-                        </a:rPr>
-                        <a:t> </a:t>
-                      </a:r>
-                      <a:endParaRPr lang="es-CL" sz="1100">
-                        <a:effectLst/>
-                        <a:latin typeface="Calibri" panose="020F0502020204030204" pitchFamily="34" charset="0"/>
-                        <a:ea typeface="Calibri" panose="020F0502020204030204" pitchFamily="34" charset="0"/>
-                        <a:cs typeface="Times New Roman" panose="02020603050405020304" pitchFamily="18" charset="0"/>
-                      </a:endParaRPr>
-                    </a:p>
-                  </a:txBody>
-                  <a:tcPr marL="68580" marR="68580" marT="0" marB="0">
-                    <a:lnL w="12700" cap="flat" cmpd="sng" algn="ctr">
-                      <a:solidFill>
-                        <a:srgbClr val="BFBFBF"/>
-                      </a:solidFill>
-                      <a:prstDash val="solid"/>
-                      <a:round/>
-                      <a:headEnd type="none" w="med" len="med"/>
-                      <a:tailEnd type="none" w="med" len="med"/>
-                    </a:lnL>
-                    <a:lnR w="12700" cap="flat" cmpd="sng" algn="ctr">
-                      <a:solidFill>
-                        <a:srgbClr val="BFBFBF"/>
-                      </a:solidFill>
-                      <a:prstDash val="solid"/>
-                      <a:round/>
-                      <a:headEnd type="none" w="med" len="med"/>
-                      <a:tailEnd type="none" w="med" len="med"/>
-                    </a:lnR>
-                    <a:lnT w="12700" cap="flat" cmpd="sng" algn="ctr">
-                      <a:solidFill>
-                        <a:srgbClr val="BFBFBF"/>
-                      </a:solidFill>
-                      <a:prstDash val="solid"/>
-                      <a:round/>
-                      <a:headEnd type="none" w="med" len="med"/>
-                      <a:tailEnd type="none" w="med" len="med"/>
-                    </a:lnT>
-                    <a:lnB w="12700" cap="flat" cmpd="sng" algn="ctr">
-                      <a:solidFill>
-                        <a:srgbClr val="BFBFBF"/>
-                      </a:solidFill>
-                      <a:prstDash val="solid"/>
-                      <a:round/>
-                      <a:headEnd type="none" w="med" len="med"/>
-                      <a:tailEnd type="none" w="med" len="med"/>
-                    </a:lnB>
-                  </a:tcPr>
-                </a:tc>
-                <a:tc>
-                  <a:txBody>
-                    <a:bodyPr/>
-                    <a:lstStyle/>
-                    <a:p>
-                      <a:pPr algn="just">
-                        <a:lnSpc>
-                          <a:spcPct val="150000"/>
-                        </a:lnSpc>
-                        <a:spcAft>
-                          <a:spcPts val="800"/>
-                        </a:spcAft>
-                      </a:pPr>
-                      <a:r>
-                        <a:rPr lang="es-CL" sz="800" b="1">
-                          <a:effectLst/>
-                          <a:latin typeface="Calibri" panose="020F0502020204030204" pitchFamily="34" charset="0"/>
-                          <a:ea typeface="Calibri" panose="020F0502020204030204" pitchFamily="34" charset="0"/>
-                          <a:cs typeface="Times New Roman" panose="02020603050405020304" pitchFamily="18" charset="0"/>
-                        </a:rPr>
-                        <a:t> </a:t>
-                      </a:r>
-                      <a:endParaRPr lang="es-CL" sz="1100">
-                        <a:effectLst/>
-                        <a:latin typeface="Calibri" panose="020F0502020204030204" pitchFamily="34" charset="0"/>
-                        <a:ea typeface="Calibri" panose="020F0502020204030204" pitchFamily="34" charset="0"/>
-                        <a:cs typeface="Times New Roman" panose="02020603050405020304" pitchFamily="18" charset="0"/>
-                      </a:endParaRPr>
-                    </a:p>
-                  </a:txBody>
-                  <a:tcPr marL="68580" marR="68580" marT="0" marB="0">
-                    <a:lnL w="12700" cap="flat" cmpd="sng" algn="ctr">
-                      <a:solidFill>
-                        <a:srgbClr val="BFBFBF"/>
-                      </a:solidFill>
-                      <a:prstDash val="solid"/>
-                      <a:round/>
-                      <a:headEnd type="none" w="med" len="med"/>
-                      <a:tailEnd type="none" w="med" len="med"/>
-                    </a:lnL>
-                    <a:lnR w="12700" cap="flat" cmpd="sng" algn="ctr">
-                      <a:solidFill>
-                        <a:srgbClr val="BFBFBF"/>
-                      </a:solidFill>
-                      <a:prstDash val="solid"/>
-                      <a:round/>
-                      <a:headEnd type="none" w="med" len="med"/>
-                      <a:tailEnd type="none" w="med" len="med"/>
-                    </a:lnR>
-                    <a:lnT w="12700" cap="flat" cmpd="sng" algn="ctr">
-                      <a:solidFill>
-                        <a:srgbClr val="BFBFBF"/>
-                      </a:solidFill>
-                      <a:prstDash val="solid"/>
-                      <a:round/>
-                      <a:headEnd type="none" w="med" len="med"/>
-                      <a:tailEnd type="none" w="med" len="med"/>
-                    </a:lnT>
-                    <a:lnB w="12700" cap="flat" cmpd="sng" algn="ctr">
-                      <a:solidFill>
-                        <a:srgbClr val="BFBFBF"/>
-                      </a:solidFill>
-                      <a:prstDash val="solid"/>
-                      <a:round/>
-                      <a:headEnd type="none" w="med" len="med"/>
-                      <a:tailEnd type="none" w="med" len="med"/>
-                    </a:lnB>
-                  </a:tcPr>
-                </a:tc>
-                <a:tc>
-                  <a:txBody>
-                    <a:bodyPr/>
-                    <a:lstStyle/>
-                    <a:p>
-                      <a:pPr algn="just">
-                        <a:lnSpc>
-                          <a:spcPct val="150000"/>
-                        </a:lnSpc>
-                        <a:spcAft>
-                          <a:spcPts val="800"/>
-                        </a:spcAft>
-                      </a:pPr>
-                      <a:r>
-                        <a:rPr lang="es-CL" sz="800" b="1">
-                          <a:effectLst/>
-                          <a:latin typeface="Calibri" panose="020F0502020204030204" pitchFamily="34" charset="0"/>
-                          <a:ea typeface="Calibri" panose="020F0502020204030204" pitchFamily="34" charset="0"/>
-                          <a:cs typeface="Times New Roman" panose="02020603050405020304" pitchFamily="18" charset="0"/>
-                        </a:rPr>
-                        <a:t> </a:t>
-                      </a:r>
-                      <a:endParaRPr lang="es-CL" sz="1100">
-                        <a:effectLst/>
-                        <a:latin typeface="Calibri" panose="020F0502020204030204" pitchFamily="34" charset="0"/>
-                        <a:ea typeface="Calibri" panose="020F0502020204030204" pitchFamily="34" charset="0"/>
-                        <a:cs typeface="Times New Roman" panose="02020603050405020304" pitchFamily="18" charset="0"/>
-                      </a:endParaRPr>
-                    </a:p>
-                  </a:txBody>
-                  <a:tcPr marL="68580" marR="68580" marT="0" marB="0">
-                    <a:lnL w="12700" cap="flat" cmpd="sng" algn="ctr">
-                      <a:solidFill>
-                        <a:srgbClr val="BFBFBF"/>
-                      </a:solidFill>
-                      <a:prstDash val="solid"/>
-                      <a:round/>
-                      <a:headEnd type="none" w="med" len="med"/>
-                      <a:tailEnd type="none" w="med" len="med"/>
-                    </a:lnL>
-                    <a:lnR w="12700" cap="flat" cmpd="sng" algn="ctr">
-                      <a:solidFill>
-                        <a:srgbClr val="BFBFBF"/>
-                      </a:solidFill>
-                      <a:prstDash val="solid"/>
-                      <a:round/>
-                      <a:headEnd type="none" w="med" len="med"/>
-                      <a:tailEnd type="none" w="med" len="med"/>
-                    </a:lnR>
-                    <a:lnT w="12700" cap="flat" cmpd="sng" algn="ctr">
-                      <a:solidFill>
-                        <a:srgbClr val="BFBFBF"/>
-                      </a:solidFill>
-                      <a:prstDash val="solid"/>
-                      <a:round/>
-                      <a:headEnd type="none" w="med" len="med"/>
-                      <a:tailEnd type="none" w="med" len="med"/>
-                    </a:lnT>
-                    <a:lnB w="12700" cap="flat" cmpd="sng" algn="ctr">
-                      <a:solidFill>
-                        <a:srgbClr val="BFBFBF"/>
-                      </a:solidFill>
-                      <a:prstDash val="solid"/>
-                      <a:round/>
-                      <a:headEnd type="none" w="med" len="med"/>
-                      <a:tailEnd type="none" w="med" len="med"/>
-                    </a:lnB>
-                  </a:tcPr>
-                </a:tc>
-                <a:tc>
-                  <a:txBody>
-                    <a:bodyPr/>
-                    <a:lstStyle/>
-                    <a:p>
-                      <a:pPr algn="just">
-                        <a:lnSpc>
-                          <a:spcPct val="150000"/>
-                        </a:lnSpc>
-                        <a:spcAft>
-                          <a:spcPts val="800"/>
-                        </a:spcAft>
-                      </a:pPr>
-                      <a:r>
-                        <a:rPr lang="es-CL" sz="800" b="1">
-                          <a:effectLst/>
-                          <a:latin typeface="Calibri" panose="020F0502020204030204" pitchFamily="34" charset="0"/>
-                          <a:ea typeface="Calibri" panose="020F0502020204030204" pitchFamily="34" charset="0"/>
-                          <a:cs typeface="Times New Roman" panose="02020603050405020304" pitchFamily="18" charset="0"/>
-                        </a:rPr>
-                        <a:t> </a:t>
-                      </a:r>
-                      <a:endParaRPr lang="es-CL" sz="1100">
-                        <a:effectLst/>
-                        <a:latin typeface="Calibri" panose="020F0502020204030204" pitchFamily="34" charset="0"/>
-                        <a:ea typeface="Calibri" panose="020F0502020204030204" pitchFamily="34" charset="0"/>
-                        <a:cs typeface="Times New Roman" panose="02020603050405020304" pitchFamily="18" charset="0"/>
-                      </a:endParaRPr>
-                    </a:p>
-                  </a:txBody>
-                  <a:tcPr marL="68580" marR="68580" marT="0" marB="0">
-                    <a:lnL w="12700" cap="flat" cmpd="sng" algn="ctr">
-                      <a:solidFill>
-                        <a:srgbClr val="BFBFBF"/>
-                      </a:solidFill>
-                      <a:prstDash val="solid"/>
-                      <a:round/>
-                      <a:headEnd type="none" w="med" len="med"/>
-                      <a:tailEnd type="none" w="med" len="med"/>
-                    </a:lnL>
-                    <a:lnR w="12700" cap="flat" cmpd="sng" algn="ctr">
-                      <a:solidFill>
-                        <a:srgbClr val="BFBFBF"/>
-                      </a:solidFill>
-                      <a:prstDash val="solid"/>
-                      <a:round/>
-                      <a:headEnd type="none" w="med" len="med"/>
-                      <a:tailEnd type="none" w="med" len="med"/>
-                    </a:lnR>
-                    <a:lnT w="12700" cap="flat" cmpd="sng" algn="ctr">
-                      <a:solidFill>
-                        <a:srgbClr val="BFBFBF"/>
-                      </a:solidFill>
-                      <a:prstDash val="solid"/>
-                      <a:round/>
-                      <a:headEnd type="none" w="med" len="med"/>
-                      <a:tailEnd type="none" w="med" len="med"/>
-                    </a:lnT>
-                    <a:lnB w="12700" cap="flat" cmpd="sng" algn="ctr">
-                      <a:solidFill>
-                        <a:srgbClr val="BFBFBF"/>
-                      </a:solidFill>
-                      <a:prstDash val="solid"/>
-                      <a:round/>
-                      <a:headEnd type="none" w="med" len="med"/>
-                      <a:tailEnd type="none" w="med" len="med"/>
-                    </a:lnB>
-                  </a:tcPr>
-                </a:tc>
-                <a:tc>
-                  <a:txBody>
-                    <a:bodyPr/>
-                    <a:lstStyle/>
-                    <a:p>
-                      <a:pPr algn="just">
-                        <a:lnSpc>
-                          <a:spcPct val="150000"/>
-                        </a:lnSpc>
-                        <a:spcAft>
-                          <a:spcPts val="800"/>
-                        </a:spcAft>
-                      </a:pPr>
-                      <a:r>
-                        <a:rPr lang="es-CL" sz="800" b="1">
-                          <a:effectLst/>
-                          <a:latin typeface="Calibri" panose="020F0502020204030204" pitchFamily="34" charset="0"/>
-                          <a:ea typeface="Calibri" panose="020F0502020204030204" pitchFamily="34" charset="0"/>
-                          <a:cs typeface="Times New Roman" panose="02020603050405020304" pitchFamily="18" charset="0"/>
-                        </a:rPr>
-                        <a:t> </a:t>
-                      </a:r>
-                      <a:endParaRPr lang="es-CL" sz="1100">
-                        <a:effectLst/>
-                        <a:latin typeface="Calibri" panose="020F0502020204030204" pitchFamily="34" charset="0"/>
-                        <a:ea typeface="Calibri" panose="020F0502020204030204" pitchFamily="34" charset="0"/>
-                        <a:cs typeface="Times New Roman" panose="02020603050405020304" pitchFamily="18" charset="0"/>
-                      </a:endParaRPr>
-                    </a:p>
-                  </a:txBody>
-                  <a:tcPr marL="68580" marR="68580" marT="0" marB="0">
-                    <a:lnL w="12700" cap="flat" cmpd="sng" algn="ctr">
-                      <a:solidFill>
-                        <a:srgbClr val="BFBFBF"/>
-                      </a:solidFill>
-                      <a:prstDash val="solid"/>
-                      <a:round/>
-                      <a:headEnd type="none" w="med" len="med"/>
-                      <a:tailEnd type="none" w="med" len="med"/>
-                    </a:lnL>
-                    <a:lnR w="12700" cap="flat" cmpd="sng" algn="ctr">
-                      <a:solidFill>
-                        <a:srgbClr val="BFBFBF"/>
-                      </a:solidFill>
-                      <a:prstDash val="solid"/>
-                      <a:round/>
-                      <a:headEnd type="none" w="med" len="med"/>
-                      <a:tailEnd type="none" w="med" len="med"/>
-                    </a:lnR>
-                    <a:lnT w="12700" cap="flat" cmpd="sng" algn="ctr">
-                      <a:solidFill>
-                        <a:srgbClr val="BFBFBF"/>
-                      </a:solidFill>
-                      <a:prstDash val="solid"/>
-                      <a:round/>
-                      <a:headEnd type="none" w="med" len="med"/>
-                      <a:tailEnd type="none" w="med" len="med"/>
-                    </a:lnT>
-                    <a:lnB w="12700" cap="flat" cmpd="sng" algn="ctr">
-                      <a:solidFill>
-                        <a:srgbClr val="BFBFBF"/>
-                      </a:solidFill>
-                      <a:prstDash val="solid"/>
-                      <a:round/>
-                      <a:headEnd type="none" w="med" len="med"/>
-                      <a:tailEnd type="none" w="med" len="med"/>
-                    </a:lnB>
-                  </a:tcPr>
-                </a:tc>
-                <a:tc>
-                  <a:txBody>
-                    <a:bodyPr/>
-                    <a:lstStyle/>
-                    <a:p>
-                      <a:pPr algn="just">
-                        <a:lnSpc>
-                          <a:spcPct val="150000"/>
-                        </a:lnSpc>
-                        <a:spcAft>
-                          <a:spcPts val="800"/>
-                        </a:spcAft>
-                      </a:pPr>
-                      <a:r>
-                        <a:rPr lang="es-CL" sz="800" b="1">
-                          <a:effectLst/>
-                          <a:latin typeface="Calibri" panose="020F0502020204030204" pitchFamily="34" charset="0"/>
-                          <a:ea typeface="Calibri" panose="020F0502020204030204" pitchFamily="34" charset="0"/>
-                          <a:cs typeface="Times New Roman" panose="02020603050405020304" pitchFamily="18" charset="0"/>
-                        </a:rPr>
-                        <a:t> </a:t>
-                      </a:r>
-                      <a:endParaRPr lang="es-CL" sz="1100">
-                        <a:effectLst/>
-                        <a:latin typeface="Calibri" panose="020F0502020204030204" pitchFamily="34" charset="0"/>
-                        <a:ea typeface="Calibri" panose="020F0502020204030204" pitchFamily="34" charset="0"/>
-                        <a:cs typeface="Times New Roman" panose="02020603050405020304" pitchFamily="18" charset="0"/>
-                      </a:endParaRPr>
-                    </a:p>
-                  </a:txBody>
-                  <a:tcPr marL="68580" marR="68580" marT="0" marB="0">
-                    <a:lnL w="12700" cap="flat" cmpd="sng" algn="ctr">
-                      <a:solidFill>
-                        <a:srgbClr val="BFBFBF"/>
-                      </a:solidFill>
-                      <a:prstDash val="solid"/>
-                      <a:round/>
-                      <a:headEnd type="none" w="med" len="med"/>
-                      <a:tailEnd type="none" w="med" len="med"/>
-                    </a:lnL>
-                    <a:lnR w="12700" cap="flat" cmpd="sng" algn="ctr">
-                      <a:solidFill>
-                        <a:srgbClr val="BFBFBF"/>
-                      </a:solidFill>
-                      <a:prstDash val="solid"/>
-                      <a:round/>
-                      <a:headEnd type="none" w="med" len="med"/>
-                      <a:tailEnd type="none" w="med" len="med"/>
-                    </a:lnR>
-                    <a:lnT w="12700" cap="flat" cmpd="sng" algn="ctr">
-                      <a:solidFill>
-                        <a:srgbClr val="BFBFBF"/>
-                      </a:solidFill>
-                      <a:prstDash val="solid"/>
-                      <a:round/>
-                      <a:headEnd type="none" w="med" len="med"/>
-                      <a:tailEnd type="none" w="med" len="med"/>
-                    </a:lnT>
-                    <a:lnB w="12700" cap="flat" cmpd="sng" algn="ctr">
-                      <a:solidFill>
-                        <a:srgbClr val="BFBFBF"/>
-                      </a:solidFill>
-                      <a:prstDash val="solid"/>
-                      <a:round/>
-                      <a:headEnd type="none" w="med" len="med"/>
-                      <a:tailEnd type="none" w="med" len="med"/>
-                    </a:lnB>
-                  </a:tcPr>
-                </a:tc>
-                <a:tc>
-                  <a:txBody>
-                    <a:bodyPr/>
-                    <a:lstStyle/>
-                    <a:p>
-                      <a:pPr algn="just">
-                        <a:lnSpc>
-                          <a:spcPct val="150000"/>
-                        </a:lnSpc>
-                        <a:spcAft>
-                          <a:spcPts val="800"/>
-                        </a:spcAft>
-                      </a:pPr>
-                      <a:r>
-                        <a:rPr lang="es-CL" sz="800" b="1">
-                          <a:effectLst/>
-                          <a:latin typeface="Calibri" panose="020F0502020204030204" pitchFamily="34" charset="0"/>
-                          <a:ea typeface="Calibri" panose="020F0502020204030204" pitchFamily="34" charset="0"/>
-                          <a:cs typeface="Times New Roman" panose="02020603050405020304" pitchFamily="18" charset="0"/>
-                        </a:rPr>
-                        <a:t> </a:t>
-                      </a:r>
-                      <a:endParaRPr lang="es-CL" sz="1100">
-                        <a:effectLst/>
-                        <a:latin typeface="Calibri" panose="020F0502020204030204" pitchFamily="34" charset="0"/>
-                        <a:ea typeface="Calibri" panose="020F0502020204030204" pitchFamily="34" charset="0"/>
-                        <a:cs typeface="Times New Roman" panose="02020603050405020304" pitchFamily="18" charset="0"/>
-                      </a:endParaRPr>
-                    </a:p>
-                  </a:txBody>
-                  <a:tcPr marL="68580" marR="68580" marT="0" marB="0">
-                    <a:lnL w="12700" cap="flat" cmpd="sng" algn="ctr">
-                      <a:solidFill>
-                        <a:srgbClr val="BFBFBF"/>
-                      </a:solidFill>
-                      <a:prstDash val="solid"/>
-                      <a:round/>
-                      <a:headEnd type="none" w="med" len="med"/>
-                      <a:tailEnd type="none" w="med" len="med"/>
-                    </a:lnL>
-                    <a:lnR w="12700" cap="flat" cmpd="sng" algn="ctr">
-                      <a:solidFill>
-                        <a:srgbClr val="BFBFBF"/>
-                      </a:solidFill>
-                      <a:prstDash val="solid"/>
-                      <a:round/>
-                      <a:headEnd type="none" w="med" len="med"/>
-                      <a:tailEnd type="none" w="med" len="med"/>
-                    </a:lnR>
-                    <a:lnT w="12700" cap="flat" cmpd="sng" algn="ctr">
-                      <a:solidFill>
-                        <a:srgbClr val="BFBFBF"/>
-                      </a:solidFill>
-                      <a:prstDash val="solid"/>
-                      <a:round/>
-                      <a:headEnd type="none" w="med" len="med"/>
-                      <a:tailEnd type="none" w="med" len="med"/>
-                    </a:lnT>
-                    <a:lnB w="12700" cap="flat" cmpd="sng" algn="ctr">
-                      <a:solidFill>
-                        <a:srgbClr val="BFBFBF"/>
-                      </a:solidFill>
-                      <a:prstDash val="solid"/>
-                      <a:round/>
-                      <a:headEnd type="none" w="med" len="med"/>
-                      <a:tailEnd type="none" w="med" len="med"/>
-                    </a:lnB>
-                  </a:tcPr>
-                </a:tc>
-                <a:tc>
-                  <a:txBody>
-                    <a:bodyPr/>
-                    <a:lstStyle/>
-                    <a:p>
-                      <a:pPr algn="just">
-                        <a:lnSpc>
-                          <a:spcPct val="150000"/>
-                        </a:lnSpc>
-                        <a:spcAft>
-                          <a:spcPts val="800"/>
-                        </a:spcAft>
-                      </a:pPr>
-                      <a:r>
-                        <a:rPr lang="es-CL" sz="800" b="1">
-                          <a:effectLst/>
-                          <a:latin typeface="Calibri" panose="020F0502020204030204" pitchFamily="34" charset="0"/>
-                          <a:ea typeface="Calibri" panose="020F0502020204030204" pitchFamily="34" charset="0"/>
-                          <a:cs typeface="Times New Roman" panose="02020603050405020304" pitchFamily="18" charset="0"/>
-                        </a:rPr>
-                        <a:t> </a:t>
-                      </a:r>
-                      <a:endParaRPr lang="es-CL" sz="1100">
-                        <a:effectLst/>
-                        <a:latin typeface="Calibri" panose="020F0502020204030204" pitchFamily="34" charset="0"/>
-                        <a:ea typeface="Calibri" panose="020F0502020204030204" pitchFamily="34" charset="0"/>
-                        <a:cs typeface="Times New Roman" panose="02020603050405020304" pitchFamily="18" charset="0"/>
-                      </a:endParaRPr>
-                    </a:p>
-                  </a:txBody>
-                  <a:tcPr marL="68580" marR="68580" marT="0" marB="0">
-                    <a:lnL w="12700" cap="flat" cmpd="sng" algn="ctr">
-                      <a:solidFill>
-                        <a:srgbClr val="BFBFBF"/>
-                      </a:solidFill>
-                      <a:prstDash val="solid"/>
-                      <a:round/>
-                      <a:headEnd type="none" w="med" len="med"/>
-                      <a:tailEnd type="none" w="med" len="med"/>
-                    </a:lnL>
-                    <a:lnR w="12700" cap="flat" cmpd="sng" algn="ctr">
-                      <a:solidFill>
-                        <a:srgbClr val="BFBFBF"/>
-                      </a:solidFill>
-                      <a:prstDash val="solid"/>
-                      <a:round/>
-                      <a:headEnd type="none" w="med" len="med"/>
-                      <a:tailEnd type="none" w="med" len="med"/>
-                    </a:lnR>
-                    <a:lnT w="12700" cap="flat" cmpd="sng" algn="ctr">
-                      <a:solidFill>
-                        <a:srgbClr val="BFBFBF"/>
-                      </a:solidFill>
-                      <a:prstDash val="solid"/>
-                      <a:round/>
-                      <a:headEnd type="none" w="med" len="med"/>
-                      <a:tailEnd type="none" w="med" len="med"/>
-                    </a:lnT>
-                    <a:lnB w="12700" cap="flat" cmpd="sng" algn="ctr">
-                      <a:solidFill>
-                        <a:srgbClr val="BFBFBF"/>
-                      </a:solidFill>
-                      <a:prstDash val="solid"/>
-                      <a:round/>
-                      <a:headEnd type="none" w="med" len="med"/>
-                      <a:tailEnd type="none" w="med" len="med"/>
-                    </a:lnB>
-                  </a:tcPr>
-                </a:tc>
-                <a:tc>
-                  <a:txBody>
-                    <a:bodyPr/>
-                    <a:lstStyle/>
-                    <a:p>
-                      <a:pPr algn="just">
-                        <a:lnSpc>
-                          <a:spcPct val="150000"/>
-                        </a:lnSpc>
-                        <a:spcAft>
-                          <a:spcPts val="800"/>
-                        </a:spcAft>
-                      </a:pPr>
-                      <a:r>
-                        <a:rPr lang="es-CL" sz="800" b="1">
-                          <a:effectLst/>
-                          <a:latin typeface="Calibri" panose="020F0502020204030204" pitchFamily="34" charset="0"/>
-                          <a:ea typeface="Calibri" panose="020F0502020204030204" pitchFamily="34" charset="0"/>
-                          <a:cs typeface="Times New Roman" panose="02020603050405020304" pitchFamily="18" charset="0"/>
-                        </a:rPr>
-                        <a:t> </a:t>
-                      </a:r>
-                      <a:endParaRPr lang="es-CL" sz="1100">
-                        <a:effectLst/>
-                        <a:latin typeface="Calibri" panose="020F0502020204030204" pitchFamily="34" charset="0"/>
-                        <a:ea typeface="Calibri" panose="020F0502020204030204" pitchFamily="34" charset="0"/>
-                        <a:cs typeface="Times New Roman" panose="02020603050405020304" pitchFamily="18" charset="0"/>
-                      </a:endParaRPr>
-                    </a:p>
-                  </a:txBody>
-                  <a:tcPr marL="68580" marR="68580" marT="0" marB="0">
-                    <a:lnL w="12700" cap="flat" cmpd="sng" algn="ctr">
-                      <a:solidFill>
-                        <a:srgbClr val="BFBFBF"/>
-                      </a:solidFill>
-                      <a:prstDash val="solid"/>
-                      <a:round/>
-                      <a:headEnd type="none" w="med" len="med"/>
-                      <a:tailEnd type="none" w="med" len="med"/>
-                    </a:lnL>
-                    <a:lnR w="12700" cap="flat" cmpd="sng" algn="ctr">
-                      <a:solidFill>
-                        <a:srgbClr val="BFBFBF"/>
-                      </a:solidFill>
-                      <a:prstDash val="solid"/>
-                      <a:round/>
-                      <a:headEnd type="none" w="med" len="med"/>
-                      <a:tailEnd type="none" w="med" len="med"/>
-                    </a:lnR>
-                    <a:lnT w="12700" cap="flat" cmpd="sng" algn="ctr">
-                      <a:solidFill>
-                        <a:srgbClr val="BFBFBF"/>
-                      </a:solidFill>
-                      <a:prstDash val="solid"/>
-                      <a:round/>
-                      <a:headEnd type="none" w="med" len="med"/>
-                      <a:tailEnd type="none" w="med" len="med"/>
-                    </a:lnT>
-                    <a:lnB w="12700" cap="flat" cmpd="sng" algn="ctr">
-                      <a:solidFill>
-                        <a:srgbClr val="BFBFBF"/>
-                      </a:solidFill>
-                      <a:prstDash val="solid"/>
-                      <a:round/>
-                      <a:headEnd type="none" w="med" len="med"/>
-                      <a:tailEnd type="none" w="med" len="med"/>
-                    </a:lnB>
-                  </a:tcPr>
-                </a:tc>
-                <a:tc>
-                  <a:txBody>
-                    <a:bodyPr/>
-                    <a:lstStyle/>
-                    <a:p>
-                      <a:pPr algn="just">
-                        <a:lnSpc>
-                          <a:spcPct val="150000"/>
-                        </a:lnSpc>
-                        <a:spcAft>
-                          <a:spcPts val="800"/>
-                        </a:spcAft>
-                      </a:pPr>
-                      <a:r>
-                        <a:rPr lang="es-CL" sz="800" b="1">
-                          <a:effectLst/>
-                          <a:latin typeface="Calibri" panose="020F0502020204030204" pitchFamily="34" charset="0"/>
-                          <a:ea typeface="Calibri" panose="020F0502020204030204" pitchFamily="34" charset="0"/>
-                          <a:cs typeface="Times New Roman" panose="02020603050405020304" pitchFamily="18" charset="0"/>
-                        </a:rPr>
-                        <a:t> </a:t>
-                      </a:r>
-                      <a:endParaRPr lang="es-CL" sz="1100">
-                        <a:effectLst/>
-                        <a:latin typeface="Calibri" panose="020F0502020204030204" pitchFamily="34" charset="0"/>
-                        <a:ea typeface="Calibri" panose="020F0502020204030204" pitchFamily="34" charset="0"/>
-                        <a:cs typeface="Times New Roman" panose="02020603050405020304" pitchFamily="18" charset="0"/>
-                      </a:endParaRPr>
-                    </a:p>
-                  </a:txBody>
-                  <a:tcPr marL="68580" marR="68580" marT="0" marB="0">
-                    <a:lnL w="12700" cap="flat" cmpd="sng" algn="ctr">
-                      <a:solidFill>
-                        <a:srgbClr val="BFBFBF"/>
-                      </a:solidFill>
-                      <a:prstDash val="solid"/>
-                      <a:round/>
-                      <a:headEnd type="none" w="med" len="med"/>
-                      <a:tailEnd type="none" w="med" len="med"/>
-                    </a:lnL>
-                    <a:lnR w="12700" cap="flat" cmpd="sng" algn="ctr">
-                      <a:solidFill>
-                        <a:srgbClr val="BFBFBF"/>
-                      </a:solidFill>
-                      <a:prstDash val="solid"/>
-                      <a:round/>
-                      <a:headEnd type="none" w="med" len="med"/>
-                      <a:tailEnd type="none" w="med" len="med"/>
-                    </a:lnR>
-                    <a:lnT w="12700" cap="flat" cmpd="sng" algn="ctr">
-                      <a:solidFill>
-                        <a:srgbClr val="BFBFBF"/>
-                      </a:solidFill>
-                      <a:prstDash val="solid"/>
-                      <a:round/>
-                      <a:headEnd type="none" w="med" len="med"/>
-                      <a:tailEnd type="none" w="med" len="med"/>
-                    </a:lnT>
-                    <a:lnB w="12700" cap="flat" cmpd="sng" algn="ctr">
-                      <a:solidFill>
-                        <a:srgbClr val="BFBFBF"/>
-                      </a:solidFill>
-                      <a:prstDash val="solid"/>
-                      <a:round/>
-                      <a:headEnd type="none" w="med" len="med"/>
-                      <a:tailEnd type="none" w="med" len="med"/>
-                    </a:lnB>
-                  </a:tcPr>
-                </a:tc>
-                <a:tc>
-                  <a:txBody>
-                    <a:bodyPr/>
-                    <a:lstStyle/>
-                    <a:p>
-                      <a:pPr algn="just">
-                        <a:lnSpc>
-                          <a:spcPct val="150000"/>
-                        </a:lnSpc>
-                        <a:spcAft>
-                          <a:spcPts val="800"/>
-                        </a:spcAft>
-                      </a:pPr>
-                      <a:r>
-                        <a:rPr lang="es-CL" sz="800" b="1">
-                          <a:effectLst/>
-                          <a:latin typeface="Calibri" panose="020F0502020204030204" pitchFamily="34" charset="0"/>
-                          <a:ea typeface="Calibri" panose="020F0502020204030204" pitchFamily="34" charset="0"/>
-                          <a:cs typeface="Times New Roman" panose="02020603050405020304" pitchFamily="18" charset="0"/>
-                        </a:rPr>
-                        <a:t> </a:t>
-                      </a:r>
-                      <a:endParaRPr lang="es-CL" sz="1100">
-                        <a:effectLst/>
-                        <a:latin typeface="Calibri" panose="020F0502020204030204" pitchFamily="34" charset="0"/>
-                        <a:ea typeface="Calibri" panose="020F0502020204030204" pitchFamily="34" charset="0"/>
-                        <a:cs typeface="Times New Roman" panose="02020603050405020304" pitchFamily="18" charset="0"/>
-                      </a:endParaRPr>
-                    </a:p>
-                  </a:txBody>
-                  <a:tcPr marL="68580" marR="68580" marT="0" marB="0">
-                    <a:lnL w="12700" cap="flat" cmpd="sng" algn="ctr">
-                      <a:solidFill>
-                        <a:srgbClr val="BFBFBF"/>
-                      </a:solidFill>
-                      <a:prstDash val="solid"/>
-                      <a:round/>
-                      <a:headEnd type="none" w="med" len="med"/>
-                      <a:tailEnd type="none" w="med" len="med"/>
-                    </a:lnL>
-                    <a:lnR w="12700" cap="flat" cmpd="sng" algn="ctr">
-                      <a:solidFill>
-                        <a:srgbClr val="BFBFBF"/>
-                      </a:solidFill>
-                      <a:prstDash val="solid"/>
-                      <a:round/>
-                      <a:headEnd type="none" w="med" len="med"/>
-                      <a:tailEnd type="none" w="med" len="med"/>
-                    </a:lnR>
-                    <a:lnT w="12700" cap="flat" cmpd="sng" algn="ctr">
-                      <a:solidFill>
-                        <a:srgbClr val="BFBFBF"/>
-                      </a:solidFill>
-                      <a:prstDash val="solid"/>
-                      <a:round/>
-                      <a:headEnd type="none" w="med" len="med"/>
-                      <a:tailEnd type="none" w="med" len="med"/>
-                    </a:lnT>
-                    <a:lnB w="12700" cap="flat" cmpd="sng" algn="ctr">
-                      <a:solidFill>
-                        <a:srgbClr val="BFBFBF"/>
-                      </a:solidFill>
-                      <a:prstDash val="solid"/>
-                      <a:round/>
-                      <a:headEnd type="none" w="med" len="med"/>
-                      <a:tailEnd type="none" w="med" len="med"/>
-                    </a:lnB>
-                  </a:tcPr>
-                </a:tc>
-                <a:tc>
-                  <a:txBody>
-                    <a:bodyPr/>
-                    <a:lstStyle/>
-                    <a:p>
-                      <a:pPr algn="just">
-                        <a:lnSpc>
-                          <a:spcPct val="150000"/>
-                        </a:lnSpc>
-                        <a:spcAft>
-                          <a:spcPts val="800"/>
-                        </a:spcAft>
-                      </a:pPr>
-                      <a:r>
-                        <a:rPr lang="es-CL" sz="800" b="1">
-                          <a:effectLst/>
-                          <a:latin typeface="Calibri" panose="020F0502020204030204" pitchFamily="34" charset="0"/>
-                          <a:ea typeface="Calibri" panose="020F0502020204030204" pitchFamily="34" charset="0"/>
-                          <a:cs typeface="Times New Roman" panose="02020603050405020304" pitchFamily="18" charset="0"/>
-                        </a:rPr>
-                        <a:t> </a:t>
-                      </a:r>
-                      <a:endParaRPr lang="es-CL" sz="1100">
-                        <a:effectLst/>
-                        <a:latin typeface="Calibri" panose="020F0502020204030204" pitchFamily="34" charset="0"/>
-                        <a:ea typeface="Calibri" panose="020F0502020204030204" pitchFamily="34" charset="0"/>
-                        <a:cs typeface="Times New Roman" panose="02020603050405020304" pitchFamily="18" charset="0"/>
-                      </a:endParaRPr>
-                    </a:p>
-                  </a:txBody>
-                  <a:tcPr marL="68580" marR="68580" marT="0" marB="0">
-                    <a:lnL w="12700" cap="flat" cmpd="sng" algn="ctr">
-                      <a:solidFill>
-                        <a:srgbClr val="BFBFBF"/>
-                      </a:solidFill>
-                      <a:prstDash val="solid"/>
-                      <a:round/>
-                      <a:headEnd type="none" w="med" len="med"/>
-                      <a:tailEnd type="none" w="med" len="med"/>
-                    </a:lnL>
-                    <a:lnR w="12700" cap="flat" cmpd="sng" algn="ctr">
-                      <a:solidFill>
-                        <a:srgbClr val="BFBFBF"/>
-                      </a:solidFill>
-                      <a:prstDash val="solid"/>
-                      <a:round/>
-                      <a:headEnd type="none" w="med" len="med"/>
-                      <a:tailEnd type="none" w="med" len="med"/>
-                    </a:lnR>
-                    <a:lnT w="12700" cap="flat" cmpd="sng" algn="ctr">
-                      <a:solidFill>
-                        <a:srgbClr val="BFBFBF"/>
-                      </a:solidFill>
-                      <a:prstDash val="solid"/>
-                      <a:round/>
-                      <a:headEnd type="none" w="med" len="med"/>
-                      <a:tailEnd type="none" w="med" len="med"/>
-                    </a:lnT>
-                    <a:lnB w="12700" cap="flat" cmpd="sng" algn="ctr">
-                      <a:solidFill>
-                        <a:srgbClr val="BFBFBF"/>
-                      </a:solidFill>
-                      <a:prstDash val="solid"/>
-                      <a:round/>
-                      <a:headEnd type="none" w="med" len="med"/>
-                      <a:tailEnd type="none" w="med" len="med"/>
-                    </a:lnB>
-                  </a:tcPr>
-                </a:tc>
-                <a:tc>
-                  <a:txBody>
-                    <a:bodyPr/>
-                    <a:lstStyle/>
-                    <a:p>
-                      <a:pPr algn="just">
-                        <a:lnSpc>
-                          <a:spcPct val="150000"/>
-                        </a:lnSpc>
-                        <a:spcAft>
-                          <a:spcPts val="800"/>
-                        </a:spcAft>
-                      </a:pPr>
-                      <a:r>
-                        <a:rPr lang="es-CL" sz="800" b="1">
-                          <a:effectLst/>
-                          <a:latin typeface="Calibri" panose="020F0502020204030204" pitchFamily="34" charset="0"/>
-                          <a:ea typeface="Calibri" panose="020F0502020204030204" pitchFamily="34" charset="0"/>
-                          <a:cs typeface="Times New Roman" panose="02020603050405020304" pitchFamily="18" charset="0"/>
-                        </a:rPr>
-                        <a:t> </a:t>
-                      </a:r>
-                      <a:endParaRPr lang="es-CL" sz="1100">
-                        <a:effectLst/>
-                        <a:latin typeface="Calibri" panose="020F0502020204030204" pitchFamily="34" charset="0"/>
-                        <a:ea typeface="Calibri" panose="020F0502020204030204" pitchFamily="34" charset="0"/>
-                        <a:cs typeface="Times New Roman" panose="02020603050405020304" pitchFamily="18" charset="0"/>
-                      </a:endParaRPr>
-                    </a:p>
-                  </a:txBody>
-                  <a:tcPr marL="68580" marR="68580" marT="0" marB="0">
-                    <a:lnL w="12700" cap="flat" cmpd="sng" algn="ctr">
-                      <a:solidFill>
-                        <a:srgbClr val="BFBFBF"/>
-                      </a:solidFill>
-                      <a:prstDash val="solid"/>
-                      <a:round/>
-                      <a:headEnd type="none" w="med" len="med"/>
-                      <a:tailEnd type="none" w="med" len="med"/>
-                    </a:lnL>
-                    <a:lnR w="12700" cap="flat" cmpd="sng" algn="ctr">
-                      <a:solidFill>
-                        <a:srgbClr val="BFBFBF"/>
-                      </a:solidFill>
-                      <a:prstDash val="solid"/>
-                      <a:round/>
-                      <a:headEnd type="none" w="med" len="med"/>
-                      <a:tailEnd type="none" w="med" len="med"/>
-                    </a:lnR>
-                    <a:lnT w="12700" cap="flat" cmpd="sng" algn="ctr">
-                      <a:solidFill>
-                        <a:srgbClr val="BFBFBF"/>
-                      </a:solidFill>
-                      <a:prstDash val="solid"/>
-                      <a:round/>
-                      <a:headEnd type="none" w="med" len="med"/>
-                      <a:tailEnd type="none" w="med" len="med"/>
-                    </a:lnT>
-                    <a:lnB w="12700" cap="flat" cmpd="sng" algn="ctr">
-                      <a:solidFill>
-                        <a:srgbClr val="BFBFBF"/>
-                      </a:solidFill>
-                      <a:prstDash val="solid"/>
-                      <a:round/>
-                      <a:headEnd type="none" w="med" len="med"/>
-                      <a:tailEnd type="none" w="med" len="med"/>
-                    </a:lnB>
-                  </a:tcPr>
-                </a:tc>
-                <a:tc>
-                  <a:txBody>
-                    <a:bodyPr/>
-                    <a:lstStyle/>
-                    <a:p>
-                      <a:pPr algn="just">
-                        <a:lnSpc>
-                          <a:spcPct val="150000"/>
-                        </a:lnSpc>
-                        <a:spcAft>
-                          <a:spcPts val="800"/>
-                        </a:spcAft>
-                      </a:pPr>
-                      <a:r>
-                        <a:rPr lang="es-CL" sz="800" b="1">
-                          <a:effectLst/>
-                          <a:latin typeface="Calibri" panose="020F0502020204030204" pitchFamily="34" charset="0"/>
-                          <a:ea typeface="Calibri" panose="020F0502020204030204" pitchFamily="34" charset="0"/>
-                          <a:cs typeface="Times New Roman" panose="02020603050405020304" pitchFamily="18" charset="0"/>
-                        </a:rPr>
-                        <a:t> </a:t>
-                      </a:r>
-                      <a:endParaRPr lang="es-CL" sz="1100">
-                        <a:effectLst/>
-                        <a:latin typeface="Calibri" panose="020F0502020204030204" pitchFamily="34" charset="0"/>
-                        <a:ea typeface="Calibri" panose="020F0502020204030204" pitchFamily="34" charset="0"/>
-                        <a:cs typeface="Times New Roman" panose="02020603050405020304" pitchFamily="18" charset="0"/>
-                      </a:endParaRPr>
-                    </a:p>
-                  </a:txBody>
-                  <a:tcPr marL="68580" marR="68580" marT="0" marB="0">
-                    <a:lnL w="12700" cap="flat" cmpd="sng" algn="ctr">
-                      <a:solidFill>
-                        <a:srgbClr val="BFBFBF"/>
-                      </a:solidFill>
-                      <a:prstDash val="solid"/>
-                      <a:round/>
-                      <a:headEnd type="none" w="med" len="med"/>
-                      <a:tailEnd type="none" w="med" len="med"/>
-                    </a:lnL>
-                    <a:lnR w="12700" cap="flat" cmpd="sng" algn="ctr">
-                      <a:solidFill>
-                        <a:srgbClr val="BFBFBF"/>
-                      </a:solidFill>
-                      <a:prstDash val="solid"/>
-                      <a:round/>
-                      <a:headEnd type="none" w="med" len="med"/>
-                      <a:tailEnd type="none" w="med" len="med"/>
-                    </a:lnR>
-                    <a:lnT w="12700" cap="flat" cmpd="sng" algn="ctr">
-                      <a:solidFill>
-                        <a:srgbClr val="BFBFBF"/>
-                      </a:solidFill>
-                      <a:prstDash val="solid"/>
-                      <a:round/>
-                      <a:headEnd type="none" w="med" len="med"/>
-                      <a:tailEnd type="none" w="med" len="med"/>
-                    </a:lnT>
-                    <a:lnB w="12700" cap="flat" cmpd="sng" algn="ctr">
-                      <a:solidFill>
-                        <a:srgbClr val="BFBFBF"/>
-                      </a:solidFill>
-                      <a:prstDash val="solid"/>
-                      <a:round/>
-                      <a:headEnd type="none" w="med" len="med"/>
-                      <a:tailEnd type="none" w="med" len="med"/>
-                    </a:lnB>
-                  </a:tcPr>
-                </a:tc>
-                <a:tc gridSpan="2">
-                  <a:txBody>
-                    <a:bodyPr/>
-                    <a:lstStyle/>
-                    <a:p>
-                      <a:pPr algn="just">
-                        <a:lnSpc>
-                          <a:spcPct val="150000"/>
-                        </a:lnSpc>
-                        <a:spcAft>
-                          <a:spcPts val="800"/>
-                        </a:spcAft>
-                      </a:pPr>
-                      <a:r>
-                        <a:rPr lang="es-CL" sz="800" b="1">
-                          <a:effectLst/>
-                          <a:latin typeface="Calibri" panose="020F0502020204030204" pitchFamily="34" charset="0"/>
-                          <a:ea typeface="Calibri" panose="020F0502020204030204" pitchFamily="34" charset="0"/>
-                          <a:cs typeface="Times New Roman" panose="02020603050405020304" pitchFamily="18" charset="0"/>
-                        </a:rPr>
-                        <a:t> </a:t>
-                      </a:r>
-                      <a:endParaRPr lang="es-CL" sz="1100">
-                        <a:effectLst/>
-                        <a:latin typeface="Calibri" panose="020F0502020204030204" pitchFamily="34" charset="0"/>
-                        <a:ea typeface="Calibri" panose="020F0502020204030204" pitchFamily="34" charset="0"/>
-                        <a:cs typeface="Times New Roman" panose="02020603050405020304" pitchFamily="18" charset="0"/>
-                      </a:endParaRPr>
-                    </a:p>
-                  </a:txBody>
-                  <a:tcPr marL="68580" marR="68580" marT="0" marB="0">
-                    <a:lnL w="12700" cap="flat" cmpd="sng" algn="ctr">
-                      <a:solidFill>
-                        <a:srgbClr val="BFBFBF"/>
-                      </a:solidFill>
-                      <a:prstDash val="solid"/>
-                      <a:round/>
-                      <a:headEnd type="none" w="med" len="med"/>
-                      <a:tailEnd type="none" w="med" len="med"/>
-                    </a:lnL>
-                    <a:lnR w="12700" cap="flat" cmpd="sng" algn="ctr">
-                      <a:solidFill>
-                        <a:srgbClr val="BFBFBF"/>
-                      </a:solidFill>
-                      <a:prstDash val="solid"/>
-                      <a:round/>
-                      <a:headEnd type="none" w="med" len="med"/>
-                      <a:tailEnd type="none" w="med" len="med"/>
-                    </a:lnR>
-                    <a:lnT w="12700" cap="flat" cmpd="sng" algn="ctr">
-                      <a:solidFill>
-                        <a:srgbClr val="BFBFBF"/>
-                      </a:solidFill>
-                      <a:prstDash val="solid"/>
-                      <a:round/>
-                      <a:headEnd type="none" w="med" len="med"/>
-                      <a:tailEnd type="none" w="med" len="med"/>
-                    </a:lnT>
-                    <a:lnB w="12700" cap="flat" cmpd="sng" algn="ctr">
-                      <a:solidFill>
-                        <a:srgbClr val="BFBFBF"/>
-                      </a:solidFill>
-                      <a:prstDash val="solid"/>
-                      <a:round/>
-                      <a:headEnd type="none" w="med" len="med"/>
-                      <a:tailEnd type="none" w="med" len="med"/>
-                    </a:lnB>
-                  </a:tcPr>
-                </a:tc>
-                <a:tc hMerge="1">
-                  <a:txBody>
-                    <a:bodyPr/>
-                    <a:lstStyle/>
-                    <a:p>
-                      <a:endParaRPr lang="es-CL"/>
-                    </a:p>
-                  </a:txBody>
-                  <a:tcPr/>
-                </a:tc>
-                <a:tc>
-                  <a:txBody>
-                    <a:bodyPr/>
-                    <a:lstStyle/>
-                    <a:p>
-                      <a:pPr algn="just">
-                        <a:lnSpc>
-                          <a:spcPct val="150000"/>
-                        </a:lnSpc>
-                        <a:spcAft>
-                          <a:spcPts val="800"/>
-                        </a:spcAft>
-                      </a:pPr>
-                      <a:r>
-                        <a:rPr lang="es-CL" sz="800" b="1">
-                          <a:effectLst/>
-                          <a:latin typeface="Calibri" panose="020F0502020204030204" pitchFamily="34" charset="0"/>
-                          <a:ea typeface="Calibri" panose="020F0502020204030204" pitchFamily="34" charset="0"/>
-                          <a:cs typeface="Times New Roman" panose="02020603050405020304" pitchFamily="18" charset="0"/>
-                        </a:rPr>
-                        <a:t> </a:t>
-                      </a:r>
-                      <a:endParaRPr lang="es-CL" sz="1100">
-                        <a:effectLst/>
-                        <a:latin typeface="Calibri" panose="020F0502020204030204" pitchFamily="34" charset="0"/>
-                        <a:ea typeface="Calibri" panose="020F0502020204030204" pitchFamily="34" charset="0"/>
-                        <a:cs typeface="Times New Roman" panose="02020603050405020304" pitchFamily="18" charset="0"/>
-                      </a:endParaRPr>
-                    </a:p>
-                  </a:txBody>
-                  <a:tcPr marL="68580" marR="68580" marT="0" marB="0">
-                    <a:lnL w="12700" cap="flat" cmpd="sng" algn="ctr">
-                      <a:solidFill>
-                        <a:srgbClr val="BFBFBF"/>
-                      </a:solidFill>
-                      <a:prstDash val="solid"/>
-                      <a:round/>
-                      <a:headEnd type="none" w="med" len="med"/>
-                      <a:tailEnd type="none" w="med" len="med"/>
-                    </a:lnL>
-                    <a:lnR w="12700" cap="flat" cmpd="sng" algn="ctr">
-                      <a:solidFill>
-                        <a:srgbClr val="BFBFBF"/>
-                      </a:solidFill>
-                      <a:prstDash val="solid"/>
-                      <a:round/>
-                      <a:headEnd type="none" w="med" len="med"/>
-                      <a:tailEnd type="none" w="med" len="med"/>
-                    </a:lnR>
-                    <a:lnT w="12700" cap="flat" cmpd="sng" algn="ctr">
-                      <a:solidFill>
-                        <a:srgbClr val="BFBFBF"/>
-                      </a:solidFill>
-                      <a:prstDash val="solid"/>
-                      <a:round/>
-                      <a:headEnd type="none" w="med" len="med"/>
-                      <a:tailEnd type="none" w="med" len="med"/>
-                    </a:lnT>
-                    <a:lnB w="12700" cap="flat" cmpd="sng" algn="ctr">
-                      <a:solidFill>
-                        <a:srgbClr val="BFBFBF"/>
-                      </a:solidFill>
-                      <a:prstDash val="solid"/>
-                      <a:round/>
-                      <a:headEnd type="none" w="med" len="med"/>
-                      <a:tailEnd type="none" w="med" len="med"/>
-                    </a:lnB>
-                  </a:tcPr>
-                </a:tc>
-                <a:tc>
-                  <a:txBody>
-                    <a:bodyPr/>
-                    <a:lstStyle/>
-                    <a:p>
-                      <a:pPr algn="just">
-                        <a:lnSpc>
-                          <a:spcPct val="150000"/>
-                        </a:lnSpc>
-                        <a:spcAft>
-                          <a:spcPts val="800"/>
-                        </a:spcAft>
-                      </a:pPr>
-                      <a:r>
-                        <a:rPr lang="es-CL" sz="800" b="1">
-                          <a:effectLst/>
-                          <a:latin typeface="Calibri" panose="020F0502020204030204" pitchFamily="34" charset="0"/>
-                          <a:ea typeface="Calibri" panose="020F0502020204030204" pitchFamily="34" charset="0"/>
-                          <a:cs typeface="Times New Roman" panose="02020603050405020304" pitchFamily="18" charset="0"/>
-                        </a:rPr>
-                        <a:t> </a:t>
-                      </a:r>
-                      <a:endParaRPr lang="es-CL" sz="1100">
-                        <a:effectLst/>
-                        <a:latin typeface="Calibri" panose="020F0502020204030204" pitchFamily="34" charset="0"/>
-                        <a:ea typeface="Calibri" panose="020F0502020204030204" pitchFamily="34" charset="0"/>
-                        <a:cs typeface="Times New Roman" panose="02020603050405020304" pitchFamily="18" charset="0"/>
-                      </a:endParaRPr>
-                    </a:p>
-                  </a:txBody>
-                  <a:tcPr marL="68580" marR="68580" marT="0" marB="0">
-                    <a:lnL w="12700" cap="flat" cmpd="sng" algn="ctr">
-                      <a:solidFill>
-                        <a:srgbClr val="BFBFBF"/>
-                      </a:solidFill>
-                      <a:prstDash val="solid"/>
-                      <a:round/>
-                      <a:headEnd type="none" w="med" len="med"/>
-                      <a:tailEnd type="none" w="med" len="med"/>
-                    </a:lnL>
-                    <a:lnR w="12700" cap="flat" cmpd="sng" algn="ctr">
-                      <a:solidFill>
-                        <a:srgbClr val="BFBFBF"/>
-                      </a:solidFill>
-                      <a:prstDash val="solid"/>
-                      <a:round/>
-                      <a:headEnd type="none" w="med" len="med"/>
-                      <a:tailEnd type="none" w="med" len="med"/>
-                    </a:lnR>
-                    <a:lnT w="12700" cap="flat" cmpd="sng" algn="ctr">
-                      <a:solidFill>
-                        <a:srgbClr val="BFBFBF"/>
-                      </a:solidFill>
-                      <a:prstDash val="solid"/>
-                      <a:round/>
-                      <a:headEnd type="none" w="med" len="med"/>
-                      <a:tailEnd type="none" w="med" len="med"/>
-                    </a:lnT>
-                    <a:lnB w="12700" cap="flat" cmpd="sng" algn="ctr">
-                      <a:solidFill>
-                        <a:srgbClr val="BFBFBF"/>
-                      </a:solidFill>
-                      <a:prstDash val="solid"/>
-                      <a:round/>
-                      <a:headEnd type="none" w="med" len="med"/>
-                      <a:tailEnd type="none" w="med" len="med"/>
-                    </a:lnB>
-                  </a:tcPr>
-                </a:tc>
-                <a:tc>
-                  <a:txBody>
-                    <a:bodyPr/>
-                    <a:lstStyle/>
-                    <a:p>
-                      <a:pPr>
-                        <a:lnSpc>
-                          <a:spcPct val="107000"/>
-                        </a:lnSpc>
-                        <a:spcAft>
-                          <a:spcPts val="800"/>
-                        </a:spcAft>
-                      </a:pPr>
-                      <a:r>
-                        <a:rPr lang="es-CL" sz="1100">
-                          <a:effectLst/>
-                          <a:latin typeface="Calibri" panose="020F0502020204030204" pitchFamily="34" charset="0"/>
-                          <a:ea typeface="Calibri" panose="020F0502020204030204" pitchFamily="34" charset="0"/>
-                          <a:cs typeface="Times New Roman" panose="02020603050405020304" pitchFamily="18" charset="0"/>
-                        </a:rPr>
-                        <a:t> </a:t>
-                      </a:r>
-                    </a:p>
-                  </a:txBody>
-                  <a:tcPr marL="0" marR="0" marT="0" marB="0" anchor="ctr">
-                    <a:lnL w="12700" cap="flat" cmpd="sng" algn="ctr">
-                      <a:solidFill>
-                        <a:srgbClr val="BFBFBF"/>
-                      </a:solidFill>
-                      <a:prstDash val="solid"/>
-                      <a:round/>
-                      <a:headEnd type="none" w="med" len="med"/>
-                      <a:tailEnd type="none" w="med" len="med"/>
-                    </a:lnL>
-                    <a:lnR>
-                      <a:noFill/>
-                    </a:lnR>
-                    <a:lnT>
-                      <a:noFill/>
-                    </a:lnT>
-                    <a:lnB>
-                      <a:noFill/>
-                    </a:lnB>
-                  </a:tcPr>
-                </a:tc>
-                <a:extLst>
-                  <a:ext uri="{0D108BD9-81ED-4DB2-BD59-A6C34878D82A}">
-                    <a16:rowId xmlns:a16="http://schemas.microsoft.com/office/drawing/2014/main" val="3031361947"/>
-                  </a:ext>
-                </a:extLst>
-              </a:tr>
-              <a:tr h="524466">
-                <a:tc>
-                  <a:txBody>
-                    <a:bodyPr/>
-                    <a:lstStyle/>
-                    <a:p>
-                      <a:pPr algn="just">
-                        <a:lnSpc>
-                          <a:spcPct val="150000"/>
-                        </a:lnSpc>
-                        <a:spcAft>
-                          <a:spcPts val="800"/>
-                        </a:spcAft>
-                      </a:pPr>
-                      <a:r>
-                        <a:rPr lang="es-CL" sz="800" b="1">
-                          <a:effectLst/>
-                          <a:latin typeface="Calibri" panose="020F0502020204030204" pitchFamily="34" charset="0"/>
-                          <a:ea typeface="Calibri" panose="020F0502020204030204" pitchFamily="34" charset="0"/>
-                          <a:cs typeface="Times New Roman" panose="02020603050405020304" pitchFamily="18" charset="0"/>
-                        </a:rPr>
-                        <a:t> </a:t>
-                      </a:r>
-                      <a:endParaRPr lang="es-CL" sz="1100">
-                        <a:effectLst/>
-                        <a:latin typeface="Calibri" panose="020F0502020204030204" pitchFamily="34" charset="0"/>
-                        <a:ea typeface="Calibri" panose="020F0502020204030204" pitchFamily="34" charset="0"/>
-                        <a:cs typeface="Times New Roman" panose="02020603050405020304" pitchFamily="18" charset="0"/>
-                      </a:endParaRPr>
-                    </a:p>
-                  </a:txBody>
-                  <a:tcPr marL="68580" marR="68580" marT="0" marB="0">
-                    <a:lnL w="12700" cap="flat" cmpd="sng" algn="ctr">
-                      <a:solidFill>
-                        <a:srgbClr val="BFBFBF"/>
-                      </a:solidFill>
-                      <a:prstDash val="solid"/>
-                      <a:round/>
-                      <a:headEnd type="none" w="med" len="med"/>
-                      <a:tailEnd type="none" w="med" len="med"/>
-                    </a:lnL>
-                    <a:lnR w="12700" cap="flat" cmpd="sng" algn="ctr">
-                      <a:solidFill>
-                        <a:srgbClr val="BFBFBF"/>
-                      </a:solidFill>
-                      <a:prstDash val="solid"/>
-                      <a:round/>
-                      <a:headEnd type="none" w="med" len="med"/>
-                      <a:tailEnd type="none" w="med" len="med"/>
-                    </a:lnR>
-                    <a:lnT w="12700" cap="flat" cmpd="sng" algn="ctr">
-                      <a:solidFill>
-                        <a:srgbClr val="BFBFBF"/>
-                      </a:solidFill>
-                      <a:prstDash val="solid"/>
-                      <a:round/>
-                      <a:headEnd type="none" w="med" len="med"/>
-                      <a:tailEnd type="none" w="med" len="med"/>
-                    </a:lnT>
-                    <a:lnB w="12700" cap="flat" cmpd="sng" algn="ctr">
-                      <a:solidFill>
-                        <a:srgbClr val="BFBFBF"/>
-                      </a:solidFill>
-                      <a:prstDash val="solid"/>
-                      <a:round/>
-                      <a:headEnd type="none" w="med" len="med"/>
-                      <a:tailEnd type="none" w="med" len="med"/>
-                    </a:lnB>
-                  </a:tcPr>
-                </a:tc>
-                <a:tc>
-                  <a:txBody>
-                    <a:bodyPr/>
-                    <a:lstStyle/>
-                    <a:p>
-                      <a:pPr algn="just">
-                        <a:lnSpc>
-                          <a:spcPct val="150000"/>
-                        </a:lnSpc>
-                        <a:spcAft>
-                          <a:spcPts val="800"/>
-                        </a:spcAft>
-                      </a:pPr>
-                      <a:r>
-                        <a:rPr lang="es-CL" sz="800" b="1">
-                          <a:effectLst/>
-                          <a:latin typeface="Calibri" panose="020F0502020204030204" pitchFamily="34" charset="0"/>
-                          <a:ea typeface="Calibri" panose="020F0502020204030204" pitchFamily="34" charset="0"/>
-                          <a:cs typeface="Times New Roman" panose="02020603050405020304" pitchFamily="18" charset="0"/>
-                        </a:rPr>
-                        <a:t> </a:t>
-                      </a:r>
-                      <a:endParaRPr lang="es-CL" sz="1100">
-                        <a:effectLst/>
-                        <a:latin typeface="Calibri" panose="020F0502020204030204" pitchFamily="34" charset="0"/>
-                        <a:ea typeface="Calibri" panose="020F0502020204030204" pitchFamily="34" charset="0"/>
-                        <a:cs typeface="Times New Roman" panose="02020603050405020304" pitchFamily="18" charset="0"/>
-                      </a:endParaRPr>
-                    </a:p>
-                  </a:txBody>
-                  <a:tcPr marL="68580" marR="68580" marT="0" marB="0">
-                    <a:lnL w="12700" cap="flat" cmpd="sng" algn="ctr">
-                      <a:solidFill>
-                        <a:srgbClr val="BFBFBF"/>
-                      </a:solidFill>
-                      <a:prstDash val="solid"/>
-                      <a:round/>
-                      <a:headEnd type="none" w="med" len="med"/>
-                      <a:tailEnd type="none" w="med" len="med"/>
-                    </a:lnL>
-                    <a:lnR w="12700" cap="flat" cmpd="sng" algn="ctr">
-                      <a:solidFill>
-                        <a:srgbClr val="BFBFBF"/>
-                      </a:solidFill>
-                      <a:prstDash val="solid"/>
-                      <a:round/>
-                      <a:headEnd type="none" w="med" len="med"/>
-                      <a:tailEnd type="none" w="med" len="med"/>
-                    </a:lnR>
-                    <a:lnT w="12700" cap="flat" cmpd="sng" algn="ctr">
-                      <a:solidFill>
-                        <a:srgbClr val="BFBFBF"/>
-                      </a:solidFill>
-                      <a:prstDash val="solid"/>
-                      <a:round/>
-                      <a:headEnd type="none" w="med" len="med"/>
-                      <a:tailEnd type="none" w="med" len="med"/>
-                    </a:lnT>
-                    <a:lnB w="12700" cap="flat" cmpd="sng" algn="ctr">
-                      <a:solidFill>
-                        <a:srgbClr val="BFBFBF"/>
-                      </a:solidFill>
-                      <a:prstDash val="solid"/>
-                      <a:round/>
-                      <a:headEnd type="none" w="med" len="med"/>
-                      <a:tailEnd type="none" w="med" len="med"/>
-                    </a:lnB>
-                  </a:tcPr>
-                </a:tc>
-                <a:tc>
-                  <a:txBody>
-                    <a:bodyPr/>
-                    <a:lstStyle/>
-                    <a:p>
-                      <a:pPr algn="just">
-                        <a:lnSpc>
-                          <a:spcPct val="150000"/>
-                        </a:lnSpc>
-                        <a:spcAft>
-                          <a:spcPts val="800"/>
-                        </a:spcAft>
-                      </a:pPr>
-                      <a:r>
-                        <a:rPr lang="es-CL" sz="800" b="1">
-                          <a:effectLst/>
-                          <a:latin typeface="Calibri" panose="020F0502020204030204" pitchFamily="34" charset="0"/>
-                          <a:ea typeface="Calibri" panose="020F0502020204030204" pitchFamily="34" charset="0"/>
-                          <a:cs typeface="Times New Roman" panose="02020603050405020304" pitchFamily="18" charset="0"/>
-                        </a:rPr>
-                        <a:t> </a:t>
-                      </a:r>
-                      <a:endParaRPr lang="es-CL" sz="1100">
-                        <a:effectLst/>
-                        <a:latin typeface="Calibri" panose="020F0502020204030204" pitchFamily="34" charset="0"/>
-                        <a:ea typeface="Calibri" panose="020F0502020204030204" pitchFamily="34" charset="0"/>
-                        <a:cs typeface="Times New Roman" panose="02020603050405020304" pitchFamily="18" charset="0"/>
-                      </a:endParaRPr>
-                    </a:p>
-                  </a:txBody>
-                  <a:tcPr marL="68580" marR="68580" marT="0" marB="0">
-                    <a:lnL w="12700" cap="flat" cmpd="sng" algn="ctr">
-                      <a:solidFill>
-                        <a:srgbClr val="BFBFBF"/>
-                      </a:solidFill>
-                      <a:prstDash val="solid"/>
-                      <a:round/>
-                      <a:headEnd type="none" w="med" len="med"/>
-                      <a:tailEnd type="none" w="med" len="med"/>
-                    </a:lnL>
-                    <a:lnR w="12700" cap="flat" cmpd="sng" algn="ctr">
-                      <a:solidFill>
-                        <a:srgbClr val="BFBFBF"/>
-                      </a:solidFill>
-                      <a:prstDash val="solid"/>
-                      <a:round/>
-                      <a:headEnd type="none" w="med" len="med"/>
-                      <a:tailEnd type="none" w="med" len="med"/>
-                    </a:lnR>
-                    <a:lnT w="12700" cap="flat" cmpd="sng" algn="ctr">
-                      <a:solidFill>
-                        <a:srgbClr val="BFBFBF"/>
-                      </a:solidFill>
-                      <a:prstDash val="solid"/>
-                      <a:round/>
-                      <a:headEnd type="none" w="med" len="med"/>
-                      <a:tailEnd type="none" w="med" len="med"/>
-                    </a:lnT>
-                    <a:lnB w="12700" cap="flat" cmpd="sng" algn="ctr">
-                      <a:solidFill>
-                        <a:srgbClr val="BFBFBF"/>
-                      </a:solidFill>
-                      <a:prstDash val="solid"/>
-                      <a:round/>
-                      <a:headEnd type="none" w="med" len="med"/>
-                      <a:tailEnd type="none" w="med" len="med"/>
-                    </a:lnB>
-                  </a:tcPr>
-                </a:tc>
-                <a:tc>
-                  <a:txBody>
-                    <a:bodyPr/>
-                    <a:lstStyle/>
-                    <a:p>
-                      <a:pPr algn="just">
-                        <a:lnSpc>
-                          <a:spcPct val="150000"/>
-                        </a:lnSpc>
-                        <a:spcAft>
-                          <a:spcPts val="800"/>
-                        </a:spcAft>
-                      </a:pPr>
-                      <a:r>
-                        <a:rPr lang="es-CL" sz="800" b="1">
-                          <a:effectLst/>
-                          <a:latin typeface="Calibri" panose="020F0502020204030204" pitchFamily="34" charset="0"/>
-                          <a:ea typeface="Calibri" panose="020F0502020204030204" pitchFamily="34" charset="0"/>
-                          <a:cs typeface="Times New Roman" panose="02020603050405020304" pitchFamily="18" charset="0"/>
-                        </a:rPr>
-                        <a:t> </a:t>
-                      </a:r>
-                      <a:endParaRPr lang="es-CL" sz="1100">
-                        <a:effectLst/>
-                        <a:latin typeface="Calibri" panose="020F0502020204030204" pitchFamily="34" charset="0"/>
-                        <a:ea typeface="Calibri" panose="020F0502020204030204" pitchFamily="34" charset="0"/>
-                        <a:cs typeface="Times New Roman" panose="02020603050405020304" pitchFamily="18" charset="0"/>
-                      </a:endParaRPr>
-                    </a:p>
-                  </a:txBody>
-                  <a:tcPr marL="68580" marR="68580" marT="0" marB="0">
-                    <a:lnL w="12700" cap="flat" cmpd="sng" algn="ctr">
-                      <a:solidFill>
-                        <a:srgbClr val="BFBFBF"/>
-                      </a:solidFill>
-                      <a:prstDash val="solid"/>
-                      <a:round/>
-                      <a:headEnd type="none" w="med" len="med"/>
-                      <a:tailEnd type="none" w="med" len="med"/>
-                    </a:lnL>
-                    <a:lnR w="12700" cap="flat" cmpd="sng" algn="ctr">
-                      <a:solidFill>
-                        <a:srgbClr val="BFBFBF"/>
-                      </a:solidFill>
-                      <a:prstDash val="solid"/>
-                      <a:round/>
-                      <a:headEnd type="none" w="med" len="med"/>
-                      <a:tailEnd type="none" w="med" len="med"/>
-                    </a:lnR>
-                    <a:lnT w="12700" cap="flat" cmpd="sng" algn="ctr">
-                      <a:solidFill>
-                        <a:srgbClr val="BFBFBF"/>
-                      </a:solidFill>
-                      <a:prstDash val="solid"/>
-                      <a:round/>
-                      <a:headEnd type="none" w="med" len="med"/>
-                      <a:tailEnd type="none" w="med" len="med"/>
-                    </a:lnT>
-                    <a:lnB w="12700" cap="flat" cmpd="sng" algn="ctr">
-                      <a:solidFill>
-                        <a:srgbClr val="BFBFBF"/>
-                      </a:solidFill>
-                      <a:prstDash val="solid"/>
-                      <a:round/>
-                      <a:headEnd type="none" w="med" len="med"/>
-                      <a:tailEnd type="none" w="med" len="med"/>
-                    </a:lnB>
-                  </a:tcPr>
-                </a:tc>
-                <a:tc>
-                  <a:txBody>
-                    <a:bodyPr/>
-                    <a:lstStyle/>
-                    <a:p>
-                      <a:pPr algn="just">
-                        <a:lnSpc>
-                          <a:spcPct val="150000"/>
-                        </a:lnSpc>
-                        <a:spcAft>
-                          <a:spcPts val="800"/>
-                        </a:spcAft>
-                      </a:pPr>
-                      <a:r>
-                        <a:rPr lang="es-CL" sz="800" b="1">
-                          <a:effectLst/>
-                          <a:latin typeface="Calibri" panose="020F0502020204030204" pitchFamily="34" charset="0"/>
-                          <a:ea typeface="Calibri" panose="020F0502020204030204" pitchFamily="34" charset="0"/>
-                          <a:cs typeface="Times New Roman" panose="02020603050405020304" pitchFamily="18" charset="0"/>
-                        </a:rPr>
-                        <a:t> </a:t>
-                      </a:r>
-                      <a:endParaRPr lang="es-CL" sz="1100">
-                        <a:effectLst/>
-                        <a:latin typeface="Calibri" panose="020F0502020204030204" pitchFamily="34" charset="0"/>
-                        <a:ea typeface="Calibri" panose="020F0502020204030204" pitchFamily="34" charset="0"/>
-                        <a:cs typeface="Times New Roman" panose="02020603050405020304" pitchFamily="18" charset="0"/>
-                      </a:endParaRPr>
-                    </a:p>
-                  </a:txBody>
-                  <a:tcPr marL="68580" marR="68580" marT="0" marB="0">
-                    <a:lnL w="12700" cap="flat" cmpd="sng" algn="ctr">
-                      <a:solidFill>
-                        <a:srgbClr val="BFBFBF"/>
-                      </a:solidFill>
-                      <a:prstDash val="solid"/>
-                      <a:round/>
-                      <a:headEnd type="none" w="med" len="med"/>
-                      <a:tailEnd type="none" w="med" len="med"/>
-                    </a:lnL>
-                    <a:lnR w="12700" cap="flat" cmpd="sng" algn="ctr">
-                      <a:solidFill>
-                        <a:srgbClr val="BFBFBF"/>
-                      </a:solidFill>
-                      <a:prstDash val="solid"/>
-                      <a:round/>
-                      <a:headEnd type="none" w="med" len="med"/>
-                      <a:tailEnd type="none" w="med" len="med"/>
-                    </a:lnR>
-                    <a:lnT w="12700" cap="flat" cmpd="sng" algn="ctr">
-                      <a:solidFill>
-                        <a:srgbClr val="BFBFBF"/>
-                      </a:solidFill>
-                      <a:prstDash val="solid"/>
-                      <a:round/>
-                      <a:headEnd type="none" w="med" len="med"/>
-                      <a:tailEnd type="none" w="med" len="med"/>
-                    </a:lnT>
-                    <a:lnB w="12700" cap="flat" cmpd="sng" algn="ctr">
-                      <a:solidFill>
-                        <a:srgbClr val="BFBFBF"/>
-                      </a:solidFill>
-                      <a:prstDash val="solid"/>
-                      <a:round/>
-                      <a:headEnd type="none" w="med" len="med"/>
-                      <a:tailEnd type="none" w="med" len="med"/>
-                    </a:lnB>
-                  </a:tcPr>
-                </a:tc>
-                <a:tc>
-                  <a:txBody>
-                    <a:bodyPr/>
-                    <a:lstStyle/>
-                    <a:p>
-                      <a:pPr algn="just">
-                        <a:lnSpc>
-                          <a:spcPct val="150000"/>
-                        </a:lnSpc>
-                        <a:spcAft>
-                          <a:spcPts val="800"/>
-                        </a:spcAft>
-                      </a:pPr>
-                      <a:r>
-                        <a:rPr lang="es-CL" sz="800" b="1">
-                          <a:effectLst/>
-                          <a:latin typeface="Calibri" panose="020F0502020204030204" pitchFamily="34" charset="0"/>
-                          <a:ea typeface="Calibri" panose="020F0502020204030204" pitchFamily="34" charset="0"/>
-                          <a:cs typeface="Times New Roman" panose="02020603050405020304" pitchFamily="18" charset="0"/>
-                        </a:rPr>
-                        <a:t> </a:t>
-                      </a:r>
-                      <a:endParaRPr lang="es-CL" sz="1100">
-                        <a:effectLst/>
-                        <a:latin typeface="Calibri" panose="020F0502020204030204" pitchFamily="34" charset="0"/>
-                        <a:ea typeface="Calibri" panose="020F0502020204030204" pitchFamily="34" charset="0"/>
-                        <a:cs typeface="Times New Roman" panose="02020603050405020304" pitchFamily="18" charset="0"/>
-                      </a:endParaRPr>
-                    </a:p>
-                  </a:txBody>
-                  <a:tcPr marL="68580" marR="68580" marT="0" marB="0">
-                    <a:lnL w="12700" cap="flat" cmpd="sng" algn="ctr">
-                      <a:solidFill>
-                        <a:srgbClr val="BFBFBF"/>
-                      </a:solidFill>
-                      <a:prstDash val="solid"/>
-                      <a:round/>
-                      <a:headEnd type="none" w="med" len="med"/>
-                      <a:tailEnd type="none" w="med" len="med"/>
-                    </a:lnL>
-                    <a:lnR w="12700" cap="flat" cmpd="sng" algn="ctr">
-                      <a:solidFill>
-                        <a:srgbClr val="BFBFBF"/>
-                      </a:solidFill>
-                      <a:prstDash val="solid"/>
-                      <a:round/>
-                      <a:headEnd type="none" w="med" len="med"/>
-                      <a:tailEnd type="none" w="med" len="med"/>
-                    </a:lnR>
-                    <a:lnT w="12700" cap="flat" cmpd="sng" algn="ctr">
-                      <a:solidFill>
-                        <a:srgbClr val="BFBFBF"/>
-                      </a:solidFill>
-                      <a:prstDash val="solid"/>
-                      <a:round/>
-                      <a:headEnd type="none" w="med" len="med"/>
-                      <a:tailEnd type="none" w="med" len="med"/>
-                    </a:lnT>
-                    <a:lnB w="12700" cap="flat" cmpd="sng" algn="ctr">
-                      <a:solidFill>
-                        <a:srgbClr val="BFBFBF"/>
-                      </a:solidFill>
-                      <a:prstDash val="solid"/>
-                      <a:round/>
-                      <a:headEnd type="none" w="med" len="med"/>
-                      <a:tailEnd type="none" w="med" len="med"/>
-                    </a:lnB>
-                  </a:tcPr>
-                </a:tc>
-                <a:tc>
-                  <a:txBody>
-                    <a:bodyPr/>
-                    <a:lstStyle/>
-                    <a:p>
-                      <a:pPr algn="just">
-                        <a:lnSpc>
-                          <a:spcPct val="150000"/>
-                        </a:lnSpc>
-                        <a:spcAft>
-                          <a:spcPts val="800"/>
-                        </a:spcAft>
-                      </a:pPr>
-                      <a:r>
-                        <a:rPr lang="es-CL" sz="800" b="1">
-                          <a:effectLst/>
-                          <a:latin typeface="Calibri" panose="020F0502020204030204" pitchFamily="34" charset="0"/>
-                          <a:ea typeface="Calibri" panose="020F0502020204030204" pitchFamily="34" charset="0"/>
-                          <a:cs typeface="Times New Roman" panose="02020603050405020304" pitchFamily="18" charset="0"/>
-                        </a:rPr>
-                        <a:t> </a:t>
-                      </a:r>
-                      <a:endParaRPr lang="es-CL" sz="1100">
-                        <a:effectLst/>
-                        <a:latin typeface="Calibri" panose="020F0502020204030204" pitchFamily="34" charset="0"/>
-                        <a:ea typeface="Calibri" panose="020F0502020204030204" pitchFamily="34" charset="0"/>
-                        <a:cs typeface="Times New Roman" panose="02020603050405020304" pitchFamily="18" charset="0"/>
-                      </a:endParaRPr>
-                    </a:p>
-                  </a:txBody>
-                  <a:tcPr marL="68580" marR="68580" marT="0" marB="0">
-                    <a:lnL w="12700" cap="flat" cmpd="sng" algn="ctr">
-                      <a:solidFill>
-                        <a:srgbClr val="BFBFBF"/>
-                      </a:solidFill>
-                      <a:prstDash val="solid"/>
-                      <a:round/>
-                      <a:headEnd type="none" w="med" len="med"/>
-                      <a:tailEnd type="none" w="med" len="med"/>
-                    </a:lnL>
-                    <a:lnR w="12700" cap="flat" cmpd="sng" algn="ctr">
-                      <a:solidFill>
-                        <a:srgbClr val="BFBFBF"/>
-                      </a:solidFill>
-                      <a:prstDash val="solid"/>
-                      <a:round/>
-                      <a:headEnd type="none" w="med" len="med"/>
-                      <a:tailEnd type="none" w="med" len="med"/>
-                    </a:lnR>
-                    <a:lnT w="12700" cap="flat" cmpd="sng" algn="ctr">
-                      <a:solidFill>
-                        <a:srgbClr val="BFBFBF"/>
-                      </a:solidFill>
-                      <a:prstDash val="solid"/>
-                      <a:round/>
-                      <a:headEnd type="none" w="med" len="med"/>
-                      <a:tailEnd type="none" w="med" len="med"/>
-                    </a:lnT>
-                    <a:lnB w="12700" cap="flat" cmpd="sng" algn="ctr">
-                      <a:solidFill>
-                        <a:srgbClr val="BFBFBF"/>
-                      </a:solidFill>
-                      <a:prstDash val="solid"/>
-                      <a:round/>
-                      <a:headEnd type="none" w="med" len="med"/>
-                      <a:tailEnd type="none" w="med" len="med"/>
-                    </a:lnB>
-                  </a:tcPr>
-                </a:tc>
-                <a:tc>
-                  <a:txBody>
-                    <a:bodyPr/>
-                    <a:lstStyle/>
-                    <a:p>
-                      <a:pPr algn="just">
-                        <a:lnSpc>
-                          <a:spcPct val="150000"/>
-                        </a:lnSpc>
-                        <a:spcAft>
-                          <a:spcPts val="800"/>
-                        </a:spcAft>
-                      </a:pPr>
-                      <a:r>
-                        <a:rPr lang="es-CL" sz="800" b="1">
-                          <a:effectLst/>
-                          <a:latin typeface="Calibri" panose="020F0502020204030204" pitchFamily="34" charset="0"/>
-                          <a:ea typeface="Calibri" panose="020F0502020204030204" pitchFamily="34" charset="0"/>
-                          <a:cs typeface="Times New Roman" panose="02020603050405020304" pitchFamily="18" charset="0"/>
-                        </a:rPr>
-                        <a:t> </a:t>
-                      </a:r>
-                      <a:endParaRPr lang="es-CL" sz="1100">
-                        <a:effectLst/>
-                        <a:latin typeface="Calibri" panose="020F0502020204030204" pitchFamily="34" charset="0"/>
-                        <a:ea typeface="Calibri" panose="020F0502020204030204" pitchFamily="34" charset="0"/>
-                        <a:cs typeface="Times New Roman" panose="02020603050405020304" pitchFamily="18" charset="0"/>
-                      </a:endParaRPr>
-                    </a:p>
-                  </a:txBody>
-                  <a:tcPr marL="68580" marR="68580" marT="0" marB="0">
-                    <a:lnL w="12700" cap="flat" cmpd="sng" algn="ctr">
-                      <a:solidFill>
-                        <a:srgbClr val="BFBFBF"/>
-                      </a:solidFill>
-                      <a:prstDash val="solid"/>
-                      <a:round/>
-                      <a:headEnd type="none" w="med" len="med"/>
-                      <a:tailEnd type="none" w="med" len="med"/>
-                    </a:lnL>
-                    <a:lnR w="12700" cap="flat" cmpd="sng" algn="ctr">
-                      <a:solidFill>
-                        <a:srgbClr val="BFBFBF"/>
-                      </a:solidFill>
-                      <a:prstDash val="solid"/>
-                      <a:round/>
-                      <a:headEnd type="none" w="med" len="med"/>
-                      <a:tailEnd type="none" w="med" len="med"/>
-                    </a:lnR>
-                    <a:lnT w="12700" cap="flat" cmpd="sng" algn="ctr">
-                      <a:solidFill>
-                        <a:srgbClr val="BFBFBF"/>
-                      </a:solidFill>
-                      <a:prstDash val="solid"/>
-                      <a:round/>
-                      <a:headEnd type="none" w="med" len="med"/>
-                      <a:tailEnd type="none" w="med" len="med"/>
-                    </a:lnT>
-                    <a:lnB w="12700" cap="flat" cmpd="sng" algn="ctr">
-                      <a:solidFill>
-                        <a:srgbClr val="BFBFBF"/>
-                      </a:solidFill>
-                      <a:prstDash val="solid"/>
-                      <a:round/>
-                      <a:headEnd type="none" w="med" len="med"/>
-                      <a:tailEnd type="none" w="med" len="med"/>
-                    </a:lnB>
-                  </a:tcPr>
-                </a:tc>
-                <a:tc>
-                  <a:txBody>
-                    <a:bodyPr/>
-                    <a:lstStyle/>
-                    <a:p>
-                      <a:pPr algn="just">
-                        <a:lnSpc>
-                          <a:spcPct val="150000"/>
-                        </a:lnSpc>
-                        <a:spcAft>
-                          <a:spcPts val="800"/>
-                        </a:spcAft>
-                      </a:pPr>
-                      <a:r>
-                        <a:rPr lang="es-CL" sz="800" b="1">
-                          <a:effectLst/>
-                          <a:latin typeface="Calibri" panose="020F0502020204030204" pitchFamily="34" charset="0"/>
-                          <a:ea typeface="Calibri" panose="020F0502020204030204" pitchFamily="34" charset="0"/>
-                          <a:cs typeface="Times New Roman" panose="02020603050405020304" pitchFamily="18" charset="0"/>
-                        </a:rPr>
-                        <a:t> </a:t>
-                      </a:r>
-                      <a:endParaRPr lang="es-CL" sz="1100">
-                        <a:effectLst/>
-                        <a:latin typeface="Calibri" panose="020F0502020204030204" pitchFamily="34" charset="0"/>
-                        <a:ea typeface="Calibri" panose="020F0502020204030204" pitchFamily="34" charset="0"/>
-                        <a:cs typeface="Times New Roman" panose="02020603050405020304" pitchFamily="18" charset="0"/>
-                      </a:endParaRPr>
-                    </a:p>
-                  </a:txBody>
-                  <a:tcPr marL="68580" marR="68580" marT="0" marB="0">
-                    <a:lnL w="12700" cap="flat" cmpd="sng" algn="ctr">
-                      <a:solidFill>
-                        <a:srgbClr val="BFBFBF"/>
-                      </a:solidFill>
-                      <a:prstDash val="solid"/>
-                      <a:round/>
-                      <a:headEnd type="none" w="med" len="med"/>
-                      <a:tailEnd type="none" w="med" len="med"/>
-                    </a:lnL>
-                    <a:lnR w="12700" cap="flat" cmpd="sng" algn="ctr">
-                      <a:solidFill>
-                        <a:srgbClr val="BFBFBF"/>
-                      </a:solidFill>
-                      <a:prstDash val="solid"/>
-                      <a:round/>
-                      <a:headEnd type="none" w="med" len="med"/>
-                      <a:tailEnd type="none" w="med" len="med"/>
-                    </a:lnR>
-                    <a:lnT w="12700" cap="flat" cmpd="sng" algn="ctr">
-                      <a:solidFill>
-                        <a:srgbClr val="BFBFBF"/>
-                      </a:solidFill>
-                      <a:prstDash val="solid"/>
-                      <a:round/>
-                      <a:headEnd type="none" w="med" len="med"/>
-                      <a:tailEnd type="none" w="med" len="med"/>
-                    </a:lnT>
-                    <a:lnB w="12700" cap="flat" cmpd="sng" algn="ctr">
-                      <a:solidFill>
-                        <a:srgbClr val="BFBFBF"/>
-                      </a:solidFill>
-                      <a:prstDash val="solid"/>
-                      <a:round/>
-                      <a:headEnd type="none" w="med" len="med"/>
-                      <a:tailEnd type="none" w="med" len="med"/>
-                    </a:lnB>
-                  </a:tcPr>
-                </a:tc>
-                <a:tc>
-                  <a:txBody>
-                    <a:bodyPr/>
-                    <a:lstStyle/>
-                    <a:p>
-                      <a:pPr algn="just">
-                        <a:lnSpc>
-                          <a:spcPct val="150000"/>
-                        </a:lnSpc>
-                        <a:spcAft>
-                          <a:spcPts val="800"/>
-                        </a:spcAft>
-                      </a:pPr>
-                      <a:r>
-                        <a:rPr lang="es-CL" sz="800" b="1">
-                          <a:effectLst/>
-                          <a:latin typeface="Calibri" panose="020F0502020204030204" pitchFamily="34" charset="0"/>
-                          <a:ea typeface="Calibri" panose="020F0502020204030204" pitchFamily="34" charset="0"/>
-                          <a:cs typeface="Times New Roman" panose="02020603050405020304" pitchFamily="18" charset="0"/>
-                        </a:rPr>
-                        <a:t> </a:t>
-                      </a:r>
-                      <a:endParaRPr lang="es-CL" sz="1100">
-                        <a:effectLst/>
-                        <a:latin typeface="Calibri" panose="020F0502020204030204" pitchFamily="34" charset="0"/>
-                        <a:ea typeface="Calibri" panose="020F0502020204030204" pitchFamily="34" charset="0"/>
-                        <a:cs typeface="Times New Roman" panose="02020603050405020304" pitchFamily="18" charset="0"/>
-                      </a:endParaRPr>
-                    </a:p>
-                  </a:txBody>
-                  <a:tcPr marL="68580" marR="68580" marT="0" marB="0">
-                    <a:lnL w="12700" cap="flat" cmpd="sng" algn="ctr">
-                      <a:solidFill>
-                        <a:srgbClr val="BFBFBF"/>
-                      </a:solidFill>
-                      <a:prstDash val="solid"/>
-                      <a:round/>
-                      <a:headEnd type="none" w="med" len="med"/>
-                      <a:tailEnd type="none" w="med" len="med"/>
-                    </a:lnL>
-                    <a:lnR w="12700" cap="flat" cmpd="sng" algn="ctr">
-                      <a:solidFill>
-                        <a:srgbClr val="BFBFBF"/>
-                      </a:solidFill>
-                      <a:prstDash val="solid"/>
-                      <a:round/>
-                      <a:headEnd type="none" w="med" len="med"/>
-                      <a:tailEnd type="none" w="med" len="med"/>
-                    </a:lnR>
-                    <a:lnT w="12700" cap="flat" cmpd="sng" algn="ctr">
-                      <a:solidFill>
-                        <a:srgbClr val="BFBFBF"/>
-                      </a:solidFill>
-                      <a:prstDash val="solid"/>
-                      <a:round/>
-                      <a:headEnd type="none" w="med" len="med"/>
-                      <a:tailEnd type="none" w="med" len="med"/>
-                    </a:lnT>
-                    <a:lnB w="12700" cap="flat" cmpd="sng" algn="ctr">
-                      <a:solidFill>
-                        <a:srgbClr val="BFBFBF"/>
-                      </a:solidFill>
-                      <a:prstDash val="solid"/>
-                      <a:round/>
-                      <a:headEnd type="none" w="med" len="med"/>
-                      <a:tailEnd type="none" w="med" len="med"/>
-                    </a:lnB>
-                  </a:tcPr>
-                </a:tc>
-                <a:tc>
-                  <a:txBody>
-                    <a:bodyPr/>
-                    <a:lstStyle/>
-                    <a:p>
-                      <a:pPr algn="just">
-                        <a:lnSpc>
-                          <a:spcPct val="150000"/>
-                        </a:lnSpc>
-                        <a:spcAft>
-                          <a:spcPts val="800"/>
-                        </a:spcAft>
-                      </a:pPr>
-                      <a:r>
-                        <a:rPr lang="es-CL" sz="800" b="1">
-                          <a:effectLst/>
-                          <a:latin typeface="Calibri" panose="020F0502020204030204" pitchFamily="34" charset="0"/>
-                          <a:ea typeface="Calibri" panose="020F0502020204030204" pitchFamily="34" charset="0"/>
-                          <a:cs typeface="Times New Roman" panose="02020603050405020304" pitchFamily="18" charset="0"/>
-                        </a:rPr>
-                        <a:t> </a:t>
-                      </a:r>
-                      <a:endParaRPr lang="es-CL" sz="1100">
-                        <a:effectLst/>
-                        <a:latin typeface="Calibri" panose="020F0502020204030204" pitchFamily="34" charset="0"/>
-                        <a:ea typeface="Calibri" panose="020F0502020204030204" pitchFamily="34" charset="0"/>
-                        <a:cs typeface="Times New Roman" panose="02020603050405020304" pitchFamily="18" charset="0"/>
-                      </a:endParaRPr>
-                    </a:p>
-                  </a:txBody>
-                  <a:tcPr marL="68580" marR="68580" marT="0" marB="0">
-                    <a:lnL w="12700" cap="flat" cmpd="sng" algn="ctr">
-                      <a:solidFill>
-                        <a:srgbClr val="BFBFBF"/>
-                      </a:solidFill>
-                      <a:prstDash val="solid"/>
-                      <a:round/>
-                      <a:headEnd type="none" w="med" len="med"/>
-                      <a:tailEnd type="none" w="med" len="med"/>
-                    </a:lnL>
-                    <a:lnR w="12700" cap="flat" cmpd="sng" algn="ctr">
-                      <a:solidFill>
-                        <a:srgbClr val="BFBFBF"/>
-                      </a:solidFill>
-                      <a:prstDash val="solid"/>
-                      <a:round/>
-                      <a:headEnd type="none" w="med" len="med"/>
-                      <a:tailEnd type="none" w="med" len="med"/>
-                    </a:lnR>
-                    <a:lnT w="12700" cap="flat" cmpd="sng" algn="ctr">
-                      <a:solidFill>
-                        <a:srgbClr val="BFBFBF"/>
-                      </a:solidFill>
-                      <a:prstDash val="solid"/>
-                      <a:round/>
-                      <a:headEnd type="none" w="med" len="med"/>
-                      <a:tailEnd type="none" w="med" len="med"/>
-                    </a:lnT>
-                    <a:lnB w="12700" cap="flat" cmpd="sng" algn="ctr">
-                      <a:solidFill>
-                        <a:srgbClr val="BFBFBF"/>
-                      </a:solidFill>
-                      <a:prstDash val="solid"/>
-                      <a:round/>
-                      <a:headEnd type="none" w="med" len="med"/>
-                      <a:tailEnd type="none" w="med" len="med"/>
-                    </a:lnB>
-                  </a:tcPr>
-                </a:tc>
-                <a:tc>
-                  <a:txBody>
-                    <a:bodyPr/>
-                    <a:lstStyle/>
-                    <a:p>
-                      <a:pPr algn="just">
-                        <a:lnSpc>
-                          <a:spcPct val="150000"/>
-                        </a:lnSpc>
-                        <a:spcAft>
-                          <a:spcPts val="800"/>
-                        </a:spcAft>
-                      </a:pPr>
-                      <a:r>
-                        <a:rPr lang="es-CL" sz="800" b="1">
-                          <a:effectLst/>
-                          <a:latin typeface="Calibri" panose="020F0502020204030204" pitchFamily="34" charset="0"/>
-                          <a:ea typeface="Calibri" panose="020F0502020204030204" pitchFamily="34" charset="0"/>
-                          <a:cs typeface="Times New Roman" panose="02020603050405020304" pitchFamily="18" charset="0"/>
-                        </a:rPr>
-                        <a:t> </a:t>
-                      </a:r>
-                      <a:endParaRPr lang="es-CL" sz="1100">
-                        <a:effectLst/>
-                        <a:latin typeface="Calibri" panose="020F0502020204030204" pitchFamily="34" charset="0"/>
-                        <a:ea typeface="Calibri" panose="020F0502020204030204" pitchFamily="34" charset="0"/>
-                        <a:cs typeface="Times New Roman" panose="02020603050405020304" pitchFamily="18" charset="0"/>
-                      </a:endParaRPr>
-                    </a:p>
-                  </a:txBody>
-                  <a:tcPr marL="68580" marR="68580" marT="0" marB="0">
-                    <a:lnL w="12700" cap="flat" cmpd="sng" algn="ctr">
-                      <a:solidFill>
-                        <a:srgbClr val="BFBFBF"/>
-                      </a:solidFill>
-                      <a:prstDash val="solid"/>
-                      <a:round/>
-                      <a:headEnd type="none" w="med" len="med"/>
-                      <a:tailEnd type="none" w="med" len="med"/>
-                    </a:lnL>
-                    <a:lnR w="12700" cap="flat" cmpd="sng" algn="ctr">
-                      <a:solidFill>
-                        <a:srgbClr val="BFBFBF"/>
-                      </a:solidFill>
-                      <a:prstDash val="solid"/>
-                      <a:round/>
-                      <a:headEnd type="none" w="med" len="med"/>
-                      <a:tailEnd type="none" w="med" len="med"/>
-                    </a:lnR>
-                    <a:lnT w="12700" cap="flat" cmpd="sng" algn="ctr">
-                      <a:solidFill>
-                        <a:srgbClr val="BFBFBF"/>
-                      </a:solidFill>
-                      <a:prstDash val="solid"/>
-                      <a:round/>
-                      <a:headEnd type="none" w="med" len="med"/>
-                      <a:tailEnd type="none" w="med" len="med"/>
-                    </a:lnT>
-                    <a:lnB w="12700" cap="flat" cmpd="sng" algn="ctr">
-                      <a:solidFill>
-                        <a:srgbClr val="BFBFBF"/>
-                      </a:solidFill>
-                      <a:prstDash val="solid"/>
-                      <a:round/>
-                      <a:headEnd type="none" w="med" len="med"/>
-                      <a:tailEnd type="none" w="med" len="med"/>
-                    </a:lnB>
-                  </a:tcPr>
-                </a:tc>
-                <a:tc>
-                  <a:txBody>
-                    <a:bodyPr/>
-                    <a:lstStyle/>
-                    <a:p>
-                      <a:pPr algn="just">
-                        <a:lnSpc>
-                          <a:spcPct val="150000"/>
-                        </a:lnSpc>
-                        <a:spcAft>
-                          <a:spcPts val="800"/>
-                        </a:spcAft>
-                      </a:pPr>
-                      <a:r>
-                        <a:rPr lang="es-CL" sz="800" b="1">
-                          <a:effectLst/>
-                          <a:latin typeface="Calibri" panose="020F0502020204030204" pitchFamily="34" charset="0"/>
-                          <a:ea typeface="Calibri" panose="020F0502020204030204" pitchFamily="34" charset="0"/>
-                          <a:cs typeface="Times New Roman" panose="02020603050405020304" pitchFamily="18" charset="0"/>
-                        </a:rPr>
-                        <a:t> </a:t>
-                      </a:r>
-                      <a:endParaRPr lang="es-CL" sz="1100">
-                        <a:effectLst/>
-                        <a:latin typeface="Calibri" panose="020F0502020204030204" pitchFamily="34" charset="0"/>
-                        <a:ea typeface="Calibri" panose="020F0502020204030204" pitchFamily="34" charset="0"/>
-                        <a:cs typeface="Times New Roman" panose="02020603050405020304" pitchFamily="18" charset="0"/>
-                      </a:endParaRPr>
-                    </a:p>
-                  </a:txBody>
-                  <a:tcPr marL="68580" marR="68580" marT="0" marB="0">
-                    <a:lnL w="12700" cap="flat" cmpd="sng" algn="ctr">
-                      <a:solidFill>
-                        <a:srgbClr val="BFBFBF"/>
-                      </a:solidFill>
-                      <a:prstDash val="solid"/>
-                      <a:round/>
-                      <a:headEnd type="none" w="med" len="med"/>
-                      <a:tailEnd type="none" w="med" len="med"/>
-                    </a:lnL>
-                    <a:lnR w="12700" cap="flat" cmpd="sng" algn="ctr">
-                      <a:solidFill>
-                        <a:srgbClr val="BFBFBF"/>
-                      </a:solidFill>
-                      <a:prstDash val="solid"/>
-                      <a:round/>
-                      <a:headEnd type="none" w="med" len="med"/>
-                      <a:tailEnd type="none" w="med" len="med"/>
-                    </a:lnR>
-                    <a:lnT w="12700" cap="flat" cmpd="sng" algn="ctr">
-                      <a:solidFill>
-                        <a:srgbClr val="BFBFBF"/>
-                      </a:solidFill>
-                      <a:prstDash val="solid"/>
-                      <a:round/>
-                      <a:headEnd type="none" w="med" len="med"/>
-                      <a:tailEnd type="none" w="med" len="med"/>
-                    </a:lnT>
-                    <a:lnB w="12700" cap="flat" cmpd="sng" algn="ctr">
-                      <a:solidFill>
-                        <a:srgbClr val="BFBFBF"/>
-                      </a:solidFill>
-                      <a:prstDash val="solid"/>
-                      <a:round/>
-                      <a:headEnd type="none" w="med" len="med"/>
-                      <a:tailEnd type="none" w="med" len="med"/>
-                    </a:lnB>
-                  </a:tcPr>
-                </a:tc>
-                <a:tc>
-                  <a:txBody>
-                    <a:bodyPr/>
-                    <a:lstStyle/>
-                    <a:p>
-                      <a:pPr algn="just">
-                        <a:lnSpc>
-                          <a:spcPct val="150000"/>
-                        </a:lnSpc>
-                        <a:spcAft>
-                          <a:spcPts val="800"/>
-                        </a:spcAft>
-                      </a:pPr>
-                      <a:r>
-                        <a:rPr lang="es-CL" sz="800" b="1">
-                          <a:effectLst/>
-                          <a:latin typeface="Calibri" panose="020F0502020204030204" pitchFamily="34" charset="0"/>
-                          <a:ea typeface="Calibri" panose="020F0502020204030204" pitchFamily="34" charset="0"/>
-                          <a:cs typeface="Times New Roman" panose="02020603050405020304" pitchFamily="18" charset="0"/>
-                        </a:rPr>
-                        <a:t> </a:t>
-                      </a:r>
-                      <a:endParaRPr lang="es-CL" sz="1100">
-                        <a:effectLst/>
-                        <a:latin typeface="Calibri" panose="020F0502020204030204" pitchFamily="34" charset="0"/>
-                        <a:ea typeface="Calibri" panose="020F0502020204030204" pitchFamily="34" charset="0"/>
-                        <a:cs typeface="Times New Roman" panose="02020603050405020304" pitchFamily="18" charset="0"/>
-                      </a:endParaRPr>
-                    </a:p>
-                  </a:txBody>
-                  <a:tcPr marL="68580" marR="68580" marT="0" marB="0">
-                    <a:lnL w="12700" cap="flat" cmpd="sng" algn="ctr">
-                      <a:solidFill>
-                        <a:srgbClr val="BFBFBF"/>
-                      </a:solidFill>
-                      <a:prstDash val="solid"/>
-                      <a:round/>
-                      <a:headEnd type="none" w="med" len="med"/>
-                      <a:tailEnd type="none" w="med" len="med"/>
-                    </a:lnL>
-                    <a:lnR w="12700" cap="flat" cmpd="sng" algn="ctr">
-                      <a:solidFill>
-                        <a:srgbClr val="BFBFBF"/>
-                      </a:solidFill>
-                      <a:prstDash val="solid"/>
-                      <a:round/>
-                      <a:headEnd type="none" w="med" len="med"/>
-                      <a:tailEnd type="none" w="med" len="med"/>
-                    </a:lnR>
-                    <a:lnT w="12700" cap="flat" cmpd="sng" algn="ctr">
-                      <a:solidFill>
-                        <a:srgbClr val="BFBFBF"/>
-                      </a:solidFill>
-                      <a:prstDash val="solid"/>
-                      <a:round/>
-                      <a:headEnd type="none" w="med" len="med"/>
-                      <a:tailEnd type="none" w="med" len="med"/>
-                    </a:lnT>
-                    <a:lnB w="12700" cap="flat" cmpd="sng" algn="ctr">
-                      <a:solidFill>
-                        <a:srgbClr val="BFBFBF"/>
-                      </a:solidFill>
-                      <a:prstDash val="solid"/>
-                      <a:round/>
-                      <a:headEnd type="none" w="med" len="med"/>
-                      <a:tailEnd type="none" w="med" len="med"/>
-                    </a:lnB>
-                  </a:tcPr>
-                </a:tc>
-                <a:tc>
-                  <a:txBody>
-                    <a:bodyPr/>
-                    <a:lstStyle/>
-                    <a:p>
-                      <a:pPr algn="just">
-                        <a:lnSpc>
-                          <a:spcPct val="150000"/>
-                        </a:lnSpc>
-                        <a:spcAft>
-                          <a:spcPts val="800"/>
-                        </a:spcAft>
-                      </a:pPr>
-                      <a:r>
-                        <a:rPr lang="es-CL" sz="800" b="1">
-                          <a:effectLst/>
-                          <a:latin typeface="Calibri" panose="020F0502020204030204" pitchFamily="34" charset="0"/>
-                          <a:ea typeface="Calibri" panose="020F0502020204030204" pitchFamily="34" charset="0"/>
-                          <a:cs typeface="Times New Roman" panose="02020603050405020304" pitchFamily="18" charset="0"/>
-                        </a:rPr>
-                        <a:t> </a:t>
-                      </a:r>
-                      <a:endParaRPr lang="es-CL" sz="1100">
-                        <a:effectLst/>
-                        <a:latin typeface="Calibri" panose="020F0502020204030204" pitchFamily="34" charset="0"/>
-                        <a:ea typeface="Calibri" panose="020F0502020204030204" pitchFamily="34" charset="0"/>
-                        <a:cs typeface="Times New Roman" panose="02020603050405020304" pitchFamily="18" charset="0"/>
-                      </a:endParaRPr>
-                    </a:p>
-                  </a:txBody>
-                  <a:tcPr marL="68580" marR="68580" marT="0" marB="0">
-                    <a:lnL w="12700" cap="flat" cmpd="sng" algn="ctr">
-                      <a:solidFill>
-                        <a:srgbClr val="BFBFBF"/>
-                      </a:solidFill>
-                      <a:prstDash val="solid"/>
-                      <a:round/>
-                      <a:headEnd type="none" w="med" len="med"/>
-                      <a:tailEnd type="none" w="med" len="med"/>
-                    </a:lnL>
-                    <a:lnR w="12700" cap="flat" cmpd="sng" algn="ctr">
-                      <a:solidFill>
-                        <a:srgbClr val="BFBFBF"/>
-                      </a:solidFill>
-                      <a:prstDash val="solid"/>
-                      <a:round/>
-                      <a:headEnd type="none" w="med" len="med"/>
-                      <a:tailEnd type="none" w="med" len="med"/>
-                    </a:lnR>
-                    <a:lnT w="12700" cap="flat" cmpd="sng" algn="ctr">
-                      <a:solidFill>
-                        <a:srgbClr val="BFBFBF"/>
-                      </a:solidFill>
-                      <a:prstDash val="solid"/>
-                      <a:round/>
-                      <a:headEnd type="none" w="med" len="med"/>
-                      <a:tailEnd type="none" w="med" len="med"/>
-                    </a:lnT>
-                    <a:lnB w="12700" cap="flat" cmpd="sng" algn="ctr">
-                      <a:solidFill>
-                        <a:srgbClr val="BFBFBF"/>
-                      </a:solidFill>
-                      <a:prstDash val="solid"/>
-                      <a:round/>
-                      <a:headEnd type="none" w="med" len="med"/>
-                      <a:tailEnd type="none" w="med" len="med"/>
-                    </a:lnB>
-                  </a:tcPr>
-                </a:tc>
-                <a:tc>
-                  <a:txBody>
-                    <a:bodyPr/>
-                    <a:lstStyle/>
-                    <a:p>
-                      <a:pPr algn="just">
-                        <a:lnSpc>
-                          <a:spcPct val="150000"/>
-                        </a:lnSpc>
-                        <a:spcAft>
-                          <a:spcPts val="800"/>
-                        </a:spcAft>
-                      </a:pPr>
-                      <a:r>
-                        <a:rPr lang="es-CL" sz="800" b="1">
-                          <a:effectLst/>
-                          <a:latin typeface="Calibri" panose="020F0502020204030204" pitchFamily="34" charset="0"/>
-                          <a:ea typeface="Calibri" panose="020F0502020204030204" pitchFamily="34" charset="0"/>
-                          <a:cs typeface="Times New Roman" panose="02020603050405020304" pitchFamily="18" charset="0"/>
-                        </a:rPr>
-                        <a:t> </a:t>
-                      </a:r>
-                      <a:endParaRPr lang="es-CL" sz="1100">
-                        <a:effectLst/>
-                        <a:latin typeface="Calibri" panose="020F0502020204030204" pitchFamily="34" charset="0"/>
-                        <a:ea typeface="Calibri" panose="020F0502020204030204" pitchFamily="34" charset="0"/>
-                        <a:cs typeface="Times New Roman" panose="02020603050405020304" pitchFamily="18" charset="0"/>
-                      </a:endParaRPr>
-                    </a:p>
-                  </a:txBody>
-                  <a:tcPr marL="68580" marR="68580" marT="0" marB="0">
-                    <a:lnL w="12700" cap="flat" cmpd="sng" algn="ctr">
-                      <a:solidFill>
-                        <a:srgbClr val="BFBFBF"/>
-                      </a:solidFill>
-                      <a:prstDash val="solid"/>
-                      <a:round/>
-                      <a:headEnd type="none" w="med" len="med"/>
-                      <a:tailEnd type="none" w="med" len="med"/>
-                    </a:lnL>
-                    <a:lnR w="12700" cap="flat" cmpd="sng" algn="ctr">
-                      <a:solidFill>
-                        <a:srgbClr val="BFBFBF"/>
-                      </a:solidFill>
-                      <a:prstDash val="solid"/>
-                      <a:round/>
-                      <a:headEnd type="none" w="med" len="med"/>
-                      <a:tailEnd type="none" w="med" len="med"/>
-                    </a:lnR>
-                    <a:lnT w="12700" cap="flat" cmpd="sng" algn="ctr">
-                      <a:solidFill>
-                        <a:srgbClr val="BFBFBF"/>
-                      </a:solidFill>
-                      <a:prstDash val="solid"/>
-                      <a:round/>
-                      <a:headEnd type="none" w="med" len="med"/>
-                      <a:tailEnd type="none" w="med" len="med"/>
-                    </a:lnT>
-                    <a:lnB w="12700" cap="flat" cmpd="sng" algn="ctr">
-                      <a:solidFill>
-                        <a:srgbClr val="BFBFBF"/>
-                      </a:solidFill>
-                      <a:prstDash val="solid"/>
-                      <a:round/>
-                      <a:headEnd type="none" w="med" len="med"/>
-                      <a:tailEnd type="none" w="med" len="med"/>
-                    </a:lnB>
-                  </a:tcPr>
-                </a:tc>
-                <a:tc gridSpan="2">
-                  <a:txBody>
-                    <a:bodyPr/>
-                    <a:lstStyle/>
-                    <a:p>
-                      <a:pPr algn="just">
-                        <a:lnSpc>
-                          <a:spcPct val="150000"/>
-                        </a:lnSpc>
-                        <a:spcAft>
-                          <a:spcPts val="800"/>
-                        </a:spcAft>
-                      </a:pPr>
-                      <a:r>
-                        <a:rPr lang="es-CL" sz="800" b="1">
-                          <a:effectLst/>
-                          <a:latin typeface="Calibri" panose="020F0502020204030204" pitchFamily="34" charset="0"/>
-                          <a:ea typeface="Calibri" panose="020F0502020204030204" pitchFamily="34" charset="0"/>
-                          <a:cs typeface="Times New Roman" panose="02020603050405020304" pitchFamily="18" charset="0"/>
-                        </a:rPr>
-                        <a:t> </a:t>
-                      </a:r>
-                      <a:endParaRPr lang="es-CL" sz="1100">
-                        <a:effectLst/>
-                        <a:latin typeface="Calibri" panose="020F0502020204030204" pitchFamily="34" charset="0"/>
-                        <a:ea typeface="Calibri" panose="020F0502020204030204" pitchFamily="34" charset="0"/>
-                        <a:cs typeface="Times New Roman" panose="02020603050405020304" pitchFamily="18" charset="0"/>
-                      </a:endParaRPr>
-                    </a:p>
-                  </a:txBody>
-                  <a:tcPr marL="68580" marR="68580" marT="0" marB="0">
-                    <a:lnL w="12700" cap="flat" cmpd="sng" algn="ctr">
-                      <a:solidFill>
-                        <a:srgbClr val="BFBFBF"/>
-                      </a:solidFill>
-                      <a:prstDash val="solid"/>
-                      <a:round/>
-                      <a:headEnd type="none" w="med" len="med"/>
-                      <a:tailEnd type="none" w="med" len="med"/>
-                    </a:lnL>
-                    <a:lnR w="12700" cap="flat" cmpd="sng" algn="ctr">
-                      <a:solidFill>
-                        <a:srgbClr val="BFBFBF"/>
-                      </a:solidFill>
-                      <a:prstDash val="solid"/>
-                      <a:round/>
-                      <a:headEnd type="none" w="med" len="med"/>
-                      <a:tailEnd type="none" w="med" len="med"/>
-                    </a:lnR>
-                    <a:lnT w="12700" cap="flat" cmpd="sng" algn="ctr">
-                      <a:solidFill>
-                        <a:srgbClr val="BFBFBF"/>
-                      </a:solidFill>
-                      <a:prstDash val="solid"/>
-                      <a:round/>
-                      <a:headEnd type="none" w="med" len="med"/>
-                      <a:tailEnd type="none" w="med" len="med"/>
-                    </a:lnT>
-                    <a:lnB w="12700" cap="flat" cmpd="sng" algn="ctr">
-                      <a:solidFill>
-                        <a:srgbClr val="BFBFBF"/>
-                      </a:solidFill>
-                      <a:prstDash val="solid"/>
-                      <a:round/>
-                      <a:headEnd type="none" w="med" len="med"/>
-                      <a:tailEnd type="none" w="med" len="med"/>
-                    </a:lnB>
-                  </a:tcPr>
-                </a:tc>
-                <a:tc hMerge="1">
-                  <a:txBody>
-                    <a:bodyPr/>
-                    <a:lstStyle/>
-                    <a:p>
-                      <a:endParaRPr lang="es-CL"/>
-                    </a:p>
-                  </a:txBody>
-                  <a:tcPr/>
-                </a:tc>
-                <a:tc>
-                  <a:txBody>
-                    <a:bodyPr/>
-                    <a:lstStyle/>
-                    <a:p>
-                      <a:pPr algn="just">
-                        <a:lnSpc>
-                          <a:spcPct val="150000"/>
-                        </a:lnSpc>
-                        <a:spcAft>
-                          <a:spcPts val="800"/>
-                        </a:spcAft>
-                      </a:pPr>
-                      <a:r>
-                        <a:rPr lang="es-CL" sz="800" b="1">
-                          <a:effectLst/>
-                          <a:latin typeface="Calibri" panose="020F0502020204030204" pitchFamily="34" charset="0"/>
-                          <a:ea typeface="Calibri" panose="020F0502020204030204" pitchFamily="34" charset="0"/>
-                          <a:cs typeface="Times New Roman" panose="02020603050405020304" pitchFamily="18" charset="0"/>
-                        </a:rPr>
-                        <a:t> </a:t>
-                      </a:r>
-                      <a:endParaRPr lang="es-CL" sz="1100">
-                        <a:effectLst/>
-                        <a:latin typeface="Calibri" panose="020F0502020204030204" pitchFamily="34" charset="0"/>
-                        <a:ea typeface="Calibri" panose="020F0502020204030204" pitchFamily="34" charset="0"/>
-                        <a:cs typeface="Times New Roman" panose="02020603050405020304" pitchFamily="18" charset="0"/>
-                      </a:endParaRPr>
-                    </a:p>
-                  </a:txBody>
-                  <a:tcPr marL="68580" marR="68580" marT="0" marB="0">
-                    <a:lnL w="12700" cap="flat" cmpd="sng" algn="ctr">
-                      <a:solidFill>
-                        <a:srgbClr val="BFBFBF"/>
-                      </a:solidFill>
-                      <a:prstDash val="solid"/>
-                      <a:round/>
-                      <a:headEnd type="none" w="med" len="med"/>
-                      <a:tailEnd type="none" w="med" len="med"/>
-                    </a:lnL>
-                    <a:lnR w="12700" cap="flat" cmpd="sng" algn="ctr">
-                      <a:solidFill>
-                        <a:srgbClr val="BFBFBF"/>
-                      </a:solidFill>
-                      <a:prstDash val="solid"/>
-                      <a:round/>
-                      <a:headEnd type="none" w="med" len="med"/>
-                      <a:tailEnd type="none" w="med" len="med"/>
-                    </a:lnR>
-                    <a:lnT w="12700" cap="flat" cmpd="sng" algn="ctr">
-                      <a:solidFill>
-                        <a:srgbClr val="BFBFBF"/>
-                      </a:solidFill>
-                      <a:prstDash val="solid"/>
-                      <a:round/>
-                      <a:headEnd type="none" w="med" len="med"/>
-                      <a:tailEnd type="none" w="med" len="med"/>
-                    </a:lnT>
-                    <a:lnB w="12700" cap="flat" cmpd="sng" algn="ctr">
-                      <a:solidFill>
-                        <a:srgbClr val="BFBFBF"/>
-                      </a:solidFill>
-                      <a:prstDash val="solid"/>
-                      <a:round/>
-                      <a:headEnd type="none" w="med" len="med"/>
-                      <a:tailEnd type="none" w="med" len="med"/>
-                    </a:lnB>
-                  </a:tcPr>
-                </a:tc>
-                <a:tc>
-                  <a:txBody>
-                    <a:bodyPr/>
-                    <a:lstStyle/>
-                    <a:p>
-                      <a:pPr algn="just">
-                        <a:lnSpc>
-                          <a:spcPct val="150000"/>
-                        </a:lnSpc>
-                        <a:spcAft>
-                          <a:spcPts val="800"/>
-                        </a:spcAft>
-                      </a:pPr>
-                      <a:r>
-                        <a:rPr lang="es-CL" sz="800" b="1">
-                          <a:effectLst/>
-                          <a:latin typeface="Calibri" panose="020F0502020204030204" pitchFamily="34" charset="0"/>
-                          <a:ea typeface="Calibri" panose="020F0502020204030204" pitchFamily="34" charset="0"/>
-                          <a:cs typeface="Times New Roman" panose="02020603050405020304" pitchFamily="18" charset="0"/>
-                        </a:rPr>
-                        <a:t> </a:t>
-                      </a:r>
-                      <a:endParaRPr lang="es-CL" sz="1100">
-                        <a:effectLst/>
-                        <a:latin typeface="Calibri" panose="020F0502020204030204" pitchFamily="34" charset="0"/>
-                        <a:ea typeface="Calibri" panose="020F0502020204030204" pitchFamily="34" charset="0"/>
-                        <a:cs typeface="Times New Roman" panose="02020603050405020304" pitchFamily="18" charset="0"/>
-                      </a:endParaRPr>
-                    </a:p>
-                  </a:txBody>
-                  <a:tcPr marL="68580" marR="68580" marT="0" marB="0">
-                    <a:lnL w="12700" cap="flat" cmpd="sng" algn="ctr">
-                      <a:solidFill>
-                        <a:srgbClr val="BFBFBF"/>
-                      </a:solidFill>
-                      <a:prstDash val="solid"/>
-                      <a:round/>
-                      <a:headEnd type="none" w="med" len="med"/>
-                      <a:tailEnd type="none" w="med" len="med"/>
-                    </a:lnL>
-                    <a:lnR w="12700" cap="flat" cmpd="sng" algn="ctr">
-                      <a:solidFill>
-                        <a:srgbClr val="BFBFBF"/>
-                      </a:solidFill>
-                      <a:prstDash val="solid"/>
-                      <a:round/>
-                      <a:headEnd type="none" w="med" len="med"/>
-                      <a:tailEnd type="none" w="med" len="med"/>
-                    </a:lnR>
-                    <a:lnT w="12700" cap="flat" cmpd="sng" algn="ctr">
-                      <a:solidFill>
-                        <a:srgbClr val="BFBFBF"/>
-                      </a:solidFill>
-                      <a:prstDash val="solid"/>
-                      <a:round/>
-                      <a:headEnd type="none" w="med" len="med"/>
-                      <a:tailEnd type="none" w="med" len="med"/>
-                    </a:lnT>
-                    <a:lnB w="12700" cap="flat" cmpd="sng" algn="ctr">
-                      <a:solidFill>
-                        <a:srgbClr val="BFBFBF"/>
-                      </a:solidFill>
-                      <a:prstDash val="solid"/>
-                      <a:round/>
-                      <a:headEnd type="none" w="med" len="med"/>
-                      <a:tailEnd type="none" w="med" len="med"/>
-                    </a:lnB>
-                  </a:tcPr>
-                </a:tc>
-                <a:tc>
-                  <a:txBody>
-                    <a:bodyPr/>
-                    <a:lstStyle/>
-                    <a:p>
-                      <a:pPr>
-                        <a:lnSpc>
-                          <a:spcPct val="107000"/>
-                        </a:lnSpc>
-                        <a:spcAft>
-                          <a:spcPts val="800"/>
-                        </a:spcAft>
-                      </a:pPr>
-                      <a:r>
-                        <a:rPr lang="es-CL" sz="1100" dirty="0">
-                          <a:effectLst/>
-                          <a:latin typeface="Calibri" panose="020F0502020204030204" pitchFamily="34" charset="0"/>
-                          <a:ea typeface="Calibri" panose="020F0502020204030204" pitchFamily="34" charset="0"/>
-                          <a:cs typeface="Times New Roman" panose="02020603050405020304" pitchFamily="18" charset="0"/>
-                        </a:rPr>
-                        <a:t> </a:t>
-                      </a:r>
-                    </a:p>
-                  </a:txBody>
-                  <a:tcPr marL="0" marR="0" marT="0" marB="0" anchor="ctr">
-                    <a:lnL w="12700" cap="flat" cmpd="sng" algn="ctr">
-                      <a:solidFill>
-                        <a:srgbClr val="BFBFBF"/>
-                      </a:solidFill>
-                      <a:prstDash val="solid"/>
-                      <a:round/>
-                      <a:headEnd type="none" w="med" len="med"/>
-                      <a:tailEnd type="none" w="med" len="med"/>
-                    </a:lnL>
-                    <a:lnR>
-                      <a:noFill/>
-                    </a:lnR>
-                    <a:lnT>
-                      <a:noFill/>
-                    </a:lnT>
-                    <a:lnB>
-                      <a:noFill/>
-                    </a:lnB>
-                  </a:tcPr>
-                </a:tc>
-                <a:extLst>
-                  <a:ext uri="{0D108BD9-81ED-4DB2-BD59-A6C34878D82A}">
-                    <a16:rowId xmlns:a16="http://schemas.microsoft.com/office/drawing/2014/main" val="523495216"/>
-                  </a:ext>
-                </a:extLst>
-              </a:tr>
-            </a:tbl>
-          </a:graphicData>
-        </a:graphic>
-      </p:graphicFrame>
-    </p:spTree>
-    <p:extLst>
-      <p:ext uri="{BB962C8B-B14F-4D97-AF65-F5344CB8AC3E}">
-        <p14:creationId xmlns:p14="http://schemas.microsoft.com/office/powerpoint/2010/main" val="3324313383"/>
-      </p:ext>
-    </p:extLst>
-  </p:cSld>
-  <p:clrMapOvr>
-    <a:masterClrMapping/>
-  </p:clrMapOvr>
-  <p:transition spd="slow">
-    <p:wipe/>
-  </p:transition>
-</p:sld>
-</file>
-
-<file path=ppt/slides/slide8.xml><?xml version="1.0" encoding="utf-8"?>
-<p:sld xmlns:a="http://schemas.openxmlformats.org/drawingml/2006/main" xmlns:r="http://schemas.openxmlformats.org/officeDocument/2006/relationships" xmlns:p="http://schemas.openxmlformats.org/presentationml/2006/main">
-  <p:cSld>
-    <p:spTree>
-      <p:nvGrpSpPr>
-        <p:cNvPr id="1" name=""/>
-        <p:cNvGrpSpPr/>
-        <p:nvPr/>
-      </p:nvGrpSpPr>
-      <p:grpSpPr>
-        <a:xfrm>
-          <a:off x="0" y="0"/>
-          <a:ext cx="0" cy="0"/>
-          <a:chOff x="0" y="0"/>
-          <a:chExt cx="0" cy="0"/>
-        </a:xfrm>
-      </p:grpSpPr>
-      <p:pic>
-        <p:nvPicPr>
-          <p:cNvPr id="1026" name="Picture 2" descr="EscuelaIT Duoc UC - Escuela de Informática y Telecomunicaciones Duoc UC - Duoc  UC | LinkedIn">
-            <a:extLst>
-              <a:ext uri="{FF2B5EF4-FFF2-40B4-BE49-F238E27FC236}">
-                <a16:creationId xmlns:a16="http://schemas.microsoft.com/office/drawing/2014/main" id="{DBCE0F62-5978-5D25-A8E3-872B6D0A9912}"/>
-              </a:ext>
-            </a:extLst>
-          </p:cNvPr>
-          <p:cNvPicPr>
-            <a:picLocks noChangeAspect="1" noChangeArrowheads="1"/>
-          </p:cNvPicPr>
-          <p:nvPr/>
-        </p:nvPicPr>
-        <p:blipFill>
-          <a:blip r:embed="rId2">
-            <a:extLst>
-              <a:ext uri="{28A0092B-C50C-407E-A947-70E740481C1C}">
-                <a14:useLocalDpi xmlns:a14="http://schemas.microsoft.com/office/drawing/2010/main" val="0"/>
-              </a:ext>
-            </a:extLst>
-          </a:blip>
-          <a:srcRect/>
-          <a:stretch>
-            <a:fillRect/>
-          </a:stretch>
-        </p:blipFill>
-        <p:spPr bwMode="auto">
-          <a:xfrm>
-            <a:off x="8772152" y="207550"/>
-            <a:ext cx="3141406" cy="785352"/>
-          </a:xfrm>
-          <a:prstGeom prst="rect">
-            <a:avLst/>
-          </a:prstGeom>
-          <a:noFill/>
-          <a:extLst>
-            <a:ext uri="{909E8E84-426E-40DD-AFC4-6F175D3DCCD1}">
-              <a14:hiddenFill xmlns:a14="http://schemas.microsoft.com/office/drawing/2010/main">
-                <a:solidFill>
-                  <a:srgbClr val="FFFFFF"/>
-                </a:solidFill>
-              </a14:hiddenFill>
-            </a:ext>
-          </a:extLst>
-        </p:spPr>
-      </p:pic>
-      <p:sp>
-        <p:nvSpPr>
-          <p:cNvPr id="6" name="CuadroTexto 5">
-            <a:extLst>
-              <a:ext uri="{FF2B5EF4-FFF2-40B4-BE49-F238E27FC236}">
-                <a16:creationId xmlns:a16="http://schemas.microsoft.com/office/drawing/2014/main" id="{54D38248-5D31-85F9-1E0F-4A607BCD5F6A}"/>
-              </a:ext>
-            </a:extLst>
-          </p:cNvPr>
-          <p:cNvSpPr txBox="1"/>
-          <p:nvPr/>
-        </p:nvSpPr>
-        <p:spPr>
-          <a:xfrm>
-            <a:off x="136188" y="368928"/>
-            <a:ext cx="12191999" cy="369332"/>
-          </a:xfrm>
-          <a:prstGeom prst="rect">
-            <a:avLst/>
-          </a:prstGeom>
-          <a:noFill/>
-        </p:spPr>
-        <p:txBody>
-          <a:bodyPr wrap="square" rtlCol="0">
-            <a:spAutoFit/>
-          </a:bodyPr>
-          <a:lstStyle/>
-          <a:p>
-            <a:r>
-              <a:rPr lang="es-MX" dirty="0">
-                <a:solidFill>
-                  <a:schemeClr val="bg2">
-                    <a:lumMod val="50000"/>
-                  </a:schemeClr>
-                </a:solidFill>
-              </a:rPr>
-              <a:t>PROYECTO “Inventario Automatizado para CESFAM”</a:t>
-            </a:r>
-          </a:p>
-        </p:txBody>
-      </p:sp>
-      <p:sp>
-        <p:nvSpPr>
-          <p:cNvPr id="7" name="CuadroTexto 6">
-            <a:extLst>
-              <a:ext uri="{FF2B5EF4-FFF2-40B4-BE49-F238E27FC236}">
-                <a16:creationId xmlns:a16="http://schemas.microsoft.com/office/drawing/2014/main" id="{3A739E92-330D-944C-ED3E-C7F02FA216B3}"/>
-              </a:ext>
-            </a:extLst>
-          </p:cNvPr>
-          <p:cNvSpPr txBox="1"/>
-          <p:nvPr/>
-        </p:nvSpPr>
-        <p:spPr>
-          <a:xfrm>
-            <a:off x="0" y="1432655"/>
-            <a:ext cx="12191999" cy="1015663"/>
-          </a:xfrm>
-          <a:prstGeom prst="rect">
-            <a:avLst/>
-          </a:prstGeom>
-          <a:noFill/>
-        </p:spPr>
-        <p:txBody>
-          <a:bodyPr wrap="square" rtlCol="0">
-            <a:spAutoFit/>
-          </a:bodyPr>
-          <a:lstStyle/>
-          <a:p>
-            <a:pPr algn="ctr"/>
-            <a:r>
-              <a:rPr lang="es-MX" sz="3600" dirty="0"/>
-              <a:t>Arquitectura del software</a:t>
-            </a:r>
-          </a:p>
-          <a:p>
-            <a:pPr algn="ctr"/>
-            <a:endParaRPr lang="es-MX" sz="2400" dirty="0">
-              <a:solidFill>
-                <a:schemeClr val="bg2">
-                  <a:lumMod val="50000"/>
-                </a:schemeClr>
-              </a:solidFill>
-            </a:endParaRPr>
           </a:p>
         </p:txBody>
       </p:sp>
@@ -17549,10 +12356,10 @@
       </p:cxnSp>
       <p:pic>
         <p:nvPicPr>
-          <p:cNvPr id="11" name="Imagen 10">
-            <a:extLst>
-              <a:ext uri="{FF2B5EF4-FFF2-40B4-BE49-F238E27FC236}">
-                <a16:creationId xmlns:a16="http://schemas.microsoft.com/office/drawing/2014/main" id="{73DFF4E9-D2E6-239C-8ADD-649D87BC52B8}"/>
+          <p:cNvPr id="3" name="Imagen 2">
+            <a:extLst>
+              <a:ext uri="{FF2B5EF4-FFF2-40B4-BE49-F238E27FC236}">
+                <a16:creationId xmlns:a16="http://schemas.microsoft.com/office/drawing/2014/main" id="{E78476F0-B9EA-9C64-92F5-2C3545B800C7}"/>
               </a:ext>
             </a:extLst>
           </p:cNvPr>
@@ -17569,8 +12376,8 @@
         </p:blipFill>
         <p:spPr>
           <a:xfrm>
-            <a:off x="3885903" y="2012959"/>
-            <a:ext cx="3972221" cy="4845041"/>
+            <a:off x="923924" y="1730378"/>
+            <a:ext cx="9798613" cy="4932188"/>
           </a:xfrm>
           <a:prstGeom prst="rect">
             <a:avLst/>
@@ -17580,7 +12387,7 @@
     </p:spTree>
     <p:extLst>
       <p:ext uri="{BB962C8B-B14F-4D97-AF65-F5344CB8AC3E}">
-        <p14:creationId xmlns:p14="http://schemas.microsoft.com/office/powerpoint/2010/main" val="1890491460"/>
+        <p14:creationId xmlns:p14="http://schemas.microsoft.com/office/powerpoint/2010/main" val="3324313383"/>
       </p:ext>
     </p:extLst>
   </p:cSld>
@@ -17693,7 +12500,7 @@
                   </a:schemeClr>
                 </a:solidFill>
               </a:rPr>
-              <a:t>PROYECTO “NOMBRE DEL PROYECTO”</a:t>
+              <a:t>PROYECTO “Inventario Automatizado para CESFAM”</a:t>
             </a:r>
           </a:p>
         </p:txBody>
@@ -17713,7 +12520,7 @@
         <p:spPr>
           <a:xfrm>
             <a:off x="0" y="1432655"/>
-            <a:ext cx="12191999" cy="646331"/>
+            <a:ext cx="12191999" cy="1015663"/>
           </a:xfrm>
           <a:prstGeom prst="rect">
             <a:avLst/>
@@ -17729,8 +12536,18 @@
             <a:pPr algn="ctr"/>
             <a:r>
               <a:rPr lang="es-MX" sz="3600" dirty="0"/>
-              <a:t>Modelo de datos</a:t>
-            </a:r>
+              <a:t>Arquitectura del software</a:t>
+            </a:r>
+          </a:p>
+          <a:p>
+            <a:pPr algn="ctr"/>
+            <a:endParaRPr lang="es-MX" sz="2400" dirty="0">
+              <a:solidFill>
+                <a:schemeClr val="bg2">
+                  <a:lumMod val="50000"/>
+                </a:schemeClr>
+              </a:solidFill>
+            </a:endParaRPr>
           </a:p>
         </p:txBody>
       </p:sp>
@@ -17802,456 +12619,46 @@
           </a:fontRef>
         </p:style>
       </p:cxnSp>
-      <p:sp>
-        <p:nvSpPr>
-          <p:cNvPr id="3" name="Rectangle 2">
-            <a:extLst>
-              <a:ext uri="{FF2B5EF4-FFF2-40B4-BE49-F238E27FC236}">
-                <a16:creationId xmlns:a16="http://schemas.microsoft.com/office/drawing/2014/main" id="{8F72CA06-EACC-E3F2-1339-69467BDAEAE0}"/>
-              </a:ext>
-            </a:extLst>
-          </p:cNvPr>
-          <p:cNvSpPr>
-            <a:spLocks noChangeArrowheads="1"/>
-          </p:cNvSpPr>
+      <p:pic>
+        <p:nvPicPr>
+          <p:cNvPr id="3" name="Imagen 2" descr="Imagen que contiene Diagrama&#10;&#10;Descripción generada automáticamente">
+            <a:extLst>
+              <a:ext uri="{FF2B5EF4-FFF2-40B4-BE49-F238E27FC236}">
+                <a16:creationId xmlns:a16="http://schemas.microsoft.com/office/drawing/2014/main" id="{E360526E-723F-6311-A2D6-C1C384A036D4}"/>
+              </a:ext>
+            </a:extLst>
+          </p:cNvPr>
+          <p:cNvPicPr>
+            <a:picLocks noChangeAspect="1"/>
+          </p:cNvPicPr>
           <p:nvPr/>
-        </p:nvSpPr>
-        <p:spPr bwMode="auto">
+        </p:nvPicPr>
+        <p:blipFill>
+          <a:blip r:embed="rId3">
+            <a:extLst>
+              <a:ext uri="{28A0092B-C50C-407E-A947-70E740481C1C}">
+                <a14:useLocalDpi xmlns:a14="http://schemas.microsoft.com/office/drawing/2010/main" val="0"/>
+              </a:ext>
+            </a:extLst>
+          </a:blip>
+          <a:stretch>
+            <a:fillRect/>
+          </a:stretch>
+        </p:blipFill>
+        <p:spPr>
           <a:xfrm>
-            <a:off x="887169" y="1714158"/>
-            <a:ext cx="9975903" cy="4801314"/>
+            <a:off x="428625" y="2766610"/>
+            <a:ext cx="11650380" cy="2757307"/>
           </a:xfrm>
           <a:prstGeom prst="rect">
             <a:avLst/>
           </a:prstGeom>
-          <a:noFill/>
-          <a:ln>
-            <a:noFill/>
-          </a:ln>
-          <a:effectLst/>
-          <a:extLst>
-            <a:ext uri="{909E8E84-426E-40DD-AFC4-6F175D3DCCD1}">
-              <a14:hiddenFill xmlns:a14="http://schemas.microsoft.com/office/drawing/2010/main">
-                <a:solidFill>
-                  <a:schemeClr val="accent1"/>
-                </a:solidFill>
-              </a14:hiddenFill>
-            </a:ext>
-            <a:ext uri="{91240B29-F687-4F45-9708-019B960494DF}">
-              <a14:hiddenLine xmlns:a14="http://schemas.microsoft.com/office/drawing/2010/main" w="9525">
-                <a:solidFill>
-                  <a:schemeClr val="tx1"/>
-                </a:solidFill>
-                <a:miter lim="800000"/>
-                <a:headEnd/>
-                <a:tailEnd/>
-              </a14:hiddenLine>
-            </a:ext>
-            <a:ext uri="{AF507438-7753-43E0-B8FC-AC1667EBCBE1}">
-              <a14:hiddenEffects xmlns:a14="http://schemas.microsoft.com/office/drawing/2010/main">
-                <a:effectLst>
-                  <a:outerShdw dist="35921" dir="2700000" algn="ctr" rotWithShape="0">
-                    <a:schemeClr val="bg2"/>
-                  </a:outerShdw>
-                </a:effectLst>
-              </a14:hiddenEffects>
-            </a:ext>
-          </a:extLst>
         </p:spPr>
-        <p:txBody>
-          <a:bodyPr vert="horz" wrap="square" lIns="91440" tIns="45720" rIns="91440" bIns="45720" numCol="1" anchor="ctr" anchorCtr="0" compatLnSpc="1">
-            <a:prstTxWarp prst="textNoShape">
-              <a:avLst/>
-            </a:prstTxWarp>
-            <a:spAutoFit/>
-          </a:bodyPr>
-          <a:lstStyle/>
-          <a:p>
-            <a:pPr marL="285750" marR="0" lvl="0" indent="-285750" defTabSz="914400" rtl="0" eaLnBrk="0" fontAlgn="base" latinLnBrk="0" hangingPunct="0">
-              <a:lnSpc>
-                <a:spcPct val="100000"/>
-              </a:lnSpc>
-              <a:spcBef>
-                <a:spcPct val="0"/>
-              </a:spcBef>
-              <a:spcAft>
-                <a:spcPct val="0"/>
-              </a:spcAft>
-              <a:buClrTx/>
-              <a:buSzTx/>
-              <a:buFont typeface="Arial" panose="020B0604020202020204" pitchFamily="34" charset="0"/>
-              <a:buChar char="•"/>
-              <a:tabLst/>
-            </a:pPr>
-            <a:r>
-              <a:rPr kumimoji="0" lang="es-CL" altLang="es-CL" sz="1800" b="1" i="0" u="none" strike="noStrike" cap="none" normalizeH="0" baseline="0" dirty="0">
-                <a:ln>
-                  <a:noFill/>
-                </a:ln>
-                <a:solidFill>
-                  <a:schemeClr val="tx1"/>
-                </a:solidFill>
-                <a:effectLst/>
-                <a:latin typeface="Arial" panose="020B0604020202020204" pitchFamily="34" charset="0"/>
-              </a:rPr>
-              <a:t>Normalización:</a:t>
-            </a:r>
-            <a:br>
-              <a:rPr kumimoji="0" lang="es-CL" altLang="es-CL" sz="1800" b="0" i="0" u="none" strike="noStrike" cap="none" normalizeH="0" baseline="0" dirty="0">
-                <a:ln>
-                  <a:noFill/>
-                </a:ln>
-                <a:solidFill>
-                  <a:schemeClr val="tx1"/>
-                </a:solidFill>
-                <a:effectLst/>
-                <a:latin typeface="Arial" panose="020B0604020202020204" pitchFamily="34" charset="0"/>
-              </a:rPr>
-            </a:br>
-            <a:r>
-              <a:rPr kumimoji="0" lang="es-CL" altLang="es-CL" sz="1800" b="0" i="0" u="none" strike="noStrike" cap="none" normalizeH="0" baseline="0" dirty="0">
-                <a:ln>
-                  <a:noFill/>
-                </a:ln>
-                <a:solidFill>
-                  <a:schemeClr val="tx1"/>
-                </a:solidFill>
-                <a:effectLst/>
-                <a:latin typeface="Arial" panose="020B0604020202020204" pitchFamily="34" charset="0"/>
-              </a:rPr>
-              <a:t>El modelo está diseñado siguiendo principios de normalización, reduciendo redundancia y garantizando la integridad de los datos.</a:t>
-            </a:r>
-          </a:p>
-          <a:p>
-            <a:pPr marR="0" lvl="0" defTabSz="914400" rtl="0" eaLnBrk="0" fontAlgn="base" latinLnBrk="0" hangingPunct="0">
-              <a:lnSpc>
-                <a:spcPct val="100000"/>
-              </a:lnSpc>
-              <a:spcBef>
-                <a:spcPct val="0"/>
-              </a:spcBef>
-              <a:spcAft>
-                <a:spcPct val="0"/>
-              </a:spcAft>
-              <a:buClrTx/>
-              <a:buSzTx/>
-              <a:tabLst/>
-            </a:pPr>
-            <a:endParaRPr kumimoji="0" lang="es-CL" altLang="es-CL" sz="1800" b="0" i="0" u="none" strike="noStrike" cap="none" normalizeH="0" baseline="0" dirty="0">
-              <a:ln>
-                <a:noFill/>
-              </a:ln>
-              <a:solidFill>
-                <a:schemeClr val="tx1"/>
-              </a:solidFill>
-              <a:effectLst/>
-              <a:latin typeface="Arial" panose="020B0604020202020204" pitchFamily="34" charset="0"/>
-            </a:endParaRPr>
-          </a:p>
-          <a:p>
-            <a:pPr marL="285750" marR="0" lvl="0" indent="-285750" defTabSz="914400" rtl="0" eaLnBrk="0" fontAlgn="base" latinLnBrk="0" hangingPunct="0">
-              <a:lnSpc>
-                <a:spcPct val="100000"/>
-              </a:lnSpc>
-              <a:spcBef>
-                <a:spcPct val="0"/>
-              </a:spcBef>
-              <a:spcAft>
-                <a:spcPct val="0"/>
-              </a:spcAft>
-              <a:buClrTx/>
-              <a:buSzTx/>
-              <a:buFont typeface="Arial" panose="020B0604020202020204" pitchFamily="34" charset="0"/>
-              <a:buChar char="•"/>
-              <a:tabLst/>
-            </a:pPr>
-            <a:r>
-              <a:rPr kumimoji="0" lang="es-CL" altLang="es-CL" sz="1800" b="1" i="0" u="none" strike="noStrike" cap="none" normalizeH="0" baseline="0" dirty="0">
-                <a:ln>
-                  <a:noFill/>
-                </a:ln>
-                <a:solidFill>
-                  <a:schemeClr val="tx1"/>
-                </a:solidFill>
-                <a:effectLst/>
-                <a:latin typeface="Arial" panose="020B0604020202020204" pitchFamily="34" charset="0"/>
-              </a:rPr>
-              <a:t>Escalabilidad:</a:t>
-            </a:r>
-            <a:br>
-              <a:rPr kumimoji="0" lang="es-CL" altLang="es-CL" sz="1800" b="0" i="0" u="none" strike="noStrike" cap="none" normalizeH="0" baseline="0" dirty="0">
-                <a:ln>
-                  <a:noFill/>
-                </a:ln>
-                <a:solidFill>
-                  <a:schemeClr val="tx1"/>
-                </a:solidFill>
-                <a:effectLst/>
-                <a:latin typeface="Arial" panose="020B0604020202020204" pitchFamily="34" charset="0"/>
-              </a:rPr>
-            </a:br>
-            <a:r>
-              <a:rPr kumimoji="0" lang="es-CL" altLang="es-CL" sz="1800" b="0" i="0" u="none" strike="noStrike" cap="none" normalizeH="0" baseline="0" dirty="0">
-                <a:ln>
-                  <a:noFill/>
-                </a:ln>
-                <a:solidFill>
-                  <a:schemeClr val="tx1"/>
-                </a:solidFill>
-                <a:effectLst/>
-                <a:latin typeface="Arial" panose="020B0604020202020204" pitchFamily="34" charset="0"/>
-              </a:rPr>
-              <a:t>Permite incorporar nuevas tablas o campos, como proveedores o lotes específicos, sin afectar el funcionamiento actual.</a:t>
-            </a:r>
-          </a:p>
-          <a:p>
-            <a:pPr marR="0" lvl="0" defTabSz="914400" rtl="0" eaLnBrk="0" fontAlgn="base" latinLnBrk="0" hangingPunct="0">
-              <a:lnSpc>
-                <a:spcPct val="100000"/>
-              </a:lnSpc>
-              <a:spcBef>
-                <a:spcPct val="0"/>
-              </a:spcBef>
-              <a:spcAft>
-                <a:spcPct val="0"/>
-              </a:spcAft>
-              <a:buClrTx/>
-              <a:buSzTx/>
-              <a:tabLst/>
-            </a:pPr>
-            <a:endParaRPr kumimoji="0" lang="es-CL" altLang="es-CL" sz="1800" b="0" i="0" u="none" strike="noStrike" cap="none" normalizeH="0" baseline="0" dirty="0">
-              <a:ln>
-                <a:noFill/>
-              </a:ln>
-              <a:solidFill>
-                <a:schemeClr val="tx1"/>
-              </a:solidFill>
-              <a:effectLst/>
-              <a:latin typeface="Arial" panose="020B0604020202020204" pitchFamily="34" charset="0"/>
-            </a:endParaRPr>
-          </a:p>
-          <a:p>
-            <a:pPr marL="285750" marR="0" lvl="0" indent="-285750" defTabSz="914400" rtl="0" eaLnBrk="0" fontAlgn="base" latinLnBrk="0" hangingPunct="0">
-              <a:lnSpc>
-                <a:spcPct val="100000"/>
-              </a:lnSpc>
-              <a:spcBef>
-                <a:spcPct val="0"/>
-              </a:spcBef>
-              <a:spcAft>
-                <a:spcPct val="0"/>
-              </a:spcAft>
-              <a:buClrTx/>
-              <a:buSzTx/>
-              <a:buFont typeface="Arial" panose="020B0604020202020204" pitchFamily="34" charset="0"/>
-              <a:buChar char="•"/>
-              <a:tabLst/>
-            </a:pPr>
-            <a:r>
-              <a:rPr kumimoji="0" lang="es-CL" altLang="es-CL" sz="1800" b="1" i="0" u="none" strike="noStrike" cap="none" normalizeH="0" baseline="0" dirty="0">
-                <a:ln>
-                  <a:noFill/>
-                </a:ln>
-                <a:solidFill>
-                  <a:schemeClr val="tx1"/>
-                </a:solidFill>
-                <a:effectLst/>
-                <a:latin typeface="Arial" panose="020B0604020202020204" pitchFamily="34" charset="0"/>
-              </a:rPr>
-              <a:t>Integridad Referencial:</a:t>
-            </a:r>
-          </a:p>
-          <a:p>
-            <a:pPr marL="285750" indent="-285750" eaLnBrk="0" fontAlgn="base" hangingPunct="0">
-              <a:spcBef>
-                <a:spcPct val="0"/>
-              </a:spcBef>
-              <a:spcAft>
-                <a:spcPct val="0"/>
-              </a:spcAft>
-              <a:buFont typeface="Courier New" panose="02070309020205020404" pitchFamily="49" charset="0"/>
-              <a:buChar char="o"/>
-            </a:pPr>
-            <a:r>
-              <a:rPr kumimoji="0" lang="es-CL" altLang="es-CL" sz="1800" b="0" i="0" u="none" strike="noStrike" cap="none" normalizeH="0" baseline="0" dirty="0">
-                <a:ln>
-                  <a:noFill/>
-                </a:ln>
-                <a:solidFill>
-                  <a:schemeClr val="tx1"/>
-                </a:solidFill>
-                <a:effectLst/>
-                <a:latin typeface="Arial" panose="020B0604020202020204" pitchFamily="34" charset="0"/>
-              </a:rPr>
-              <a:t>Se utilizan claves foráneas para asegurar la relación entre tablas.</a:t>
-            </a:r>
-          </a:p>
-          <a:p>
-            <a:pPr marL="285750" marR="0" lvl="0" indent="-285750" defTabSz="914400" rtl="0" eaLnBrk="0" fontAlgn="base" latinLnBrk="0" hangingPunct="0">
-              <a:lnSpc>
-                <a:spcPct val="100000"/>
-              </a:lnSpc>
-              <a:spcBef>
-                <a:spcPct val="0"/>
-              </a:spcBef>
-              <a:spcAft>
-                <a:spcPct val="0"/>
-              </a:spcAft>
-              <a:buClrTx/>
-              <a:buSzTx/>
-              <a:buFont typeface="Courier New" panose="02070309020205020404" pitchFamily="49" charset="0"/>
-              <a:buChar char="o"/>
-              <a:tabLst/>
-            </a:pPr>
-            <a:r>
-              <a:rPr kumimoji="0" lang="es-CL" altLang="es-CL" sz="1800" b="0" i="0" u="none" strike="noStrike" cap="none" normalizeH="0" baseline="0" dirty="0">
-                <a:ln>
-                  <a:noFill/>
-                </a:ln>
-                <a:solidFill>
-                  <a:schemeClr val="tx1"/>
-                </a:solidFill>
-                <a:effectLst/>
-                <a:latin typeface="Arial" panose="020B0604020202020204" pitchFamily="34" charset="0"/>
-              </a:rPr>
-              <a:t>Ejemplo: Cada registro en la tabla de movimientos está vinculado a un medicamento específico y a un usuario responsable.</a:t>
-            </a:r>
-            <a:endParaRPr lang="es-CL" altLang="es-CL" dirty="0">
-              <a:latin typeface="Arial" panose="020B0604020202020204" pitchFamily="34" charset="0"/>
-            </a:endParaRPr>
-          </a:p>
-          <a:p>
-            <a:pPr marR="0" lvl="0" defTabSz="914400" rtl="0" eaLnBrk="0" fontAlgn="base" latinLnBrk="0" hangingPunct="0">
-              <a:lnSpc>
-                <a:spcPct val="100000"/>
-              </a:lnSpc>
-              <a:spcBef>
-                <a:spcPct val="0"/>
-              </a:spcBef>
-              <a:spcAft>
-                <a:spcPct val="0"/>
-              </a:spcAft>
-              <a:buClrTx/>
-              <a:buSzTx/>
-              <a:tabLst/>
-            </a:pPr>
-            <a:endParaRPr kumimoji="0" lang="es-CL" altLang="es-CL" sz="1800" b="0" i="0" u="none" strike="noStrike" cap="none" normalizeH="0" baseline="0" dirty="0">
-              <a:ln>
-                <a:noFill/>
-              </a:ln>
-              <a:solidFill>
-                <a:schemeClr val="tx1"/>
-              </a:solidFill>
-              <a:effectLst/>
-              <a:latin typeface="Arial" panose="020B0604020202020204" pitchFamily="34" charset="0"/>
-            </a:endParaRPr>
-          </a:p>
-          <a:p>
-            <a:pPr marL="285750" marR="0" lvl="0" indent="-285750" defTabSz="914400" rtl="0" eaLnBrk="0" fontAlgn="base" latinLnBrk="0" hangingPunct="0">
-              <a:lnSpc>
-                <a:spcPct val="100000"/>
-              </a:lnSpc>
-              <a:spcBef>
-                <a:spcPct val="0"/>
-              </a:spcBef>
-              <a:spcAft>
-                <a:spcPct val="0"/>
-              </a:spcAft>
-              <a:buClrTx/>
-              <a:buSzTx/>
-              <a:buFont typeface="Arial" panose="020B0604020202020204" pitchFamily="34" charset="0"/>
-              <a:buChar char="•"/>
-              <a:tabLst/>
-            </a:pPr>
-            <a:r>
-              <a:rPr kumimoji="0" lang="es-CL" altLang="es-CL" sz="1800" b="1" i="0" u="none" strike="noStrike" cap="none" normalizeH="0" baseline="0" dirty="0">
-                <a:ln>
-                  <a:noFill/>
-                </a:ln>
-                <a:solidFill>
-                  <a:schemeClr val="tx1"/>
-                </a:solidFill>
-                <a:effectLst/>
-                <a:latin typeface="Arial" panose="020B0604020202020204" pitchFamily="34" charset="0"/>
-              </a:rPr>
-              <a:t>Optimización para Consultas:</a:t>
-            </a:r>
-            <a:endParaRPr kumimoji="0" lang="es-CL" altLang="es-CL" sz="1800" b="0" i="0" u="none" strike="noStrike" cap="none" normalizeH="0" baseline="0" dirty="0">
-              <a:ln>
-                <a:noFill/>
-              </a:ln>
-              <a:solidFill>
-                <a:schemeClr val="tx1"/>
-              </a:solidFill>
-              <a:effectLst/>
-              <a:latin typeface="Arial" panose="020B0604020202020204" pitchFamily="34" charset="0"/>
-            </a:endParaRPr>
-          </a:p>
-          <a:p>
-            <a:pPr marL="285750" marR="0" lvl="0" indent="-285750" defTabSz="914400" rtl="0" eaLnBrk="0" fontAlgn="base" latinLnBrk="0" hangingPunct="0">
-              <a:lnSpc>
-                <a:spcPct val="100000"/>
-              </a:lnSpc>
-              <a:spcBef>
-                <a:spcPct val="0"/>
-              </a:spcBef>
-              <a:spcAft>
-                <a:spcPct val="0"/>
-              </a:spcAft>
-              <a:buClrTx/>
-              <a:buSzTx/>
-              <a:buFont typeface="Courier New" panose="02070309020205020404" pitchFamily="49" charset="0"/>
-              <a:buChar char="o"/>
-              <a:tabLst/>
-            </a:pPr>
-            <a:r>
-              <a:rPr kumimoji="0" lang="es-CL" altLang="es-CL" sz="1800" b="0" i="0" u="none" strike="noStrike" cap="none" normalizeH="0" baseline="0" dirty="0">
-                <a:ln>
-                  <a:noFill/>
-                </a:ln>
-                <a:solidFill>
-                  <a:schemeClr val="tx1"/>
-                </a:solidFill>
-                <a:effectLst/>
-                <a:latin typeface="Arial" panose="020B0604020202020204" pitchFamily="34" charset="0"/>
-              </a:rPr>
-              <a:t>Índices en campos clave como ID, Fecha de Vencimiento y Código de Barras, lo que agiliza las consultas y reportes frecuentes.</a:t>
-            </a:r>
-          </a:p>
-          <a:p>
-            <a:pPr marL="0" marR="0" lvl="0" indent="0" defTabSz="914400" rtl="0" eaLnBrk="0" fontAlgn="base" latinLnBrk="0" hangingPunct="0">
-              <a:lnSpc>
-                <a:spcPct val="100000"/>
-              </a:lnSpc>
-              <a:spcBef>
-                <a:spcPct val="0"/>
-              </a:spcBef>
-              <a:spcAft>
-                <a:spcPct val="0"/>
-              </a:spcAft>
-              <a:buClrTx/>
-              <a:buSzTx/>
-              <a:buFontTx/>
-              <a:buNone/>
-              <a:tabLst/>
-            </a:pPr>
-            <a:endParaRPr kumimoji="0" lang="es-CL" altLang="es-CL" sz="1800" b="0" i="0" u="none" strike="noStrike" cap="none" normalizeH="0" baseline="0" dirty="0">
-              <a:ln>
-                <a:noFill/>
-              </a:ln>
-              <a:solidFill>
-                <a:schemeClr val="tx1"/>
-              </a:solidFill>
-              <a:effectLst/>
-              <a:latin typeface="Arial" panose="020B0604020202020204" pitchFamily="34" charset="0"/>
-            </a:endParaRPr>
-          </a:p>
-        </p:txBody>
-      </p:sp>
+      </p:pic>
     </p:spTree>
     <p:extLst>
       <p:ext uri="{BB962C8B-B14F-4D97-AF65-F5344CB8AC3E}">
-        <p14:creationId xmlns:p14="http://schemas.microsoft.com/office/powerpoint/2010/main" val="2752457618"/>
+        <p14:creationId xmlns:p14="http://schemas.microsoft.com/office/powerpoint/2010/main" val="1890491460"/>
       </p:ext>
     </p:extLst>
   </p:cSld>

--- a/Fase 3/Evidencias Grupales/Presentación final (1.0).pptx
+++ b/Fase 3/Evidencias Grupales/Presentación final (1.0).pptx
@@ -1044,11 +1044,7 @@
         <a:p>
           <a:r>
             <a:rPr lang="es-MX" dirty="0"/>
-            <a:t>Proyecto </a:t>
-          </a:r>
-          <a:r>
-            <a:rPr lang="es-MX" dirty="0" err="1"/>
-            <a:t>Capstone</a:t>
+            <a:t>Proyecto Capstone</a:t>
           </a:r>
           <a:endParaRPr lang="es-CL" dirty="0"/>
         </a:p>
@@ -1122,11 +1118,7 @@
         <a:p>
           <a:r>
             <a:rPr lang="es-MX" dirty="0"/>
-            <a:t>Proyecto </a:t>
-          </a:r>
-          <a:r>
-            <a:rPr lang="es-MX" dirty="0" err="1"/>
-            <a:t>Capstone</a:t>
+            <a:t>Proyecto Capstone</a:t>
           </a:r>
           <a:endParaRPr lang="es-CL" dirty="0"/>
         </a:p>
@@ -1200,11 +1192,7 @@
         <a:p>
           <a:r>
             <a:rPr lang="es-MX" dirty="0"/>
-            <a:t>Proyecto </a:t>
-          </a:r>
-          <a:r>
-            <a:rPr lang="es-MX" dirty="0" err="1"/>
-            <a:t>Capstone</a:t>
+            <a:t>Proyecto Capstone</a:t>
           </a:r>
           <a:endParaRPr lang="es-CL" dirty="0"/>
         </a:p>
@@ -1250,8 +1238,22 @@
       <dgm:spPr/>
     </dgm:pt>
     <dgm:pt modelId="{9A7E2690-DE9C-4572-9BE5-B8C9A3B8BBB3}" type="pres">
-      <dgm:prSet presAssocID="{78BFB295-8F5D-4286-B72B-79142F8F0E13}" presName="img" presStyleLbl="fgImgPlace1" presStyleIdx="0" presStyleCnt="3"/>
-      <dgm:spPr/>
+      <dgm:prSet presAssocID="{78BFB295-8F5D-4286-B72B-79142F8F0E13}" presName="img" presStyleLbl="fgImgPlace1" presStyleIdx="0" presStyleCnt="3" custScaleX="93499" custScaleY="96366"/>
+      <dgm:spPr>
+        <a:blipFill>
+          <a:blip xmlns:r="http://schemas.openxmlformats.org/officeDocument/2006/relationships" r:embed="rId1">
+            <a:extLst>
+              <a:ext uri="{28A0092B-C50C-407E-A947-70E740481C1C}">
+                <a14:useLocalDpi xmlns:a14="http://schemas.microsoft.com/office/drawing/2010/main" val="0"/>
+              </a:ext>
+            </a:extLst>
+          </a:blip>
+          <a:srcRect/>
+          <a:stretch>
+            <a:fillRect t="-25000" b="-25000"/>
+          </a:stretch>
+        </a:blipFill>
+      </dgm:spPr>
     </dgm:pt>
     <dgm:pt modelId="{52D125D2-FCA7-4A2D-AB39-B6BD54F251F2}" type="pres">
       <dgm:prSet presAssocID="{78BFB295-8F5D-4286-B72B-79142F8F0E13}" presName="text" presStyleLbl="node1" presStyleIdx="0" presStyleCnt="3">
@@ -1274,8 +1276,22 @@
       <dgm:spPr/>
     </dgm:pt>
     <dgm:pt modelId="{3F97C059-D720-4D48-953F-B84D04D0BF79}" type="pres">
-      <dgm:prSet presAssocID="{02A34BC0-F8BA-4A89-87A4-4F20079DFD06}" presName="img" presStyleLbl="fgImgPlace1" presStyleIdx="1" presStyleCnt="3"/>
-      <dgm:spPr/>
+      <dgm:prSet presAssocID="{02A34BC0-F8BA-4A89-87A4-4F20079DFD06}" presName="img" presStyleLbl="fgImgPlace1" presStyleIdx="1" presStyleCnt="3" custScaleY="105071"/>
+      <dgm:spPr>
+        <a:blipFill>
+          <a:blip xmlns:r="http://schemas.openxmlformats.org/officeDocument/2006/relationships" r:embed="rId2">
+            <a:extLst>
+              <a:ext uri="{28A0092B-C50C-407E-A947-70E740481C1C}">
+                <a14:useLocalDpi xmlns:a14="http://schemas.microsoft.com/office/drawing/2010/main" val="0"/>
+              </a:ext>
+            </a:extLst>
+          </a:blip>
+          <a:srcRect/>
+          <a:stretch>
+            <a:fillRect t="-22000" b="-22000"/>
+          </a:stretch>
+        </a:blipFill>
+      </dgm:spPr>
     </dgm:pt>
     <dgm:pt modelId="{CFFDF23F-D296-4CDF-8EE4-8A672559E207}" type="pres">
       <dgm:prSet presAssocID="{02A34BC0-F8BA-4A89-87A4-4F20079DFD06}" presName="text" presStyleLbl="node1" presStyleIdx="1" presStyleCnt="3">
@@ -1299,7 +1315,21 @@
     </dgm:pt>
     <dgm:pt modelId="{7C6A764B-C67C-494C-B90E-7B3C3DDE54A4}" type="pres">
       <dgm:prSet presAssocID="{99FF0D0F-282A-4030-9AF5-3B7621881539}" presName="img" presStyleLbl="fgImgPlace1" presStyleIdx="2" presStyleCnt="3"/>
-      <dgm:spPr/>
+      <dgm:spPr>
+        <a:blipFill>
+          <a:blip xmlns:r="http://schemas.openxmlformats.org/officeDocument/2006/relationships" r:embed="rId3">
+            <a:extLst>
+              <a:ext uri="{28A0092B-C50C-407E-A947-70E740481C1C}">
+                <a14:useLocalDpi xmlns:a14="http://schemas.microsoft.com/office/drawing/2010/main" val="0"/>
+              </a:ext>
+            </a:extLst>
+          </a:blip>
+          <a:srcRect/>
+          <a:stretch>
+            <a:fillRect t="-44000" b="-44000"/>
+          </a:stretch>
+        </a:blipFill>
+      </dgm:spPr>
     </dgm:pt>
     <dgm:pt modelId="{0E12AD21-08CC-4736-A269-DD5234F9D874}" type="pres">
       <dgm:prSet presAssocID="{99FF0D0F-282A-4030-9AF5-3B7621881539}" presName="text" presStyleLbl="node1" presStyleIdx="2" presStyleCnt="3">
@@ -1508,11 +1538,7 @@
           </a:pPr>
           <a:r>
             <a:rPr lang="es-MX" sz="2000" kern="1200" dirty="0"/>
-            <a:t>Proyecto </a:t>
-          </a:r>
-          <a:r>
-            <a:rPr lang="es-MX" sz="2000" kern="1200" dirty="0" err="1"/>
-            <a:t>Capstone</a:t>
+            <a:t>Proyecto Capstone</a:t>
           </a:r>
           <a:endParaRPr lang="es-CL" sz="2000" kern="1200" dirty="0"/>
         </a:p>
@@ -1529,23 +1555,27 @@
       </dsp:nvSpPr>
       <dsp:spPr>
         <a:xfrm>
-          <a:off x="135954" y="135954"/>
-          <a:ext cx="1526698" cy="1087638"/>
+          <a:off x="185580" y="155717"/>
+          <a:ext cx="1427448" cy="1048113"/>
         </a:xfrm>
         <a:prstGeom prst="roundRect">
           <a:avLst>
             <a:gd name="adj" fmla="val 10000"/>
           </a:avLst>
         </a:prstGeom>
-        <a:solidFill>
-          <a:schemeClr val="accent5">
-            <a:tint val="50000"/>
-            <a:hueOff val="0"/>
-            <a:satOff val="0"/>
-            <a:lumOff val="0"/>
-            <a:alphaOff val="0"/>
-          </a:schemeClr>
-        </a:solidFill>
+        <a:blipFill>
+          <a:blip xmlns:r="http://schemas.openxmlformats.org/officeDocument/2006/relationships" r:embed="rId1">
+            <a:extLst>
+              <a:ext uri="{28A0092B-C50C-407E-A947-70E740481C1C}">
+                <a14:useLocalDpi xmlns:a14="http://schemas.microsoft.com/office/drawing/2010/main" val="0"/>
+              </a:ext>
+            </a:extLst>
+          </a:blip>
+          <a:srcRect/>
+          <a:stretch>
+            <a:fillRect t="-25000" b="-25000"/>
+          </a:stretch>
+        </a:blipFill>
         <a:ln>
           <a:noFill/>
         </a:ln>
@@ -1706,11 +1736,7 @@
           </a:pPr>
           <a:r>
             <a:rPr lang="es-MX" sz="2000" kern="1200" dirty="0"/>
-            <a:t>Proyecto </a:t>
-          </a:r>
-          <a:r>
-            <a:rPr lang="es-MX" sz="2000" kern="1200" dirty="0" err="1"/>
-            <a:t>Capstone</a:t>
+            <a:t>Proyecto Capstone</a:t>
           </a:r>
           <a:endParaRPr lang="es-CL" sz="2000" kern="1200" dirty="0"/>
         </a:p>
@@ -1727,23 +1753,27 @@
       </dsp:nvSpPr>
       <dsp:spPr>
         <a:xfrm>
-          <a:off x="135954" y="1631457"/>
-          <a:ext cx="1526698" cy="1087638"/>
+          <a:off x="135954" y="1603880"/>
+          <a:ext cx="1526698" cy="1142792"/>
         </a:xfrm>
         <a:prstGeom prst="roundRect">
           <a:avLst>
             <a:gd name="adj" fmla="val 10000"/>
           </a:avLst>
         </a:prstGeom>
-        <a:solidFill>
-          <a:schemeClr val="accent5">
-            <a:tint val="50000"/>
-            <a:hueOff val="0"/>
-            <a:satOff val="0"/>
-            <a:lumOff val="0"/>
-            <a:alphaOff val="0"/>
-          </a:schemeClr>
-        </a:solidFill>
+        <a:blipFill>
+          <a:blip xmlns:r="http://schemas.openxmlformats.org/officeDocument/2006/relationships" r:embed="rId2">
+            <a:extLst>
+              <a:ext uri="{28A0092B-C50C-407E-A947-70E740481C1C}">
+                <a14:useLocalDpi xmlns:a14="http://schemas.microsoft.com/office/drawing/2010/main" val="0"/>
+              </a:ext>
+            </a:extLst>
+          </a:blip>
+          <a:srcRect/>
+          <a:stretch>
+            <a:fillRect t="-22000" b="-22000"/>
+          </a:stretch>
+        </a:blipFill>
         <a:ln>
           <a:noFill/>
         </a:ln>
@@ -1904,11 +1934,7 @@
           </a:pPr>
           <a:r>
             <a:rPr lang="es-MX" sz="2000" kern="1200" dirty="0"/>
-            <a:t>Proyecto </a:t>
-          </a:r>
-          <a:r>
-            <a:rPr lang="es-MX" sz="2000" kern="1200" dirty="0" err="1"/>
-            <a:t>Capstone</a:t>
+            <a:t>Proyecto Capstone</a:t>
           </a:r>
           <a:endParaRPr lang="es-CL" sz="2000" kern="1200" dirty="0"/>
         </a:p>
@@ -1933,15 +1959,19 @@
             <a:gd name="adj" fmla="val 10000"/>
           </a:avLst>
         </a:prstGeom>
-        <a:solidFill>
-          <a:schemeClr val="accent5">
-            <a:tint val="50000"/>
-            <a:hueOff val="0"/>
-            <a:satOff val="0"/>
-            <a:lumOff val="0"/>
-            <a:alphaOff val="0"/>
-          </a:schemeClr>
-        </a:solidFill>
+        <a:blipFill>
+          <a:blip xmlns:r="http://schemas.openxmlformats.org/officeDocument/2006/relationships" r:embed="rId3">
+            <a:extLst>
+              <a:ext uri="{28A0092B-C50C-407E-A947-70E740481C1C}">
+                <a14:useLocalDpi xmlns:a14="http://schemas.microsoft.com/office/drawing/2010/main" val="0"/>
+              </a:ext>
+            </a:extLst>
+          </a:blip>
+          <a:srcRect/>
+          <a:stretch>
+            <a:fillRect t="-44000" b="-44000"/>
+          </a:stretch>
+        </a:blipFill>
         <a:ln>
           <a:noFill/>
         </a:ln>
@@ -3360,7 +3390,7 @@
           <a:p>
             <a:fld id="{6E1704C8-43E3-4F4F-BE90-356A640D5754}" type="datetimeFigureOut">
               <a:rPr lang="es-CL" smtClean="0"/>
-              <a:t>08-12-2024</a:t>
+              <a:t>09-12-2024</a:t>
             </a:fld>
             <a:endParaRPr lang="es-CL"/>
           </a:p>
@@ -3563,7 +3593,7 @@
           <a:p>
             <a:fld id="{6E1704C8-43E3-4F4F-BE90-356A640D5754}" type="datetimeFigureOut">
               <a:rPr lang="es-CL" smtClean="0"/>
-              <a:t>08-12-2024</a:t>
+              <a:t>09-12-2024</a:t>
             </a:fld>
             <a:endParaRPr lang="es-CL"/>
           </a:p>
@@ -3776,7 +3806,7 @@
           <a:p>
             <a:fld id="{6E1704C8-43E3-4F4F-BE90-356A640D5754}" type="datetimeFigureOut">
               <a:rPr lang="es-CL" smtClean="0"/>
-              <a:t>08-12-2024</a:t>
+              <a:t>09-12-2024</a:t>
             </a:fld>
             <a:endParaRPr lang="es-CL"/>
           </a:p>
@@ -3979,7 +4009,7 @@
           <a:p>
             <a:fld id="{6E1704C8-43E3-4F4F-BE90-356A640D5754}" type="datetimeFigureOut">
               <a:rPr lang="es-CL" smtClean="0"/>
-              <a:t>08-12-2024</a:t>
+              <a:t>09-12-2024</a:t>
             </a:fld>
             <a:endParaRPr lang="es-CL"/>
           </a:p>
@@ -4258,7 +4288,7 @@
           <a:p>
             <a:fld id="{6E1704C8-43E3-4F4F-BE90-356A640D5754}" type="datetimeFigureOut">
               <a:rPr lang="es-CL" smtClean="0"/>
-              <a:t>08-12-2024</a:t>
+              <a:t>09-12-2024</a:t>
             </a:fld>
             <a:endParaRPr lang="es-CL"/>
           </a:p>
@@ -4529,7 +4559,7 @@
           <a:p>
             <a:fld id="{6E1704C8-43E3-4F4F-BE90-356A640D5754}" type="datetimeFigureOut">
               <a:rPr lang="es-CL" smtClean="0"/>
-              <a:t>08-12-2024</a:t>
+              <a:t>09-12-2024</a:t>
             </a:fld>
             <a:endParaRPr lang="es-CL"/>
           </a:p>
@@ -4947,7 +4977,7 @@
           <a:p>
             <a:fld id="{6E1704C8-43E3-4F4F-BE90-356A640D5754}" type="datetimeFigureOut">
               <a:rPr lang="es-CL" smtClean="0"/>
-              <a:t>08-12-2024</a:t>
+              <a:t>09-12-2024</a:t>
             </a:fld>
             <a:endParaRPr lang="es-CL"/>
           </a:p>
@@ -5092,7 +5122,7 @@
           <a:p>
             <a:fld id="{6E1704C8-43E3-4F4F-BE90-356A640D5754}" type="datetimeFigureOut">
               <a:rPr lang="es-CL" smtClean="0"/>
-              <a:t>08-12-2024</a:t>
+              <a:t>09-12-2024</a:t>
             </a:fld>
             <a:endParaRPr lang="es-CL"/>
           </a:p>
@@ -5208,7 +5238,7 @@
           <a:p>
             <a:fld id="{6E1704C8-43E3-4F4F-BE90-356A640D5754}" type="datetimeFigureOut">
               <a:rPr lang="es-CL" smtClean="0"/>
-              <a:t>08-12-2024</a:t>
+              <a:t>09-12-2024</a:t>
             </a:fld>
             <a:endParaRPr lang="es-CL"/>
           </a:p>
@@ -5524,7 +5554,7 @@
           <a:p>
             <a:fld id="{6E1704C8-43E3-4F4F-BE90-356A640D5754}" type="datetimeFigureOut">
               <a:rPr lang="es-CL" smtClean="0"/>
-              <a:t>08-12-2024</a:t>
+              <a:t>09-12-2024</a:t>
             </a:fld>
             <a:endParaRPr lang="es-CL"/>
           </a:p>
@@ -5816,7 +5846,7 @@
           <a:p>
             <a:fld id="{6E1704C8-43E3-4F4F-BE90-356A640D5754}" type="datetimeFigureOut">
               <a:rPr lang="es-CL" smtClean="0"/>
-              <a:t>08-12-2024</a:t>
+              <a:t>09-12-2024</a:t>
             </a:fld>
             <a:endParaRPr lang="es-CL"/>
           </a:p>
@@ -6062,7 +6092,7 @@
           <a:p>
             <a:fld id="{6E1704C8-43E3-4F4F-BE90-356A640D5754}" type="datetimeFigureOut">
               <a:rPr lang="es-CL" smtClean="0"/>
-              <a:t>08-12-2024</a:t>
+              <a:t>09-12-2024</a:t>
             </a:fld>
             <a:endParaRPr lang="es-CL"/>
           </a:p>
@@ -9602,7 +9632,7 @@
           <p:nvPr>
             <p:extLst>
               <p:ext uri="{D42A27DB-BD31-4B8C-83A1-F6EECF244321}">
-                <p14:modId xmlns:p14="http://schemas.microsoft.com/office/powerpoint/2010/main" val="1214982885"/>
+                <p14:modId xmlns:p14="http://schemas.microsoft.com/office/powerpoint/2010/main" val="2842922288"/>
               </p:ext>
             </p:extLst>
           </p:nvPr>

--- a/Fase 3/Evidencias Grupales/Presentación final (1.0).pptx
+++ b/Fase 3/Evidencias Grupales/Presentación final (1.0).pptx
@@ -8,16 +8,16 @@
     <p:sldId id="256" r:id="rId2"/>
     <p:sldId id="257" r:id="rId3"/>
     <p:sldId id="258" r:id="rId4"/>
-    <p:sldId id="271" r:id="rId5"/>
-    <p:sldId id="259" r:id="rId6"/>
-    <p:sldId id="264" r:id="rId7"/>
-    <p:sldId id="260" r:id="rId8"/>
-    <p:sldId id="262" r:id="rId9"/>
-    <p:sldId id="263" r:id="rId10"/>
-    <p:sldId id="269" r:id="rId11"/>
-    <p:sldId id="270" r:id="rId12"/>
-    <p:sldId id="265" r:id="rId13"/>
-    <p:sldId id="267" r:id="rId14"/>
+    <p:sldId id="259" r:id="rId5"/>
+    <p:sldId id="264" r:id="rId6"/>
+    <p:sldId id="260" r:id="rId7"/>
+    <p:sldId id="262" r:id="rId8"/>
+    <p:sldId id="263" r:id="rId9"/>
+    <p:sldId id="269" r:id="rId10"/>
+    <p:sldId id="270" r:id="rId11"/>
+    <p:sldId id="265" r:id="rId12"/>
+    <p:sldId id="267" r:id="rId13"/>
+    <p:sldId id="271" r:id="rId14"/>
     <p:sldId id="268" r:id="rId15"/>
     <p:sldId id="266" r:id="rId16"/>
   </p:sldIdLst>
@@ -6738,677 +6738,6 @@
         </p:nvSpPr>
         <p:spPr>
           <a:xfrm>
-            <a:off x="0" y="1432655"/>
-            <a:ext cx="12191999" cy="646331"/>
-          </a:xfrm>
-          <a:prstGeom prst="rect">
-            <a:avLst/>
-          </a:prstGeom>
-          <a:noFill/>
-        </p:spPr>
-        <p:txBody>
-          <a:bodyPr wrap="square" rtlCol="0">
-            <a:spAutoFit/>
-          </a:bodyPr>
-          <a:lstStyle/>
-          <a:p>
-            <a:pPr algn="ctr"/>
-            <a:r>
-              <a:rPr lang="es-MX" sz="3600" dirty="0"/>
-              <a:t>Modelo de datos</a:t>
-            </a:r>
-          </a:p>
-        </p:txBody>
-      </p:sp>
-      <p:cxnSp>
-        <p:nvCxnSpPr>
-          <p:cNvPr id="9" name="Conector recto 8">
-            <a:extLst>
-              <a:ext uri="{FF2B5EF4-FFF2-40B4-BE49-F238E27FC236}">
-                <a16:creationId xmlns:a16="http://schemas.microsoft.com/office/drawing/2014/main" id="{8768D7F4-D478-E252-1441-D950598597DE}"/>
-              </a:ext>
-            </a:extLst>
-          </p:cNvPr>
-          <p:cNvCxnSpPr/>
-          <p:nvPr/>
-        </p:nvCxnSpPr>
-        <p:spPr>
-          <a:xfrm>
-            <a:off x="0" y="758027"/>
-            <a:ext cx="4085617" cy="0"/>
-          </a:xfrm>
-          <a:prstGeom prst="line">
-            <a:avLst/>
-          </a:prstGeom>
-          <a:ln w="15875">
-            <a:gradFill flip="none" rotWithShape="1">
-              <a:gsLst>
-                <a:gs pos="0">
-                  <a:schemeClr val="accent1">
-                    <a:lumMod val="5000"/>
-                    <a:lumOff val="95000"/>
-                  </a:schemeClr>
-                </a:gs>
-                <a:gs pos="74000">
-                  <a:schemeClr val="accent1">
-                    <a:lumMod val="45000"/>
-                    <a:lumOff val="55000"/>
-                  </a:schemeClr>
-                </a:gs>
-                <a:gs pos="83000">
-                  <a:schemeClr val="accent1">
-                    <a:lumMod val="45000"/>
-                    <a:lumOff val="55000"/>
-                  </a:schemeClr>
-                </a:gs>
-                <a:gs pos="100000">
-                  <a:schemeClr val="accent1">
-                    <a:lumMod val="30000"/>
-                    <a:lumOff val="70000"/>
-                  </a:schemeClr>
-                </a:gs>
-              </a:gsLst>
-              <a:lin ang="10800000" scaled="1"/>
-              <a:tileRect/>
-            </a:gradFill>
-          </a:ln>
-        </p:spPr>
-        <p:style>
-          <a:lnRef idx="1">
-            <a:schemeClr val="accent1"/>
-          </a:lnRef>
-          <a:fillRef idx="0">
-            <a:schemeClr val="accent1"/>
-          </a:fillRef>
-          <a:effectRef idx="0">
-            <a:schemeClr val="accent1"/>
-          </a:effectRef>
-          <a:fontRef idx="minor">
-            <a:schemeClr val="tx1"/>
-          </a:fontRef>
-        </p:style>
-      </p:cxnSp>
-      <p:sp>
-        <p:nvSpPr>
-          <p:cNvPr id="3" name="Rectangle 2">
-            <a:extLst>
-              <a:ext uri="{FF2B5EF4-FFF2-40B4-BE49-F238E27FC236}">
-                <a16:creationId xmlns:a16="http://schemas.microsoft.com/office/drawing/2014/main" id="{8F72CA06-EACC-E3F2-1339-69467BDAEAE0}"/>
-              </a:ext>
-            </a:extLst>
-          </p:cNvPr>
-          <p:cNvSpPr>
-            <a:spLocks noChangeArrowheads="1"/>
-          </p:cNvSpPr>
-          <p:nvPr/>
-        </p:nvSpPr>
-        <p:spPr bwMode="auto">
-          <a:xfrm>
-            <a:off x="887169" y="1714158"/>
-            <a:ext cx="9975903" cy="4801314"/>
-          </a:xfrm>
-          <a:prstGeom prst="rect">
-            <a:avLst/>
-          </a:prstGeom>
-          <a:noFill/>
-          <a:ln>
-            <a:noFill/>
-          </a:ln>
-          <a:effectLst/>
-          <a:extLst>
-            <a:ext uri="{909E8E84-426E-40DD-AFC4-6F175D3DCCD1}">
-              <a14:hiddenFill xmlns:a14="http://schemas.microsoft.com/office/drawing/2010/main">
-                <a:solidFill>
-                  <a:schemeClr val="accent1"/>
-                </a:solidFill>
-              </a14:hiddenFill>
-            </a:ext>
-            <a:ext uri="{91240B29-F687-4F45-9708-019B960494DF}">
-              <a14:hiddenLine xmlns:a14="http://schemas.microsoft.com/office/drawing/2010/main" w="9525">
-                <a:solidFill>
-                  <a:schemeClr val="tx1"/>
-                </a:solidFill>
-                <a:miter lim="800000"/>
-                <a:headEnd/>
-                <a:tailEnd/>
-              </a14:hiddenLine>
-            </a:ext>
-            <a:ext uri="{AF507438-7753-43E0-B8FC-AC1667EBCBE1}">
-              <a14:hiddenEffects xmlns:a14="http://schemas.microsoft.com/office/drawing/2010/main">
-                <a:effectLst>
-                  <a:outerShdw dist="35921" dir="2700000" algn="ctr" rotWithShape="0">
-                    <a:schemeClr val="bg2"/>
-                  </a:outerShdw>
-                </a:effectLst>
-              </a14:hiddenEffects>
-            </a:ext>
-          </a:extLst>
-        </p:spPr>
-        <p:txBody>
-          <a:bodyPr vert="horz" wrap="square" lIns="91440" tIns="45720" rIns="91440" bIns="45720" numCol="1" anchor="ctr" anchorCtr="0" compatLnSpc="1">
-            <a:prstTxWarp prst="textNoShape">
-              <a:avLst/>
-            </a:prstTxWarp>
-            <a:spAutoFit/>
-          </a:bodyPr>
-          <a:lstStyle/>
-          <a:p>
-            <a:pPr marL="285750" marR="0" lvl="0" indent="-285750" defTabSz="914400" rtl="0" eaLnBrk="0" fontAlgn="base" latinLnBrk="0" hangingPunct="0">
-              <a:lnSpc>
-                <a:spcPct val="100000"/>
-              </a:lnSpc>
-              <a:spcBef>
-                <a:spcPct val="0"/>
-              </a:spcBef>
-              <a:spcAft>
-                <a:spcPct val="0"/>
-              </a:spcAft>
-              <a:buClrTx/>
-              <a:buSzTx/>
-              <a:buFont typeface="Arial" panose="020B0604020202020204" pitchFamily="34" charset="0"/>
-              <a:buChar char="•"/>
-              <a:tabLst/>
-            </a:pPr>
-            <a:r>
-              <a:rPr kumimoji="0" lang="es-CL" altLang="es-CL" sz="1800" b="1" i="0" u="none" strike="noStrike" cap="none" normalizeH="0" baseline="0" dirty="0">
-                <a:ln>
-                  <a:noFill/>
-                </a:ln>
-                <a:solidFill>
-                  <a:schemeClr val="tx1"/>
-                </a:solidFill>
-                <a:effectLst/>
-                <a:latin typeface="Arial" panose="020B0604020202020204" pitchFamily="34" charset="0"/>
-              </a:rPr>
-              <a:t>Normalización:</a:t>
-            </a:r>
-            <a:br>
-              <a:rPr kumimoji="0" lang="es-CL" altLang="es-CL" sz="1800" b="0" i="0" u="none" strike="noStrike" cap="none" normalizeH="0" baseline="0" dirty="0">
-                <a:ln>
-                  <a:noFill/>
-                </a:ln>
-                <a:solidFill>
-                  <a:schemeClr val="tx1"/>
-                </a:solidFill>
-                <a:effectLst/>
-                <a:latin typeface="Arial" panose="020B0604020202020204" pitchFamily="34" charset="0"/>
-              </a:rPr>
-            </a:br>
-            <a:r>
-              <a:rPr kumimoji="0" lang="es-CL" altLang="es-CL" sz="1800" b="0" i="0" u="none" strike="noStrike" cap="none" normalizeH="0" baseline="0" dirty="0">
-                <a:ln>
-                  <a:noFill/>
-                </a:ln>
-                <a:solidFill>
-                  <a:schemeClr val="tx1"/>
-                </a:solidFill>
-                <a:effectLst/>
-                <a:latin typeface="Arial" panose="020B0604020202020204" pitchFamily="34" charset="0"/>
-              </a:rPr>
-              <a:t>El modelo está diseñado siguiendo principios de normalización, reduciendo redundancia y garantizando la integridad de los datos.</a:t>
-            </a:r>
-          </a:p>
-          <a:p>
-            <a:pPr marR="0" lvl="0" defTabSz="914400" rtl="0" eaLnBrk="0" fontAlgn="base" latinLnBrk="0" hangingPunct="0">
-              <a:lnSpc>
-                <a:spcPct val="100000"/>
-              </a:lnSpc>
-              <a:spcBef>
-                <a:spcPct val="0"/>
-              </a:spcBef>
-              <a:spcAft>
-                <a:spcPct val="0"/>
-              </a:spcAft>
-              <a:buClrTx/>
-              <a:buSzTx/>
-              <a:tabLst/>
-            </a:pPr>
-            <a:endParaRPr kumimoji="0" lang="es-CL" altLang="es-CL" sz="1800" b="0" i="0" u="none" strike="noStrike" cap="none" normalizeH="0" baseline="0" dirty="0">
-              <a:ln>
-                <a:noFill/>
-              </a:ln>
-              <a:solidFill>
-                <a:schemeClr val="tx1"/>
-              </a:solidFill>
-              <a:effectLst/>
-              <a:latin typeface="Arial" panose="020B0604020202020204" pitchFamily="34" charset="0"/>
-            </a:endParaRPr>
-          </a:p>
-          <a:p>
-            <a:pPr marL="285750" marR="0" lvl="0" indent="-285750" defTabSz="914400" rtl="0" eaLnBrk="0" fontAlgn="base" latinLnBrk="0" hangingPunct="0">
-              <a:lnSpc>
-                <a:spcPct val="100000"/>
-              </a:lnSpc>
-              <a:spcBef>
-                <a:spcPct val="0"/>
-              </a:spcBef>
-              <a:spcAft>
-                <a:spcPct val="0"/>
-              </a:spcAft>
-              <a:buClrTx/>
-              <a:buSzTx/>
-              <a:buFont typeface="Arial" panose="020B0604020202020204" pitchFamily="34" charset="0"/>
-              <a:buChar char="•"/>
-              <a:tabLst/>
-            </a:pPr>
-            <a:r>
-              <a:rPr kumimoji="0" lang="es-CL" altLang="es-CL" sz="1800" b="1" i="0" u="none" strike="noStrike" cap="none" normalizeH="0" baseline="0" dirty="0">
-                <a:ln>
-                  <a:noFill/>
-                </a:ln>
-                <a:solidFill>
-                  <a:schemeClr val="tx1"/>
-                </a:solidFill>
-                <a:effectLst/>
-                <a:latin typeface="Arial" panose="020B0604020202020204" pitchFamily="34" charset="0"/>
-              </a:rPr>
-              <a:t>Escalabilidad:</a:t>
-            </a:r>
-            <a:br>
-              <a:rPr kumimoji="0" lang="es-CL" altLang="es-CL" sz="1800" b="0" i="0" u="none" strike="noStrike" cap="none" normalizeH="0" baseline="0" dirty="0">
-                <a:ln>
-                  <a:noFill/>
-                </a:ln>
-                <a:solidFill>
-                  <a:schemeClr val="tx1"/>
-                </a:solidFill>
-                <a:effectLst/>
-                <a:latin typeface="Arial" panose="020B0604020202020204" pitchFamily="34" charset="0"/>
-              </a:rPr>
-            </a:br>
-            <a:r>
-              <a:rPr kumimoji="0" lang="es-CL" altLang="es-CL" sz="1800" b="0" i="0" u="none" strike="noStrike" cap="none" normalizeH="0" baseline="0" dirty="0">
-                <a:ln>
-                  <a:noFill/>
-                </a:ln>
-                <a:solidFill>
-                  <a:schemeClr val="tx1"/>
-                </a:solidFill>
-                <a:effectLst/>
-                <a:latin typeface="Arial" panose="020B0604020202020204" pitchFamily="34" charset="0"/>
-              </a:rPr>
-              <a:t>Permite incorporar nuevas tablas o campos, como proveedores o lotes específicos, sin afectar el funcionamiento actual.</a:t>
-            </a:r>
-          </a:p>
-          <a:p>
-            <a:pPr marR="0" lvl="0" defTabSz="914400" rtl="0" eaLnBrk="0" fontAlgn="base" latinLnBrk="0" hangingPunct="0">
-              <a:lnSpc>
-                <a:spcPct val="100000"/>
-              </a:lnSpc>
-              <a:spcBef>
-                <a:spcPct val="0"/>
-              </a:spcBef>
-              <a:spcAft>
-                <a:spcPct val="0"/>
-              </a:spcAft>
-              <a:buClrTx/>
-              <a:buSzTx/>
-              <a:tabLst/>
-            </a:pPr>
-            <a:endParaRPr kumimoji="0" lang="es-CL" altLang="es-CL" sz="1800" b="0" i="0" u="none" strike="noStrike" cap="none" normalizeH="0" baseline="0" dirty="0">
-              <a:ln>
-                <a:noFill/>
-              </a:ln>
-              <a:solidFill>
-                <a:schemeClr val="tx1"/>
-              </a:solidFill>
-              <a:effectLst/>
-              <a:latin typeface="Arial" panose="020B0604020202020204" pitchFamily="34" charset="0"/>
-            </a:endParaRPr>
-          </a:p>
-          <a:p>
-            <a:pPr marL="285750" marR="0" lvl="0" indent="-285750" defTabSz="914400" rtl="0" eaLnBrk="0" fontAlgn="base" latinLnBrk="0" hangingPunct="0">
-              <a:lnSpc>
-                <a:spcPct val="100000"/>
-              </a:lnSpc>
-              <a:spcBef>
-                <a:spcPct val="0"/>
-              </a:spcBef>
-              <a:spcAft>
-                <a:spcPct val="0"/>
-              </a:spcAft>
-              <a:buClrTx/>
-              <a:buSzTx/>
-              <a:buFont typeface="Arial" panose="020B0604020202020204" pitchFamily="34" charset="0"/>
-              <a:buChar char="•"/>
-              <a:tabLst/>
-            </a:pPr>
-            <a:r>
-              <a:rPr kumimoji="0" lang="es-CL" altLang="es-CL" sz="1800" b="1" i="0" u="none" strike="noStrike" cap="none" normalizeH="0" baseline="0" dirty="0">
-                <a:ln>
-                  <a:noFill/>
-                </a:ln>
-                <a:solidFill>
-                  <a:schemeClr val="tx1"/>
-                </a:solidFill>
-                <a:effectLst/>
-                <a:latin typeface="Arial" panose="020B0604020202020204" pitchFamily="34" charset="0"/>
-              </a:rPr>
-              <a:t>Integridad Referencial:</a:t>
-            </a:r>
-          </a:p>
-          <a:p>
-            <a:pPr marL="285750" indent="-285750" eaLnBrk="0" fontAlgn="base" hangingPunct="0">
-              <a:spcBef>
-                <a:spcPct val="0"/>
-              </a:spcBef>
-              <a:spcAft>
-                <a:spcPct val="0"/>
-              </a:spcAft>
-              <a:buFont typeface="Courier New" panose="02070309020205020404" pitchFamily="49" charset="0"/>
-              <a:buChar char="o"/>
-            </a:pPr>
-            <a:r>
-              <a:rPr kumimoji="0" lang="es-CL" altLang="es-CL" sz="1800" b="0" i="0" u="none" strike="noStrike" cap="none" normalizeH="0" baseline="0" dirty="0">
-                <a:ln>
-                  <a:noFill/>
-                </a:ln>
-                <a:solidFill>
-                  <a:schemeClr val="tx1"/>
-                </a:solidFill>
-                <a:effectLst/>
-                <a:latin typeface="Arial" panose="020B0604020202020204" pitchFamily="34" charset="0"/>
-              </a:rPr>
-              <a:t>Se utilizan claves foráneas para asegurar la relación entre tablas.</a:t>
-            </a:r>
-          </a:p>
-          <a:p>
-            <a:pPr marL="285750" marR="0" lvl="0" indent="-285750" defTabSz="914400" rtl="0" eaLnBrk="0" fontAlgn="base" latinLnBrk="0" hangingPunct="0">
-              <a:lnSpc>
-                <a:spcPct val="100000"/>
-              </a:lnSpc>
-              <a:spcBef>
-                <a:spcPct val="0"/>
-              </a:spcBef>
-              <a:spcAft>
-                <a:spcPct val="0"/>
-              </a:spcAft>
-              <a:buClrTx/>
-              <a:buSzTx/>
-              <a:buFont typeface="Courier New" panose="02070309020205020404" pitchFamily="49" charset="0"/>
-              <a:buChar char="o"/>
-              <a:tabLst/>
-            </a:pPr>
-            <a:r>
-              <a:rPr kumimoji="0" lang="es-CL" altLang="es-CL" sz="1800" b="0" i="0" u="none" strike="noStrike" cap="none" normalizeH="0" baseline="0" dirty="0">
-                <a:ln>
-                  <a:noFill/>
-                </a:ln>
-                <a:solidFill>
-                  <a:schemeClr val="tx1"/>
-                </a:solidFill>
-                <a:effectLst/>
-                <a:latin typeface="Arial" panose="020B0604020202020204" pitchFamily="34" charset="0"/>
-              </a:rPr>
-              <a:t>Ejemplo: Cada registro en la tabla de movimientos está vinculado a un medicamento específico y a un usuario responsable.</a:t>
-            </a:r>
-            <a:endParaRPr lang="es-CL" altLang="es-CL" dirty="0">
-              <a:latin typeface="Arial" panose="020B0604020202020204" pitchFamily="34" charset="0"/>
-            </a:endParaRPr>
-          </a:p>
-          <a:p>
-            <a:pPr marR="0" lvl="0" defTabSz="914400" rtl="0" eaLnBrk="0" fontAlgn="base" latinLnBrk="0" hangingPunct="0">
-              <a:lnSpc>
-                <a:spcPct val="100000"/>
-              </a:lnSpc>
-              <a:spcBef>
-                <a:spcPct val="0"/>
-              </a:spcBef>
-              <a:spcAft>
-                <a:spcPct val="0"/>
-              </a:spcAft>
-              <a:buClrTx/>
-              <a:buSzTx/>
-              <a:tabLst/>
-            </a:pPr>
-            <a:endParaRPr kumimoji="0" lang="es-CL" altLang="es-CL" sz="1800" b="0" i="0" u="none" strike="noStrike" cap="none" normalizeH="0" baseline="0" dirty="0">
-              <a:ln>
-                <a:noFill/>
-              </a:ln>
-              <a:solidFill>
-                <a:schemeClr val="tx1"/>
-              </a:solidFill>
-              <a:effectLst/>
-              <a:latin typeface="Arial" panose="020B0604020202020204" pitchFamily="34" charset="0"/>
-            </a:endParaRPr>
-          </a:p>
-          <a:p>
-            <a:pPr marL="285750" marR="0" lvl="0" indent="-285750" defTabSz="914400" rtl="0" eaLnBrk="0" fontAlgn="base" latinLnBrk="0" hangingPunct="0">
-              <a:lnSpc>
-                <a:spcPct val="100000"/>
-              </a:lnSpc>
-              <a:spcBef>
-                <a:spcPct val="0"/>
-              </a:spcBef>
-              <a:spcAft>
-                <a:spcPct val="0"/>
-              </a:spcAft>
-              <a:buClrTx/>
-              <a:buSzTx/>
-              <a:buFont typeface="Arial" panose="020B0604020202020204" pitchFamily="34" charset="0"/>
-              <a:buChar char="•"/>
-              <a:tabLst/>
-            </a:pPr>
-            <a:r>
-              <a:rPr kumimoji="0" lang="es-CL" altLang="es-CL" sz="1800" b="1" i="0" u="none" strike="noStrike" cap="none" normalizeH="0" baseline="0" dirty="0">
-                <a:ln>
-                  <a:noFill/>
-                </a:ln>
-                <a:solidFill>
-                  <a:schemeClr val="tx1"/>
-                </a:solidFill>
-                <a:effectLst/>
-                <a:latin typeface="Arial" panose="020B0604020202020204" pitchFamily="34" charset="0"/>
-              </a:rPr>
-              <a:t>Optimización para Consultas:</a:t>
-            </a:r>
-            <a:endParaRPr kumimoji="0" lang="es-CL" altLang="es-CL" sz="1800" b="0" i="0" u="none" strike="noStrike" cap="none" normalizeH="0" baseline="0" dirty="0">
-              <a:ln>
-                <a:noFill/>
-              </a:ln>
-              <a:solidFill>
-                <a:schemeClr val="tx1"/>
-              </a:solidFill>
-              <a:effectLst/>
-              <a:latin typeface="Arial" panose="020B0604020202020204" pitchFamily="34" charset="0"/>
-            </a:endParaRPr>
-          </a:p>
-          <a:p>
-            <a:pPr marL="285750" marR="0" lvl="0" indent="-285750" defTabSz="914400" rtl="0" eaLnBrk="0" fontAlgn="base" latinLnBrk="0" hangingPunct="0">
-              <a:lnSpc>
-                <a:spcPct val="100000"/>
-              </a:lnSpc>
-              <a:spcBef>
-                <a:spcPct val="0"/>
-              </a:spcBef>
-              <a:spcAft>
-                <a:spcPct val="0"/>
-              </a:spcAft>
-              <a:buClrTx/>
-              <a:buSzTx/>
-              <a:buFont typeface="Courier New" panose="02070309020205020404" pitchFamily="49" charset="0"/>
-              <a:buChar char="o"/>
-              <a:tabLst/>
-            </a:pPr>
-            <a:r>
-              <a:rPr kumimoji="0" lang="es-CL" altLang="es-CL" sz="1800" b="0" i="0" u="none" strike="noStrike" cap="none" normalizeH="0" baseline="0" dirty="0">
-                <a:ln>
-                  <a:noFill/>
-                </a:ln>
-                <a:solidFill>
-                  <a:schemeClr val="tx1"/>
-                </a:solidFill>
-                <a:effectLst/>
-                <a:latin typeface="Arial" panose="020B0604020202020204" pitchFamily="34" charset="0"/>
-              </a:rPr>
-              <a:t>Índices en campos clave como ID, Fecha de Vencimiento y Código de Barras, lo que agiliza las consultas y reportes frecuentes.</a:t>
-            </a:r>
-          </a:p>
-          <a:p>
-            <a:pPr marL="0" marR="0" lvl="0" indent="0" defTabSz="914400" rtl="0" eaLnBrk="0" fontAlgn="base" latinLnBrk="0" hangingPunct="0">
-              <a:lnSpc>
-                <a:spcPct val="100000"/>
-              </a:lnSpc>
-              <a:spcBef>
-                <a:spcPct val="0"/>
-              </a:spcBef>
-              <a:spcAft>
-                <a:spcPct val="0"/>
-              </a:spcAft>
-              <a:buClrTx/>
-              <a:buSzTx/>
-              <a:buFontTx/>
-              <a:buNone/>
-              <a:tabLst/>
-            </a:pPr>
-            <a:endParaRPr kumimoji="0" lang="es-CL" altLang="es-CL" sz="1800" b="0" i="0" u="none" strike="noStrike" cap="none" normalizeH="0" baseline="0" dirty="0">
-              <a:ln>
-                <a:noFill/>
-              </a:ln>
-              <a:solidFill>
-                <a:schemeClr val="tx1"/>
-              </a:solidFill>
-              <a:effectLst/>
-              <a:latin typeface="Arial" panose="020B0604020202020204" pitchFamily="34" charset="0"/>
-            </a:endParaRPr>
-          </a:p>
-        </p:txBody>
-      </p:sp>
-    </p:spTree>
-    <p:extLst>
-      <p:ext uri="{BB962C8B-B14F-4D97-AF65-F5344CB8AC3E}">
-        <p14:creationId xmlns:p14="http://schemas.microsoft.com/office/powerpoint/2010/main" val="2752457618"/>
-      </p:ext>
-    </p:extLst>
-  </p:cSld>
-  <p:clrMapOvr>
-    <a:masterClrMapping/>
-  </p:clrMapOvr>
-  <p:transition spd="slow">
-    <p:wipe/>
-  </p:transition>
-</p:sld>
-</file>
-
-<file path=ppt/slides/slide11.xml><?xml version="1.0" encoding="utf-8"?>
-<p:sld xmlns:a="http://schemas.openxmlformats.org/drawingml/2006/main" xmlns:r="http://schemas.openxmlformats.org/officeDocument/2006/relationships" xmlns:p="http://schemas.openxmlformats.org/presentationml/2006/main">
-  <p:cSld>
-    <p:spTree>
-      <p:nvGrpSpPr>
-        <p:cNvPr id="1" name=""/>
-        <p:cNvGrpSpPr/>
-        <p:nvPr/>
-      </p:nvGrpSpPr>
-      <p:grpSpPr>
-        <a:xfrm>
-          <a:off x="0" y="0"/>
-          <a:ext cx="0" cy="0"/>
-          <a:chOff x="0" y="0"/>
-          <a:chExt cx="0" cy="0"/>
-        </a:xfrm>
-      </p:grpSpPr>
-      <p:pic>
-        <p:nvPicPr>
-          <p:cNvPr id="1026" name="Picture 2" descr="EscuelaIT Duoc UC - Escuela de Informática y Telecomunicaciones Duoc UC - Duoc  UC | LinkedIn">
-            <a:extLst>
-              <a:ext uri="{FF2B5EF4-FFF2-40B4-BE49-F238E27FC236}">
-                <a16:creationId xmlns:a16="http://schemas.microsoft.com/office/drawing/2014/main" id="{DBCE0F62-5978-5D25-A8E3-872B6D0A9912}"/>
-              </a:ext>
-            </a:extLst>
-          </p:cNvPr>
-          <p:cNvPicPr>
-            <a:picLocks noChangeAspect="1" noChangeArrowheads="1"/>
-          </p:cNvPicPr>
-          <p:nvPr/>
-        </p:nvPicPr>
-        <p:blipFill>
-          <a:blip r:embed="rId2">
-            <a:extLst>
-              <a:ext uri="{28A0092B-C50C-407E-A947-70E740481C1C}">
-                <a14:useLocalDpi xmlns:a14="http://schemas.microsoft.com/office/drawing/2010/main" val="0"/>
-              </a:ext>
-            </a:extLst>
-          </a:blip>
-          <a:srcRect/>
-          <a:stretch>
-            <a:fillRect/>
-          </a:stretch>
-        </p:blipFill>
-        <p:spPr bwMode="auto">
-          <a:xfrm>
-            <a:off x="8772152" y="207550"/>
-            <a:ext cx="3141406" cy="785352"/>
-          </a:xfrm>
-          <a:prstGeom prst="rect">
-            <a:avLst/>
-          </a:prstGeom>
-          <a:noFill/>
-          <a:extLst>
-            <a:ext uri="{909E8E84-426E-40DD-AFC4-6F175D3DCCD1}">
-              <a14:hiddenFill xmlns:a14="http://schemas.microsoft.com/office/drawing/2010/main">
-                <a:solidFill>
-                  <a:srgbClr val="FFFFFF"/>
-                </a:solidFill>
-              </a14:hiddenFill>
-            </a:ext>
-          </a:extLst>
-        </p:spPr>
-      </p:pic>
-      <p:sp>
-        <p:nvSpPr>
-          <p:cNvPr id="6" name="CuadroTexto 5">
-            <a:extLst>
-              <a:ext uri="{FF2B5EF4-FFF2-40B4-BE49-F238E27FC236}">
-                <a16:creationId xmlns:a16="http://schemas.microsoft.com/office/drawing/2014/main" id="{54D38248-5D31-85F9-1E0F-4A607BCD5F6A}"/>
-              </a:ext>
-            </a:extLst>
-          </p:cNvPr>
-          <p:cNvSpPr txBox="1"/>
-          <p:nvPr/>
-        </p:nvSpPr>
-        <p:spPr>
-          <a:xfrm>
-            <a:off x="136188" y="368928"/>
-            <a:ext cx="12191999" cy="369332"/>
-          </a:xfrm>
-          <a:prstGeom prst="rect">
-            <a:avLst/>
-          </a:prstGeom>
-          <a:noFill/>
-        </p:spPr>
-        <p:txBody>
-          <a:bodyPr wrap="square" rtlCol="0">
-            <a:spAutoFit/>
-          </a:bodyPr>
-          <a:lstStyle/>
-          <a:p>
-            <a:r>
-              <a:rPr lang="es-MX" dirty="0">
-                <a:solidFill>
-                  <a:schemeClr val="bg2">
-                    <a:lumMod val="50000"/>
-                  </a:schemeClr>
-                </a:solidFill>
-              </a:rPr>
-              <a:t>PROYECTO “NOMBRE DEL PROYECTO”</a:t>
-            </a:r>
-          </a:p>
-        </p:txBody>
-      </p:sp>
-      <p:sp>
-        <p:nvSpPr>
-          <p:cNvPr id="7" name="CuadroTexto 6">
-            <a:extLst>
-              <a:ext uri="{FF2B5EF4-FFF2-40B4-BE49-F238E27FC236}">
-                <a16:creationId xmlns:a16="http://schemas.microsoft.com/office/drawing/2014/main" id="{3A739E92-330D-944C-ED3E-C7F02FA216B3}"/>
-              </a:ext>
-            </a:extLst>
-          </p:cNvPr>
-          <p:cNvSpPr txBox="1"/>
-          <p:nvPr/>
-        </p:nvSpPr>
-        <p:spPr>
-          <a:xfrm>
             <a:off x="-15121" y="1050501"/>
             <a:ext cx="12191999" cy="646331"/>
           </a:xfrm>
@@ -8160,7 +7489,7 @@
 </p:sld>
 </file>
 
-<file path=ppt/slides/slide12.xml><?xml version="1.0" encoding="utf-8"?>
+<file path=ppt/slides/slide11.xml><?xml version="1.0" encoding="utf-8"?>
 <p:sld xmlns:a="http://schemas.openxmlformats.org/drawingml/2006/main" xmlns:r="http://schemas.openxmlformats.org/officeDocument/2006/relationships" xmlns:p="http://schemas.openxmlformats.org/presentationml/2006/main">
   <p:cSld>
     <p:spTree>
@@ -8296,7 +7625,7 @@
 </p:sld>
 </file>
 
-<file path=ppt/slides/slide13.xml><?xml version="1.0" encoding="utf-8"?>
+<file path=ppt/slides/slide12.xml><?xml version="1.0" encoding="utf-8"?>
 <p:sld xmlns:a="http://schemas.openxmlformats.org/drawingml/2006/main" xmlns:r="http://schemas.openxmlformats.org/officeDocument/2006/relationships" xmlns:p="http://schemas.openxmlformats.org/presentationml/2006/main">
   <p:cSld>
     <p:spTree>
@@ -8844,23 +8173,10 @@
                 <a:effectLst/>
                 <a:latin typeface="Arial" panose="020B0604020202020204" pitchFamily="34" charset="0"/>
               </a:rPr>
-              <a:t>TIR de </a:t>
-            </a:r>
-            <a:r>
-              <a:rPr kumimoji="0" lang="es-CL" altLang="es-CL" sz="1800" b="1" i="0" u="none" strike="noStrike" cap="none" normalizeH="0" baseline="0">
-                <a:ln>
-                  <a:noFill/>
-                </a:ln>
-                <a:solidFill>
-                  <a:schemeClr val="tx1"/>
-                </a:solidFill>
-                <a:effectLst/>
-                <a:latin typeface="Arial" panose="020B0604020202020204" pitchFamily="34" charset="0"/>
-              </a:rPr>
-              <a:t>$</a:t>
-            </a:r>
-            <a:r>
-              <a:rPr lang="es-CL" sz="1800">
+              <a:t>TIR de $</a:t>
+            </a:r>
+            <a:r>
+              <a:rPr lang="es-CL" sz="1800" dirty="0">
                 <a:effectLst/>
                 <a:latin typeface="Arial" panose="020B0604020202020204" pitchFamily="34" charset="0"/>
                 <a:ea typeface="Times New Roman" panose="02020603050405020304" pitchFamily="18" charset="0"/>
@@ -8868,7 +8184,7 @@
               <a:t>6.5 </a:t>
             </a:r>
             <a:r>
-              <a:rPr kumimoji="0" lang="es-CL" altLang="es-CL" sz="1800" b="1" i="0" u="none" strike="noStrike" cap="none" normalizeH="0" baseline="0">
+              <a:rPr kumimoji="0" lang="es-CL" altLang="es-CL" sz="1800" b="1" i="0" u="none" strike="noStrike" cap="none" normalizeH="0" baseline="0" dirty="0">
                 <a:ln>
                   <a:noFill/>
                 </a:ln>
@@ -9021,6 +8337,287 @@
     <p:extLst>
       <p:ext uri="{BB962C8B-B14F-4D97-AF65-F5344CB8AC3E}">
         <p14:creationId xmlns:p14="http://schemas.microsoft.com/office/powerpoint/2010/main" val="2904893737"/>
+      </p:ext>
+    </p:extLst>
+  </p:cSld>
+  <p:clrMapOvr>
+    <a:masterClrMapping/>
+  </p:clrMapOvr>
+  <p:transition spd="slow">
+    <p:wipe/>
+  </p:transition>
+</p:sld>
+</file>
+
+<file path=ppt/slides/slide13.xml><?xml version="1.0" encoding="utf-8"?>
+<p:sld xmlns:a="http://schemas.openxmlformats.org/drawingml/2006/main" xmlns:r="http://schemas.openxmlformats.org/officeDocument/2006/relationships" xmlns:p="http://schemas.openxmlformats.org/presentationml/2006/main">
+  <p:cSld>
+    <p:bg>
+      <p:bgPr>
+        <a:solidFill>
+          <a:schemeClr val="bg1"/>
+        </a:solidFill>
+        <a:effectLst/>
+      </p:bgPr>
+    </p:bg>
+    <p:spTree>
+      <p:nvGrpSpPr>
+        <p:cNvPr id="1" name=""/>
+        <p:cNvGrpSpPr/>
+        <p:nvPr/>
+      </p:nvGrpSpPr>
+      <p:grpSpPr>
+        <a:xfrm>
+          <a:off x="0" y="0"/>
+          <a:ext cx="0" cy="0"/>
+          <a:chOff x="0" y="0"/>
+          <a:chExt cx="0" cy="0"/>
+        </a:xfrm>
+      </p:grpSpPr>
+      <p:pic>
+        <p:nvPicPr>
+          <p:cNvPr id="12" name="Imagen 11" descr="Diagrama&#10;&#10;Descripción generada automáticamente">
+            <a:extLst>
+              <a:ext uri="{FF2B5EF4-FFF2-40B4-BE49-F238E27FC236}">
+                <a16:creationId xmlns:a16="http://schemas.microsoft.com/office/drawing/2014/main" id="{0A89C6E3-7B46-F9AF-4E64-A84521C2AA10}"/>
+              </a:ext>
+            </a:extLst>
+          </p:cNvPr>
+          <p:cNvPicPr>
+            <a:picLocks noChangeAspect="1"/>
+          </p:cNvPicPr>
+          <p:nvPr/>
+        </p:nvPicPr>
+        <p:blipFill>
+          <a:blip r:embed="rId2">
+            <a:extLst>
+              <a:ext uri="{28A0092B-C50C-407E-A947-70E740481C1C}">
+                <a14:useLocalDpi xmlns:a14="http://schemas.microsoft.com/office/drawing/2010/main" val="0"/>
+              </a:ext>
+            </a:extLst>
+          </a:blip>
+          <a:stretch>
+            <a:fillRect/>
+          </a:stretch>
+        </p:blipFill>
+        <p:spPr>
+          <a:xfrm>
+            <a:off x="238125" y="321734"/>
+            <a:ext cx="5256595" cy="3619710"/>
+          </a:xfrm>
+          <a:prstGeom prst="rect">
+            <a:avLst/>
+          </a:prstGeom>
+        </p:spPr>
+      </p:pic>
+      <p:pic>
+        <p:nvPicPr>
+          <p:cNvPr id="15" name="Imagen 14" descr="Diagrama&#10;&#10;Descripción generada automáticamente">
+            <a:extLst>
+              <a:ext uri="{FF2B5EF4-FFF2-40B4-BE49-F238E27FC236}">
+                <a16:creationId xmlns:a16="http://schemas.microsoft.com/office/drawing/2014/main" id="{35F28760-155F-6E41-B68C-0A219F160088}"/>
+              </a:ext>
+            </a:extLst>
+          </p:cNvPr>
+          <p:cNvPicPr>
+            <a:picLocks noChangeAspect="1"/>
+          </p:cNvPicPr>
+          <p:nvPr/>
+        </p:nvPicPr>
+        <p:blipFill>
+          <a:blip r:embed="rId3">
+            <a:extLst>
+              <a:ext uri="{28A0092B-C50C-407E-A947-70E740481C1C}">
+                <a14:useLocalDpi xmlns:a14="http://schemas.microsoft.com/office/drawing/2010/main" val="0"/>
+              </a:ext>
+            </a:extLst>
+          </a:blip>
+          <a:stretch>
+            <a:fillRect/>
+          </a:stretch>
+        </p:blipFill>
+        <p:spPr>
+          <a:xfrm>
+            <a:off x="238126" y="3329730"/>
+            <a:ext cx="5812154" cy="3528270"/>
+          </a:xfrm>
+          <a:prstGeom prst="rect">
+            <a:avLst/>
+          </a:prstGeom>
+        </p:spPr>
+      </p:pic>
+      <p:sp>
+        <p:nvSpPr>
+          <p:cNvPr id="172" name="Rectangle 168">
+            <a:extLst>
+              <a:ext uri="{FF2B5EF4-FFF2-40B4-BE49-F238E27FC236}">
+                <a16:creationId xmlns:a16="http://schemas.microsoft.com/office/drawing/2014/main" id="{799448F2-0E5B-42DA-B2D1-11A14E947BD4}"/>
+              </a:ext>
+              <a:ext uri="{C183D7F6-B498-43B3-948B-1728B52AA6E4}">
+                <adec:decorative xmlns:adec="http://schemas.microsoft.com/office/drawing/2017/decorative" val="1"/>
+              </a:ext>
+            </a:extLst>
+          </p:cNvPr>
+          <p:cNvSpPr>
+            <a:spLocks noGrp="1" noRot="1" noChangeAspect="1" noMove="1" noResize="1" noEditPoints="1" noAdjustHandles="1" noChangeArrowheads="1" noChangeShapeType="1" noTextEdit="1"/>
+          </p:cNvSpPr>
+          <p:nvPr>
+            <p:extLst>
+              <p:ext uri="{386F3935-93C4-4BCD-93E2-E3B085C9AB24}">
+                <p16:designElem xmlns:p16="http://schemas.microsoft.com/office/powerpoint/2015/main" val="1"/>
+              </p:ext>
+            </p:extLst>
+          </p:nvPr>
+        </p:nvSpPr>
+        <p:spPr>
+          <a:xfrm>
+            <a:off x="6050280" y="0"/>
+            <a:ext cx="91440" cy="6858000"/>
+          </a:xfrm>
+          <a:prstGeom prst="rect">
+            <a:avLst/>
+          </a:prstGeom>
+          <a:solidFill>
+            <a:schemeClr val="tx1">
+              <a:lumMod val="75000"/>
+              <a:lumOff val="25000"/>
+            </a:schemeClr>
+          </a:solidFill>
+          <a:ln>
+            <a:noFill/>
+          </a:ln>
+        </p:spPr>
+        <p:style>
+          <a:lnRef idx="2">
+            <a:schemeClr val="accent1">
+              <a:shade val="50000"/>
+            </a:schemeClr>
+          </a:lnRef>
+          <a:fillRef idx="1">
+            <a:schemeClr val="accent1"/>
+          </a:fillRef>
+          <a:effectRef idx="0">
+            <a:schemeClr val="accent1"/>
+          </a:effectRef>
+          <a:fontRef idx="minor">
+            <a:schemeClr val="lt1"/>
+          </a:fontRef>
+        </p:style>
+        <p:txBody>
+          <a:bodyPr rtlCol="0" anchor="ctr"/>
+          <a:lstStyle/>
+          <a:p>
+            <a:pPr algn="ctr"/>
+            <a:endParaRPr lang="en-US"/>
+          </a:p>
+        </p:txBody>
+      </p:sp>
+      <p:sp>
+        <p:nvSpPr>
+          <p:cNvPr id="171" name="Rectangle 170">
+            <a:extLst>
+              <a:ext uri="{FF2B5EF4-FFF2-40B4-BE49-F238E27FC236}">
+                <a16:creationId xmlns:a16="http://schemas.microsoft.com/office/drawing/2014/main" id="{4E8A7552-20E1-4F34-ADAB-C1DB6634D47E}"/>
+              </a:ext>
+              <a:ext uri="{C183D7F6-B498-43B3-948B-1728B52AA6E4}">
+                <adec:decorative xmlns:adec="http://schemas.microsoft.com/office/drawing/2017/decorative" val="1"/>
+              </a:ext>
+            </a:extLst>
+          </p:cNvPr>
+          <p:cNvSpPr>
+            <a:spLocks noGrp="1" noRot="1" noChangeAspect="1" noMove="1" noResize="1" noEditPoints="1" noAdjustHandles="1" noChangeArrowheads="1" noChangeShapeType="1" noTextEdit="1"/>
+          </p:cNvSpPr>
+          <p:nvPr>
+            <p:extLst>
+              <p:ext uri="{386F3935-93C4-4BCD-93E2-E3B085C9AB24}">
+                <p16:designElem xmlns:p16="http://schemas.microsoft.com/office/powerpoint/2015/main" val="1"/>
+              </p:ext>
+            </p:extLst>
+          </p:nvPr>
+        </p:nvSpPr>
+        <p:spPr>
+          <a:xfrm>
+            <a:off x="0" y="3383280"/>
+            <a:ext cx="6126480" cy="91440"/>
+          </a:xfrm>
+          <a:prstGeom prst="rect">
+            <a:avLst/>
+          </a:prstGeom>
+          <a:solidFill>
+            <a:schemeClr val="tx1">
+              <a:lumMod val="75000"/>
+              <a:lumOff val="25000"/>
+            </a:schemeClr>
+          </a:solidFill>
+          <a:ln>
+            <a:noFill/>
+          </a:ln>
+        </p:spPr>
+        <p:style>
+          <a:lnRef idx="2">
+            <a:schemeClr val="accent1">
+              <a:shade val="50000"/>
+            </a:schemeClr>
+          </a:lnRef>
+          <a:fillRef idx="1">
+            <a:schemeClr val="accent1"/>
+          </a:fillRef>
+          <a:effectRef idx="0">
+            <a:schemeClr val="accent1"/>
+          </a:effectRef>
+          <a:fontRef idx="minor">
+            <a:schemeClr val="lt1"/>
+          </a:fontRef>
+        </p:style>
+        <p:txBody>
+          <a:bodyPr rtlCol="0" anchor="ctr"/>
+          <a:lstStyle/>
+          <a:p>
+            <a:pPr algn="ctr"/>
+            <a:endParaRPr lang="en-US"/>
+          </a:p>
+        </p:txBody>
+      </p:sp>
+      <p:pic>
+        <p:nvPicPr>
+          <p:cNvPr id="17" name="Imagen 16" descr="Estante de tienda&#10;&#10;Descripción generada automáticamente con confianza media">
+            <a:extLst>
+              <a:ext uri="{FF2B5EF4-FFF2-40B4-BE49-F238E27FC236}">
+                <a16:creationId xmlns:a16="http://schemas.microsoft.com/office/drawing/2014/main" id="{700707E3-F103-4C19-A9D4-A6E210294D96}"/>
+              </a:ext>
+            </a:extLst>
+          </p:cNvPr>
+          <p:cNvPicPr>
+            <a:picLocks noChangeAspect="1"/>
+          </p:cNvPicPr>
+          <p:nvPr/>
+        </p:nvPicPr>
+        <p:blipFill>
+          <a:blip r:embed="rId4">
+            <a:extLst>
+              <a:ext uri="{28A0092B-C50C-407E-A947-70E740481C1C}">
+                <a14:useLocalDpi xmlns:a14="http://schemas.microsoft.com/office/drawing/2010/main" val="0"/>
+              </a:ext>
+            </a:extLst>
+          </a:blip>
+          <a:stretch>
+            <a:fillRect/>
+          </a:stretch>
+        </p:blipFill>
+        <p:spPr>
+          <a:xfrm>
+            <a:off x="6745195" y="321734"/>
+            <a:ext cx="4552441" cy="6069922"/>
+          </a:xfrm>
+          <a:prstGeom prst="rect">
+            <a:avLst/>
+          </a:prstGeom>
+        </p:spPr>
+      </p:pic>
+    </p:spTree>
+    <p:extLst>
+      <p:ext uri="{BB962C8B-B14F-4D97-AF65-F5344CB8AC3E}">
+        <p14:creationId xmlns:p14="http://schemas.microsoft.com/office/powerpoint/2010/main" val="4110160317"/>
       </p:ext>
     </p:extLst>
   </p:cSld>
@@ -10423,496 +10020,6 @@
 <file path=ppt/slides/slide4.xml><?xml version="1.0" encoding="utf-8"?>
 <p:sld xmlns:a="http://schemas.openxmlformats.org/drawingml/2006/main" xmlns:r="http://schemas.openxmlformats.org/officeDocument/2006/relationships" xmlns:p="http://schemas.openxmlformats.org/presentationml/2006/main">
   <p:cSld>
-    <p:bg>
-      <p:bgPr>
-        <a:solidFill>
-          <a:schemeClr val="bg1"/>
-        </a:solidFill>
-        <a:effectLst/>
-      </p:bgPr>
-    </p:bg>
-    <p:spTree>
-      <p:nvGrpSpPr>
-        <p:cNvPr id="1" name=""/>
-        <p:cNvGrpSpPr/>
-        <p:nvPr/>
-      </p:nvGrpSpPr>
-      <p:grpSpPr>
-        <a:xfrm>
-          <a:off x="0" y="0"/>
-          <a:ext cx="0" cy="0"/>
-          <a:chOff x="0" y="0"/>
-          <a:chExt cx="0" cy="0"/>
-        </a:xfrm>
-      </p:grpSpPr>
-      <p:sp useBgFill="1">
-        <p:nvSpPr>
-          <p:cNvPr id="78" name="Rectangle 69">
-            <a:extLst>
-              <a:ext uri="{FF2B5EF4-FFF2-40B4-BE49-F238E27FC236}">
-                <a16:creationId xmlns:a16="http://schemas.microsoft.com/office/drawing/2014/main" id="{B0500737-D8A9-4F85-BE97-80D4C83DD5CF}"/>
-              </a:ext>
-              <a:ext uri="{C183D7F6-B498-43B3-948B-1728B52AA6E4}">
-                <adec:decorative xmlns:adec="http://schemas.microsoft.com/office/drawing/2017/decorative" val="1"/>
-              </a:ext>
-            </a:extLst>
-          </p:cNvPr>
-          <p:cNvSpPr>
-            <a:spLocks noGrp="1" noRot="1" noChangeAspect="1" noMove="1" noResize="1" noEditPoints="1" noAdjustHandles="1" noChangeArrowheads="1" noChangeShapeType="1" noTextEdit="1"/>
-          </p:cNvSpPr>
-          <p:nvPr>
-            <p:extLst>
-              <p:ext uri="{386F3935-93C4-4BCD-93E2-E3B085C9AB24}">
-                <p16:designElem xmlns:p16="http://schemas.microsoft.com/office/powerpoint/2015/main" val="1"/>
-              </p:ext>
-            </p:extLst>
-          </p:nvPr>
-        </p:nvSpPr>
-        <p:spPr>
-          <a:xfrm>
-            <a:off x="0" y="0"/>
-            <a:ext cx="12192000" cy="6858000"/>
-          </a:xfrm>
-          <a:prstGeom prst="rect">
-            <a:avLst/>
-          </a:prstGeom>
-          <a:ln>
-            <a:noFill/>
-          </a:ln>
-        </p:spPr>
-        <p:style>
-          <a:lnRef idx="2">
-            <a:schemeClr val="accent1">
-              <a:shade val="50000"/>
-            </a:schemeClr>
-          </a:lnRef>
-          <a:fillRef idx="1">
-            <a:schemeClr val="accent1"/>
-          </a:fillRef>
-          <a:effectRef idx="0">
-            <a:schemeClr val="accent1"/>
-          </a:effectRef>
-          <a:fontRef idx="minor">
-            <a:schemeClr val="lt1"/>
-          </a:fontRef>
-        </p:style>
-        <p:txBody>
-          <a:bodyPr rtlCol="0" anchor="ctr"/>
-          <a:lstStyle/>
-          <a:p>
-            <a:pPr algn="ctr"/>
-            <a:endParaRPr lang="en-US"/>
-          </a:p>
-        </p:txBody>
-      </p:sp>
-      <p:sp useBgFill="1">
-        <p:nvSpPr>
-          <p:cNvPr id="79" name="Rectangle 71">
-            <a:extLst>
-              <a:ext uri="{FF2B5EF4-FFF2-40B4-BE49-F238E27FC236}">
-                <a16:creationId xmlns:a16="http://schemas.microsoft.com/office/drawing/2014/main" id="{1C938212-FA12-4FF1-87C8-ACDE99D06F69}"/>
-              </a:ext>
-              <a:ext uri="{C183D7F6-B498-43B3-948B-1728B52AA6E4}">
-                <adec:decorative xmlns:adec="http://schemas.microsoft.com/office/drawing/2017/decorative" val="1"/>
-              </a:ext>
-            </a:extLst>
-          </p:cNvPr>
-          <p:cNvSpPr>
-            <a:spLocks noGrp="1" noRot="1" noChangeAspect="1" noMove="1" noResize="1" noEditPoints="1" noAdjustHandles="1" noChangeArrowheads="1" noChangeShapeType="1" noTextEdit="1"/>
-          </p:cNvSpPr>
-          <p:nvPr>
-            <p:extLst>
-              <p:ext uri="{386F3935-93C4-4BCD-93E2-E3B085C9AB24}">
-                <p16:designElem xmlns:p16="http://schemas.microsoft.com/office/powerpoint/2015/main" val="1"/>
-              </p:ext>
-            </p:extLst>
-          </p:nvPr>
-        </p:nvSpPr>
-        <p:spPr>
-          <a:xfrm>
-            <a:off x="554416" y="4218905"/>
-            <a:ext cx="11167447" cy="2089317"/>
-          </a:xfrm>
-          <a:prstGeom prst="rect">
-            <a:avLst/>
-          </a:prstGeom>
-          <a:ln w="12700">
-            <a:solidFill>
-              <a:srgbClr val="DEDEDE"/>
-            </a:solidFill>
-          </a:ln>
-          <a:effectLst>
-            <a:outerShdw blurRad="50800" dist="38100" dir="2700000" algn="tl" rotWithShape="0">
-              <a:schemeClr val="bg2">
-                <a:lumMod val="85000"/>
-                <a:alpha val="50000"/>
-              </a:schemeClr>
-            </a:outerShdw>
-          </a:effectLst>
-        </p:spPr>
-        <p:style>
-          <a:lnRef idx="2">
-            <a:schemeClr val="accent1">
-              <a:shade val="50000"/>
-            </a:schemeClr>
-          </a:lnRef>
-          <a:fillRef idx="1">
-            <a:schemeClr val="accent1"/>
-          </a:fillRef>
-          <a:effectRef idx="0">
-            <a:schemeClr val="accent1"/>
-          </a:effectRef>
-          <a:fontRef idx="minor">
-            <a:schemeClr val="lt1"/>
-          </a:fontRef>
-        </p:style>
-        <p:txBody>
-          <a:bodyPr rtlCol="0" anchor="ctr"/>
-          <a:lstStyle/>
-          <a:p>
-            <a:pPr marL="0" marR="0" lvl="0" indent="0" algn="ctr" defTabSz="914400" rtl="0" eaLnBrk="1" fontAlgn="auto" latinLnBrk="0" hangingPunct="1">
-              <a:lnSpc>
-                <a:spcPct val="100000"/>
-              </a:lnSpc>
-              <a:spcBef>
-                <a:spcPts val="0"/>
-              </a:spcBef>
-              <a:spcAft>
-                <a:spcPts val="0"/>
-              </a:spcAft>
-              <a:buClrTx/>
-              <a:buSzTx/>
-              <a:buFontTx/>
-              <a:buNone/>
-              <a:tabLst/>
-              <a:defRPr/>
-            </a:pPr>
-            <a:endParaRPr kumimoji="0" lang="en-US" sz="1800" b="0" i="0" u="none" strike="noStrike" kern="1200" cap="none" spc="0" normalizeH="0" baseline="0" noProof="0">
-              <a:ln>
-                <a:noFill/>
-              </a:ln>
-              <a:solidFill>
-                <a:prstClr val="white"/>
-              </a:solidFill>
-              <a:effectLst/>
-              <a:uLnTx/>
-              <a:uFillTx/>
-              <a:latin typeface="Calibri" panose="020F0502020204030204"/>
-              <a:ea typeface="+mn-ea"/>
-              <a:cs typeface="+mn-cs"/>
-            </a:endParaRPr>
-          </a:p>
-        </p:txBody>
-      </p:sp>
-      <p:pic>
-        <p:nvPicPr>
-          <p:cNvPr id="7" name="Imagen 6" descr="Una tienda de libros&#10;&#10;Descripción generada automáticamente con confianza media">
-            <a:extLst>
-              <a:ext uri="{FF2B5EF4-FFF2-40B4-BE49-F238E27FC236}">
-                <a16:creationId xmlns:a16="http://schemas.microsoft.com/office/drawing/2014/main" id="{F5183487-D553-9D82-1E85-BA07C3F912BE}"/>
-              </a:ext>
-            </a:extLst>
-          </p:cNvPr>
-          <p:cNvPicPr>
-            <a:picLocks noChangeAspect="1"/>
-          </p:cNvPicPr>
-          <p:nvPr/>
-        </p:nvPicPr>
-        <p:blipFill>
-          <a:blip r:embed="rId2">
-            <a:extLst>
-              <a:ext uri="{28A0092B-C50C-407E-A947-70E740481C1C}">
-                <a14:useLocalDpi xmlns:a14="http://schemas.microsoft.com/office/drawing/2010/main" val="0"/>
-              </a:ext>
-            </a:extLst>
-          </a:blip>
-          <a:srcRect t="362" r="2" b="3350"/>
-          <a:stretch/>
-        </p:blipFill>
-        <p:spPr>
-          <a:xfrm>
-            <a:off x="490408" y="357892"/>
-            <a:ext cx="2834640" cy="5950329"/>
-          </a:xfrm>
-          <a:prstGeom prst="rect">
-            <a:avLst/>
-          </a:prstGeom>
-        </p:spPr>
-      </p:pic>
-      <p:pic>
-        <p:nvPicPr>
-          <p:cNvPr id="11" name="Marcador de contenido 10" descr="Una tienda de libros&#10;&#10;Descripción generada automáticamente con confianza media">
-            <a:extLst>
-              <a:ext uri="{FF2B5EF4-FFF2-40B4-BE49-F238E27FC236}">
-                <a16:creationId xmlns:a16="http://schemas.microsoft.com/office/drawing/2014/main" id="{6FB23BC9-14CC-237D-471F-F1EF56F75763}"/>
-              </a:ext>
-            </a:extLst>
-          </p:cNvPr>
-          <p:cNvPicPr>
-            <a:picLocks noChangeAspect="1"/>
-          </p:cNvPicPr>
-          <p:nvPr/>
-        </p:nvPicPr>
-        <p:blipFill>
-          <a:blip r:embed="rId2">
-            <a:extLst>
-              <a:ext uri="{28A0092B-C50C-407E-A947-70E740481C1C}">
-                <a14:useLocalDpi xmlns:a14="http://schemas.microsoft.com/office/drawing/2010/main" val="0"/>
-              </a:ext>
-            </a:extLst>
-          </a:blip>
-          <a:srcRect t="362" r="2" b="3350"/>
-          <a:stretch/>
-        </p:blipFill>
-        <p:spPr>
-          <a:xfrm>
-            <a:off x="8802944" y="515589"/>
-            <a:ext cx="2834640" cy="5942462"/>
-          </a:xfrm>
-          <a:prstGeom prst="rect">
-            <a:avLst/>
-          </a:prstGeom>
-        </p:spPr>
-      </p:pic>
-      <p:pic>
-        <p:nvPicPr>
-          <p:cNvPr id="14" name="Imagen 13" descr="Estante de tienda&#10;&#10;Descripción generada automáticamente con confianza media">
-            <a:extLst>
-              <a:ext uri="{FF2B5EF4-FFF2-40B4-BE49-F238E27FC236}">
-                <a16:creationId xmlns:a16="http://schemas.microsoft.com/office/drawing/2014/main" id="{5CFE3E88-152E-67DC-D5FE-A62529F7AD52}"/>
-              </a:ext>
-            </a:extLst>
-          </p:cNvPr>
-          <p:cNvPicPr>
-            <a:picLocks noChangeAspect="1"/>
-          </p:cNvPicPr>
-          <p:nvPr/>
-        </p:nvPicPr>
-        <p:blipFill>
-          <a:blip r:embed="rId3">
-            <a:extLst>
-              <a:ext uri="{28A0092B-C50C-407E-A947-70E740481C1C}">
-                <a14:useLocalDpi xmlns:a14="http://schemas.microsoft.com/office/drawing/2010/main" val="0"/>
-              </a:ext>
-            </a:extLst>
-          </a:blip>
-          <a:srcRect t="3710" r="2" b="2"/>
-          <a:stretch/>
-        </p:blipFill>
-        <p:spPr>
-          <a:xfrm>
-            <a:off x="4343618" y="357892"/>
-            <a:ext cx="2834640" cy="5942462"/>
-          </a:xfrm>
-          <a:prstGeom prst="rect">
-            <a:avLst/>
-          </a:prstGeom>
-        </p:spPr>
-      </p:pic>
-      <p:sp>
-        <p:nvSpPr>
-          <p:cNvPr id="80" name="Rectangle 73">
-            <a:extLst>
-              <a:ext uri="{FF2B5EF4-FFF2-40B4-BE49-F238E27FC236}">
-                <a16:creationId xmlns:a16="http://schemas.microsoft.com/office/drawing/2014/main" id="{369F152D-E540-4B48-BA11-2ADF043C6111}"/>
-              </a:ext>
-              <a:ext uri="{C183D7F6-B498-43B3-948B-1728B52AA6E4}">
-                <adec:decorative xmlns:adec="http://schemas.microsoft.com/office/drawing/2017/decorative" val="1"/>
-              </a:ext>
-            </a:extLst>
-          </p:cNvPr>
-          <p:cNvSpPr>
-            <a:spLocks noGrp="1" noRot="1" noChangeAspect="1" noMove="1" noResize="1" noEditPoints="1" noAdjustHandles="1" noChangeArrowheads="1" noChangeShapeType="1" noTextEdit="1"/>
-          </p:cNvSpPr>
-          <p:nvPr>
-            <p:extLst>
-              <p:ext uri="{386F3935-93C4-4BCD-93E2-E3B085C9AB24}">
-                <p16:designElem xmlns:p16="http://schemas.microsoft.com/office/powerpoint/2015/main" val="1"/>
-              </p:ext>
-            </p:extLst>
-          </p:nvPr>
-        </p:nvSpPr>
-        <p:spPr>
-          <a:xfrm>
-            <a:off x="490408" y="4911519"/>
-            <a:ext cx="128016" cy="704088"/>
-          </a:xfrm>
-          <a:prstGeom prst="rect">
-            <a:avLst/>
-          </a:prstGeom>
-          <a:solidFill>
-            <a:schemeClr val="accent2"/>
-          </a:solidFill>
-          <a:ln>
-            <a:noFill/>
-          </a:ln>
-        </p:spPr>
-        <p:style>
-          <a:lnRef idx="2">
-            <a:schemeClr val="accent1">
-              <a:shade val="50000"/>
-            </a:schemeClr>
-          </a:lnRef>
-          <a:fillRef idx="1">
-            <a:schemeClr val="accent1"/>
-          </a:fillRef>
-          <a:effectRef idx="0">
-            <a:schemeClr val="accent1"/>
-          </a:effectRef>
-          <a:fontRef idx="minor">
-            <a:schemeClr val="lt1"/>
-          </a:fontRef>
-        </p:style>
-        <p:txBody>
-          <a:bodyPr rtlCol="0" anchor="ctr"/>
-          <a:lstStyle/>
-          <a:p>
-            <a:pPr marL="0" marR="0" lvl="0" indent="0" algn="ctr" defTabSz="914400" rtl="0" eaLnBrk="1" fontAlgn="auto" latinLnBrk="0" hangingPunct="1">
-              <a:lnSpc>
-                <a:spcPct val="100000"/>
-              </a:lnSpc>
-              <a:spcBef>
-                <a:spcPts val="0"/>
-              </a:spcBef>
-              <a:spcAft>
-                <a:spcPts val="0"/>
-              </a:spcAft>
-              <a:buClrTx/>
-              <a:buSzTx/>
-              <a:buFontTx/>
-              <a:buNone/>
-              <a:tabLst/>
-              <a:defRPr/>
-            </a:pPr>
-            <a:endParaRPr kumimoji="0" lang="en-US" sz="1800" b="0" i="0" u="none" strike="noStrike" kern="1200" cap="none" spc="0" normalizeH="0" baseline="0" noProof="0" dirty="0">
-              <a:ln>
-                <a:noFill/>
-              </a:ln>
-              <a:solidFill>
-                <a:prstClr val="white"/>
-              </a:solidFill>
-              <a:effectLst/>
-              <a:uLnTx/>
-              <a:uFillTx/>
-              <a:latin typeface="Calibri" panose="020F0502020204030204"/>
-              <a:ea typeface="+mn-ea"/>
-              <a:cs typeface="+mn-cs"/>
-            </a:endParaRPr>
-          </a:p>
-        </p:txBody>
-      </p:sp>
-      <p:sp>
-        <p:nvSpPr>
-          <p:cNvPr id="81" name="Rectangle 75">
-            <a:extLst>
-              <a:ext uri="{FF2B5EF4-FFF2-40B4-BE49-F238E27FC236}">
-                <a16:creationId xmlns:a16="http://schemas.microsoft.com/office/drawing/2014/main" id="{0C059F7E-04C4-4C46-9B3E-E5CE267E347D}"/>
-              </a:ext>
-              <a:ext uri="{C183D7F6-B498-43B3-948B-1728B52AA6E4}">
-                <adec:decorative xmlns:adec="http://schemas.microsoft.com/office/drawing/2017/decorative" val="1"/>
-              </a:ext>
-            </a:extLst>
-          </p:cNvPr>
-          <p:cNvSpPr>
-            <a:spLocks noGrp="1" noRot="1" noChangeAspect="1" noMove="1" noResize="1" noEditPoints="1" noAdjustHandles="1" noChangeArrowheads="1" noChangeShapeType="1" noTextEdit="1"/>
-          </p:cNvSpPr>
-          <p:nvPr>
-            <p:extLst>
-              <p:ext uri="{386F3935-93C4-4BCD-93E2-E3B085C9AB24}">
-                <p16:designElem xmlns:p16="http://schemas.microsoft.com/office/powerpoint/2015/main" val="1"/>
-              </p:ext>
-            </p:extLst>
-          </p:nvPr>
-        </p:nvSpPr>
-        <p:spPr>
-          <a:xfrm rot="5400000">
-            <a:off x="3612098" y="5254418"/>
-            <a:ext cx="1463040" cy="18288"/>
-          </a:xfrm>
-          <a:prstGeom prst="rect">
-            <a:avLst/>
-          </a:prstGeom>
-          <a:solidFill>
-            <a:srgbClr val="D5D5D5"/>
-          </a:solidFill>
-          <a:ln w="3175">
-            <a:noFill/>
-          </a:ln>
-          <a:effectLst/>
-        </p:spPr>
-        <p:style>
-          <a:lnRef idx="2">
-            <a:schemeClr val="accent1">
-              <a:shade val="50000"/>
-            </a:schemeClr>
-          </a:lnRef>
-          <a:fillRef idx="1">
-            <a:schemeClr val="accent1"/>
-          </a:fillRef>
-          <a:effectRef idx="0">
-            <a:schemeClr val="accent1"/>
-          </a:effectRef>
-          <a:fontRef idx="minor">
-            <a:schemeClr val="lt1"/>
-          </a:fontRef>
-        </p:style>
-        <p:txBody>
-          <a:bodyPr rtlCol="0" anchor="ctr"/>
-          <a:lstStyle/>
-          <a:p>
-            <a:pPr marL="0" marR="0" lvl="0" indent="0" algn="ctr" defTabSz="914400" rtl="0" eaLnBrk="1" fontAlgn="auto" latinLnBrk="0" hangingPunct="1">
-              <a:lnSpc>
-                <a:spcPct val="100000"/>
-              </a:lnSpc>
-              <a:spcBef>
-                <a:spcPts val="0"/>
-              </a:spcBef>
-              <a:spcAft>
-                <a:spcPts val="0"/>
-              </a:spcAft>
-              <a:buClrTx/>
-              <a:buSzTx/>
-              <a:buFontTx/>
-              <a:buNone/>
-              <a:tabLst/>
-              <a:defRPr/>
-            </a:pPr>
-            <a:endParaRPr kumimoji="0" lang="en-US" sz="1800" b="0" i="0" u="none" strike="noStrike" kern="1200" cap="none" spc="0" normalizeH="0" baseline="0" noProof="0">
-              <a:ln>
-                <a:noFill/>
-              </a:ln>
-              <a:solidFill>
-                <a:prstClr val="white"/>
-              </a:solidFill>
-              <a:effectLst/>
-              <a:uLnTx/>
-              <a:uFillTx/>
-              <a:latin typeface="Calibri" panose="020F0502020204030204"/>
-              <a:ea typeface="+mn-ea"/>
-              <a:cs typeface="+mn-cs"/>
-            </a:endParaRPr>
-          </a:p>
-        </p:txBody>
-      </p:sp>
-    </p:spTree>
-    <p:extLst>
-      <p:ext uri="{BB962C8B-B14F-4D97-AF65-F5344CB8AC3E}">
-        <p14:creationId xmlns:p14="http://schemas.microsoft.com/office/powerpoint/2010/main" val="4110160317"/>
-      </p:ext>
-    </p:extLst>
-  </p:cSld>
-  <p:clrMapOvr>
-    <a:masterClrMapping/>
-  </p:clrMapOvr>
-  <p:transition spd="slow">
-    <p:wipe/>
-  </p:transition>
-</p:sld>
-</file>
-
-<file path=ppt/slides/slide5.xml><?xml version="1.0" encoding="utf-8"?>
-<p:sld xmlns:a="http://schemas.openxmlformats.org/drawingml/2006/main" xmlns:r="http://schemas.openxmlformats.org/officeDocument/2006/relationships" xmlns:p="http://schemas.openxmlformats.org/presentationml/2006/main">
-  <p:cSld>
     <p:spTree>
       <p:nvGrpSpPr>
         <p:cNvPr id="1" name=""/>
@@ -11171,7 +10278,7 @@
         </p:nvSpPr>
         <p:spPr>
           <a:xfrm>
-            <a:off x="614515" y="2040571"/>
+            <a:off x="750703" y="2030635"/>
             <a:ext cx="10962967" cy="1575221"/>
           </a:xfrm>
           <a:prstGeom prst="roundRect">
@@ -11419,7 +10526,7 @@
 </p:sld>
 </file>
 
-<file path=ppt/slides/slide6.xml><?xml version="1.0" encoding="utf-8"?>
+<file path=ppt/slides/slide5.xml><?xml version="1.0" encoding="utf-8"?>
 <p:sld xmlns:a="http://schemas.openxmlformats.org/drawingml/2006/main" xmlns:r="http://schemas.openxmlformats.org/officeDocument/2006/relationships" xmlns:p="http://schemas.openxmlformats.org/presentationml/2006/main">
   <p:cSld>
     <p:spTree>
@@ -11797,7 +10904,7 @@
 </p:sld>
 </file>
 
-<file path=ppt/slides/slide7.xml><?xml version="1.0" encoding="utf-8"?>
+<file path=ppt/slides/slide6.xml><?xml version="1.0" encoding="utf-8"?>
 <p:sld xmlns:a="http://schemas.openxmlformats.org/drawingml/2006/main" xmlns:r="http://schemas.openxmlformats.org/officeDocument/2006/relationships" xmlns:p="http://schemas.openxmlformats.org/presentationml/2006/main">
   <p:cSld>
     <p:spTree>
@@ -12175,7 +11282,7 @@
 </p:sld>
 </file>
 
-<file path=ppt/slides/slide8.xml><?xml version="1.0" encoding="utf-8"?>
+<file path=ppt/slides/slide7.xml><?xml version="1.0" encoding="utf-8"?>
 <p:sld xmlns:a="http://schemas.openxmlformats.org/drawingml/2006/main" xmlns:r="http://schemas.openxmlformats.org/officeDocument/2006/relationships" xmlns:p="http://schemas.openxmlformats.org/presentationml/2006/main">
   <p:cSld>
     <p:spTree>
@@ -12430,7 +11537,7 @@
 </p:sld>
 </file>
 
-<file path=ppt/slides/slide9.xml><?xml version="1.0" encoding="utf-8"?>
+<file path=ppt/slides/slide8.xml><?xml version="1.0" encoding="utf-8"?>
 <p:sld xmlns:a="http://schemas.openxmlformats.org/drawingml/2006/main" xmlns:r="http://schemas.openxmlformats.org/officeDocument/2006/relationships" xmlns:p="http://schemas.openxmlformats.org/presentationml/2006/main">
   <p:cSld>
     <p:spTree>
@@ -12689,6 +11796,677 @@
     <p:extLst>
       <p:ext uri="{BB962C8B-B14F-4D97-AF65-F5344CB8AC3E}">
         <p14:creationId xmlns:p14="http://schemas.microsoft.com/office/powerpoint/2010/main" val="1890491460"/>
+      </p:ext>
+    </p:extLst>
+  </p:cSld>
+  <p:clrMapOvr>
+    <a:masterClrMapping/>
+  </p:clrMapOvr>
+  <p:transition spd="slow">
+    <p:wipe/>
+  </p:transition>
+</p:sld>
+</file>
+
+<file path=ppt/slides/slide9.xml><?xml version="1.0" encoding="utf-8"?>
+<p:sld xmlns:a="http://schemas.openxmlformats.org/drawingml/2006/main" xmlns:r="http://schemas.openxmlformats.org/officeDocument/2006/relationships" xmlns:p="http://schemas.openxmlformats.org/presentationml/2006/main">
+  <p:cSld>
+    <p:spTree>
+      <p:nvGrpSpPr>
+        <p:cNvPr id="1" name=""/>
+        <p:cNvGrpSpPr/>
+        <p:nvPr/>
+      </p:nvGrpSpPr>
+      <p:grpSpPr>
+        <a:xfrm>
+          <a:off x="0" y="0"/>
+          <a:ext cx="0" cy="0"/>
+          <a:chOff x="0" y="0"/>
+          <a:chExt cx="0" cy="0"/>
+        </a:xfrm>
+      </p:grpSpPr>
+      <p:pic>
+        <p:nvPicPr>
+          <p:cNvPr id="1026" name="Picture 2" descr="EscuelaIT Duoc UC - Escuela de Informática y Telecomunicaciones Duoc UC - Duoc  UC | LinkedIn">
+            <a:extLst>
+              <a:ext uri="{FF2B5EF4-FFF2-40B4-BE49-F238E27FC236}">
+                <a16:creationId xmlns:a16="http://schemas.microsoft.com/office/drawing/2014/main" id="{DBCE0F62-5978-5D25-A8E3-872B6D0A9912}"/>
+              </a:ext>
+            </a:extLst>
+          </p:cNvPr>
+          <p:cNvPicPr>
+            <a:picLocks noChangeAspect="1" noChangeArrowheads="1"/>
+          </p:cNvPicPr>
+          <p:nvPr/>
+        </p:nvPicPr>
+        <p:blipFill>
+          <a:blip r:embed="rId2">
+            <a:extLst>
+              <a:ext uri="{28A0092B-C50C-407E-A947-70E740481C1C}">
+                <a14:useLocalDpi xmlns:a14="http://schemas.microsoft.com/office/drawing/2010/main" val="0"/>
+              </a:ext>
+            </a:extLst>
+          </a:blip>
+          <a:srcRect/>
+          <a:stretch>
+            <a:fillRect/>
+          </a:stretch>
+        </p:blipFill>
+        <p:spPr bwMode="auto">
+          <a:xfrm>
+            <a:off x="8772152" y="207550"/>
+            <a:ext cx="3141406" cy="785352"/>
+          </a:xfrm>
+          <a:prstGeom prst="rect">
+            <a:avLst/>
+          </a:prstGeom>
+          <a:noFill/>
+          <a:extLst>
+            <a:ext uri="{909E8E84-426E-40DD-AFC4-6F175D3DCCD1}">
+              <a14:hiddenFill xmlns:a14="http://schemas.microsoft.com/office/drawing/2010/main">
+                <a:solidFill>
+                  <a:srgbClr val="FFFFFF"/>
+                </a:solidFill>
+              </a14:hiddenFill>
+            </a:ext>
+          </a:extLst>
+        </p:spPr>
+      </p:pic>
+      <p:sp>
+        <p:nvSpPr>
+          <p:cNvPr id="6" name="CuadroTexto 5">
+            <a:extLst>
+              <a:ext uri="{FF2B5EF4-FFF2-40B4-BE49-F238E27FC236}">
+                <a16:creationId xmlns:a16="http://schemas.microsoft.com/office/drawing/2014/main" id="{54D38248-5D31-85F9-1E0F-4A607BCD5F6A}"/>
+              </a:ext>
+            </a:extLst>
+          </p:cNvPr>
+          <p:cNvSpPr txBox="1"/>
+          <p:nvPr/>
+        </p:nvSpPr>
+        <p:spPr>
+          <a:xfrm>
+            <a:off x="136188" y="368928"/>
+            <a:ext cx="12191999" cy="369332"/>
+          </a:xfrm>
+          <a:prstGeom prst="rect">
+            <a:avLst/>
+          </a:prstGeom>
+          <a:noFill/>
+        </p:spPr>
+        <p:txBody>
+          <a:bodyPr wrap="square" rtlCol="0">
+            <a:spAutoFit/>
+          </a:bodyPr>
+          <a:lstStyle/>
+          <a:p>
+            <a:r>
+              <a:rPr lang="es-MX" dirty="0">
+                <a:solidFill>
+                  <a:schemeClr val="bg2">
+                    <a:lumMod val="50000"/>
+                  </a:schemeClr>
+                </a:solidFill>
+              </a:rPr>
+              <a:t>PROYECTO “NOMBRE DEL PROYECTO”</a:t>
+            </a:r>
+          </a:p>
+        </p:txBody>
+      </p:sp>
+      <p:sp>
+        <p:nvSpPr>
+          <p:cNvPr id="7" name="CuadroTexto 6">
+            <a:extLst>
+              <a:ext uri="{FF2B5EF4-FFF2-40B4-BE49-F238E27FC236}">
+                <a16:creationId xmlns:a16="http://schemas.microsoft.com/office/drawing/2014/main" id="{3A739E92-330D-944C-ED3E-C7F02FA216B3}"/>
+              </a:ext>
+            </a:extLst>
+          </p:cNvPr>
+          <p:cNvSpPr txBox="1"/>
+          <p:nvPr/>
+        </p:nvSpPr>
+        <p:spPr>
+          <a:xfrm>
+            <a:off x="0" y="1432655"/>
+            <a:ext cx="12191999" cy="646331"/>
+          </a:xfrm>
+          <a:prstGeom prst="rect">
+            <a:avLst/>
+          </a:prstGeom>
+          <a:noFill/>
+        </p:spPr>
+        <p:txBody>
+          <a:bodyPr wrap="square" rtlCol="0">
+            <a:spAutoFit/>
+          </a:bodyPr>
+          <a:lstStyle/>
+          <a:p>
+            <a:pPr algn="ctr"/>
+            <a:r>
+              <a:rPr lang="es-MX" sz="3600" dirty="0"/>
+              <a:t>Modelo de datos</a:t>
+            </a:r>
+          </a:p>
+        </p:txBody>
+      </p:sp>
+      <p:cxnSp>
+        <p:nvCxnSpPr>
+          <p:cNvPr id="9" name="Conector recto 8">
+            <a:extLst>
+              <a:ext uri="{FF2B5EF4-FFF2-40B4-BE49-F238E27FC236}">
+                <a16:creationId xmlns:a16="http://schemas.microsoft.com/office/drawing/2014/main" id="{8768D7F4-D478-E252-1441-D950598597DE}"/>
+              </a:ext>
+            </a:extLst>
+          </p:cNvPr>
+          <p:cNvCxnSpPr/>
+          <p:nvPr/>
+        </p:nvCxnSpPr>
+        <p:spPr>
+          <a:xfrm>
+            <a:off x="0" y="758027"/>
+            <a:ext cx="4085617" cy="0"/>
+          </a:xfrm>
+          <a:prstGeom prst="line">
+            <a:avLst/>
+          </a:prstGeom>
+          <a:ln w="15875">
+            <a:gradFill flip="none" rotWithShape="1">
+              <a:gsLst>
+                <a:gs pos="0">
+                  <a:schemeClr val="accent1">
+                    <a:lumMod val="5000"/>
+                    <a:lumOff val="95000"/>
+                  </a:schemeClr>
+                </a:gs>
+                <a:gs pos="74000">
+                  <a:schemeClr val="accent1">
+                    <a:lumMod val="45000"/>
+                    <a:lumOff val="55000"/>
+                  </a:schemeClr>
+                </a:gs>
+                <a:gs pos="83000">
+                  <a:schemeClr val="accent1">
+                    <a:lumMod val="45000"/>
+                    <a:lumOff val="55000"/>
+                  </a:schemeClr>
+                </a:gs>
+                <a:gs pos="100000">
+                  <a:schemeClr val="accent1">
+                    <a:lumMod val="30000"/>
+                    <a:lumOff val="70000"/>
+                  </a:schemeClr>
+                </a:gs>
+              </a:gsLst>
+              <a:lin ang="10800000" scaled="1"/>
+              <a:tileRect/>
+            </a:gradFill>
+          </a:ln>
+        </p:spPr>
+        <p:style>
+          <a:lnRef idx="1">
+            <a:schemeClr val="accent1"/>
+          </a:lnRef>
+          <a:fillRef idx="0">
+            <a:schemeClr val="accent1"/>
+          </a:fillRef>
+          <a:effectRef idx="0">
+            <a:schemeClr val="accent1"/>
+          </a:effectRef>
+          <a:fontRef idx="minor">
+            <a:schemeClr val="tx1"/>
+          </a:fontRef>
+        </p:style>
+      </p:cxnSp>
+      <p:sp>
+        <p:nvSpPr>
+          <p:cNvPr id="3" name="Rectangle 2">
+            <a:extLst>
+              <a:ext uri="{FF2B5EF4-FFF2-40B4-BE49-F238E27FC236}">
+                <a16:creationId xmlns:a16="http://schemas.microsoft.com/office/drawing/2014/main" id="{8F72CA06-EACC-E3F2-1339-69467BDAEAE0}"/>
+              </a:ext>
+            </a:extLst>
+          </p:cNvPr>
+          <p:cNvSpPr>
+            <a:spLocks noChangeArrowheads="1"/>
+          </p:cNvSpPr>
+          <p:nvPr/>
+        </p:nvSpPr>
+        <p:spPr bwMode="auto">
+          <a:xfrm>
+            <a:off x="887169" y="1714158"/>
+            <a:ext cx="9975903" cy="4801314"/>
+          </a:xfrm>
+          <a:prstGeom prst="rect">
+            <a:avLst/>
+          </a:prstGeom>
+          <a:noFill/>
+          <a:ln>
+            <a:noFill/>
+          </a:ln>
+          <a:effectLst/>
+          <a:extLst>
+            <a:ext uri="{909E8E84-426E-40DD-AFC4-6F175D3DCCD1}">
+              <a14:hiddenFill xmlns:a14="http://schemas.microsoft.com/office/drawing/2010/main">
+                <a:solidFill>
+                  <a:schemeClr val="accent1"/>
+                </a:solidFill>
+              </a14:hiddenFill>
+            </a:ext>
+            <a:ext uri="{91240B29-F687-4F45-9708-019B960494DF}">
+              <a14:hiddenLine xmlns:a14="http://schemas.microsoft.com/office/drawing/2010/main" w="9525">
+                <a:solidFill>
+                  <a:schemeClr val="tx1"/>
+                </a:solidFill>
+                <a:miter lim="800000"/>
+                <a:headEnd/>
+                <a:tailEnd/>
+              </a14:hiddenLine>
+            </a:ext>
+            <a:ext uri="{AF507438-7753-43E0-B8FC-AC1667EBCBE1}">
+              <a14:hiddenEffects xmlns:a14="http://schemas.microsoft.com/office/drawing/2010/main">
+                <a:effectLst>
+                  <a:outerShdw dist="35921" dir="2700000" algn="ctr" rotWithShape="0">
+                    <a:schemeClr val="bg2"/>
+                  </a:outerShdw>
+                </a:effectLst>
+              </a14:hiddenEffects>
+            </a:ext>
+          </a:extLst>
+        </p:spPr>
+        <p:txBody>
+          <a:bodyPr vert="horz" wrap="square" lIns="91440" tIns="45720" rIns="91440" bIns="45720" numCol="1" anchor="ctr" anchorCtr="0" compatLnSpc="1">
+            <a:prstTxWarp prst="textNoShape">
+              <a:avLst/>
+            </a:prstTxWarp>
+            <a:spAutoFit/>
+          </a:bodyPr>
+          <a:lstStyle/>
+          <a:p>
+            <a:pPr marL="285750" marR="0" lvl="0" indent="-285750" defTabSz="914400" rtl="0" eaLnBrk="0" fontAlgn="base" latinLnBrk="0" hangingPunct="0">
+              <a:lnSpc>
+                <a:spcPct val="100000"/>
+              </a:lnSpc>
+              <a:spcBef>
+                <a:spcPct val="0"/>
+              </a:spcBef>
+              <a:spcAft>
+                <a:spcPct val="0"/>
+              </a:spcAft>
+              <a:buClrTx/>
+              <a:buSzTx/>
+              <a:buFont typeface="Arial" panose="020B0604020202020204" pitchFamily="34" charset="0"/>
+              <a:buChar char="•"/>
+              <a:tabLst/>
+            </a:pPr>
+            <a:r>
+              <a:rPr kumimoji="0" lang="es-CL" altLang="es-CL" sz="1800" b="1" i="0" u="none" strike="noStrike" cap="none" normalizeH="0" baseline="0" dirty="0">
+                <a:ln>
+                  <a:noFill/>
+                </a:ln>
+                <a:solidFill>
+                  <a:schemeClr val="tx1"/>
+                </a:solidFill>
+                <a:effectLst/>
+                <a:latin typeface="Arial" panose="020B0604020202020204" pitchFamily="34" charset="0"/>
+              </a:rPr>
+              <a:t>Normalización:</a:t>
+            </a:r>
+            <a:br>
+              <a:rPr kumimoji="0" lang="es-CL" altLang="es-CL" sz="1800" b="0" i="0" u="none" strike="noStrike" cap="none" normalizeH="0" baseline="0" dirty="0">
+                <a:ln>
+                  <a:noFill/>
+                </a:ln>
+                <a:solidFill>
+                  <a:schemeClr val="tx1"/>
+                </a:solidFill>
+                <a:effectLst/>
+                <a:latin typeface="Arial" panose="020B0604020202020204" pitchFamily="34" charset="0"/>
+              </a:rPr>
+            </a:br>
+            <a:r>
+              <a:rPr kumimoji="0" lang="es-CL" altLang="es-CL" sz="1800" b="0" i="0" u="none" strike="noStrike" cap="none" normalizeH="0" baseline="0" dirty="0">
+                <a:ln>
+                  <a:noFill/>
+                </a:ln>
+                <a:solidFill>
+                  <a:schemeClr val="tx1"/>
+                </a:solidFill>
+                <a:effectLst/>
+                <a:latin typeface="Arial" panose="020B0604020202020204" pitchFamily="34" charset="0"/>
+              </a:rPr>
+              <a:t>El modelo está diseñado siguiendo principios de normalización, reduciendo redundancia y garantizando la integridad de los datos.</a:t>
+            </a:r>
+          </a:p>
+          <a:p>
+            <a:pPr marR="0" lvl="0" defTabSz="914400" rtl="0" eaLnBrk="0" fontAlgn="base" latinLnBrk="0" hangingPunct="0">
+              <a:lnSpc>
+                <a:spcPct val="100000"/>
+              </a:lnSpc>
+              <a:spcBef>
+                <a:spcPct val="0"/>
+              </a:spcBef>
+              <a:spcAft>
+                <a:spcPct val="0"/>
+              </a:spcAft>
+              <a:buClrTx/>
+              <a:buSzTx/>
+              <a:tabLst/>
+            </a:pPr>
+            <a:endParaRPr kumimoji="0" lang="es-CL" altLang="es-CL" sz="1800" b="0" i="0" u="none" strike="noStrike" cap="none" normalizeH="0" baseline="0" dirty="0">
+              <a:ln>
+                <a:noFill/>
+              </a:ln>
+              <a:solidFill>
+                <a:schemeClr val="tx1"/>
+              </a:solidFill>
+              <a:effectLst/>
+              <a:latin typeface="Arial" panose="020B0604020202020204" pitchFamily="34" charset="0"/>
+            </a:endParaRPr>
+          </a:p>
+          <a:p>
+            <a:pPr marL="285750" marR="0" lvl="0" indent="-285750" defTabSz="914400" rtl="0" eaLnBrk="0" fontAlgn="base" latinLnBrk="0" hangingPunct="0">
+              <a:lnSpc>
+                <a:spcPct val="100000"/>
+              </a:lnSpc>
+              <a:spcBef>
+                <a:spcPct val="0"/>
+              </a:spcBef>
+              <a:spcAft>
+                <a:spcPct val="0"/>
+              </a:spcAft>
+              <a:buClrTx/>
+              <a:buSzTx/>
+              <a:buFont typeface="Arial" panose="020B0604020202020204" pitchFamily="34" charset="0"/>
+              <a:buChar char="•"/>
+              <a:tabLst/>
+            </a:pPr>
+            <a:r>
+              <a:rPr kumimoji="0" lang="es-CL" altLang="es-CL" sz="1800" b="1" i="0" u="none" strike="noStrike" cap="none" normalizeH="0" baseline="0" dirty="0">
+                <a:ln>
+                  <a:noFill/>
+                </a:ln>
+                <a:solidFill>
+                  <a:schemeClr val="tx1"/>
+                </a:solidFill>
+                <a:effectLst/>
+                <a:latin typeface="Arial" panose="020B0604020202020204" pitchFamily="34" charset="0"/>
+              </a:rPr>
+              <a:t>Escalabilidad:</a:t>
+            </a:r>
+            <a:br>
+              <a:rPr kumimoji="0" lang="es-CL" altLang="es-CL" sz="1800" b="0" i="0" u="none" strike="noStrike" cap="none" normalizeH="0" baseline="0" dirty="0">
+                <a:ln>
+                  <a:noFill/>
+                </a:ln>
+                <a:solidFill>
+                  <a:schemeClr val="tx1"/>
+                </a:solidFill>
+                <a:effectLst/>
+                <a:latin typeface="Arial" panose="020B0604020202020204" pitchFamily="34" charset="0"/>
+              </a:rPr>
+            </a:br>
+            <a:r>
+              <a:rPr kumimoji="0" lang="es-CL" altLang="es-CL" sz="1800" b="0" i="0" u="none" strike="noStrike" cap="none" normalizeH="0" baseline="0" dirty="0">
+                <a:ln>
+                  <a:noFill/>
+                </a:ln>
+                <a:solidFill>
+                  <a:schemeClr val="tx1"/>
+                </a:solidFill>
+                <a:effectLst/>
+                <a:latin typeface="Arial" panose="020B0604020202020204" pitchFamily="34" charset="0"/>
+              </a:rPr>
+              <a:t>Permite incorporar nuevas tablas o campos, como proveedores o lotes específicos, sin afectar el funcionamiento actual.</a:t>
+            </a:r>
+          </a:p>
+          <a:p>
+            <a:pPr marR="0" lvl="0" defTabSz="914400" rtl="0" eaLnBrk="0" fontAlgn="base" latinLnBrk="0" hangingPunct="0">
+              <a:lnSpc>
+                <a:spcPct val="100000"/>
+              </a:lnSpc>
+              <a:spcBef>
+                <a:spcPct val="0"/>
+              </a:spcBef>
+              <a:spcAft>
+                <a:spcPct val="0"/>
+              </a:spcAft>
+              <a:buClrTx/>
+              <a:buSzTx/>
+              <a:tabLst/>
+            </a:pPr>
+            <a:endParaRPr kumimoji="0" lang="es-CL" altLang="es-CL" sz="1800" b="0" i="0" u="none" strike="noStrike" cap="none" normalizeH="0" baseline="0" dirty="0">
+              <a:ln>
+                <a:noFill/>
+              </a:ln>
+              <a:solidFill>
+                <a:schemeClr val="tx1"/>
+              </a:solidFill>
+              <a:effectLst/>
+              <a:latin typeface="Arial" panose="020B0604020202020204" pitchFamily="34" charset="0"/>
+            </a:endParaRPr>
+          </a:p>
+          <a:p>
+            <a:pPr marL="285750" marR="0" lvl="0" indent="-285750" defTabSz="914400" rtl="0" eaLnBrk="0" fontAlgn="base" latinLnBrk="0" hangingPunct="0">
+              <a:lnSpc>
+                <a:spcPct val="100000"/>
+              </a:lnSpc>
+              <a:spcBef>
+                <a:spcPct val="0"/>
+              </a:spcBef>
+              <a:spcAft>
+                <a:spcPct val="0"/>
+              </a:spcAft>
+              <a:buClrTx/>
+              <a:buSzTx/>
+              <a:buFont typeface="Arial" panose="020B0604020202020204" pitchFamily="34" charset="0"/>
+              <a:buChar char="•"/>
+              <a:tabLst/>
+            </a:pPr>
+            <a:r>
+              <a:rPr kumimoji="0" lang="es-CL" altLang="es-CL" sz="1800" b="1" i="0" u="none" strike="noStrike" cap="none" normalizeH="0" baseline="0" dirty="0">
+                <a:ln>
+                  <a:noFill/>
+                </a:ln>
+                <a:solidFill>
+                  <a:schemeClr val="tx1"/>
+                </a:solidFill>
+                <a:effectLst/>
+                <a:latin typeface="Arial" panose="020B0604020202020204" pitchFamily="34" charset="0"/>
+              </a:rPr>
+              <a:t>Integridad Referencial:</a:t>
+            </a:r>
+          </a:p>
+          <a:p>
+            <a:pPr marL="285750" indent="-285750" eaLnBrk="0" fontAlgn="base" hangingPunct="0">
+              <a:spcBef>
+                <a:spcPct val="0"/>
+              </a:spcBef>
+              <a:spcAft>
+                <a:spcPct val="0"/>
+              </a:spcAft>
+              <a:buFont typeface="Courier New" panose="02070309020205020404" pitchFamily="49" charset="0"/>
+              <a:buChar char="o"/>
+            </a:pPr>
+            <a:r>
+              <a:rPr kumimoji="0" lang="es-CL" altLang="es-CL" sz="1800" b="0" i="0" u="none" strike="noStrike" cap="none" normalizeH="0" baseline="0" dirty="0">
+                <a:ln>
+                  <a:noFill/>
+                </a:ln>
+                <a:solidFill>
+                  <a:schemeClr val="tx1"/>
+                </a:solidFill>
+                <a:effectLst/>
+                <a:latin typeface="Arial" panose="020B0604020202020204" pitchFamily="34" charset="0"/>
+              </a:rPr>
+              <a:t>Se utilizan claves foráneas para asegurar la relación entre tablas.</a:t>
+            </a:r>
+          </a:p>
+          <a:p>
+            <a:pPr marL="285750" marR="0" lvl="0" indent="-285750" defTabSz="914400" rtl="0" eaLnBrk="0" fontAlgn="base" latinLnBrk="0" hangingPunct="0">
+              <a:lnSpc>
+                <a:spcPct val="100000"/>
+              </a:lnSpc>
+              <a:spcBef>
+                <a:spcPct val="0"/>
+              </a:spcBef>
+              <a:spcAft>
+                <a:spcPct val="0"/>
+              </a:spcAft>
+              <a:buClrTx/>
+              <a:buSzTx/>
+              <a:buFont typeface="Courier New" panose="02070309020205020404" pitchFamily="49" charset="0"/>
+              <a:buChar char="o"/>
+              <a:tabLst/>
+            </a:pPr>
+            <a:r>
+              <a:rPr kumimoji="0" lang="es-CL" altLang="es-CL" sz="1800" b="0" i="0" u="none" strike="noStrike" cap="none" normalizeH="0" baseline="0" dirty="0">
+                <a:ln>
+                  <a:noFill/>
+                </a:ln>
+                <a:solidFill>
+                  <a:schemeClr val="tx1"/>
+                </a:solidFill>
+                <a:effectLst/>
+                <a:latin typeface="Arial" panose="020B0604020202020204" pitchFamily="34" charset="0"/>
+              </a:rPr>
+              <a:t>Ejemplo: Cada registro en la tabla de movimientos está vinculado a un medicamento específico y a un usuario responsable.</a:t>
+            </a:r>
+            <a:endParaRPr lang="es-CL" altLang="es-CL" dirty="0">
+              <a:latin typeface="Arial" panose="020B0604020202020204" pitchFamily="34" charset="0"/>
+            </a:endParaRPr>
+          </a:p>
+          <a:p>
+            <a:pPr marR="0" lvl="0" defTabSz="914400" rtl="0" eaLnBrk="0" fontAlgn="base" latinLnBrk="0" hangingPunct="0">
+              <a:lnSpc>
+                <a:spcPct val="100000"/>
+              </a:lnSpc>
+              <a:spcBef>
+                <a:spcPct val="0"/>
+              </a:spcBef>
+              <a:spcAft>
+                <a:spcPct val="0"/>
+              </a:spcAft>
+              <a:buClrTx/>
+              <a:buSzTx/>
+              <a:tabLst/>
+            </a:pPr>
+            <a:endParaRPr kumimoji="0" lang="es-CL" altLang="es-CL" sz="1800" b="0" i="0" u="none" strike="noStrike" cap="none" normalizeH="0" baseline="0" dirty="0">
+              <a:ln>
+                <a:noFill/>
+              </a:ln>
+              <a:solidFill>
+                <a:schemeClr val="tx1"/>
+              </a:solidFill>
+              <a:effectLst/>
+              <a:latin typeface="Arial" panose="020B0604020202020204" pitchFamily="34" charset="0"/>
+            </a:endParaRPr>
+          </a:p>
+          <a:p>
+            <a:pPr marL="285750" marR="0" lvl="0" indent="-285750" defTabSz="914400" rtl="0" eaLnBrk="0" fontAlgn="base" latinLnBrk="0" hangingPunct="0">
+              <a:lnSpc>
+                <a:spcPct val="100000"/>
+              </a:lnSpc>
+              <a:spcBef>
+                <a:spcPct val="0"/>
+              </a:spcBef>
+              <a:spcAft>
+                <a:spcPct val="0"/>
+              </a:spcAft>
+              <a:buClrTx/>
+              <a:buSzTx/>
+              <a:buFont typeface="Arial" panose="020B0604020202020204" pitchFamily="34" charset="0"/>
+              <a:buChar char="•"/>
+              <a:tabLst/>
+            </a:pPr>
+            <a:r>
+              <a:rPr kumimoji="0" lang="es-CL" altLang="es-CL" sz="1800" b="1" i="0" u="none" strike="noStrike" cap="none" normalizeH="0" baseline="0" dirty="0">
+                <a:ln>
+                  <a:noFill/>
+                </a:ln>
+                <a:solidFill>
+                  <a:schemeClr val="tx1"/>
+                </a:solidFill>
+                <a:effectLst/>
+                <a:latin typeface="Arial" panose="020B0604020202020204" pitchFamily="34" charset="0"/>
+              </a:rPr>
+              <a:t>Optimización para Consultas:</a:t>
+            </a:r>
+            <a:endParaRPr kumimoji="0" lang="es-CL" altLang="es-CL" sz="1800" b="0" i="0" u="none" strike="noStrike" cap="none" normalizeH="0" baseline="0" dirty="0">
+              <a:ln>
+                <a:noFill/>
+              </a:ln>
+              <a:solidFill>
+                <a:schemeClr val="tx1"/>
+              </a:solidFill>
+              <a:effectLst/>
+              <a:latin typeface="Arial" panose="020B0604020202020204" pitchFamily="34" charset="0"/>
+            </a:endParaRPr>
+          </a:p>
+          <a:p>
+            <a:pPr marL="285750" marR="0" lvl="0" indent="-285750" defTabSz="914400" rtl="0" eaLnBrk="0" fontAlgn="base" latinLnBrk="0" hangingPunct="0">
+              <a:lnSpc>
+                <a:spcPct val="100000"/>
+              </a:lnSpc>
+              <a:spcBef>
+                <a:spcPct val="0"/>
+              </a:spcBef>
+              <a:spcAft>
+                <a:spcPct val="0"/>
+              </a:spcAft>
+              <a:buClrTx/>
+              <a:buSzTx/>
+              <a:buFont typeface="Courier New" panose="02070309020205020404" pitchFamily="49" charset="0"/>
+              <a:buChar char="o"/>
+              <a:tabLst/>
+            </a:pPr>
+            <a:r>
+              <a:rPr kumimoji="0" lang="es-CL" altLang="es-CL" sz="1800" b="0" i="0" u="none" strike="noStrike" cap="none" normalizeH="0" baseline="0" dirty="0">
+                <a:ln>
+                  <a:noFill/>
+                </a:ln>
+                <a:solidFill>
+                  <a:schemeClr val="tx1"/>
+                </a:solidFill>
+                <a:effectLst/>
+                <a:latin typeface="Arial" panose="020B0604020202020204" pitchFamily="34" charset="0"/>
+              </a:rPr>
+              <a:t>Índices en campos clave como ID, Fecha de Vencimiento y Código de Barras, lo que agiliza las consultas y reportes frecuentes.</a:t>
+            </a:r>
+          </a:p>
+          <a:p>
+            <a:pPr marL="0" marR="0" lvl="0" indent="0" defTabSz="914400" rtl="0" eaLnBrk="0" fontAlgn="base" latinLnBrk="0" hangingPunct="0">
+              <a:lnSpc>
+                <a:spcPct val="100000"/>
+              </a:lnSpc>
+              <a:spcBef>
+                <a:spcPct val="0"/>
+              </a:spcBef>
+              <a:spcAft>
+                <a:spcPct val="0"/>
+              </a:spcAft>
+              <a:buClrTx/>
+              <a:buSzTx/>
+              <a:buFontTx/>
+              <a:buNone/>
+              <a:tabLst/>
+            </a:pPr>
+            <a:endParaRPr kumimoji="0" lang="es-CL" altLang="es-CL" sz="1800" b="0" i="0" u="none" strike="noStrike" cap="none" normalizeH="0" baseline="0" dirty="0">
+              <a:ln>
+                <a:noFill/>
+              </a:ln>
+              <a:solidFill>
+                <a:schemeClr val="tx1"/>
+              </a:solidFill>
+              <a:effectLst/>
+              <a:latin typeface="Arial" panose="020B0604020202020204" pitchFamily="34" charset="0"/>
+            </a:endParaRPr>
+          </a:p>
+        </p:txBody>
+      </p:sp>
+    </p:spTree>
+    <p:extLst>
+      <p:ext uri="{BB962C8B-B14F-4D97-AF65-F5344CB8AC3E}">
+        <p14:creationId xmlns:p14="http://schemas.microsoft.com/office/powerpoint/2010/main" val="2752457618"/>
       </p:ext>
     </p:extLst>
   </p:cSld>
